--- a/Django.pptx
+++ b/Django.pptx
@@ -12,9 +12,9 @@
     <p:sldId id="265" r:id="rId3"/>
     <p:sldId id="275" r:id="rId4"/>
     <p:sldId id="257" r:id="rId5"/>
-    <p:sldId id="270" r:id="rId6"/>
-    <p:sldId id="271" r:id="rId7"/>
-    <p:sldId id="264" r:id="rId8"/>
+    <p:sldId id="264" r:id="rId6"/>
+    <p:sldId id="270" r:id="rId7"/>
+    <p:sldId id="276" r:id="rId8"/>
     <p:sldId id="266" r:id="rId9"/>
     <p:sldId id="272" r:id="rId10"/>
     <p:sldId id="273" r:id="rId11"/>
@@ -176,9 +176,9 @@
 
 <file path=ppt/comments/comment3.xml><?xml version="1.0" encoding="utf-8"?>
 <p:cmLst xmlns:a="http://schemas.openxmlformats.org/drawingml/2006/main" xmlns:r="http://schemas.openxmlformats.org/officeDocument/2006/relationships" xmlns:p="http://schemas.openxmlformats.org/presentationml/2006/main">
-  <p:cm authorId="1" dt="2016-05-14T17:52:52.618" idx="3">
-    <p:pos x="1144" y="3226"/>
-    <p:text>这里添加演示</p:text>
+  <p:cm authorId="1" dt="2016-05-14T17:19:25.089" idx="2">
+    <p:pos x="1932" y="2385"/>
+    <p:text>测试可以标灰，表示很少写测试。。。</p:text>
     <p:extLst>
       <p:ext uri="{C676402C-5697-4E1C-873F-D02D1690AC5C}">
         <p15:threadingInfo xmlns:p15="http://schemas.microsoft.com/office/powerpoint/2012/main" timeZoneBias="-480"/>
@@ -190,9 +190,9 @@
 
 <file path=ppt/comments/comment4.xml><?xml version="1.0" encoding="utf-8"?>
 <p:cmLst xmlns:a="http://schemas.openxmlformats.org/drawingml/2006/main" xmlns:r="http://schemas.openxmlformats.org/officeDocument/2006/relationships" xmlns:p="http://schemas.openxmlformats.org/presentationml/2006/main">
-  <p:cm authorId="1" dt="2016-05-14T17:19:25.089" idx="2">
-    <p:pos x="1932" y="2385"/>
-    <p:text>测试可以标灰，表示很少写测试。。。</p:text>
+  <p:cm authorId="1" dt="2016-05-14T17:52:52.618" idx="3">
+    <p:pos x="1144" y="3226"/>
+    <p:text>这里添加演示</p:text>
     <p:extLst>
       <p:ext uri="{C676402C-5697-4E1C-873F-D02D1690AC5C}">
         <p15:threadingInfo xmlns:p15="http://schemas.microsoft.com/office/powerpoint/2012/main" timeZoneBias="-480"/>
@@ -596,6 +596,80 @@
           <a:bodyPr/>
           <a:lstStyle/>
           <a:p>
+            <a:r>
+              <a:rPr lang="zh-CN" altLang="en-US" dirty="0" smtClean="0"/>
+              <a:t>现在为止，很多新闻网站开发者依然在用</a:t>
+            </a:r>
+            <a:r>
+              <a:rPr lang="en-US" altLang="zh-CN" dirty="0" smtClean="0"/>
+              <a:t>Django</a:t>
+            </a:r>
+            <a:r>
+              <a:rPr lang="zh-CN" altLang="en-US" dirty="0" smtClean="0"/>
+              <a:t>，比如华盛顿邮报，</a:t>
+            </a:r>
+            <a:r>
+              <a:rPr lang="en-US" altLang="zh-CN" dirty="0" smtClean="0"/>
+              <a:t>The Guardian</a:t>
+            </a:r>
+            <a:r>
+              <a:rPr lang="zh-CN" altLang="en-US" dirty="0" smtClean="0"/>
+              <a:t>（卫报）</a:t>
+            </a:r>
+            <a:endParaRPr lang="en-US" altLang="zh-CN" dirty="0" smtClean="0"/>
+          </a:p>
+          <a:p>
+            <a:r>
+              <a:rPr lang="zh-CN" altLang="en-US" dirty="0" smtClean="0"/>
+              <a:t>除了新闻网站，其他比较知名的基于</a:t>
+            </a:r>
+            <a:r>
+              <a:rPr lang="en-US" altLang="zh-CN" dirty="0" smtClean="0"/>
+              <a:t>Django</a:t>
+            </a:r>
+            <a:r>
+              <a:rPr lang="zh-CN" altLang="en-US" dirty="0" smtClean="0"/>
+              <a:t>框架的网站有</a:t>
+            </a:r>
+            <a:r>
+              <a:rPr lang="en-US" altLang="zh-CN" dirty="0" smtClean="0"/>
+              <a:t>Instagram</a:t>
+            </a:r>
+            <a:r>
+              <a:rPr lang="zh-CN" altLang="en-US" dirty="0" smtClean="0"/>
+              <a:t>，</a:t>
+            </a:r>
+            <a:r>
+              <a:rPr lang="en-US" altLang="zh-CN" dirty="0" err="1" smtClean="0"/>
+              <a:t>Bitbucket</a:t>
+            </a:r>
+            <a:r>
+              <a:rPr lang="zh-CN" altLang="en-US" dirty="0" smtClean="0"/>
+              <a:t>，</a:t>
+            </a:r>
+            <a:r>
+              <a:rPr lang="en-US" altLang="zh-CN" dirty="0" smtClean="0"/>
+              <a:t>Pinterest</a:t>
+            </a:r>
+            <a:r>
+              <a:rPr lang="zh-CN" altLang="en-US" dirty="0" smtClean="0"/>
+              <a:t>，等。</a:t>
+            </a:r>
+            <a:endParaRPr lang="en-US" altLang="zh-CN" dirty="0" smtClean="0"/>
+          </a:p>
+          <a:p>
+            <a:r>
+              <a:rPr lang="zh-CN" altLang="en-US" dirty="0" smtClean="0"/>
+              <a:t>此外，国内比较火的豆瓣，知乎，国外的</a:t>
+            </a:r>
+            <a:r>
+              <a:rPr lang="en-US" altLang="zh-CN" dirty="0" err="1" smtClean="0"/>
+              <a:t>Quora</a:t>
+            </a:r>
+            <a:r>
+              <a:rPr lang="zh-CN" altLang="en-US" dirty="0" smtClean="0"/>
+              <a:t>，用的是什么框架？</a:t>
+            </a:r>
             <a:endParaRPr lang="zh-CN" altLang="en-US" dirty="0"/>
           </a:p>
         </p:txBody>
@@ -617,7 +691,7 @@
           <a:p>
             <a:fld id="{E19F4402-642D-4A35-922B-32A4A2331BFF}" type="slidenum">
               <a:rPr lang="zh-CN" altLang="en-US" smtClean="0"/>
-              <a:t>1</a:t>
+              <a:t>2</a:t>
             </a:fld>
             <a:endParaRPr lang="zh-CN" altLang="en-US"/>
           </a:p>
@@ -626,7 +700,7 @@
     </p:spTree>
     <p:extLst>
       <p:ext uri="{BB962C8B-B14F-4D97-AF65-F5344CB8AC3E}">
-        <p14:creationId xmlns:p14="http://schemas.microsoft.com/office/powerpoint/2010/main" val="1907743662"/>
+        <p14:creationId xmlns:p14="http://schemas.microsoft.com/office/powerpoint/2010/main" val="2505584700"/>
       </p:ext>
     </p:extLst>
   </p:cSld>
@@ -682,30 +756,133 @@
           <a:p>
             <a:r>
               <a:rPr lang="zh-CN" altLang="en-US" dirty="0" smtClean="0"/>
-              <a:t>现在为止，很多新闻网站开发者依然在用</a:t>
-            </a:r>
+              <a:t>如果你要学习一个框架，你应该学习基础的概念包括这些。。。</a:t>
+            </a:r>
+            <a:endParaRPr lang="en-US" altLang="zh-CN" dirty="0" smtClean="0"/>
+          </a:p>
+          <a:p>
+            <a:endParaRPr lang="en-US" altLang="zh-CN" dirty="0" smtClean="0"/>
+          </a:p>
+          <a:p>
+            <a:r>
+              <a:rPr lang="zh-CN" altLang="en-US" dirty="0" smtClean="0"/>
+              <a:t>模型层表示数据库的存储，这个没有什么争议</a:t>
+            </a:r>
+            <a:endParaRPr lang="en-US" altLang="zh-CN" dirty="0" smtClean="0"/>
+          </a:p>
+          <a:p>
+            <a:r>
+              <a:rPr lang="zh-CN" altLang="en-US" dirty="0" smtClean="0"/>
+              <a:t>视图层表示数据的展示方式，字体，样式等</a:t>
+            </a:r>
+            <a:endParaRPr lang="en-US" altLang="zh-CN" dirty="0" smtClean="0"/>
+          </a:p>
+          <a:p>
+            <a:pPr marL="0" marR="0" indent="0" algn="l" defTabSz="914400" rtl="0" eaLnBrk="1" fontAlgn="auto" latinLnBrk="0" hangingPunct="1">
+              <a:lnSpc>
+                <a:spcPct val="100000"/>
+              </a:lnSpc>
+              <a:spcBef>
+                <a:spcPts val="0"/>
+              </a:spcBef>
+              <a:spcAft>
+                <a:spcPts val="0"/>
+              </a:spcAft>
+              <a:buClrTx/>
+              <a:buSzTx/>
+              <a:buFontTx/>
+              <a:buNone/>
+              <a:tabLst/>
+              <a:defRPr/>
+            </a:pPr>
+            <a:r>
+              <a:rPr lang="zh-CN" altLang="en-US" dirty="0" smtClean="0"/>
+              <a:t>控制层表示数据的处理，查询，计算等</a:t>
+            </a:r>
+            <a:endParaRPr lang="en-US" altLang="zh-CN" dirty="0" smtClean="0"/>
+          </a:p>
+          <a:p>
+            <a:endParaRPr lang="en-US" altLang="zh-CN" dirty="0" smtClean="0"/>
+          </a:p>
+          <a:p>
+            <a:pPr marL="0" marR="0" indent="0" algn="l" defTabSz="914400" rtl="0" eaLnBrk="1" fontAlgn="auto" latinLnBrk="0" hangingPunct="1">
+              <a:lnSpc>
+                <a:spcPct val="100000"/>
+              </a:lnSpc>
+              <a:spcBef>
+                <a:spcPts val="0"/>
+              </a:spcBef>
+              <a:spcAft>
+                <a:spcPts val="0"/>
+              </a:spcAft>
+              <a:buClrTx/>
+              <a:buSzTx/>
+              <a:buFontTx/>
+              <a:buNone/>
+              <a:tabLst/>
+              <a:defRPr/>
+            </a:pPr>
             <a:r>
               <a:rPr lang="en-US" altLang="zh-CN" dirty="0" smtClean="0"/>
               <a:t>Django</a:t>
             </a:r>
             <a:r>
               <a:rPr lang="zh-CN" altLang="en-US" dirty="0" smtClean="0"/>
-              <a:t>，比如华盛顿邮报，</a:t>
+              <a:t>是一个</a:t>
             </a:r>
             <a:r>
               <a:rPr lang="en-US" altLang="zh-CN" dirty="0" smtClean="0"/>
-              <a:t>The Guardian</a:t>
+              <a:t>MVC</a:t>
             </a:r>
             <a:r>
               <a:rPr lang="zh-CN" altLang="en-US" dirty="0" smtClean="0"/>
-              <a:t>（卫报）</a:t>
+              <a:t>模型，</a:t>
             </a:r>
             <a:endParaRPr lang="en-US" altLang="zh-CN" dirty="0" smtClean="0"/>
           </a:p>
           <a:p>
             <a:r>
               <a:rPr lang="zh-CN" altLang="en-US" dirty="0" smtClean="0"/>
-              <a:t>除了新闻网站，其他比较知名的基于</a:t>
+              <a:t>但是他管</a:t>
+            </a:r>
+            <a:r>
+              <a:rPr lang="en-US" altLang="zh-CN" dirty="0" smtClean="0"/>
+              <a:t>Controller</a:t>
+            </a:r>
+            <a:r>
+              <a:rPr lang="zh-CN" altLang="en-US" dirty="0" smtClean="0"/>
+              <a:t>叫做</a:t>
+            </a:r>
+            <a:r>
+              <a:rPr lang="en-US" altLang="zh-CN" dirty="0" smtClean="0"/>
+              <a:t>View</a:t>
+            </a:r>
+            <a:r>
+              <a:rPr lang="zh-CN" altLang="en-US" dirty="0" smtClean="0"/>
+              <a:t>，管</a:t>
+            </a:r>
+            <a:r>
+              <a:rPr lang="en-US" altLang="zh-CN" dirty="0" smtClean="0"/>
+              <a:t>View</a:t>
+            </a:r>
+            <a:r>
+              <a:rPr lang="zh-CN" altLang="en-US" dirty="0" smtClean="0"/>
+              <a:t>叫</a:t>
+            </a:r>
+            <a:r>
+              <a:rPr lang="en-US" altLang="zh-CN" dirty="0" smtClean="0"/>
+              <a:t>Template</a:t>
+            </a:r>
+            <a:r>
+              <a:rPr lang="zh-CN" altLang="en-US" dirty="0" smtClean="0"/>
+              <a:t>。</a:t>
+            </a:r>
+            <a:endParaRPr lang="en-US" altLang="zh-CN" dirty="0" smtClean="0"/>
+          </a:p>
+          <a:p>
+            <a:r>
+              <a:rPr lang="zh-CN" altLang="en-US" dirty="0" smtClean="0"/>
+              <a:t>在</a:t>
             </a:r>
             <a:r>
               <a:rPr lang="en-US" altLang="zh-CN" dirty="0" smtClean="0"/>
@@ -713,46 +890,48 @@
             </a:r>
             <a:r>
               <a:rPr lang="zh-CN" altLang="en-US" dirty="0" smtClean="0"/>
-              <a:t>框架的网站有</a:t>
+              <a:t>中，</a:t>
             </a:r>
             <a:r>
               <a:rPr lang="en-US" altLang="zh-CN" dirty="0" smtClean="0"/>
-              <a:t>Instagram</a:t>
+              <a:t>View</a:t>
             </a:r>
             <a:r>
               <a:rPr lang="zh-CN" altLang="en-US" dirty="0" smtClean="0"/>
-              <a:t>，</a:t>
-            </a:r>
-            <a:r>
-              <a:rPr lang="en-US" altLang="zh-CN" dirty="0" err="1" smtClean="0"/>
-              <a:t>Bitbucket</a:t>
-            </a:r>
+              <a:t>是</a:t>
+            </a:r>
+            <a:endParaRPr lang="en-US" altLang="zh-CN" dirty="0" smtClean="0"/>
+          </a:p>
+          <a:p>
+            <a:endParaRPr lang="en-US" altLang="zh-CN" dirty="0" smtClean="0"/>
+          </a:p>
+          <a:p>
             <a:r>
               <a:rPr lang="zh-CN" altLang="en-US" dirty="0" smtClean="0"/>
-              <a:t>，</a:t>
+              <a:t>对象关系映射 </a:t>
             </a:r>
             <a:r>
               <a:rPr lang="en-US" altLang="zh-CN" dirty="0" smtClean="0"/>
-              <a:t>Pinterest</a:t>
-            </a:r>
+              <a:t>Object-relational</a:t>
+            </a:r>
+            <a:r>
+              <a:rPr lang="en-US" altLang="zh-CN" baseline="0" dirty="0" smtClean="0"/>
+              <a:t> mapper</a:t>
+            </a:r>
+            <a:endParaRPr lang="en-US" altLang="zh-CN" dirty="0" smtClean="0"/>
+          </a:p>
+          <a:p>
             <a:r>
               <a:rPr lang="zh-CN" altLang="en-US" dirty="0" smtClean="0"/>
-              <a:t>，等。</a:t>
-            </a:r>
-            <a:endParaRPr lang="en-US" altLang="zh-CN" dirty="0" smtClean="0"/>
-          </a:p>
-          <a:p>
+              <a:t>一旦学会了一个框架，那么再去学习新的框架就变的很简单了，因为各种</a:t>
+            </a:r>
+            <a:r>
+              <a:rPr lang="en-US" altLang="zh-CN" dirty="0" smtClean="0"/>
+              <a:t>Web</a:t>
+            </a:r>
             <a:r>
               <a:rPr lang="zh-CN" altLang="en-US" dirty="0" smtClean="0"/>
-              <a:t>此外，国内比较火的豆瓣，知乎，国外的</a:t>
-            </a:r>
-            <a:r>
-              <a:rPr lang="en-US" altLang="zh-CN" dirty="0" err="1" smtClean="0"/>
-              <a:t>Quora</a:t>
-            </a:r>
-            <a:r>
-              <a:rPr lang="zh-CN" altLang="en-US" dirty="0" smtClean="0"/>
-              <a:t>，用的是什么框架？</a:t>
+              <a:t>框架的基本功能是高度类似的</a:t>
             </a:r>
             <a:endParaRPr lang="zh-CN" altLang="en-US" dirty="0"/>
           </a:p>
@@ -775,7 +954,7 @@
           <a:p>
             <a:fld id="{E19F4402-642D-4A35-922B-32A4A2331BFF}" type="slidenum">
               <a:rPr lang="zh-CN" altLang="en-US" smtClean="0"/>
-              <a:t>2</a:t>
+              <a:t>3</a:t>
             </a:fld>
             <a:endParaRPr lang="zh-CN" altLang="en-US"/>
           </a:p>
@@ -784,7 +963,7 @@
     </p:spTree>
     <p:extLst>
       <p:ext uri="{BB962C8B-B14F-4D97-AF65-F5344CB8AC3E}">
-        <p14:creationId xmlns:p14="http://schemas.microsoft.com/office/powerpoint/2010/main" val="2505584700"/>
+        <p14:creationId xmlns:p14="http://schemas.microsoft.com/office/powerpoint/2010/main" val="3621120386"/>
       </p:ext>
     </p:extLst>
   </p:cSld>
@@ -840,184 +1019,45 @@
           <a:p>
             <a:r>
               <a:rPr lang="zh-CN" altLang="en-US" dirty="0" smtClean="0"/>
-              <a:t>如果你要学习一个框架，你应该学习基础的概念包括这些。。。</a:t>
+              <a:t>关于</a:t>
+            </a:r>
+            <a:r>
+              <a:rPr lang="en-US" altLang="zh-CN" dirty="0" smtClean="0"/>
+              <a:t>Scale</a:t>
+            </a:r>
+            <a:r>
+              <a:rPr lang="zh-CN" altLang="en-US" dirty="0" smtClean="0"/>
+              <a:t>的问题：</a:t>
             </a:r>
             <a:endParaRPr lang="en-US" altLang="zh-CN" dirty="0" smtClean="0"/>
           </a:p>
           <a:p>
-            <a:endParaRPr lang="en-US" altLang="zh-CN" dirty="0" smtClean="0"/>
-          </a:p>
-          <a:p>
-            <a:r>
-              <a:rPr lang="zh-CN" altLang="en-US" dirty="0" smtClean="0"/>
-              <a:t>模型层表示数据库的存储，这个没有什么争议</a:t>
-            </a:r>
-            <a:endParaRPr lang="en-US" altLang="zh-CN" dirty="0" smtClean="0"/>
-          </a:p>
-          <a:p>
-            <a:r>
-              <a:rPr lang="zh-CN" altLang="en-US" dirty="0" smtClean="0"/>
-              <a:t>视图层表示数据的展示方式，字体，样式等</a:t>
-            </a:r>
-            <a:endParaRPr lang="en-US" altLang="zh-CN" dirty="0" smtClean="0"/>
-          </a:p>
-          <a:p>
-            <a:pPr marL="0" marR="0" indent="0" algn="l" defTabSz="914400" rtl="0" eaLnBrk="1" fontAlgn="auto" latinLnBrk="0" hangingPunct="1">
-              <a:lnSpc>
-                <a:spcPct val="100000"/>
-              </a:lnSpc>
-              <a:spcBef>
-                <a:spcPts val="0"/>
-              </a:spcBef>
-              <a:spcAft>
-                <a:spcPts val="0"/>
-              </a:spcAft>
-              <a:buClrTx/>
-              <a:buSzTx/>
-              <a:buFontTx/>
-              <a:buNone/>
-              <a:tabLst/>
-              <a:defRPr/>
+            <a:pPr marL="228600" indent="-228600">
+              <a:buAutoNum type="arabicPeriod"/>
             </a:pPr>
             <a:r>
-              <a:rPr lang="zh-CN" altLang="en-US" dirty="0" smtClean="0"/>
-              <a:t>控制层表示数据的处理，查询，计算等</a:t>
-            </a:r>
-            <a:endParaRPr lang="en-US" altLang="zh-CN" dirty="0" smtClean="0"/>
-          </a:p>
-          <a:p>
-            <a:endParaRPr lang="en-US" altLang="zh-CN" dirty="0" smtClean="0"/>
-          </a:p>
-          <a:p>
-            <a:pPr marL="0" marR="0" indent="0" algn="l" defTabSz="914400" rtl="0" eaLnBrk="1" fontAlgn="auto" latinLnBrk="0" hangingPunct="1">
-              <a:lnSpc>
-                <a:spcPct val="100000"/>
-              </a:lnSpc>
-              <a:spcBef>
-                <a:spcPts val="0"/>
-              </a:spcBef>
-              <a:spcAft>
-                <a:spcPts val="0"/>
-              </a:spcAft>
-              <a:buClrTx/>
-              <a:buSzTx/>
-              <a:buFontTx/>
-              <a:buNone/>
-              <a:tabLst/>
-              <a:defRPr/>
+              <a:rPr lang="en-US" altLang="zh-CN" baseline="0" dirty="0" smtClean="0"/>
+              <a:t>Django </a:t>
+            </a:r>
+            <a:r>
+              <a:rPr lang="zh-CN" altLang="en-US" baseline="0" dirty="0" smtClean="0"/>
+              <a:t>最大的网站是哪个</a:t>
+            </a:r>
+            <a:r>
+              <a:rPr lang="en-US" altLang="zh-CN" baseline="0" dirty="0" smtClean="0"/>
+              <a:t>? </a:t>
+            </a:r>
+            <a:r>
+              <a:rPr lang="zh-CN" altLang="en-US" baseline="0" dirty="0" smtClean="0"/>
+              <a:t>最大指用户访问量</a:t>
+            </a:r>
+            <a:endParaRPr lang="en-US" altLang="zh-CN" baseline="0" dirty="0" smtClean="0"/>
+          </a:p>
+          <a:p>
+            <a:pPr marL="228600" indent="-228600">
+              <a:buAutoNum type="arabicPeriod"/>
             </a:pPr>
-            <a:r>
-              <a:rPr lang="en-US" altLang="zh-CN" dirty="0" smtClean="0"/>
-              <a:t>Django</a:t>
-            </a:r>
-            <a:r>
-              <a:rPr lang="zh-CN" altLang="en-US" dirty="0" smtClean="0"/>
-              <a:t>是一个</a:t>
-            </a:r>
-            <a:r>
-              <a:rPr lang="en-US" altLang="zh-CN" dirty="0" smtClean="0"/>
-              <a:t>MVC</a:t>
-            </a:r>
-            <a:r>
-              <a:rPr lang="zh-CN" altLang="en-US" dirty="0" smtClean="0"/>
-              <a:t>模型，</a:t>
-            </a:r>
-            <a:endParaRPr lang="en-US" altLang="zh-CN" dirty="0" smtClean="0"/>
-          </a:p>
-          <a:p>
-            <a:r>
-              <a:rPr lang="zh-CN" altLang="en-US" dirty="0" smtClean="0"/>
-              <a:t>但是他管</a:t>
-            </a:r>
-            <a:r>
-              <a:rPr lang="en-US" altLang="zh-CN" dirty="0" smtClean="0"/>
-              <a:t>Controller</a:t>
-            </a:r>
-            <a:r>
-              <a:rPr lang="zh-CN" altLang="en-US" dirty="0" smtClean="0"/>
-              <a:t>叫做</a:t>
-            </a:r>
-            <a:r>
-              <a:rPr lang="en-US" altLang="zh-CN" dirty="0" smtClean="0"/>
-              <a:t>View</a:t>
-            </a:r>
-            <a:r>
-              <a:rPr lang="zh-CN" altLang="en-US" dirty="0" smtClean="0"/>
-              <a:t>，管</a:t>
-            </a:r>
-            <a:r>
-              <a:rPr lang="en-US" altLang="zh-CN" dirty="0" smtClean="0"/>
-              <a:t>View</a:t>
-            </a:r>
-            <a:r>
-              <a:rPr lang="zh-CN" altLang="en-US" dirty="0" smtClean="0"/>
-              <a:t>叫</a:t>
-            </a:r>
-            <a:r>
-              <a:rPr lang="en-US" altLang="zh-CN" dirty="0" smtClean="0"/>
-              <a:t>Template</a:t>
-            </a:r>
-            <a:r>
-              <a:rPr lang="zh-CN" altLang="en-US" dirty="0" smtClean="0"/>
-              <a:t>。</a:t>
-            </a:r>
-            <a:endParaRPr lang="en-US" altLang="zh-CN" dirty="0" smtClean="0"/>
-          </a:p>
-          <a:p>
-            <a:r>
-              <a:rPr lang="zh-CN" altLang="en-US" dirty="0" smtClean="0"/>
-              <a:t>在</a:t>
-            </a:r>
-            <a:r>
-              <a:rPr lang="en-US" altLang="zh-CN" dirty="0" smtClean="0"/>
-              <a:t>Django</a:t>
-            </a:r>
-            <a:r>
-              <a:rPr lang="zh-CN" altLang="en-US" dirty="0" smtClean="0"/>
-              <a:t>中，</a:t>
-            </a:r>
-            <a:r>
-              <a:rPr lang="en-US" altLang="zh-CN" dirty="0" smtClean="0"/>
-              <a:t>View</a:t>
-            </a:r>
-            <a:r>
-              <a:rPr lang="zh-CN" altLang="en-US" dirty="0" smtClean="0"/>
-              <a:t>是</a:t>
-            </a:r>
-            <a:endParaRPr lang="en-US" altLang="zh-CN" dirty="0" smtClean="0"/>
-          </a:p>
-          <a:p>
-            <a:endParaRPr lang="en-US" altLang="zh-CN" dirty="0" smtClean="0"/>
-          </a:p>
-          <a:p>
-            <a:r>
-              <a:rPr lang="zh-CN" altLang="en-US" dirty="0" smtClean="0"/>
-              <a:t>对象关系映射 </a:t>
-            </a:r>
-            <a:r>
-              <a:rPr lang="en-US" altLang="zh-CN" dirty="0" smtClean="0"/>
-              <a:t>Object-relational</a:t>
-            </a:r>
-            <a:r>
-              <a:rPr lang="en-US" altLang="zh-CN" baseline="0" dirty="0" smtClean="0"/>
-              <a:t> mapper</a:t>
-            </a:r>
-            <a:endParaRPr lang="en-US" altLang="zh-CN" dirty="0" smtClean="0"/>
-          </a:p>
-          <a:p>
-            <a:r>
-              <a:rPr lang="zh-CN" altLang="en-US" dirty="0" smtClean="0"/>
-              <a:t>一旦学会了一个框架，那么再去学习新的框架就变的很简单了，因为各种</a:t>
-            </a:r>
-            <a:r>
-              <a:rPr lang="en-US" altLang="zh-CN" dirty="0" smtClean="0"/>
-              <a:t>Web</a:t>
-            </a:r>
-            <a:r>
-              <a:rPr lang="zh-CN" altLang="en-US" dirty="0" smtClean="0"/>
-              <a:t>框架的基本功能是高度类似的</a:t>
-            </a:r>
-            <a:endParaRPr lang="zh-CN" altLang="en-US" dirty="0"/>
+            <a:endParaRPr lang="en-US" altLang="zh-CN" baseline="0" dirty="0" smtClean="0"/>
           </a:p>
         </p:txBody>
       </p:sp>
@@ -1038,7 +1078,7 @@
           <a:p>
             <a:fld id="{E19F4402-642D-4A35-922B-32A4A2331BFF}" type="slidenum">
               <a:rPr lang="zh-CN" altLang="en-US" smtClean="0"/>
-              <a:t>3</a:t>
+              <a:t>4</a:t>
             </a:fld>
             <a:endParaRPr lang="zh-CN" altLang="en-US"/>
           </a:p>
@@ -1047,7 +1087,7 @@
     </p:spTree>
     <p:extLst>
       <p:ext uri="{BB962C8B-B14F-4D97-AF65-F5344CB8AC3E}">
-        <p14:creationId xmlns:p14="http://schemas.microsoft.com/office/powerpoint/2010/main" val="3621120386"/>
+        <p14:creationId xmlns:p14="http://schemas.microsoft.com/office/powerpoint/2010/main" val="2215782714"/>
       </p:ext>
     </p:extLst>
   </p:cSld>
@@ -1101,47 +1141,7 @@
           <a:bodyPr/>
           <a:lstStyle/>
           <a:p>
-            <a:r>
-              <a:rPr lang="zh-CN" altLang="en-US" dirty="0" smtClean="0"/>
-              <a:t>关于</a:t>
-            </a:r>
-            <a:r>
-              <a:rPr lang="en-US" altLang="zh-CN" dirty="0" smtClean="0"/>
-              <a:t>Scale</a:t>
-            </a:r>
-            <a:r>
-              <a:rPr lang="zh-CN" altLang="en-US" dirty="0" smtClean="0"/>
-              <a:t>的问题：</a:t>
-            </a:r>
-            <a:endParaRPr lang="en-US" altLang="zh-CN" dirty="0" smtClean="0"/>
-          </a:p>
-          <a:p>
-            <a:pPr marL="228600" indent="-228600">
-              <a:buAutoNum type="arabicPeriod"/>
-            </a:pPr>
-            <a:r>
-              <a:rPr lang="en-US" altLang="zh-CN" baseline="0" dirty="0" smtClean="0"/>
-              <a:t>Django </a:t>
-            </a:r>
-            <a:r>
-              <a:rPr lang="zh-CN" altLang="en-US" baseline="0" dirty="0" smtClean="0"/>
-              <a:t>最大的网站是哪个</a:t>
-            </a:r>
-            <a:r>
-              <a:rPr lang="en-US" altLang="zh-CN" baseline="0" dirty="0" smtClean="0"/>
-              <a:t>? </a:t>
-            </a:r>
-            <a:r>
-              <a:rPr lang="zh-CN" altLang="en-US" baseline="0" dirty="0" smtClean="0"/>
-              <a:t>最大指用户访问量</a:t>
-            </a:r>
-            <a:endParaRPr lang="en-US" altLang="zh-CN" baseline="0" dirty="0" smtClean="0"/>
-          </a:p>
-          <a:p>
-            <a:pPr marL="228600" indent="-228600">
-              <a:buAutoNum type="arabicPeriod"/>
-            </a:pPr>
-            <a:endParaRPr lang="en-US" altLang="zh-CN" baseline="0" dirty="0" smtClean="0"/>
+            <a:endParaRPr lang="zh-CN" altLang="en-US" dirty="0"/>
           </a:p>
         </p:txBody>
       </p:sp>
@@ -1162,7 +1162,7 @@
           <a:p>
             <a:fld id="{E19F4402-642D-4A35-922B-32A4A2331BFF}" type="slidenum">
               <a:rPr lang="zh-CN" altLang="en-US" smtClean="0"/>
-              <a:t>4</a:t>
+              <a:t>8</a:t>
             </a:fld>
             <a:endParaRPr lang="zh-CN" altLang="en-US"/>
           </a:p>
@@ -1171,175 +1171,7 @@
     </p:spTree>
     <p:extLst>
       <p:ext uri="{BB962C8B-B14F-4D97-AF65-F5344CB8AC3E}">
-        <p14:creationId xmlns:p14="http://schemas.microsoft.com/office/powerpoint/2010/main" val="2215782714"/>
-      </p:ext>
-    </p:extLst>
-  </p:cSld>
-  <p:clrMapOvr>
-    <a:masterClrMapping/>
-  </p:clrMapOvr>
-</p:notes>
-</file>
-
-<file path=ppt/notesSlides/notesSlide5.xml><?xml version="1.0" encoding="utf-8"?>
-<p:notes xmlns:a="http://schemas.openxmlformats.org/drawingml/2006/main" xmlns:r="http://schemas.openxmlformats.org/officeDocument/2006/relationships" xmlns:p="http://schemas.openxmlformats.org/presentationml/2006/main">
-  <p:cSld>
-    <p:spTree>
-      <p:nvGrpSpPr>
-        <p:cNvPr id="1" name=""/>
-        <p:cNvGrpSpPr/>
-        <p:nvPr/>
-      </p:nvGrpSpPr>
-      <p:grpSpPr>
-        <a:xfrm>
-          <a:off x="0" y="0"/>
-          <a:ext cx="0" cy="0"/>
-          <a:chOff x="0" y="0"/>
-          <a:chExt cx="0" cy="0"/>
-        </a:xfrm>
-      </p:grpSpPr>
-      <p:sp>
-        <p:nvSpPr>
-          <p:cNvPr id="2" name="幻灯片图像占位符 1"/>
-          <p:cNvSpPr>
-            <a:spLocks noGrp="1" noRot="1" noChangeAspect="1"/>
-          </p:cNvSpPr>
-          <p:nvPr>
-            <p:ph type="sldImg"/>
-          </p:nvPr>
-        </p:nvSpPr>
-        <p:spPr/>
-      </p:sp>
-      <p:sp>
-        <p:nvSpPr>
-          <p:cNvPr id="3" name="备注占位符 2"/>
-          <p:cNvSpPr>
-            <a:spLocks noGrp="1"/>
-          </p:cNvSpPr>
-          <p:nvPr>
-            <p:ph type="body" idx="1"/>
-          </p:nvPr>
-        </p:nvSpPr>
-        <p:spPr/>
-        <p:txBody>
-          <a:bodyPr/>
-          <a:lstStyle/>
-          <a:p>
-            <a:endParaRPr lang="zh-CN" altLang="en-US" dirty="0"/>
-          </a:p>
-        </p:txBody>
-      </p:sp>
-      <p:sp>
-        <p:nvSpPr>
-          <p:cNvPr id="4" name="灯片编号占位符 3"/>
-          <p:cNvSpPr>
-            <a:spLocks noGrp="1"/>
-          </p:cNvSpPr>
-          <p:nvPr>
-            <p:ph type="sldNum" sz="quarter" idx="10"/>
-          </p:nvPr>
-        </p:nvSpPr>
-        <p:spPr/>
-        <p:txBody>
-          <a:bodyPr/>
-          <a:lstStyle/>
-          <a:p>
-            <a:fld id="{E19F4402-642D-4A35-922B-32A4A2331BFF}" type="slidenum">
-              <a:rPr lang="zh-CN" altLang="en-US" smtClean="0"/>
-              <a:t>5</a:t>
-            </a:fld>
-            <a:endParaRPr lang="zh-CN" altLang="en-US"/>
-          </a:p>
-        </p:txBody>
-      </p:sp>
-    </p:spTree>
-    <p:extLst>
-      <p:ext uri="{BB962C8B-B14F-4D97-AF65-F5344CB8AC3E}">
-        <p14:creationId xmlns:p14="http://schemas.microsoft.com/office/powerpoint/2010/main" val="3582293055"/>
-      </p:ext>
-    </p:extLst>
-  </p:cSld>
-  <p:clrMapOvr>
-    <a:masterClrMapping/>
-  </p:clrMapOvr>
-</p:notes>
-</file>
-
-<file path=ppt/notesSlides/notesSlide6.xml><?xml version="1.0" encoding="utf-8"?>
-<p:notes xmlns:a="http://schemas.openxmlformats.org/drawingml/2006/main" xmlns:r="http://schemas.openxmlformats.org/officeDocument/2006/relationships" xmlns:p="http://schemas.openxmlformats.org/presentationml/2006/main">
-  <p:cSld>
-    <p:spTree>
-      <p:nvGrpSpPr>
-        <p:cNvPr id="1" name=""/>
-        <p:cNvGrpSpPr/>
-        <p:nvPr/>
-      </p:nvGrpSpPr>
-      <p:grpSpPr>
-        <a:xfrm>
-          <a:off x="0" y="0"/>
-          <a:ext cx="0" cy="0"/>
-          <a:chOff x="0" y="0"/>
-          <a:chExt cx="0" cy="0"/>
-        </a:xfrm>
-      </p:grpSpPr>
-      <p:sp>
-        <p:nvSpPr>
-          <p:cNvPr id="2" name="幻灯片图像占位符 1"/>
-          <p:cNvSpPr>
-            <a:spLocks noGrp="1" noRot="1" noChangeAspect="1"/>
-          </p:cNvSpPr>
-          <p:nvPr>
-            <p:ph type="sldImg"/>
-          </p:nvPr>
-        </p:nvSpPr>
-        <p:spPr/>
-      </p:sp>
-      <p:sp>
-        <p:nvSpPr>
-          <p:cNvPr id="3" name="备注占位符 2"/>
-          <p:cNvSpPr>
-            <a:spLocks noGrp="1"/>
-          </p:cNvSpPr>
-          <p:nvPr>
-            <p:ph type="body" idx="1"/>
-          </p:nvPr>
-        </p:nvSpPr>
-        <p:spPr/>
-        <p:txBody>
-          <a:bodyPr/>
-          <a:lstStyle/>
-          <a:p>
-            <a:endParaRPr lang="zh-CN" altLang="en-US" dirty="0"/>
-          </a:p>
-        </p:txBody>
-      </p:sp>
-      <p:sp>
-        <p:nvSpPr>
-          <p:cNvPr id="4" name="灯片编号占位符 3"/>
-          <p:cNvSpPr>
-            <a:spLocks noGrp="1"/>
-          </p:cNvSpPr>
-          <p:nvPr>
-            <p:ph type="sldNum" sz="quarter" idx="10"/>
-          </p:nvPr>
-        </p:nvSpPr>
-        <p:spPr/>
-        <p:txBody>
-          <a:bodyPr/>
-          <a:lstStyle/>
-          <a:p>
-            <a:fld id="{E19F4402-642D-4A35-922B-32A4A2331BFF}" type="slidenum">
-              <a:rPr lang="zh-CN" altLang="en-US" smtClean="0"/>
-              <a:t>11</a:t>
-            </a:fld>
-            <a:endParaRPr lang="zh-CN" altLang="en-US"/>
-          </a:p>
-        </p:txBody>
-      </p:sp>
-    </p:spTree>
-    <p:extLst>
-      <p:ext uri="{BB962C8B-B14F-4D97-AF65-F5344CB8AC3E}">
-        <p14:creationId xmlns:p14="http://schemas.microsoft.com/office/powerpoint/2010/main" val="2326062495"/>
+        <p14:creationId xmlns:p14="http://schemas.microsoft.com/office/powerpoint/2010/main" val="1026174500"/>
       </p:ext>
     </p:extLst>
   </p:cSld>
@@ -4260,7 +4092,15 @@
             </a:r>
             <a:r>
               <a:rPr lang="en-US" altLang="zh-CN" dirty="0" smtClean="0"/>
-              <a:t>IDC </a:t>
+              <a:t>IDC</a:t>
+            </a:r>
+            <a:r>
+              <a:rPr lang="zh-CN" altLang="en-US" dirty="0" smtClean="0"/>
+              <a:t>开发组</a:t>
+            </a:r>
+            <a:r>
+              <a:rPr lang="en-US" altLang="zh-CN" dirty="0" smtClean="0"/>
+              <a:t> </a:t>
             </a:r>
             <a:r>
               <a:rPr lang="zh-CN" altLang="en-US" dirty="0" smtClean="0"/>
@@ -4346,24 +4186,94 @@
           <a:lstStyle/>
           <a:p>
             <a:r>
+              <a:rPr lang="zh-CN" altLang="en-US" dirty="0" smtClean="0"/>
+              <a:t>查询</a:t>
+            </a:r>
+            <a:r>
+              <a:rPr lang="zh-CN" altLang="en-US" dirty="0" smtClean="0"/>
+              <a:t>集</a:t>
+            </a:r>
+            <a:r>
               <a:rPr lang="en-US" altLang="zh-CN" dirty="0" err="1" smtClean="0"/>
               <a:t>QuerySet</a:t>
             </a:r>
             <a:endParaRPr lang="en-US" altLang="zh-CN" dirty="0" smtClean="0"/>
           </a:p>
           <a:p>
+            <a:pPr lvl="1"/>
             <a:r>
               <a:rPr lang="en-US" altLang="zh-CN" dirty="0" smtClean="0"/>
-              <a:t>Q</a:t>
-            </a:r>
-            <a:r>
-              <a:rPr lang="zh-CN" altLang="en-US" dirty="0" smtClean="0"/>
-              <a:t>查询</a:t>
-            </a:r>
-            <a:endParaRPr lang="zh-CN" altLang="en-US" dirty="0"/>
+              <a:t> </a:t>
+            </a:r>
+            <a:r>
+              <a:rPr lang="en-US" altLang="zh-CN" dirty="0" err="1" smtClean="0"/>
+              <a:t>FOO.objects.create</a:t>
+            </a:r>
+            <a:r>
+              <a:rPr lang="en-US" altLang="zh-CN" dirty="0" smtClean="0"/>
+              <a:t>()</a:t>
+            </a:r>
+          </a:p>
+          <a:p>
+            <a:pPr lvl="1"/>
+            <a:r>
+              <a:rPr lang="en-US" altLang="zh-CN" dirty="0" smtClean="0"/>
+              <a:t> </a:t>
+            </a:r>
+            <a:r>
+              <a:rPr lang="en-US" altLang="zh-CN" dirty="0" err="1" smtClean="0"/>
+              <a:t>FOO.objects.get</a:t>
+            </a:r>
+            <a:r>
+              <a:rPr lang="en-US" altLang="zh-CN" dirty="0" smtClean="0"/>
+              <a:t>()</a:t>
+            </a:r>
+          </a:p>
+          <a:p>
+            <a:pPr lvl="1"/>
+            <a:r>
+              <a:rPr lang="en-US" altLang="zh-CN" dirty="0" smtClean="0"/>
+              <a:t> </a:t>
+            </a:r>
+            <a:r>
+              <a:rPr lang="en-US" altLang="zh-CN" dirty="0" err="1" smtClean="0"/>
+              <a:t>FOO.objects.filter</a:t>
+            </a:r>
+            <a:r>
+              <a:rPr lang="en-US" altLang="zh-CN" dirty="0" smtClean="0"/>
+              <a:t>()</a:t>
+            </a:r>
+          </a:p>
+          <a:p>
+            <a:pPr lvl="1"/>
+            <a:endParaRPr lang="en-US" altLang="zh-CN" dirty="0" smtClean="0"/>
           </a:p>
         </p:txBody>
       </p:sp>
+      <p:pic>
+        <p:nvPicPr>
+          <p:cNvPr id="4" name="图片 3"/>
+          <p:cNvPicPr>
+            <a:picLocks noChangeAspect="1"/>
+          </p:cNvPicPr>
+          <p:nvPr/>
+        </p:nvPicPr>
+        <p:blipFill>
+          <a:blip r:embed="rId2"/>
+          <a:stretch>
+            <a:fillRect/>
+          </a:stretch>
+        </p:blipFill>
+        <p:spPr>
+          <a:xfrm>
+            <a:off x="5262008" y="2201493"/>
+            <a:ext cx="5772150" cy="923925"/>
+          </a:xfrm>
+          <a:prstGeom prst="rect">
+            <a:avLst/>
+          </a:prstGeom>
+        </p:spPr>
+      </p:pic>
     </p:spTree>
     <p:extLst>
       <p:ext uri="{BB962C8B-B14F-4D97-AF65-F5344CB8AC3E}">
@@ -4374,6 +4284,13 @@
   <p:clrMapOvr>
     <a:masterClrMapping/>
   </p:clrMapOvr>
+  <p:timing>
+    <p:tnLst>
+      <p:par>
+        <p:cTn id="1" dur="indefinite" restart="never" nodeType="tmRoot"/>
+      </p:par>
+    </p:tnLst>
+  </p:timing>
 </p:sld>
 </file>
 
@@ -4457,7 +4374,7 @@
           <p:nvPr/>
         </p:nvPicPr>
         <p:blipFill>
-          <a:blip r:embed="rId3"/>
+          <a:blip r:embed="rId2"/>
           <a:stretch>
             <a:fillRect/>
           </a:stretch>
@@ -4482,6 +4399,13 @@
   <p:clrMapOvr>
     <a:masterClrMapping/>
   </p:clrMapOvr>
+  <p:timing>
+    <p:tnLst>
+      <p:par>
+        <p:cTn id="1" dur="indefinite" restart="never" nodeType="tmRoot"/>
+      </p:par>
+    </p:tnLst>
+  </p:timing>
 </p:sld>
 </file>
 
@@ -4540,14 +4464,6 @@
           <a:bodyPr/>
           <a:lstStyle/>
           <a:p>
-            <a:r>
-              <a:rPr lang="en-US" altLang="zh-CN" dirty="0" err="1" smtClean="0"/>
-              <a:t>Sdfas</a:t>
-            </a:r>
-            <a:r>
-              <a:rPr lang="en-US" altLang="zh-CN" smtClean="0"/>
-              <a:t> </a:t>
-            </a:r>
             <a:endParaRPr lang="zh-CN" altLang="en-US"/>
           </a:p>
         </p:txBody>
@@ -4562,6 +4478,13 @@
   <p:clrMapOvr>
     <a:masterClrMapping/>
   </p:clrMapOvr>
+  <p:timing>
+    <p:tnLst>
+      <p:par>
+        <p:cTn id="1" dur="indefinite" restart="never" nodeType="tmRoot"/>
+      </p:par>
+    </p:tnLst>
+  </p:timing>
 </p:sld>
 </file>
 
@@ -4912,6 +4835,13 @@
   <p:clrMapOvr>
     <a:masterClrMapping/>
   </p:clrMapOvr>
+  <p:timing>
+    <p:tnLst>
+      <p:par>
+        <p:cTn id="1" dur="indefinite" restart="never" nodeType="tmRoot"/>
+      </p:par>
+    </p:tnLst>
+  </p:timing>
 </p:sld>
 </file>
 
@@ -4984,6 +4914,13 @@
   <p:clrMapOvr>
     <a:masterClrMapping/>
   </p:clrMapOvr>
+  <p:timing>
+    <p:tnLst>
+      <p:par>
+        <p:cTn id="1" dur="indefinite" restart="never" nodeType="tmRoot"/>
+      </p:par>
+    </p:tnLst>
+  </p:timing>
 </p:sld>
 </file>
 
@@ -5088,6 +5025,13 @@
   <p:clrMapOvr>
     <a:masterClrMapping/>
   </p:clrMapOvr>
+  <p:timing>
+    <p:tnLst>
+      <p:par>
+        <p:cTn id="1" dur="indefinite" restart="never" nodeType="tmRoot"/>
+      </p:par>
+    </p:tnLst>
+  </p:timing>
 </p:sld>
 </file>
 
@@ -5164,6 +5108,13 @@
   <p:clrMapOvr>
     <a:masterClrMapping/>
   </p:clrMapOvr>
+  <p:timing>
+    <p:tnLst>
+      <p:par>
+        <p:cTn id="1" dur="indefinite" restart="never" nodeType="tmRoot"/>
+      </p:par>
+    </p:tnLst>
+  </p:timing>
 </p:sld>
 </file>
 
@@ -5254,6 +5205,13 @@
   <p:clrMapOvr>
     <a:masterClrMapping/>
   </p:clrMapOvr>
+  <p:timing>
+    <p:tnLst>
+      <p:par>
+        <p:cTn id="1" dur="indefinite" restart="never" nodeType="tmRoot"/>
+      </p:par>
+    </p:tnLst>
+  </p:timing>
 </p:sld>
 </file>
 
@@ -5330,6 +5288,13 @@
   <p:clrMapOvr>
     <a:masterClrMapping/>
   </p:clrMapOvr>
+  <p:timing>
+    <p:tnLst>
+      <p:par>
+        <p:cTn id="1" dur="indefinite" restart="never" nodeType="tmRoot"/>
+      </p:par>
+    </p:tnLst>
+  </p:timing>
 </p:sld>
 </file>
 
@@ -5398,6 +5363,13 @@
   <p:clrMapOvr>
     <a:masterClrMapping/>
   </p:clrMapOvr>
+  <p:timing>
+    <p:tnLst>
+      <p:par>
+        <p:cTn id="1" dur="indefinite" restart="never" nodeType="tmRoot"/>
+      </p:par>
+    </p:tnLst>
+  </p:timing>
 </p:sld>
 </file>
 
@@ -5506,6 +5478,12 @@
           </a:p>
           <a:p>
             <a:r>
+              <a:rPr lang="en-US" altLang="zh-CN" dirty="0" smtClean="0"/>
+              <a:t>Roadmap</a:t>
+            </a:r>
+          </a:p>
+          <a:p>
+            <a:r>
               <a:rPr lang="zh-CN" altLang="en-US" dirty="0" smtClean="0"/>
               <a:t>案例 </a:t>
             </a:r>
@@ -5545,7 +5523,7 @@
         </p:blipFill>
         <p:spPr>
           <a:xfrm>
-            <a:off x="4609609" y="2832010"/>
+            <a:off x="4609609" y="2276261"/>
             <a:ext cx="6565338" cy="2785018"/>
           </a:xfrm>
           <a:prstGeom prst="rect">
@@ -5569,7 +5547,7 @@
         </p:blipFill>
         <p:spPr>
           <a:xfrm>
-            <a:off x="3305855" y="4099288"/>
+            <a:off x="4609609" y="2537154"/>
             <a:ext cx="6886575" cy="2524125"/>
           </a:xfrm>
           <a:prstGeom prst="rect">
@@ -5590,7 +5568,512 @@
   <p:timing>
     <p:tnLst>
       <p:par>
-        <p:cTn id="1" dur="indefinite" restart="never" nodeType="tmRoot"/>
+        <p:cTn id="1" dur="indefinite" restart="never" nodeType="tmRoot">
+          <p:childTnLst>
+            <p:seq concurrent="1" nextAc="seek">
+              <p:cTn id="2" dur="indefinite" nodeType="mainSeq">
+                <p:childTnLst>
+                  <p:par>
+                    <p:cTn id="3" fill="hold">
+                      <p:stCondLst>
+                        <p:cond delay="indefinite"/>
+                      </p:stCondLst>
+                      <p:childTnLst>
+                        <p:par>
+                          <p:cTn id="4" fill="hold">
+                            <p:stCondLst>
+                              <p:cond delay="0"/>
+                            </p:stCondLst>
+                            <p:childTnLst>
+                              <p:par>
+                                <p:cTn id="5" presetID="1" presetClass="entr" presetSubtype="0" fill="hold" nodeType="clickEffect">
+                                  <p:stCondLst>
+                                    <p:cond delay="0"/>
+                                  </p:stCondLst>
+                                  <p:childTnLst>
+                                    <p:set>
+                                      <p:cBhvr>
+                                        <p:cTn id="6" dur="1" fill="hold">
+                                          <p:stCondLst>
+                                            <p:cond delay="0"/>
+                                          </p:stCondLst>
+                                        </p:cTn>
+                                        <p:tgtEl>
+                                          <p:spTgt spid="3">
+                                            <p:txEl>
+                                              <p:pRg st="0" end="0"/>
+                                            </p:txEl>
+                                          </p:spTgt>
+                                        </p:tgtEl>
+                                        <p:attrNameLst>
+                                          <p:attrName>style.visibility</p:attrName>
+                                        </p:attrNameLst>
+                                      </p:cBhvr>
+                                      <p:to>
+                                        <p:strVal val="visible"/>
+                                      </p:to>
+                                    </p:set>
+                                  </p:childTnLst>
+                                </p:cTn>
+                              </p:par>
+                            </p:childTnLst>
+                          </p:cTn>
+                        </p:par>
+                      </p:childTnLst>
+                    </p:cTn>
+                  </p:par>
+                  <p:par>
+                    <p:cTn id="7" fill="hold">
+                      <p:stCondLst>
+                        <p:cond delay="indefinite"/>
+                      </p:stCondLst>
+                      <p:childTnLst>
+                        <p:par>
+                          <p:cTn id="8" fill="hold">
+                            <p:stCondLst>
+                              <p:cond delay="0"/>
+                            </p:stCondLst>
+                            <p:childTnLst>
+                              <p:par>
+                                <p:cTn id="9" presetID="1" presetClass="entr" presetSubtype="0" fill="hold" nodeType="clickEffect">
+                                  <p:stCondLst>
+                                    <p:cond delay="0"/>
+                                  </p:stCondLst>
+                                  <p:childTnLst>
+                                    <p:set>
+                                      <p:cBhvr>
+                                        <p:cTn id="10" dur="1" fill="hold">
+                                          <p:stCondLst>
+                                            <p:cond delay="0"/>
+                                          </p:stCondLst>
+                                        </p:cTn>
+                                        <p:tgtEl>
+                                          <p:spTgt spid="3">
+                                            <p:txEl>
+                                              <p:pRg st="1" end="1"/>
+                                            </p:txEl>
+                                          </p:spTgt>
+                                        </p:tgtEl>
+                                        <p:attrNameLst>
+                                          <p:attrName>style.visibility</p:attrName>
+                                        </p:attrNameLst>
+                                      </p:cBhvr>
+                                      <p:to>
+                                        <p:strVal val="visible"/>
+                                      </p:to>
+                                    </p:set>
+                                  </p:childTnLst>
+                                </p:cTn>
+                              </p:par>
+                            </p:childTnLst>
+                          </p:cTn>
+                        </p:par>
+                      </p:childTnLst>
+                    </p:cTn>
+                  </p:par>
+                  <p:par>
+                    <p:cTn id="11" fill="hold">
+                      <p:stCondLst>
+                        <p:cond delay="indefinite"/>
+                      </p:stCondLst>
+                      <p:childTnLst>
+                        <p:par>
+                          <p:cTn id="12" fill="hold">
+                            <p:stCondLst>
+                              <p:cond delay="0"/>
+                            </p:stCondLst>
+                            <p:childTnLst>
+                              <p:par>
+                                <p:cTn id="13" presetID="1" presetClass="entr" presetSubtype="0" fill="hold" nodeType="clickEffect">
+                                  <p:stCondLst>
+                                    <p:cond delay="0"/>
+                                  </p:stCondLst>
+                                  <p:childTnLst>
+                                    <p:set>
+                                      <p:cBhvr>
+                                        <p:cTn id="14" dur="1" fill="hold">
+                                          <p:stCondLst>
+                                            <p:cond delay="0"/>
+                                          </p:stCondLst>
+                                        </p:cTn>
+                                        <p:tgtEl>
+                                          <p:spTgt spid="3">
+                                            <p:txEl>
+                                              <p:pRg st="2" end="2"/>
+                                            </p:txEl>
+                                          </p:spTgt>
+                                        </p:tgtEl>
+                                        <p:attrNameLst>
+                                          <p:attrName>style.visibility</p:attrName>
+                                        </p:attrNameLst>
+                                      </p:cBhvr>
+                                      <p:to>
+                                        <p:strVal val="visible"/>
+                                      </p:to>
+                                    </p:set>
+                                  </p:childTnLst>
+                                </p:cTn>
+                              </p:par>
+                            </p:childTnLst>
+                          </p:cTn>
+                        </p:par>
+                      </p:childTnLst>
+                    </p:cTn>
+                  </p:par>
+                  <p:par>
+                    <p:cTn id="15" fill="hold">
+                      <p:stCondLst>
+                        <p:cond delay="indefinite"/>
+                      </p:stCondLst>
+                      <p:childTnLst>
+                        <p:par>
+                          <p:cTn id="16" fill="hold">
+                            <p:stCondLst>
+                              <p:cond delay="0"/>
+                            </p:stCondLst>
+                            <p:childTnLst>
+                              <p:par>
+                                <p:cTn id="17" presetID="1" presetClass="entr" presetSubtype="0" fill="hold" nodeType="clickEffect">
+                                  <p:stCondLst>
+                                    <p:cond delay="0"/>
+                                  </p:stCondLst>
+                                  <p:childTnLst>
+                                    <p:set>
+                                      <p:cBhvr>
+                                        <p:cTn id="18" dur="1" fill="hold">
+                                          <p:stCondLst>
+                                            <p:cond delay="0"/>
+                                          </p:stCondLst>
+                                        </p:cTn>
+                                        <p:tgtEl>
+                                          <p:spTgt spid="4"/>
+                                        </p:tgtEl>
+                                        <p:attrNameLst>
+                                          <p:attrName>style.visibility</p:attrName>
+                                        </p:attrNameLst>
+                                      </p:cBhvr>
+                                      <p:to>
+                                        <p:strVal val="visible"/>
+                                      </p:to>
+                                    </p:set>
+                                  </p:childTnLst>
+                                </p:cTn>
+                              </p:par>
+                            </p:childTnLst>
+                          </p:cTn>
+                        </p:par>
+                      </p:childTnLst>
+                    </p:cTn>
+                  </p:par>
+                  <p:par>
+                    <p:cTn id="19" fill="hold">
+                      <p:stCondLst>
+                        <p:cond delay="indefinite"/>
+                      </p:stCondLst>
+                      <p:childTnLst>
+                        <p:par>
+                          <p:cTn id="20" fill="hold">
+                            <p:stCondLst>
+                              <p:cond delay="0"/>
+                            </p:stCondLst>
+                            <p:childTnLst>
+                              <p:par>
+                                <p:cTn id="21" presetID="1" presetClass="entr" presetSubtype="0" fill="hold" nodeType="clickEffect">
+                                  <p:stCondLst>
+                                    <p:cond delay="0"/>
+                                  </p:stCondLst>
+                                  <p:childTnLst>
+                                    <p:set>
+                                      <p:cBhvr>
+                                        <p:cTn id="22" dur="1" fill="hold">
+                                          <p:stCondLst>
+                                            <p:cond delay="0"/>
+                                          </p:stCondLst>
+                                        </p:cTn>
+                                        <p:tgtEl>
+                                          <p:spTgt spid="3">
+                                            <p:txEl>
+                                              <p:pRg st="3" end="3"/>
+                                            </p:txEl>
+                                          </p:spTgt>
+                                        </p:tgtEl>
+                                        <p:attrNameLst>
+                                          <p:attrName>style.visibility</p:attrName>
+                                        </p:attrNameLst>
+                                      </p:cBhvr>
+                                      <p:to>
+                                        <p:strVal val="visible"/>
+                                      </p:to>
+                                    </p:set>
+                                  </p:childTnLst>
+                                </p:cTn>
+                              </p:par>
+                            </p:childTnLst>
+                          </p:cTn>
+                        </p:par>
+                      </p:childTnLst>
+                    </p:cTn>
+                  </p:par>
+                  <p:par>
+                    <p:cTn id="23" fill="hold">
+                      <p:stCondLst>
+                        <p:cond delay="indefinite"/>
+                      </p:stCondLst>
+                      <p:childTnLst>
+                        <p:par>
+                          <p:cTn id="24" fill="hold">
+                            <p:stCondLst>
+                              <p:cond delay="0"/>
+                            </p:stCondLst>
+                            <p:childTnLst>
+                              <p:par>
+                                <p:cTn id="25" presetID="1" presetClass="entr" presetSubtype="0" fill="hold" nodeType="clickEffect">
+                                  <p:stCondLst>
+                                    <p:cond delay="0"/>
+                                  </p:stCondLst>
+                                  <p:childTnLst>
+                                    <p:set>
+                                      <p:cBhvr>
+                                        <p:cTn id="26" dur="1" fill="hold">
+                                          <p:stCondLst>
+                                            <p:cond delay="0"/>
+                                          </p:stCondLst>
+                                        </p:cTn>
+                                        <p:tgtEl>
+                                          <p:spTgt spid="3">
+                                            <p:txEl>
+                                              <p:pRg st="4" end="4"/>
+                                            </p:txEl>
+                                          </p:spTgt>
+                                        </p:tgtEl>
+                                        <p:attrNameLst>
+                                          <p:attrName>style.visibility</p:attrName>
+                                        </p:attrNameLst>
+                                      </p:cBhvr>
+                                      <p:to>
+                                        <p:strVal val="visible"/>
+                                      </p:to>
+                                    </p:set>
+                                  </p:childTnLst>
+                                </p:cTn>
+                              </p:par>
+                            </p:childTnLst>
+                          </p:cTn>
+                        </p:par>
+                      </p:childTnLst>
+                    </p:cTn>
+                  </p:par>
+                  <p:par>
+                    <p:cTn id="27" fill="hold">
+                      <p:stCondLst>
+                        <p:cond delay="indefinite"/>
+                      </p:stCondLst>
+                      <p:childTnLst>
+                        <p:par>
+                          <p:cTn id="28" fill="hold">
+                            <p:stCondLst>
+                              <p:cond delay="0"/>
+                            </p:stCondLst>
+                            <p:childTnLst>
+                              <p:par>
+                                <p:cTn id="29" presetID="1" presetClass="entr" presetSubtype="0" fill="hold" nodeType="clickEffect">
+                                  <p:stCondLst>
+                                    <p:cond delay="0"/>
+                                  </p:stCondLst>
+                                  <p:childTnLst>
+                                    <p:set>
+                                      <p:cBhvr>
+                                        <p:cTn id="30" dur="1" fill="hold">
+                                          <p:stCondLst>
+                                            <p:cond delay="0"/>
+                                          </p:stCondLst>
+                                        </p:cTn>
+                                        <p:tgtEl>
+                                          <p:spTgt spid="3">
+                                            <p:txEl>
+                                              <p:pRg st="5" end="5"/>
+                                            </p:txEl>
+                                          </p:spTgt>
+                                        </p:tgtEl>
+                                        <p:attrNameLst>
+                                          <p:attrName>style.visibility</p:attrName>
+                                        </p:attrNameLst>
+                                      </p:cBhvr>
+                                      <p:to>
+                                        <p:strVal val="visible"/>
+                                      </p:to>
+                                    </p:set>
+                                  </p:childTnLst>
+                                </p:cTn>
+                              </p:par>
+                            </p:childTnLst>
+                          </p:cTn>
+                        </p:par>
+                      </p:childTnLst>
+                    </p:cTn>
+                  </p:par>
+                  <p:par>
+                    <p:cTn id="31" fill="hold">
+                      <p:stCondLst>
+                        <p:cond delay="indefinite"/>
+                      </p:stCondLst>
+                      <p:childTnLst>
+                        <p:par>
+                          <p:cTn id="32" fill="hold">
+                            <p:stCondLst>
+                              <p:cond delay="0"/>
+                            </p:stCondLst>
+                            <p:childTnLst>
+                              <p:par>
+                                <p:cTn id="33" presetID="1" presetClass="entr" presetSubtype="0" fill="hold" nodeType="clickEffect">
+                                  <p:stCondLst>
+                                    <p:cond delay="0"/>
+                                  </p:stCondLst>
+                                  <p:childTnLst>
+                                    <p:set>
+                                      <p:cBhvr>
+                                        <p:cTn id="34" dur="1" fill="hold">
+                                          <p:stCondLst>
+                                            <p:cond delay="0"/>
+                                          </p:stCondLst>
+                                        </p:cTn>
+                                        <p:tgtEl>
+                                          <p:spTgt spid="3">
+                                            <p:txEl>
+                                              <p:pRg st="6" end="6"/>
+                                            </p:txEl>
+                                          </p:spTgt>
+                                        </p:tgtEl>
+                                        <p:attrNameLst>
+                                          <p:attrName>style.visibility</p:attrName>
+                                        </p:attrNameLst>
+                                      </p:cBhvr>
+                                      <p:to>
+                                        <p:strVal val="visible"/>
+                                      </p:to>
+                                    </p:set>
+                                  </p:childTnLst>
+                                </p:cTn>
+                              </p:par>
+                            </p:childTnLst>
+                          </p:cTn>
+                        </p:par>
+                      </p:childTnLst>
+                    </p:cTn>
+                  </p:par>
+                  <p:par>
+                    <p:cTn id="35" fill="hold">
+                      <p:stCondLst>
+                        <p:cond delay="indefinite"/>
+                      </p:stCondLst>
+                      <p:childTnLst>
+                        <p:par>
+                          <p:cTn id="36" fill="hold">
+                            <p:stCondLst>
+                              <p:cond delay="0"/>
+                            </p:stCondLst>
+                            <p:childTnLst>
+                              <p:par>
+                                <p:cTn id="37" presetID="1" presetClass="entr" presetSubtype="0" fill="hold" nodeType="clickEffect">
+                                  <p:stCondLst>
+                                    <p:cond delay="0"/>
+                                  </p:stCondLst>
+                                  <p:childTnLst>
+                                    <p:set>
+                                      <p:cBhvr>
+                                        <p:cTn id="38" dur="1" fill="hold">
+                                          <p:stCondLst>
+                                            <p:cond delay="0"/>
+                                          </p:stCondLst>
+                                        </p:cTn>
+                                        <p:tgtEl>
+                                          <p:spTgt spid="5"/>
+                                        </p:tgtEl>
+                                        <p:attrNameLst>
+                                          <p:attrName>style.visibility</p:attrName>
+                                        </p:attrNameLst>
+                                      </p:cBhvr>
+                                      <p:to>
+                                        <p:strVal val="visible"/>
+                                      </p:to>
+                                    </p:set>
+                                  </p:childTnLst>
+                                </p:cTn>
+                              </p:par>
+                            </p:childTnLst>
+                          </p:cTn>
+                        </p:par>
+                      </p:childTnLst>
+                    </p:cTn>
+                  </p:par>
+                  <p:par>
+                    <p:cTn id="39" fill="hold">
+                      <p:stCondLst>
+                        <p:cond delay="indefinite"/>
+                      </p:stCondLst>
+                      <p:childTnLst>
+                        <p:par>
+                          <p:cTn id="40" fill="hold">
+                            <p:stCondLst>
+                              <p:cond delay="0"/>
+                            </p:stCondLst>
+                            <p:childTnLst>
+                              <p:par>
+                                <p:cTn id="41" presetID="1" presetClass="entr" presetSubtype="0" fill="hold" nodeType="clickEffect">
+                                  <p:stCondLst>
+                                    <p:cond delay="0"/>
+                                  </p:stCondLst>
+                                  <p:childTnLst>
+                                    <p:set>
+                                      <p:cBhvr>
+                                        <p:cTn id="42" dur="1" fill="hold">
+                                          <p:stCondLst>
+                                            <p:cond delay="0"/>
+                                          </p:stCondLst>
+                                        </p:cTn>
+                                        <p:tgtEl>
+                                          <p:spTgt spid="3">
+                                            <p:txEl>
+                                              <p:pRg st="7" end="7"/>
+                                            </p:txEl>
+                                          </p:spTgt>
+                                        </p:tgtEl>
+                                        <p:attrNameLst>
+                                          <p:attrName>style.visibility</p:attrName>
+                                        </p:attrNameLst>
+                                      </p:cBhvr>
+                                      <p:to>
+                                        <p:strVal val="visible"/>
+                                      </p:to>
+                                    </p:set>
+                                  </p:childTnLst>
+                                </p:cTn>
+                              </p:par>
+                            </p:childTnLst>
+                          </p:cTn>
+                        </p:par>
+                      </p:childTnLst>
+                    </p:cTn>
+                  </p:par>
+                </p:childTnLst>
+              </p:cTn>
+              <p:prevCondLst>
+                <p:cond evt="onPrev" delay="0">
+                  <p:tgtEl>
+                    <p:sldTgt/>
+                  </p:tgtEl>
+                </p:cond>
+              </p:prevCondLst>
+              <p:nextCondLst>
+                <p:cond evt="onNext" delay="0">
+                  <p:tgtEl>
+                    <p:sldTgt/>
+                  </p:tgtEl>
+                </p:cond>
+              </p:nextCondLst>
+            </p:seq>
+          </p:childTnLst>
+        </p:cTn>
       </p:par>
     </p:tnLst>
   </p:timing>
@@ -5662,6 +6145,13 @@
   <p:clrMapOvr>
     <a:masterClrMapping/>
   </p:clrMapOvr>
+  <p:timing>
+    <p:tnLst>
+      <p:par>
+        <p:cTn id="1" dur="indefinite" restart="never" nodeType="tmRoot"/>
+      </p:par>
+    </p:tnLst>
+  </p:timing>
 </p:sld>
 </file>
 
@@ -5742,8 +6232,9 @@
             </a:r>
             <a:r>
               <a:rPr lang="en-US" altLang="zh-CN" dirty="0" smtClean="0"/>
-              <a:t>: </a:t>
-            </a:r>
+              <a:t> </a:t>
+            </a:r>
+            <a:endParaRPr lang="en-US" altLang="zh-CN" dirty="0" smtClean="0"/>
           </a:p>
           <a:p>
             <a:pPr lvl="2"/>
@@ -5827,7 +6318,471 @@
   <p:timing>
     <p:tnLst>
       <p:par>
-        <p:cTn id="1" dur="indefinite" restart="never" nodeType="tmRoot"/>
+        <p:cTn id="1" dur="indefinite" restart="never" nodeType="tmRoot">
+          <p:childTnLst>
+            <p:seq concurrent="1" nextAc="seek">
+              <p:cTn id="2" dur="indefinite" nodeType="mainSeq">
+                <p:childTnLst>
+                  <p:par>
+                    <p:cTn id="3" fill="hold">
+                      <p:stCondLst>
+                        <p:cond delay="indefinite"/>
+                      </p:stCondLst>
+                      <p:childTnLst>
+                        <p:par>
+                          <p:cTn id="4" fill="hold">
+                            <p:stCondLst>
+                              <p:cond delay="0"/>
+                            </p:stCondLst>
+                            <p:childTnLst>
+                              <p:par>
+                                <p:cTn id="5" presetID="1" presetClass="entr" presetSubtype="0" fill="hold" nodeType="clickEffect">
+                                  <p:stCondLst>
+                                    <p:cond delay="0"/>
+                                  </p:stCondLst>
+                                  <p:childTnLst>
+                                    <p:set>
+                                      <p:cBhvr>
+                                        <p:cTn id="6" dur="1" fill="hold">
+                                          <p:stCondLst>
+                                            <p:cond delay="0"/>
+                                          </p:stCondLst>
+                                        </p:cTn>
+                                        <p:tgtEl>
+                                          <p:spTgt spid="3">
+                                            <p:txEl>
+                                              <p:pRg st="0" end="0"/>
+                                            </p:txEl>
+                                          </p:spTgt>
+                                        </p:tgtEl>
+                                        <p:attrNameLst>
+                                          <p:attrName>style.visibility</p:attrName>
+                                        </p:attrNameLst>
+                                      </p:cBhvr>
+                                      <p:to>
+                                        <p:strVal val="visible"/>
+                                      </p:to>
+                                    </p:set>
+                                  </p:childTnLst>
+                                </p:cTn>
+                              </p:par>
+                            </p:childTnLst>
+                          </p:cTn>
+                        </p:par>
+                      </p:childTnLst>
+                    </p:cTn>
+                  </p:par>
+                  <p:par>
+                    <p:cTn id="7" fill="hold">
+                      <p:stCondLst>
+                        <p:cond delay="indefinite"/>
+                      </p:stCondLst>
+                      <p:childTnLst>
+                        <p:par>
+                          <p:cTn id="8" fill="hold">
+                            <p:stCondLst>
+                              <p:cond delay="0"/>
+                            </p:stCondLst>
+                            <p:childTnLst>
+                              <p:par>
+                                <p:cTn id="9" presetID="1" presetClass="entr" presetSubtype="0" fill="hold" nodeType="clickEffect">
+                                  <p:stCondLst>
+                                    <p:cond delay="0"/>
+                                  </p:stCondLst>
+                                  <p:childTnLst>
+                                    <p:set>
+                                      <p:cBhvr>
+                                        <p:cTn id="10" dur="1" fill="hold">
+                                          <p:stCondLst>
+                                            <p:cond delay="0"/>
+                                          </p:stCondLst>
+                                        </p:cTn>
+                                        <p:tgtEl>
+                                          <p:spTgt spid="3">
+                                            <p:txEl>
+                                              <p:pRg st="1" end="1"/>
+                                            </p:txEl>
+                                          </p:spTgt>
+                                        </p:tgtEl>
+                                        <p:attrNameLst>
+                                          <p:attrName>style.visibility</p:attrName>
+                                        </p:attrNameLst>
+                                      </p:cBhvr>
+                                      <p:to>
+                                        <p:strVal val="visible"/>
+                                      </p:to>
+                                    </p:set>
+                                  </p:childTnLst>
+                                </p:cTn>
+                              </p:par>
+                            </p:childTnLst>
+                          </p:cTn>
+                        </p:par>
+                      </p:childTnLst>
+                    </p:cTn>
+                  </p:par>
+                  <p:par>
+                    <p:cTn id="11" fill="hold">
+                      <p:stCondLst>
+                        <p:cond delay="indefinite"/>
+                      </p:stCondLst>
+                      <p:childTnLst>
+                        <p:par>
+                          <p:cTn id="12" fill="hold">
+                            <p:stCondLst>
+                              <p:cond delay="0"/>
+                            </p:stCondLst>
+                            <p:childTnLst>
+                              <p:par>
+                                <p:cTn id="13" presetID="1" presetClass="entr" presetSubtype="0" fill="hold" nodeType="clickEffect">
+                                  <p:stCondLst>
+                                    <p:cond delay="0"/>
+                                  </p:stCondLst>
+                                  <p:childTnLst>
+                                    <p:set>
+                                      <p:cBhvr>
+                                        <p:cTn id="14" dur="1" fill="hold">
+                                          <p:stCondLst>
+                                            <p:cond delay="0"/>
+                                          </p:stCondLst>
+                                        </p:cTn>
+                                        <p:tgtEl>
+                                          <p:spTgt spid="3">
+                                            <p:txEl>
+                                              <p:pRg st="2" end="2"/>
+                                            </p:txEl>
+                                          </p:spTgt>
+                                        </p:tgtEl>
+                                        <p:attrNameLst>
+                                          <p:attrName>style.visibility</p:attrName>
+                                        </p:attrNameLst>
+                                      </p:cBhvr>
+                                      <p:to>
+                                        <p:strVal val="visible"/>
+                                      </p:to>
+                                    </p:set>
+                                  </p:childTnLst>
+                                </p:cTn>
+                              </p:par>
+                            </p:childTnLst>
+                          </p:cTn>
+                        </p:par>
+                      </p:childTnLst>
+                    </p:cTn>
+                  </p:par>
+                  <p:par>
+                    <p:cTn id="15" fill="hold">
+                      <p:stCondLst>
+                        <p:cond delay="indefinite"/>
+                      </p:stCondLst>
+                      <p:childTnLst>
+                        <p:par>
+                          <p:cTn id="16" fill="hold">
+                            <p:stCondLst>
+                              <p:cond delay="0"/>
+                            </p:stCondLst>
+                            <p:childTnLst>
+                              <p:par>
+                                <p:cTn id="17" presetID="1" presetClass="entr" presetSubtype="0" fill="hold" nodeType="clickEffect">
+                                  <p:stCondLst>
+                                    <p:cond delay="0"/>
+                                  </p:stCondLst>
+                                  <p:childTnLst>
+                                    <p:set>
+                                      <p:cBhvr>
+                                        <p:cTn id="18" dur="1" fill="hold">
+                                          <p:stCondLst>
+                                            <p:cond delay="0"/>
+                                          </p:stCondLst>
+                                        </p:cTn>
+                                        <p:tgtEl>
+                                          <p:spTgt spid="3">
+                                            <p:txEl>
+                                              <p:pRg st="3" end="3"/>
+                                            </p:txEl>
+                                          </p:spTgt>
+                                        </p:tgtEl>
+                                        <p:attrNameLst>
+                                          <p:attrName>style.visibility</p:attrName>
+                                        </p:attrNameLst>
+                                      </p:cBhvr>
+                                      <p:to>
+                                        <p:strVal val="visible"/>
+                                      </p:to>
+                                    </p:set>
+                                  </p:childTnLst>
+                                </p:cTn>
+                              </p:par>
+                            </p:childTnLst>
+                          </p:cTn>
+                        </p:par>
+                      </p:childTnLst>
+                    </p:cTn>
+                  </p:par>
+                  <p:par>
+                    <p:cTn id="19" fill="hold">
+                      <p:stCondLst>
+                        <p:cond delay="indefinite"/>
+                      </p:stCondLst>
+                      <p:childTnLst>
+                        <p:par>
+                          <p:cTn id="20" fill="hold">
+                            <p:stCondLst>
+                              <p:cond delay="0"/>
+                            </p:stCondLst>
+                            <p:childTnLst>
+                              <p:par>
+                                <p:cTn id="21" presetID="1" presetClass="entr" presetSubtype="0" fill="hold" nodeType="clickEffect">
+                                  <p:stCondLst>
+                                    <p:cond delay="0"/>
+                                  </p:stCondLst>
+                                  <p:childTnLst>
+                                    <p:set>
+                                      <p:cBhvr>
+                                        <p:cTn id="22" dur="1" fill="hold">
+                                          <p:stCondLst>
+                                            <p:cond delay="0"/>
+                                          </p:stCondLst>
+                                        </p:cTn>
+                                        <p:tgtEl>
+                                          <p:spTgt spid="3">
+                                            <p:txEl>
+                                              <p:pRg st="4" end="4"/>
+                                            </p:txEl>
+                                          </p:spTgt>
+                                        </p:tgtEl>
+                                        <p:attrNameLst>
+                                          <p:attrName>style.visibility</p:attrName>
+                                        </p:attrNameLst>
+                                      </p:cBhvr>
+                                      <p:to>
+                                        <p:strVal val="visible"/>
+                                      </p:to>
+                                    </p:set>
+                                  </p:childTnLst>
+                                </p:cTn>
+                              </p:par>
+                            </p:childTnLst>
+                          </p:cTn>
+                        </p:par>
+                      </p:childTnLst>
+                    </p:cTn>
+                  </p:par>
+                  <p:par>
+                    <p:cTn id="23" fill="hold">
+                      <p:stCondLst>
+                        <p:cond delay="indefinite"/>
+                      </p:stCondLst>
+                      <p:childTnLst>
+                        <p:par>
+                          <p:cTn id="24" fill="hold">
+                            <p:stCondLst>
+                              <p:cond delay="0"/>
+                            </p:stCondLst>
+                            <p:childTnLst>
+                              <p:par>
+                                <p:cTn id="25" presetID="1" presetClass="entr" presetSubtype="0" fill="hold" nodeType="clickEffect">
+                                  <p:stCondLst>
+                                    <p:cond delay="0"/>
+                                  </p:stCondLst>
+                                  <p:childTnLst>
+                                    <p:set>
+                                      <p:cBhvr>
+                                        <p:cTn id="26" dur="1" fill="hold">
+                                          <p:stCondLst>
+                                            <p:cond delay="0"/>
+                                          </p:stCondLst>
+                                        </p:cTn>
+                                        <p:tgtEl>
+                                          <p:spTgt spid="3">
+                                            <p:txEl>
+                                              <p:pRg st="5" end="5"/>
+                                            </p:txEl>
+                                          </p:spTgt>
+                                        </p:tgtEl>
+                                        <p:attrNameLst>
+                                          <p:attrName>style.visibility</p:attrName>
+                                        </p:attrNameLst>
+                                      </p:cBhvr>
+                                      <p:to>
+                                        <p:strVal val="visible"/>
+                                      </p:to>
+                                    </p:set>
+                                  </p:childTnLst>
+                                </p:cTn>
+                              </p:par>
+                            </p:childTnLst>
+                          </p:cTn>
+                        </p:par>
+                      </p:childTnLst>
+                    </p:cTn>
+                  </p:par>
+                  <p:par>
+                    <p:cTn id="27" fill="hold">
+                      <p:stCondLst>
+                        <p:cond delay="indefinite"/>
+                      </p:stCondLst>
+                      <p:childTnLst>
+                        <p:par>
+                          <p:cTn id="28" fill="hold">
+                            <p:stCondLst>
+                              <p:cond delay="0"/>
+                            </p:stCondLst>
+                            <p:childTnLst>
+                              <p:par>
+                                <p:cTn id="29" presetID="1" presetClass="entr" presetSubtype="0" fill="hold" nodeType="clickEffect">
+                                  <p:stCondLst>
+                                    <p:cond delay="0"/>
+                                  </p:stCondLst>
+                                  <p:childTnLst>
+                                    <p:set>
+                                      <p:cBhvr>
+                                        <p:cTn id="30" dur="1" fill="hold">
+                                          <p:stCondLst>
+                                            <p:cond delay="0"/>
+                                          </p:stCondLst>
+                                        </p:cTn>
+                                        <p:tgtEl>
+                                          <p:spTgt spid="3">
+                                            <p:txEl>
+                                              <p:pRg st="6" end="6"/>
+                                            </p:txEl>
+                                          </p:spTgt>
+                                        </p:tgtEl>
+                                        <p:attrNameLst>
+                                          <p:attrName>style.visibility</p:attrName>
+                                        </p:attrNameLst>
+                                      </p:cBhvr>
+                                      <p:to>
+                                        <p:strVal val="visible"/>
+                                      </p:to>
+                                    </p:set>
+                                  </p:childTnLst>
+                                </p:cTn>
+                              </p:par>
+                            </p:childTnLst>
+                          </p:cTn>
+                        </p:par>
+                      </p:childTnLst>
+                    </p:cTn>
+                  </p:par>
+                  <p:par>
+                    <p:cTn id="31" fill="hold">
+                      <p:stCondLst>
+                        <p:cond delay="indefinite"/>
+                      </p:stCondLst>
+                      <p:childTnLst>
+                        <p:par>
+                          <p:cTn id="32" fill="hold">
+                            <p:stCondLst>
+                              <p:cond delay="0"/>
+                            </p:stCondLst>
+                            <p:childTnLst>
+                              <p:par>
+                                <p:cTn id="33" presetID="1" presetClass="entr" presetSubtype="0" fill="hold" nodeType="clickEffect">
+                                  <p:stCondLst>
+                                    <p:cond delay="0"/>
+                                  </p:stCondLst>
+                                  <p:childTnLst>
+                                    <p:set>
+                                      <p:cBhvr>
+                                        <p:cTn id="34" dur="1" fill="hold">
+                                          <p:stCondLst>
+                                            <p:cond delay="0"/>
+                                          </p:stCondLst>
+                                        </p:cTn>
+                                        <p:tgtEl>
+                                          <p:spTgt spid="3">
+                                            <p:txEl>
+                                              <p:pRg st="7" end="7"/>
+                                            </p:txEl>
+                                          </p:spTgt>
+                                        </p:tgtEl>
+                                        <p:attrNameLst>
+                                          <p:attrName>style.visibility</p:attrName>
+                                        </p:attrNameLst>
+                                      </p:cBhvr>
+                                      <p:to>
+                                        <p:strVal val="visible"/>
+                                      </p:to>
+                                    </p:set>
+                                  </p:childTnLst>
+                                </p:cTn>
+                              </p:par>
+                            </p:childTnLst>
+                          </p:cTn>
+                        </p:par>
+                      </p:childTnLst>
+                    </p:cTn>
+                  </p:par>
+                  <p:par>
+                    <p:cTn id="35" fill="hold">
+                      <p:stCondLst>
+                        <p:cond delay="indefinite"/>
+                      </p:stCondLst>
+                      <p:childTnLst>
+                        <p:par>
+                          <p:cTn id="36" fill="hold">
+                            <p:stCondLst>
+                              <p:cond delay="0"/>
+                            </p:stCondLst>
+                            <p:childTnLst>
+                              <p:par>
+                                <p:cTn id="37" presetID="1" presetClass="entr" presetSubtype="0" fill="hold" nodeType="clickEffect">
+                                  <p:stCondLst>
+                                    <p:cond delay="0"/>
+                                  </p:stCondLst>
+                                  <p:childTnLst>
+                                    <p:set>
+                                      <p:cBhvr>
+                                        <p:cTn id="38" dur="1" fill="hold">
+                                          <p:stCondLst>
+                                            <p:cond delay="0"/>
+                                          </p:stCondLst>
+                                        </p:cTn>
+                                        <p:tgtEl>
+                                          <p:spTgt spid="3">
+                                            <p:txEl>
+                                              <p:pRg st="8" end="8"/>
+                                            </p:txEl>
+                                          </p:spTgt>
+                                        </p:tgtEl>
+                                        <p:attrNameLst>
+                                          <p:attrName>style.visibility</p:attrName>
+                                        </p:attrNameLst>
+                                      </p:cBhvr>
+                                      <p:to>
+                                        <p:strVal val="visible"/>
+                                      </p:to>
+                                    </p:set>
+                                  </p:childTnLst>
+                                </p:cTn>
+                              </p:par>
+                            </p:childTnLst>
+                          </p:cTn>
+                        </p:par>
+                      </p:childTnLst>
+                    </p:cTn>
+                  </p:par>
+                </p:childTnLst>
+              </p:cTn>
+              <p:prevCondLst>
+                <p:cond evt="onPrev" delay="0">
+                  <p:tgtEl>
+                    <p:sldTgt/>
+                  </p:tgtEl>
+                </p:cond>
+              </p:prevCondLst>
+              <p:nextCondLst>
+                <p:cond evt="onNext" delay="0">
+                  <p:tgtEl>
+                    <p:sldTgt/>
+                  </p:tgtEl>
+                </p:cond>
+              </p:nextCondLst>
+            </p:seq>
+          </p:childTnLst>
+        </p:cTn>
       </p:par>
     </p:tnLst>
   </p:timing>
@@ -5924,12 +6879,12 @@
           </a:p>
           <a:p>
             <a:r>
-              <a:rPr lang="en-US" altLang="zh-CN" dirty="0"/>
+              <a:rPr lang="en-US" altLang="zh-CN" dirty="0" smtClean="0"/>
               <a:t>URL</a:t>
             </a:r>
             <a:r>
-              <a:rPr lang="zh-CN" altLang="en-US" dirty="0" smtClean="0"/>
-              <a:t>优雅</a:t>
+              <a:rPr lang="zh-CN" altLang="en-US" dirty="0"/>
+              <a:t>整洁</a:t>
             </a:r>
             <a:endParaRPr lang="en-US" altLang="zh-CN" dirty="0" smtClean="0"/>
           </a:p>
@@ -6149,7 +7104,275 @@
   <p:timing>
     <p:tnLst>
       <p:par>
-        <p:cTn id="1" dur="indefinite" restart="never" nodeType="tmRoot"/>
+        <p:cTn id="1" dur="indefinite" restart="never" nodeType="tmRoot">
+          <p:childTnLst>
+            <p:seq concurrent="1" nextAc="seek">
+              <p:cTn id="2" dur="indefinite" nodeType="mainSeq">
+                <p:childTnLst>
+                  <p:par>
+                    <p:cTn id="3" fill="hold">
+                      <p:stCondLst>
+                        <p:cond delay="indefinite"/>
+                      </p:stCondLst>
+                      <p:childTnLst>
+                        <p:par>
+                          <p:cTn id="4" fill="hold">
+                            <p:stCondLst>
+                              <p:cond delay="0"/>
+                            </p:stCondLst>
+                            <p:childTnLst>
+                              <p:par>
+                                <p:cTn id="5" presetID="1" presetClass="entr" presetSubtype="0" fill="hold" nodeType="clickEffect">
+                                  <p:stCondLst>
+                                    <p:cond delay="0"/>
+                                  </p:stCondLst>
+                                  <p:childTnLst>
+                                    <p:set>
+                                      <p:cBhvr>
+                                        <p:cTn id="6" dur="1" fill="hold">
+                                          <p:stCondLst>
+                                            <p:cond delay="0"/>
+                                          </p:stCondLst>
+                                        </p:cTn>
+                                        <p:tgtEl>
+                                          <p:spTgt spid="3">
+                                            <p:txEl>
+                                              <p:pRg st="0" end="0"/>
+                                            </p:txEl>
+                                          </p:spTgt>
+                                        </p:tgtEl>
+                                        <p:attrNameLst>
+                                          <p:attrName>style.visibility</p:attrName>
+                                        </p:attrNameLst>
+                                      </p:cBhvr>
+                                      <p:to>
+                                        <p:strVal val="visible"/>
+                                      </p:to>
+                                    </p:set>
+                                  </p:childTnLst>
+                                </p:cTn>
+                              </p:par>
+                            </p:childTnLst>
+                          </p:cTn>
+                        </p:par>
+                      </p:childTnLst>
+                    </p:cTn>
+                  </p:par>
+                  <p:par>
+                    <p:cTn id="7" fill="hold">
+                      <p:stCondLst>
+                        <p:cond delay="indefinite"/>
+                      </p:stCondLst>
+                      <p:childTnLst>
+                        <p:par>
+                          <p:cTn id="8" fill="hold">
+                            <p:stCondLst>
+                              <p:cond delay="0"/>
+                            </p:stCondLst>
+                            <p:childTnLst>
+                              <p:par>
+                                <p:cTn id="9" presetID="1" presetClass="entr" presetSubtype="0" fill="hold" nodeType="clickEffect">
+                                  <p:stCondLst>
+                                    <p:cond delay="0"/>
+                                  </p:stCondLst>
+                                  <p:childTnLst>
+                                    <p:set>
+                                      <p:cBhvr>
+                                        <p:cTn id="10" dur="1" fill="hold">
+                                          <p:stCondLst>
+                                            <p:cond delay="0"/>
+                                          </p:stCondLst>
+                                        </p:cTn>
+                                        <p:tgtEl>
+                                          <p:spTgt spid="3">
+                                            <p:txEl>
+                                              <p:pRg st="1" end="1"/>
+                                            </p:txEl>
+                                          </p:spTgt>
+                                        </p:tgtEl>
+                                        <p:attrNameLst>
+                                          <p:attrName>style.visibility</p:attrName>
+                                        </p:attrNameLst>
+                                      </p:cBhvr>
+                                      <p:to>
+                                        <p:strVal val="visible"/>
+                                      </p:to>
+                                    </p:set>
+                                  </p:childTnLst>
+                                </p:cTn>
+                              </p:par>
+                            </p:childTnLst>
+                          </p:cTn>
+                        </p:par>
+                      </p:childTnLst>
+                    </p:cTn>
+                  </p:par>
+                  <p:par>
+                    <p:cTn id="11" fill="hold">
+                      <p:stCondLst>
+                        <p:cond delay="indefinite"/>
+                      </p:stCondLst>
+                      <p:childTnLst>
+                        <p:par>
+                          <p:cTn id="12" fill="hold">
+                            <p:stCondLst>
+                              <p:cond delay="0"/>
+                            </p:stCondLst>
+                            <p:childTnLst>
+                              <p:par>
+                                <p:cTn id="13" presetID="1" presetClass="entr" presetSubtype="0" fill="hold" nodeType="clickEffect">
+                                  <p:stCondLst>
+                                    <p:cond delay="0"/>
+                                  </p:stCondLst>
+                                  <p:childTnLst>
+                                    <p:set>
+                                      <p:cBhvr>
+                                        <p:cTn id="14" dur="1" fill="hold">
+                                          <p:stCondLst>
+                                            <p:cond delay="0"/>
+                                          </p:stCondLst>
+                                        </p:cTn>
+                                        <p:tgtEl>
+                                          <p:spTgt spid="3">
+                                            <p:txEl>
+                                              <p:pRg st="2" end="2"/>
+                                            </p:txEl>
+                                          </p:spTgt>
+                                        </p:tgtEl>
+                                        <p:attrNameLst>
+                                          <p:attrName>style.visibility</p:attrName>
+                                        </p:attrNameLst>
+                                      </p:cBhvr>
+                                      <p:to>
+                                        <p:strVal val="visible"/>
+                                      </p:to>
+                                    </p:set>
+                                  </p:childTnLst>
+                                </p:cTn>
+                              </p:par>
+                            </p:childTnLst>
+                          </p:cTn>
+                        </p:par>
+                      </p:childTnLst>
+                    </p:cTn>
+                  </p:par>
+                  <p:par>
+                    <p:cTn id="15" fill="hold">
+                      <p:stCondLst>
+                        <p:cond delay="indefinite"/>
+                      </p:stCondLst>
+                      <p:childTnLst>
+                        <p:par>
+                          <p:cTn id="16" fill="hold">
+                            <p:stCondLst>
+                              <p:cond delay="0"/>
+                            </p:stCondLst>
+                            <p:childTnLst>
+                              <p:par>
+                                <p:cTn id="17" presetID="1" presetClass="entr" presetSubtype="0" fill="hold" nodeType="clickEffect">
+                                  <p:stCondLst>
+                                    <p:cond delay="0"/>
+                                  </p:stCondLst>
+                                  <p:childTnLst>
+                                    <p:set>
+                                      <p:cBhvr>
+                                        <p:cTn id="18" dur="1" fill="hold">
+                                          <p:stCondLst>
+                                            <p:cond delay="0"/>
+                                          </p:stCondLst>
+                                        </p:cTn>
+                                        <p:tgtEl>
+                                          <p:spTgt spid="3">
+                                            <p:txEl>
+                                              <p:pRg st="3" end="3"/>
+                                            </p:txEl>
+                                          </p:spTgt>
+                                        </p:tgtEl>
+                                        <p:attrNameLst>
+                                          <p:attrName>style.visibility</p:attrName>
+                                        </p:attrNameLst>
+                                      </p:cBhvr>
+                                      <p:to>
+                                        <p:strVal val="visible"/>
+                                      </p:to>
+                                    </p:set>
+                                  </p:childTnLst>
+                                </p:cTn>
+                              </p:par>
+                            </p:childTnLst>
+                          </p:cTn>
+                        </p:par>
+                      </p:childTnLst>
+                    </p:cTn>
+                  </p:par>
+                  <p:par>
+                    <p:cTn id="19" fill="hold">
+                      <p:stCondLst>
+                        <p:cond delay="indefinite"/>
+                      </p:stCondLst>
+                      <p:childTnLst>
+                        <p:par>
+                          <p:cTn id="20" fill="hold">
+                            <p:stCondLst>
+                              <p:cond delay="0"/>
+                            </p:stCondLst>
+                            <p:childTnLst>
+                              <p:par>
+                                <p:cTn id="21" presetID="1" presetClass="entr" presetSubtype="0" fill="hold" nodeType="clickEffect">
+                                  <p:stCondLst>
+                                    <p:cond delay="0"/>
+                                  </p:stCondLst>
+                                  <p:childTnLst>
+                                    <p:set>
+                                      <p:cBhvr>
+                                        <p:cTn id="22" dur="1" fill="hold">
+                                          <p:stCondLst>
+                                            <p:cond delay="0"/>
+                                          </p:stCondLst>
+                                        </p:cTn>
+                                        <p:tgtEl>
+                                          <p:spTgt spid="3">
+                                            <p:txEl>
+                                              <p:pRg st="4" end="4"/>
+                                            </p:txEl>
+                                          </p:spTgt>
+                                        </p:tgtEl>
+                                        <p:attrNameLst>
+                                          <p:attrName>style.visibility</p:attrName>
+                                        </p:attrNameLst>
+                                      </p:cBhvr>
+                                      <p:to>
+                                        <p:strVal val="visible"/>
+                                      </p:to>
+                                    </p:set>
+                                  </p:childTnLst>
+                                </p:cTn>
+                              </p:par>
+                            </p:childTnLst>
+                          </p:cTn>
+                        </p:par>
+                      </p:childTnLst>
+                    </p:cTn>
+                  </p:par>
+                </p:childTnLst>
+              </p:cTn>
+              <p:prevCondLst>
+                <p:cond evt="onPrev" delay="0">
+                  <p:tgtEl>
+                    <p:sldTgt/>
+                  </p:tgtEl>
+                </p:cond>
+              </p:prevCondLst>
+              <p:nextCondLst>
+                <p:cond evt="onNext" delay="0">
+                  <p:tgtEl>
+                    <p:sldTgt/>
+                  </p:tgtEl>
+                </p:cond>
+              </p:nextCondLst>
+            </p:seq>
+          </p:childTnLst>
+        </p:cTn>
       </p:par>
     </p:tnLst>
   </p:timing>
@@ -6190,7 +7413,7 @@
           <a:p>
             <a:r>
               <a:rPr lang="zh-CN" altLang="en-US" dirty="0" smtClean="0"/>
-              <a:t>基本命令</a:t>
+              <a:t>基本知识</a:t>
             </a:r>
             <a:endParaRPr lang="zh-CN" altLang="en-US" dirty="0"/>
           </a:p>
@@ -6213,27 +7436,24 @@
           <a:p>
             <a:r>
               <a:rPr lang="zh-CN" altLang="en-US" dirty="0" smtClean="0"/>
-              <a:t>新建 </a:t>
-            </a:r>
-            <a:r>
-              <a:rPr lang="en-US" altLang="zh-CN" dirty="0" err="1" smtClean="0"/>
-              <a:t>Startproject</a:t>
-            </a:r>
-            <a:endParaRPr lang="en-US" altLang="zh-CN" dirty="0" smtClean="0"/>
-          </a:p>
-          <a:p>
-            <a:pPr lvl="1"/>
+              <a:t>模型 </a:t>
+            </a:r>
+            <a:r>
+              <a:rPr lang="en-US" altLang="zh-CN" dirty="0" smtClean="0"/>
+              <a:t>models.py</a:t>
+            </a:r>
+          </a:p>
+          <a:p>
             <a:r>
               <a:rPr lang="zh-CN" altLang="en-US" dirty="0" smtClean="0"/>
-              <a:t>配置文件 </a:t>
+              <a:t>视图 </a:t>
             </a:r>
             <a:r>
               <a:rPr lang="en-US" altLang="zh-CN" dirty="0" smtClean="0"/>
-              <a:t>settings.py</a:t>
-            </a:r>
-          </a:p>
-          <a:p>
-            <a:pPr lvl="1"/>
+              <a:t>views.py</a:t>
+            </a:r>
+          </a:p>
+          <a:p>
             <a:r>
               <a:rPr lang="zh-CN" altLang="en-US" dirty="0" smtClean="0"/>
               <a:t>路由 </a:t>
@@ -6246,97 +7466,21 @@
           <a:p>
             <a:r>
               <a:rPr lang="zh-CN" altLang="en-US" dirty="0" smtClean="0"/>
-              <a:t>控制 </a:t>
+              <a:t>模板 </a:t>
             </a:r>
             <a:r>
               <a:rPr lang="en-US" altLang="zh-CN" dirty="0" smtClean="0"/>
-              <a:t>manage.py</a:t>
-            </a:r>
-          </a:p>
-          <a:p>
-            <a:pPr lvl="1"/>
+              <a:t>template/*.html</a:t>
+            </a:r>
+          </a:p>
+          <a:p>
             <a:r>
               <a:rPr lang="zh-CN" altLang="en-US" dirty="0" smtClean="0"/>
-              <a:t>新建应用 </a:t>
-            </a:r>
-            <a:r>
-              <a:rPr lang="en-US" altLang="zh-CN" dirty="0" err="1"/>
-              <a:t>s</a:t>
-            </a:r>
-            <a:r>
-              <a:rPr lang="en-US" altLang="zh-CN" dirty="0" err="1" smtClean="0"/>
-              <a:t>tartapp</a:t>
-            </a:r>
-            <a:endParaRPr lang="en-US" altLang="zh-CN" dirty="0" smtClean="0"/>
-          </a:p>
-          <a:p>
-            <a:pPr lvl="1"/>
-            <a:r>
-              <a:rPr lang="zh-CN" altLang="en-US" dirty="0" smtClean="0"/>
-              <a:t>创建数据库 </a:t>
-            </a:r>
-            <a:r>
-              <a:rPr lang="en-US" altLang="zh-CN" dirty="0" err="1" smtClean="0"/>
-              <a:t>syncdb</a:t>
-            </a:r>
-            <a:endParaRPr lang="en-US" altLang="zh-CN" dirty="0" smtClean="0"/>
-          </a:p>
-          <a:p>
-            <a:pPr lvl="1"/>
-            <a:r>
-              <a:rPr lang="zh-CN" altLang="en-US" dirty="0" smtClean="0"/>
-              <a:t>迁移 </a:t>
-            </a:r>
-            <a:r>
-              <a:rPr lang="en-US" altLang="zh-CN" dirty="0" err="1" smtClean="0"/>
-              <a:t>makemigrate</a:t>
+              <a:t>测试 </a:t>
             </a:r>
             <a:r>
               <a:rPr lang="en-US" altLang="zh-CN" dirty="0" smtClean="0"/>
-              <a:t>/migrate  </a:t>
-            </a:r>
-            <a:r>
-              <a:rPr lang="zh-CN" altLang="en-US" dirty="0" smtClean="0"/>
-              <a:t>（有版本要求）</a:t>
-            </a:r>
-            <a:endParaRPr lang="en-US" altLang="zh-CN" dirty="0" smtClean="0"/>
-          </a:p>
-          <a:p>
-            <a:pPr lvl="1"/>
-            <a:r>
-              <a:rPr lang="zh-CN" altLang="en-US" dirty="0" smtClean="0"/>
-              <a:t>启动 </a:t>
-            </a:r>
-            <a:r>
-              <a:rPr lang="en-US" altLang="zh-CN" dirty="0" err="1" smtClean="0"/>
-              <a:t>runserver</a:t>
-            </a:r>
-            <a:r>
-              <a:rPr lang="en-US" altLang="zh-CN" dirty="0" smtClean="0"/>
-              <a:t>/</a:t>
-            </a:r>
-            <a:r>
-              <a:rPr lang="en-US" altLang="zh-CN" dirty="0" err="1" smtClean="0"/>
-              <a:t>runfcgi</a:t>
-            </a:r>
-            <a:endParaRPr lang="en-US" altLang="zh-CN" dirty="0" smtClean="0"/>
-          </a:p>
-          <a:p>
-            <a:pPr lvl="1"/>
-            <a:r>
-              <a:rPr lang="zh-CN" altLang="en-US" dirty="0" smtClean="0"/>
-              <a:t>控制台 </a:t>
-            </a:r>
-            <a:r>
-              <a:rPr lang="en-US" altLang="zh-CN" dirty="0" smtClean="0"/>
-              <a:t>shell</a:t>
-            </a:r>
-          </a:p>
-          <a:p>
-            <a:pPr lvl="1"/>
-            <a:r>
-              <a:rPr lang="en-US" altLang="zh-CN" dirty="0" smtClean="0"/>
-              <a:t>…</a:t>
+              <a:t>test.py</a:t>
             </a:r>
             <a:endParaRPr lang="zh-CN" altLang="en-US" dirty="0"/>
           </a:p>
@@ -6345,7 +7489,7 @@
     </p:spTree>
     <p:extLst>
       <p:ext uri="{BB962C8B-B14F-4D97-AF65-F5344CB8AC3E}">
-        <p14:creationId xmlns:p14="http://schemas.microsoft.com/office/powerpoint/2010/main" val="944520968"/>
+        <p14:creationId xmlns:p14="http://schemas.microsoft.com/office/powerpoint/2010/main" val="2149669675"/>
       </p:ext>
     </p:extLst>
   </p:cSld>
@@ -6355,7 +7499,275 @@
   <p:timing>
     <p:tnLst>
       <p:par>
-        <p:cTn id="1" dur="indefinite" restart="never" nodeType="tmRoot"/>
+        <p:cTn id="1" dur="indefinite" restart="never" nodeType="tmRoot">
+          <p:childTnLst>
+            <p:seq concurrent="1" nextAc="seek">
+              <p:cTn id="2" dur="indefinite" nodeType="mainSeq">
+                <p:childTnLst>
+                  <p:par>
+                    <p:cTn id="3" fill="hold">
+                      <p:stCondLst>
+                        <p:cond delay="indefinite"/>
+                      </p:stCondLst>
+                      <p:childTnLst>
+                        <p:par>
+                          <p:cTn id="4" fill="hold">
+                            <p:stCondLst>
+                              <p:cond delay="0"/>
+                            </p:stCondLst>
+                            <p:childTnLst>
+                              <p:par>
+                                <p:cTn id="5" presetID="1" presetClass="entr" presetSubtype="0" fill="hold" nodeType="clickEffect">
+                                  <p:stCondLst>
+                                    <p:cond delay="0"/>
+                                  </p:stCondLst>
+                                  <p:childTnLst>
+                                    <p:set>
+                                      <p:cBhvr>
+                                        <p:cTn id="6" dur="1" fill="hold">
+                                          <p:stCondLst>
+                                            <p:cond delay="0"/>
+                                          </p:stCondLst>
+                                        </p:cTn>
+                                        <p:tgtEl>
+                                          <p:spTgt spid="3">
+                                            <p:txEl>
+                                              <p:pRg st="0" end="0"/>
+                                            </p:txEl>
+                                          </p:spTgt>
+                                        </p:tgtEl>
+                                        <p:attrNameLst>
+                                          <p:attrName>style.visibility</p:attrName>
+                                        </p:attrNameLst>
+                                      </p:cBhvr>
+                                      <p:to>
+                                        <p:strVal val="visible"/>
+                                      </p:to>
+                                    </p:set>
+                                  </p:childTnLst>
+                                </p:cTn>
+                              </p:par>
+                            </p:childTnLst>
+                          </p:cTn>
+                        </p:par>
+                      </p:childTnLst>
+                    </p:cTn>
+                  </p:par>
+                  <p:par>
+                    <p:cTn id="7" fill="hold">
+                      <p:stCondLst>
+                        <p:cond delay="indefinite"/>
+                      </p:stCondLst>
+                      <p:childTnLst>
+                        <p:par>
+                          <p:cTn id="8" fill="hold">
+                            <p:stCondLst>
+                              <p:cond delay="0"/>
+                            </p:stCondLst>
+                            <p:childTnLst>
+                              <p:par>
+                                <p:cTn id="9" presetID="1" presetClass="entr" presetSubtype="0" fill="hold" nodeType="clickEffect">
+                                  <p:stCondLst>
+                                    <p:cond delay="0"/>
+                                  </p:stCondLst>
+                                  <p:childTnLst>
+                                    <p:set>
+                                      <p:cBhvr>
+                                        <p:cTn id="10" dur="1" fill="hold">
+                                          <p:stCondLst>
+                                            <p:cond delay="0"/>
+                                          </p:stCondLst>
+                                        </p:cTn>
+                                        <p:tgtEl>
+                                          <p:spTgt spid="3">
+                                            <p:txEl>
+                                              <p:pRg st="1" end="1"/>
+                                            </p:txEl>
+                                          </p:spTgt>
+                                        </p:tgtEl>
+                                        <p:attrNameLst>
+                                          <p:attrName>style.visibility</p:attrName>
+                                        </p:attrNameLst>
+                                      </p:cBhvr>
+                                      <p:to>
+                                        <p:strVal val="visible"/>
+                                      </p:to>
+                                    </p:set>
+                                  </p:childTnLst>
+                                </p:cTn>
+                              </p:par>
+                            </p:childTnLst>
+                          </p:cTn>
+                        </p:par>
+                      </p:childTnLst>
+                    </p:cTn>
+                  </p:par>
+                  <p:par>
+                    <p:cTn id="11" fill="hold">
+                      <p:stCondLst>
+                        <p:cond delay="indefinite"/>
+                      </p:stCondLst>
+                      <p:childTnLst>
+                        <p:par>
+                          <p:cTn id="12" fill="hold">
+                            <p:stCondLst>
+                              <p:cond delay="0"/>
+                            </p:stCondLst>
+                            <p:childTnLst>
+                              <p:par>
+                                <p:cTn id="13" presetID="1" presetClass="entr" presetSubtype="0" fill="hold" nodeType="clickEffect">
+                                  <p:stCondLst>
+                                    <p:cond delay="0"/>
+                                  </p:stCondLst>
+                                  <p:childTnLst>
+                                    <p:set>
+                                      <p:cBhvr>
+                                        <p:cTn id="14" dur="1" fill="hold">
+                                          <p:stCondLst>
+                                            <p:cond delay="0"/>
+                                          </p:stCondLst>
+                                        </p:cTn>
+                                        <p:tgtEl>
+                                          <p:spTgt spid="3">
+                                            <p:txEl>
+                                              <p:pRg st="2" end="2"/>
+                                            </p:txEl>
+                                          </p:spTgt>
+                                        </p:tgtEl>
+                                        <p:attrNameLst>
+                                          <p:attrName>style.visibility</p:attrName>
+                                        </p:attrNameLst>
+                                      </p:cBhvr>
+                                      <p:to>
+                                        <p:strVal val="visible"/>
+                                      </p:to>
+                                    </p:set>
+                                  </p:childTnLst>
+                                </p:cTn>
+                              </p:par>
+                            </p:childTnLst>
+                          </p:cTn>
+                        </p:par>
+                      </p:childTnLst>
+                    </p:cTn>
+                  </p:par>
+                  <p:par>
+                    <p:cTn id="15" fill="hold">
+                      <p:stCondLst>
+                        <p:cond delay="indefinite"/>
+                      </p:stCondLst>
+                      <p:childTnLst>
+                        <p:par>
+                          <p:cTn id="16" fill="hold">
+                            <p:stCondLst>
+                              <p:cond delay="0"/>
+                            </p:stCondLst>
+                            <p:childTnLst>
+                              <p:par>
+                                <p:cTn id="17" presetID="1" presetClass="entr" presetSubtype="0" fill="hold" nodeType="clickEffect">
+                                  <p:stCondLst>
+                                    <p:cond delay="0"/>
+                                  </p:stCondLst>
+                                  <p:childTnLst>
+                                    <p:set>
+                                      <p:cBhvr>
+                                        <p:cTn id="18" dur="1" fill="hold">
+                                          <p:stCondLst>
+                                            <p:cond delay="0"/>
+                                          </p:stCondLst>
+                                        </p:cTn>
+                                        <p:tgtEl>
+                                          <p:spTgt spid="3">
+                                            <p:txEl>
+                                              <p:pRg st="3" end="3"/>
+                                            </p:txEl>
+                                          </p:spTgt>
+                                        </p:tgtEl>
+                                        <p:attrNameLst>
+                                          <p:attrName>style.visibility</p:attrName>
+                                        </p:attrNameLst>
+                                      </p:cBhvr>
+                                      <p:to>
+                                        <p:strVal val="visible"/>
+                                      </p:to>
+                                    </p:set>
+                                  </p:childTnLst>
+                                </p:cTn>
+                              </p:par>
+                            </p:childTnLst>
+                          </p:cTn>
+                        </p:par>
+                      </p:childTnLst>
+                    </p:cTn>
+                  </p:par>
+                  <p:par>
+                    <p:cTn id="19" fill="hold">
+                      <p:stCondLst>
+                        <p:cond delay="indefinite"/>
+                      </p:stCondLst>
+                      <p:childTnLst>
+                        <p:par>
+                          <p:cTn id="20" fill="hold">
+                            <p:stCondLst>
+                              <p:cond delay="0"/>
+                            </p:stCondLst>
+                            <p:childTnLst>
+                              <p:par>
+                                <p:cTn id="21" presetID="1" presetClass="entr" presetSubtype="0" fill="hold" nodeType="clickEffect">
+                                  <p:stCondLst>
+                                    <p:cond delay="0"/>
+                                  </p:stCondLst>
+                                  <p:childTnLst>
+                                    <p:set>
+                                      <p:cBhvr>
+                                        <p:cTn id="22" dur="1" fill="hold">
+                                          <p:stCondLst>
+                                            <p:cond delay="0"/>
+                                          </p:stCondLst>
+                                        </p:cTn>
+                                        <p:tgtEl>
+                                          <p:spTgt spid="3">
+                                            <p:txEl>
+                                              <p:pRg st="4" end="4"/>
+                                            </p:txEl>
+                                          </p:spTgt>
+                                        </p:tgtEl>
+                                        <p:attrNameLst>
+                                          <p:attrName>style.visibility</p:attrName>
+                                        </p:attrNameLst>
+                                      </p:cBhvr>
+                                      <p:to>
+                                        <p:strVal val="visible"/>
+                                      </p:to>
+                                    </p:set>
+                                  </p:childTnLst>
+                                </p:cTn>
+                              </p:par>
+                            </p:childTnLst>
+                          </p:cTn>
+                        </p:par>
+                      </p:childTnLst>
+                    </p:cTn>
+                  </p:par>
+                </p:childTnLst>
+              </p:cTn>
+              <p:prevCondLst>
+                <p:cond evt="onPrev" delay="0">
+                  <p:tgtEl>
+                    <p:sldTgt/>
+                  </p:tgtEl>
+                </p:cond>
+              </p:prevCondLst>
+              <p:nextCondLst>
+                <p:cond evt="onNext" delay="0">
+                  <p:tgtEl>
+                    <p:sldTgt/>
+                  </p:tgtEl>
+                </p:cond>
+              </p:nextCondLst>
+            </p:seq>
+          </p:childTnLst>
+        </p:cTn>
       </p:par>
     </p:tnLst>
   </p:timing>
@@ -6395,12 +7807,8 @@
           <a:lstStyle/>
           <a:p>
             <a:r>
-              <a:rPr lang="en-US" altLang="zh-CN" dirty="0" smtClean="0"/>
-              <a:t>Hello World</a:t>
-            </a:r>
-            <a:r>
               <a:rPr lang="zh-CN" altLang="en-US" dirty="0" smtClean="0"/>
-              <a:t>！</a:t>
+              <a:t>基本命令</a:t>
             </a:r>
             <a:endParaRPr lang="zh-CN" altLang="en-US" dirty="0"/>
           </a:p>
@@ -6421,6 +7829,137 @@
           <a:bodyPr/>
           <a:lstStyle/>
           <a:p>
+            <a:r>
+              <a:rPr lang="zh-CN" altLang="en-US" dirty="0" smtClean="0"/>
+              <a:t>新建 </a:t>
+            </a:r>
+            <a:r>
+              <a:rPr lang="en-US" altLang="zh-CN" dirty="0" err="1" smtClean="0"/>
+              <a:t>Startproject</a:t>
+            </a:r>
+            <a:endParaRPr lang="en-US" altLang="zh-CN" dirty="0" smtClean="0"/>
+          </a:p>
+          <a:p>
+            <a:pPr lvl="1"/>
+            <a:r>
+              <a:rPr lang="zh-CN" altLang="en-US" dirty="0" smtClean="0"/>
+              <a:t>配置文件 </a:t>
+            </a:r>
+            <a:r>
+              <a:rPr lang="en-US" altLang="zh-CN" dirty="0" smtClean="0"/>
+              <a:t>settings.py</a:t>
+            </a:r>
+          </a:p>
+          <a:p>
+            <a:pPr lvl="1"/>
+            <a:r>
+              <a:rPr lang="zh-CN" altLang="en-US" dirty="0" smtClean="0"/>
+              <a:t>路由 </a:t>
+            </a:r>
+            <a:r>
+              <a:rPr lang="en-US" altLang="zh-CN" dirty="0" smtClean="0"/>
+              <a:t>urls.py</a:t>
+            </a:r>
+          </a:p>
+          <a:p>
+            <a:r>
+              <a:rPr lang="zh-CN" altLang="en-US" dirty="0" smtClean="0"/>
+              <a:t>控制 </a:t>
+            </a:r>
+            <a:r>
+              <a:rPr lang="en-US" altLang="zh-CN" dirty="0" smtClean="0"/>
+              <a:t>manage.py</a:t>
+            </a:r>
+          </a:p>
+          <a:p>
+            <a:pPr lvl="1"/>
+            <a:r>
+              <a:rPr lang="zh-CN" altLang="en-US" dirty="0" smtClean="0"/>
+              <a:t>新建应用 </a:t>
+            </a:r>
+            <a:r>
+              <a:rPr lang="en-US" altLang="zh-CN" dirty="0" err="1"/>
+              <a:t>s</a:t>
+            </a:r>
+            <a:r>
+              <a:rPr lang="en-US" altLang="zh-CN" dirty="0" err="1" smtClean="0"/>
+              <a:t>tartapp</a:t>
+            </a:r>
+            <a:endParaRPr lang="en-US" altLang="zh-CN" dirty="0" smtClean="0"/>
+          </a:p>
+          <a:p>
+            <a:pPr lvl="1"/>
+            <a:r>
+              <a:rPr lang="zh-CN" altLang="en-US" dirty="0"/>
+              <a:t>创建、迁移数据库 </a:t>
+            </a:r>
+            <a:r>
+              <a:rPr lang="en-US" altLang="zh-CN" dirty="0" err="1" smtClean="0"/>
+              <a:t>syncdb</a:t>
+            </a:r>
+            <a:r>
+              <a:rPr lang="en-US" altLang="zh-CN" dirty="0"/>
+              <a:t>/</a:t>
+            </a:r>
+            <a:r>
+              <a:rPr lang="en-US" altLang="zh-CN" dirty="0" err="1" smtClean="0"/>
+              <a:t>makemigrate</a:t>
+            </a:r>
+            <a:r>
+              <a:rPr lang="en-US" altLang="zh-CN" dirty="0" smtClean="0"/>
+              <a:t>/migrate  </a:t>
+            </a:r>
+            <a:r>
+              <a:rPr lang="zh-CN" altLang="en-US" dirty="0" smtClean="0"/>
+              <a:t>（</a:t>
+            </a:r>
+            <a:r>
+              <a:rPr lang="zh-CN" altLang="en-US" dirty="0" smtClean="0"/>
+              <a:t>注意版本</a:t>
+            </a:r>
+            <a:r>
+              <a:rPr lang="zh-CN" altLang="en-US" dirty="0" smtClean="0"/>
+              <a:t>）</a:t>
+            </a:r>
+            <a:endParaRPr lang="en-US" altLang="zh-CN" dirty="0" smtClean="0"/>
+          </a:p>
+          <a:p>
+            <a:pPr lvl="1"/>
+            <a:r>
+              <a:rPr lang="zh-CN" altLang="en-US" dirty="0" smtClean="0"/>
+              <a:t>启动 </a:t>
+            </a:r>
+            <a:r>
+              <a:rPr lang="en-US" altLang="zh-CN" dirty="0" err="1" smtClean="0"/>
+              <a:t>runserver</a:t>
+            </a:r>
+            <a:r>
+              <a:rPr lang="en-US" altLang="zh-CN" dirty="0" smtClean="0"/>
+              <a:t>/</a:t>
+            </a:r>
+            <a:r>
+              <a:rPr lang="en-US" altLang="zh-CN" dirty="0" err="1" smtClean="0"/>
+              <a:t>runfcgi</a:t>
+            </a:r>
+            <a:endParaRPr lang="en-US" altLang="zh-CN" dirty="0" smtClean="0"/>
+          </a:p>
+          <a:p>
+            <a:pPr lvl="1"/>
+            <a:r>
+              <a:rPr lang="zh-CN" altLang="en-US" dirty="0" smtClean="0"/>
+              <a:t>控制台 </a:t>
+            </a:r>
+            <a:r>
+              <a:rPr lang="en-US" altLang="zh-CN" dirty="0" smtClean="0"/>
+              <a:t>shell</a:t>
+            </a:r>
+          </a:p>
+          <a:p>
+            <a:pPr lvl="1"/>
+            <a:r>
+              <a:rPr lang="en-US" altLang="zh-CN" dirty="0" smtClean="0"/>
+              <a:t>…</a:t>
+            </a:r>
             <a:endParaRPr lang="zh-CN" altLang="en-US" dirty="0"/>
           </a:p>
         </p:txBody>
@@ -6428,13 +7967,435 @@
     </p:spTree>
     <p:extLst>
       <p:ext uri="{BB962C8B-B14F-4D97-AF65-F5344CB8AC3E}">
-        <p14:creationId xmlns:p14="http://schemas.microsoft.com/office/powerpoint/2010/main" val="3027622072"/>
+        <p14:creationId xmlns:p14="http://schemas.microsoft.com/office/powerpoint/2010/main" val="944520968"/>
       </p:ext>
     </p:extLst>
   </p:cSld>
   <p:clrMapOvr>
     <a:masterClrMapping/>
   </p:clrMapOvr>
+  <p:timing>
+    <p:tnLst>
+      <p:par>
+        <p:cTn id="1" dur="indefinite" restart="never" nodeType="tmRoot">
+          <p:childTnLst>
+            <p:seq concurrent="1" nextAc="seek">
+              <p:cTn id="2" dur="indefinite" nodeType="mainSeq">
+                <p:childTnLst>
+                  <p:par>
+                    <p:cTn id="3" fill="hold">
+                      <p:stCondLst>
+                        <p:cond delay="indefinite"/>
+                      </p:stCondLst>
+                      <p:childTnLst>
+                        <p:par>
+                          <p:cTn id="4" fill="hold">
+                            <p:stCondLst>
+                              <p:cond delay="0"/>
+                            </p:stCondLst>
+                            <p:childTnLst>
+                              <p:par>
+                                <p:cTn id="5" presetID="1" presetClass="entr" presetSubtype="0" fill="hold" nodeType="clickEffect">
+                                  <p:stCondLst>
+                                    <p:cond delay="0"/>
+                                  </p:stCondLst>
+                                  <p:childTnLst>
+                                    <p:set>
+                                      <p:cBhvr>
+                                        <p:cTn id="6" dur="1" fill="hold">
+                                          <p:stCondLst>
+                                            <p:cond delay="0"/>
+                                          </p:stCondLst>
+                                        </p:cTn>
+                                        <p:tgtEl>
+                                          <p:spTgt spid="3">
+                                            <p:txEl>
+                                              <p:pRg st="0" end="0"/>
+                                            </p:txEl>
+                                          </p:spTgt>
+                                        </p:tgtEl>
+                                        <p:attrNameLst>
+                                          <p:attrName>style.visibility</p:attrName>
+                                        </p:attrNameLst>
+                                      </p:cBhvr>
+                                      <p:to>
+                                        <p:strVal val="visible"/>
+                                      </p:to>
+                                    </p:set>
+                                  </p:childTnLst>
+                                </p:cTn>
+                              </p:par>
+                            </p:childTnLst>
+                          </p:cTn>
+                        </p:par>
+                      </p:childTnLst>
+                    </p:cTn>
+                  </p:par>
+                  <p:par>
+                    <p:cTn id="7" fill="hold">
+                      <p:stCondLst>
+                        <p:cond delay="indefinite"/>
+                      </p:stCondLst>
+                      <p:childTnLst>
+                        <p:par>
+                          <p:cTn id="8" fill="hold">
+                            <p:stCondLst>
+                              <p:cond delay="0"/>
+                            </p:stCondLst>
+                            <p:childTnLst>
+                              <p:par>
+                                <p:cTn id="9" presetID="1" presetClass="entr" presetSubtype="0" fill="hold" nodeType="clickEffect">
+                                  <p:stCondLst>
+                                    <p:cond delay="0"/>
+                                  </p:stCondLst>
+                                  <p:childTnLst>
+                                    <p:set>
+                                      <p:cBhvr>
+                                        <p:cTn id="10" dur="1" fill="hold">
+                                          <p:stCondLst>
+                                            <p:cond delay="0"/>
+                                          </p:stCondLst>
+                                        </p:cTn>
+                                        <p:tgtEl>
+                                          <p:spTgt spid="3">
+                                            <p:txEl>
+                                              <p:pRg st="1" end="1"/>
+                                            </p:txEl>
+                                          </p:spTgt>
+                                        </p:tgtEl>
+                                        <p:attrNameLst>
+                                          <p:attrName>style.visibility</p:attrName>
+                                        </p:attrNameLst>
+                                      </p:cBhvr>
+                                      <p:to>
+                                        <p:strVal val="visible"/>
+                                      </p:to>
+                                    </p:set>
+                                  </p:childTnLst>
+                                </p:cTn>
+                              </p:par>
+                            </p:childTnLst>
+                          </p:cTn>
+                        </p:par>
+                      </p:childTnLst>
+                    </p:cTn>
+                  </p:par>
+                  <p:par>
+                    <p:cTn id="11" fill="hold">
+                      <p:stCondLst>
+                        <p:cond delay="indefinite"/>
+                      </p:stCondLst>
+                      <p:childTnLst>
+                        <p:par>
+                          <p:cTn id="12" fill="hold">
+                            <p:stCondLst>
+                              <p:cond delay="0"/>
+                            </p:stCondLst>
+                            <p:childTnLst>
+                              <p:par>
+                                <p:cTn id="13" presetID="1" presetClass="entr" presetSubtype="0" fill="hold" nodeType="clickEffect">
+                                  <p:stCondLst>
+                                    <p:cond delay="0"/>
+                                  </p:stCondLst>
+                                  <p:childTnLst>
+                                    <p:set>
+                                      <p:cBhvr>
+                                        <p:cTn id="14" dur="1" fill="hold">
+                                          <p:stCondLst>
+                                            <p:cond delay="0"/>
+                                          </p:stCondLst>
+                                        </p:cTn>
+                                        <p:tgtEl>
+                                          <p:spTgt spid="3">
+                                            <p:txEl>
+                                              <p:pRg st="2" end="2"/>
+                                            </p:txEl>
+                                          </p:spTgt>
+                                        </p:tgtEl>
+                                        <p:attrNameLst>
+                                          <p:attrName>style.visibility</p:attrName>
+                                        </p:attrNameLst>
+                                      </p:cBhvr>
+                                      <p:to>
+                                        <p:strVal val="visible"/>
+                                      </p:to>
+                                    </p:set>
+                                  </p:childTnLst>
+                                </p:cTn>
+                              </p:par>
+                            </p:childTnLst>
+                          </p:cTn>
+                        </p:par>
+                      </p:childTnLst>
+                    </p:cTn>
+                  </p:par>
+                  <p:par>
+                    <p:cTn id="15" fill="hold">
+                      <p:stCondLst>
+                        <p:cond delay="indefinite"/>
+                      </p:stCondLst>
+                      <p:childTnLst>
+                        <p:par>
+                          <p:cTn id="16" fill="hold">
+                            <p:stCondLst>
+                              <p:cond delay="0"/>
+                            </p:stCondLst>
+                            <p:childTnLst>
+                              <p:par>
+                                <p:cTn id="17" presetID="1" presetClass="entr" presetSubtype="0" fill="hold" nodeType="clickEffect">
+                                  <p:stCondLst>
+                                    <p:cond delay="0"/>
+                                  </p:stCondLst>
+                                  <p:childTnLst>
+                                    <p:set>
+                                      <p:cBhvr>
+                                        <p:cTn id="18" dur="1" fill="hold">
+                                          <p:stCondLst>
+                                            <p:cond delay="0"/>
+                                          </p:stCondLst>
+                                        </p:cTn>
+                                        <p:tgtEl>
+                                          <p:spTgt spid="3">
+                                            <p:txEl>
+                                              <p:pRg st="3" end="3"/>
+                                            </p:txEl>
+                                          </p:spTgt>
+                                        </p:tgtEl>
+                                        <p:attrNameLst>
+                                          <p:attrName>style.visibility</p:attrName>
+                                        </p:attrNameLst>
+                                      </p:cBhvr>
+                                      <p:to>
+                                        <p:strVal val="visible"/>
+                                      </p:to>
+                                    </p:set>
+                                  </p:childTnLst>
+                                </p:cTn>
+                              </p:par>
+                            </p:childTnLst>
+                          </p:cTn>
+                        </p:par>
+                      </p:childTnLst>
+                    </p:cTn>
+                  </p:par>
+                  <p:par>
+                    <p:cTn id="19" fill="hold">
+                      <p:stCondLst>
+                        <p:cond delay="indefinite"/>
+                      </p:stCondLst>
+                      <p:childTnLst>
+                        <p:par>
+                          <p:cTn id="20" fill="hold">
+                            <p:stCondLst>
+                              <p:cond delay="0"/>
+                            </p:stCondLst>
+                            <p:childTnLst>
+                              <p:par>
+                                <p:cTn id="21" presetID="1" presetClass="entr" presetSubtype="0" fill="hold" nodeType="clickEffect">
+                                  <p:stCondLst>
+                                    <p:cond delay="0"/>
+                                  </p:stCondLst>
+                                  <p:childTnLst>
+                                    <p:set>
+                                      <p:cBhvr>
+                                        <p:cTn id="22" dur="1" fill="hold">
+                                          <p:stCondLst>
+                                            <p:cond delay="0"/>
+                                          </p:stCondLst>
+                                        </p:cTn>
+                                        <p:tgtEl>
+                                          <p:spTgt spid="3">
+                                            <p:txEl>
+                                              <p:pRg st="4" end="4"/>
+                                            </p:txEl>
+                                          </p:spTgt>
+                                        </p:tgtEl>
+                                        <p:attrNameLst>
+                                          <p:attrName>style.visibility</p:attrName>
+                                        </p:attrNameLst>
+                                      </p:cBhvr>
+                                      <p:to>
+                                        <p:strVal val="visible"/>
+                                      </p:to>
+                                    </p:set>
+                                  </p:childTnLst>
+                                </p:cTn>
+                              </p:par>
+                            </p:childTnLst>
+                          </p:cTn>
+                        </p:par>
+                      </p:childTnLst>
+                    </p:cTn>
+                  </p:par>
+                  <p:par>
+                    <p:cTn id="23" fill="hold">
+                      <p:stCondLst>
+                        <p:cond delay="indefinite"/>
+                      </p:stCondLst>
+                      <p:childTnLst>
+                        <p:par>
+                          <p:cTn id="24" fill="hold">
+                            <p:stCondLst>
+                              <p:cond delay="0"/>
+                            </p:stCondLst>
+                            <p:childTnLst>
+                              <p:par>
+                                <p:cTn id="25" presetID="1" presetClass="entr" presetSubtype="0" fill="hold" nodeType="clickEffect">
+                                  <p:stCondLst>
+                                    <p:cond delay="0"/>
+                                  </p:stCondLst>
+                                  <p:childTnLst>
+                                    <p:set>
+                                      <p:cBhvr>
+                                        <p:cTn id="26" dur="1" fill="hold">
+                                          <p:stCondLst>
+                                            <p:cond delay="0"/>
+                                          </p:stCondLst>
+                                        </p:cTn>
+                                        <p:tgtEl>
+                                          <p:spTgt spid="3">
+                                            <p:txEl>
+                                              <p:pRg st="5" end="5"/>
+                                            </p:txEl>
+                                          </p:spTgt>
+                                        </p:tgtEl>
+                                        <p:attrNameLst>
+                                          <p:attrName>style.visibility</p:attrName>
+                                        </p:attrNameLst>
+                                      </p:cBhvr>
+                                      <p:to>
+                                        <p:strVal val="visible"/>
+                                      </p:to>
+                                    </p:set>
+                                  </p:childTnLst>
+                                </p:cTn>
+                              </p:par>
+                            </p:childTnLst>
+                          </p:cTn>
+                        </p:par>
+                      </p:childTnLst>
+                    </p:cTn>
+                  </p:par>
+                  <p:par>
+                    <p:cTn id="27" fill="hold">
+                      <p:stCondLst>
+                        <p:cond delay="indefinite"/>
+                      </p:stCondLst>
+                      <p:childTnLst>
+                        <p:par>
+                          <p:cTn id="28" fill="hold">
+                            <p:stCondLst>
+                              <p:cond delay="0"/>
+                            </p:stCondLst>
+                            <p:childTnLst>
+                              <p:par>
+                                <p:cTn id="29" presetID="1" presetClass="entr" presetSubtype="0" fill="hold" nodeType="clickEffect">
+                                  <p:stCondLst>
+                                    <p:cond delay="0"/>
+                                  </p:stCondLst>
+                                  <p:childTnLst>
+                                    <p:set>
+                                      <p:cBhvr>
+                                        <p:cTn id="30" dur="1" fill="hold">
+                                          <p:stCondLst>
+                                            <p:cond delay="0"/>
+                                          </p:stCondLst>
+                                        </p:cTn>
+                                        <p:tgtEl>
+                                          <p:spTgt spid="3">
+                                            <p:txEl>
+                                              <p:pRg st="6" end="6"/>
+                                            </p:txEl>
+                                          </p:spTgt>
+                                        </p:tgtEl>
+                                        <p:attrNameLst>
+                                          <p:attrName>style.visibility</p:attrName>
+                                        </p:attrNameLst>
+                                      </p:cBhvr>
+                                      <p:to>
+                                        <p:strVal val="visible"/>
+                                      </p:to>
+                                    </p:set>
+                                  </p:childTnLst>
+                                </p:cTn>
+                              </p:par>
+                            </p:childTnLst>
+                          </p:cTn>
+                        </p:par>
+                      </p:childTnLst>
+                    </p:cTn>
+                  </p:par>
+                  <p:par>
+                    <p:cTn id="31" fill="hold">
+                      <p:stCondLst>
+                        <p:cond delay="indefinite"/>
+                      </p:stCondLst>
+                      <p:childTnLst>
+                        <p:par>
+                          <p:cTn id="32" fill="hold">
+                            <p:stCondLst>
+                              <p:cond delay="0"/>
+                            </p:stCondLst>
+                            <p:childTnLst>
+                              <p:par>
+                                <p:cTn id="33" presetID="1" presetClass="entr" presetSubtype="0" fill="hold" nodeType="clickEffect">
+                                  <p:stCondLst>
+                                    <p:cond delay="0"/>
+                                  </p:stCondLst>
+                                  <p:childTnLst>
+                                    <p:set>
+                                      <p:cBhvr>
+                                        <p:cTn id="34" dur="1" fill="hold">
+                                          <p:stCondLst>
+                                            <p:cond delay="0"/>
+                                          </p:stCondLst>
+                                        </p:cTn>
+                                        <p:tgtEl>
+                                          <p:spTgt spid="3">
+                                            <p:txEl>
+                                              <p:pRg st="7" end="7"/>
+                                            </p:txEl>
+                                          </p:spTgt>
+                                        </p:tgtEl>
+                                        <p:attrNameLst>
+                                          <p:attrName>style.visibility</p:attrName>
+                                        </p:attrNameLst>
+                                      </p:cBhvr>
+                                      <p:to>
+                                        <p:strVal val="visible"/>
+                                      </p:to>
+                                    </p:set>
+                                  </p:childTnLst>
+                                </p:cTn>
+                              </p:par>
+                            </p:childTnLst>
+                          </p:cTn>
+                        </p:par>
+                      </p:childTnLst>
+                    </p:cTn>
+                  </p:par>
+                </p:childTnLst>
+              </p:cTn>
+              <p:prevCondLst>
+                <p:cond evt="onPrev" delay="0">
+                  <p:tgtEl>
+                    <p:sldTgt/>
+                  </p:tgtEl>
+                </p:cond>
+              </p:prevCondLst>
+              <p:nextCondLst>
+                <p:cond evt="onNext" delay="0">
+                  <p:tgtEl>
+                    <p:sldTgt/>
+                  </p:tgtEl>
+                </p:cond>
+              </p:nextCondLst>
+            </p:seq>
+          </p:childTnLst>
+        </p:cTn>
+      </p:par>
+    </p:tnLst>
+  </p:timing>
 </p:sld>
 </file>
 
@@ -6471,8 +8432,8 @@
           <a:lstStyle/>
           <a:p>
             <a:r>
-              <a:rPr lang="zh-CN" altLang="en-US" dirty="0" smtClean="0"/>
-              <a:t>基本知识</a:t>
+              <a:rPr lang="en-US" altLang="zh-CN" dirty="0" smtClean="0"/>
+              <a:t>Models</a:t>
             </a:r>
             <a:endParaRPr lang="zh-CN" altLang="en-US" dirty="0"/>
           </a:p>
@@ -6494,67 +8455,1081 @@
           <a:lstStyle/>
           <a:p>
             <a:r>
+              <a:rPr lang="zh-CN" altLang="en-US" dirty="0"/>
+              <a:t>基础</a:t>
+            </a:r>
+            <a:r>
               <a:rPr lang="zh-CN" altLang="en-US" dirty="0" smtClean="0"/>
-              <a:t>模型 </a:t>
-            </a:r>
-            <a:r>
-              <a:rPr lang="en-US" altLang="zh-CN" dirty="0" smtClean="0"/>
-              <a:t>models.py</a:t>
-            </a:r>
-          </a:p>
-          <a:p>
+              <a:t>知识</a:t>
+            </a:r>
+            <a:endParaRPr lang="en-US" altLang="zh-CN" dirty="0"/>
+          </a:p>
+          <a:p>
+            <a:pPr lvl="1"/>
             <a:r>
               <a:rPr lang="zh-CN" altLang="en-US" dirty="0" smtClean="0"/>
-              <a:t>视图 </a:t>
-            </a:r>
-            <a:r>
-              <a:rPr lang="en-US" altLang="zh-CN" dirty="0" smtClean="0"/>
-              <a:t>views.py</a:t>
-            </a:r>
-          </a:p>
-          <a:p>
+              <a:t>每个</a:t>
+            </a:r>
+            <a:r>
+              <a:rPr lang="zh-CN" altLang="en-US" dirty="0"/>
+              <a:t>模型是</a:t>
+            </a:r>
+            <a:r>
+              <a:rPr lang="en-US" altLang="zh-CN" dirty="0" err="1"/>
+              <a:t>django.db.models.Model</a:t>
+            </a:r>
+            <a:r>
+              <a:rPr lang="zh-CN" altLang="en-US" dirty="0"/>
+              <a:t>的一个子</a:t>
+            </a:r>
             <a:r>
               <a:rPr lang="zh-CN" altLang="en-US" dirty="0" smtClean="0"/>
-              <a:t>路由 </a:t>
-            </a:r>
-            <a:r>
-              <a:rPr lang="en-US" altLang="zh-CN" dirty="0" smtClean="0"/>
-              <a:t>urls.py</a:t>
-            </a:r>
-          </a:p>
-          <a:p>
+              <a:t>类</a:t>
+            </a:r>
+            <a:endParaRPr lang="en-US" altLang="zh-CN" dirty="0" smtClean="0"/>
+          </a:p>
+          <a:p>
+            <a:pPr lvl="1"/>
             <a:r>
               <a:rPr lang="zh-CN" altLang="en-US" dirty="0" smtClean="0"/>
-              <a:t>模板 </a:t>
-            </a:r>
-            <a:r>
-              <a:rPr lang="en-US" altLang="zh-CN" dirty="0" smtClean="0"/>
-              <a:t>template/*.html</a:t>
-            </a:r>
-          </a:p>
-          <a:p>
+              <a:t>模型</a:t>
+            </a:r>
+            <a:r>
+              <a:rPr lang="zh-CN" altLang="en-US" dirty="0"/>
+              <a:t>的每一个属性都表示一个数据库</a:t>
+            </a:r>
             <a:r>
               <a:rPr lang="zh-CN" altLang="en-US" dirty="0" smtClean="0"/>
-              <a:t>测试 </a:t>
-            </a:r>
-            <a:r>
-              <a:rPr lang="en-US" altLang="zh-CN" dirty="0" smtClean="0"/>
-              <a:t>test.py</a:t>
+              <a:t>字段</a:t>
+            </a:r>
+            <a:endParaRPr lang="en-US" altLang="zh-CN" dirty="0" smtClean="0"/>
+          </a:p>
+          <a:p>
+            <a:pPr lvl="1"/>
+            <a:r>
+              <a:rPr lang="zh-CN" altLang="en-US" dirty="0" smtClean="0"/>
+              <a:t>定义</a:t>
+            </a:r>
+            <a:r>
+              <a:rPr lang="zh-CN" altLang="en-US" dirty="0"/>
+              <a:t>模型后，</a:t>
+            </a:r>
+            <a:r>
+              <a:rPr lang="en-US" altLang="zh-CN" dirty="0"/>
+              <a:t>Django</a:t>
+            </a:r>
+            <a:r>
+              <a:rPr lang="zh-CN" altLang="en-US" dirty="0"/>
+              <a:t>会自动生成数据库的访问</a:t>
+            </a:r>
+            <a:r>
+              <a:rPr lang="en-US" altLang="zh-CN" dirty="0"/>
+              <a:t>API</a:t>
             </a:r>
             <a:endParaRPr lang="zh-CN" altLang="en-US" dirty="0"/>
+          </a:p>
+          <a:p>
+            <a:endParaRPr lang="zh-CN" altLang="en-US" dirty="0"/>
+          </a:p>
+        </p:txBody>
+      </p:sp>
+      <p:sp>
+        <p:nvSpPr>
+          <p:cNvPr id="5" name="Rectangle 1"/>
+          <p:cNvSpPr>
+            <a:spLocks noChangeArrowheads="1"/>
+          </p:cNvSpPr>
+          <p:nvPr/>
+        </p:nvSpPr>
+        <p:spPr bwMode="auto">
+          <a:xfrm>
+            <a:off x="1494063" y="3746500"/>
+            <a:ext cx="4931229" cy="1754326"/>
+          </a:xfrm>
+          <a:prstGeom prst="rect">
+            <a:avLst/>
+          </a:prstGeom>
+          <a:solidFill>
+            <a:srgbClr val="272822"/>
+          </a:solidFill>
+          <a:ln>
+            <a:noFill/>
+          </a:ln>
+          <a:effectLst/>
+          <a:extLst>
+            <a:ext uri="{91240B29-F687-4F45-9708-019B960494DF}">
+              <a14:hiddenLine xmlns:a14="http://schemas.microsoft.com/office/drawing/2010/main" w="9525">
+                <a:solidFill>
+                  <a:schemeClr val="tx1"/>
+                </a:solidFill>
+                <a:miter lim="800000"/>
+                <a:headEnd/>
+                <a:tailEnd/>
+              </a14:hiddenLine>
+            </a:ext>
+            <a:ext uri="{AF507438-7753-43E0-B8FC-AC1667EBCBE1}">
+              <a14:hiddenEffects xmlns:a14="http://schemas.microsoft.com/office/drawing/2010/main">
+                <a:effectLst>
+                  <a:outerShdw dist="35921" dir="2700000" algn="ctr" rotWithShape="0">
+                    <a:schemeClr val="bg2"/>
+                  </a:outerShdw>
+                </a:effectLst>
+              </a14:hiddenEffects>
+            </a:ext>
+          </a:extLst>
+        </p:spPr>
+        <p:txBody>
+          <a:bodyPr vert="horz" wrap="square" lIns="91440" tIns="45720" rIns="91440" bIns="45720" numCol="1" anchor="ctr" anchorCtr="0" compatLnSpc="1">
+            <a:prstTxWarp prst="textNoShape">
+              <a:avLst/>
+            </a:prstTxWarp>
+            <a:spAutoFit/>
+          </a:bodyPr>
+          <a:lstStyle/>
+          <a:p>
+            <a:pPr marL="0" marR="0" lvl="0" indent="0" algn="l" defTabSz="914400" rtl="0" eaLnBrk="0" fontAlgn="base" latinLnBrk="0" hangingPunct="0">
+              <a:lnSpc>
+                <a:spcPct val="100000"/>
+              </a:lnSpc>
+              <a:spcBef>
+                <a:spcPct val="0"/>
+              </a:spcBef>
+              <a:spcAft>
+                <a:spcPct val="0"/>
+              </a:spcAft>
+              <a:buClrTx/>
+              <a:buSzTx/>
+              <a:buFontTx/>
+              <a:buNone/>
+              <a:tabLst/>
+            </a:pPr>
+            <a:r>
+              <a:rPr kumimoji="0" lang="zh-CN" altLang="zh-CN" sz="1200" b="0" i="1" u="none" strike="noStrike" cap="none" normalizeH="0" baseline="0" dirty="0" smtClean="0">
+                <a:ln>
+                  <a:noFill/>
+                </a:ln>
+                <a:solidFill>
+                  <a:srgbClr val="66D9EF"/>
+                </a:solidFill>
+                <a:effectLst/>
+                <a:latin typeface="Consolas" panose="020B0609020204030204" pitchFamily="49" charset="0"/>
+                <a:cs typeface="Consolas" panose="020B0609020204030204" pitchFamily="49" charset="0"/>
+              </a:rPr>
+              <a:t>class </a:t>
+            </a:r>
+            <a:r>
+              <a:rPr kumimoji="0" lang="zh-CN" altLang="zh-CN" sz="1200" b="0" i="0" u="none" strike="noStrike" cap="none" normalizeH="0" baseline="0" dirty="0" smtClean="0">
+                <a:ln>
+                  <a:noFill/>
+                </a:ln>
+                <a:solidFill>
+                  <a:srgbClr val="A6E22E"/>
+                </a:solidFill>
+                <a:effectLst/>
+                <a:latin typeface="Consolas" panose="020B0609020204030204" pitchFamily="49" charset="0"/>
+                <a:cs typeface="Consolas" panose="020B0609020204030204" pitchFamily="49" charset="0"/>
+              </a:rPr>
+              <a:t>Poll</a:t>
+            </a:r>
+            <a:r>
+              <a:rPr kumimoji="0" lang="zh-CN" altLang="zh-CN" sz="1200" b="0" i="0" u="none" strike="noStrike" cap="none" normalizeH="0" baseline="0" dirty="0" smtClean="0">
+                <a:ln>
+                  <a:noFill/>
+                </a:ln>
+                <a:solidFill>
+                  <a:srgbClr val="F8F8F2"/>
+                </a:solidFill>
+                <a:effectLst/>
+                <a:latin typeface="Consolas" panose="020B0609020204030204" pitchFamily="49" charset="0"/>
+                <a:cs typeface="Consolas" panose="020B0609020204030204" pitchFamily="49" charset="0"/>
+              </a:rPr>
+              <a:t>(models.Model)</a:t>
+            </a:r>
+            <a:r>
+              <a:rPr kumimoji="0" lang="zh-CN" altLang="zh-CN" sz="1200" b="0" i="0" u="none" strike="noStrike" cap="none" normalizeH="0" baseline="0" dirty="0" smtClean="0">
+                <a:ln>
+                  <a:noFill/>
+                </a:ln>
+                <a:solidFill>
+                  <a:srgbClr val="F92672"/>
+                </a:solidFill>
+                <a:effectLst/>
+                <a:latin typeface="Consolas" panose="020B0609020204030204" pitchFamily="49" charset="0"/>
+                <a:cs typeface="Consolas" panose="020B0609020204030204" pitchFamily="49" charset="0"/>
+              </a:rPr>
+              <a:t>:</a:t>
+            </a:r>
+            <a:br>
+              <a:rPr kumimoji="0" lang="zh-CN" altLang="zh-CN" sz="1200" b="0" i="0" u="none" strike="noStrike" cap="none" normalizeH="0" baseline="0" dirty="0" smtClean="0">
+                <a:ln>
+                  <a:noFill/>
+                </a:ln>
+                <a:solidFill>
+                  <a:srgbClr val="F92672"/>
+                </a:solidFill>
+                <a:effectLst/>
+                <a:latin typeface="Consolas" panose="020B0609020204030204" pitchFamily="49" charset="0"/>
+                <a:cs typeface="Consolas" panose="020B0609020204030204" pitchFamily="49" charset="0"/>
+              </a:rPr>
+            </a:br>
+            <a:r>
+              <a:rPr kumimoji="0" lang="zh-CN" altLang="zh-CN" sz="1200" b="0" i="0" u="none" strike="noStrike" cap="none" normalizeH="0" baseline="0" dirty="0" smtClean="0">
+                <a:ln>
+                  <a:noFill/>
+                </a:ln>
+                <a:solidFill>
+                  <a:srgbClr val="F92672"/>
+                </a:solidFill>
+                <a:effectLst/>
+                <a:latin typeface="Consolas" panose="020B0609020204030204" pitchFamily="49" charset="0"/>
+                <a:cs typeface="Consolas" panose="020B0609020204030204" pitchFamily="49" charset="0"/>
+              </a:rPr>
+              <a:t>    </a:t>
+            </a:r>
+            <a:r>
+              <a:rPr kumimoji="0" lang="zh-CN" altLang="zh-CN" sz="1200" b="0" i="0" u="none" strike="noStrike" cap="none" normalizeH="0" baseline="0" dirty="0" smtClean="0">
+                <a:ln>
+                  <a:noFill/>
+                </a:ln>
+                <a:solidFill>
+                  <a:srgbClr val="F8F8F2"/>
+                </a:solidFill>
+                <a:effectLst/>
+                <a:latin typeface="Consolas" panose="020B0609020204030204" pitchFamily="49" charset="0"/>
+                <a:cs typeface="Consolas" panose="020B0609020204030204" pitchFamily="49" charset="0"/>
+              </a:rPr>
+              <a:t>question </a:t>
+            </a:r>
+            <a:r>
+              <a:rPr kumimoji="0" lang="zh-CN" altLang="zh-CN" sz="1200" b="0" i="0" u="none" strike="noStrike" cap="none" normalizeH="0" baseline="0" dirty="0" smtClean="0">
+                <a:ln>
+                  <a:noFill/>
+                </a:ln>
+                <a:solidFill>
+                  <a:srgbClr val="F92672"/>
+                </a:solidFill>
+                <a:effectLst/>
+                <a:latin typeface="Consolas" panose="020B0609020204030204" pitchFamily="49" charset="0"/>
+                <a:cs typeface="Consolas" panose="020B0609020204030204" pitchFamily="49" charset="0"/>
+              </a:rPr>
+              <a:t>= </a:t>
+            </a:r>
+            <a:r>
+              <a:rPr kumimoji="0" lang="zh-CN" altLang="zh-CN" sz="1200" b="0" i="0" u="none" strike="noStrike" cap="none" normalizeH="0" baseline="0" dirty="0" smtClean="0">
+                <a:ln>
+                  <a:noFill/>
+                </a:ln>
+                <a:solidFill>
+                  <a:srgbClr val="F8F8F2"/>
+                </a:solidFill>
+                <a:effectLst/>
+                <a:latin typeface="Consolas" panose="020B0609020204030204" pitchFamily="49" charset="0"/>
+                <a:cs typeface="Consolas" panose="020B0609020204030204" pitchFamily="49" charset="0"/>
+              </a:rPr>
+              <a:t>models.CharField(</a:t>
+            </a:r>
+            <a:r>
+              <a:rPr kumimoji="0" lang="zh-CN" altLang="zh-CN" sz="1200" b="0" i="1" u="none" strike="noStrike" cap="none" normalizeH="0" baseline="0" dirty="0" smtClean="0">
+                <a:ln>
+                  <a:noFill/>
+                </a:ln>
+                <a:solidFill>
+                  <a:srgbClr val="FD971F"/>
+                </a:solidFill>
+                <a:effectLst/>
+                <a:latin typeface="Consolas" panose="020B0609020204030204" pitchFamily="49" charset="0"/>
+                <a:cs typeface="Consolas" panose="020B0609020204030204" pitchFamily="49" charset="0"/>
+              </a:rPr>
+              <a:t>max_length</a:t>
+            </a:r>
+            <a:r>
+              <a:rPr kumimoji="0" lang="zh-CN" altLang="zh-CN" sz="1200" b="0" i="0" u="none" strike="noStrike" cap="none" normalizeH="0" baseline="0" dirty="0" smtClean="0">
+                <a:ln>
+                  <a:noFill/>
+                </a:ln>
+                <a:solidFill>
+                  <a:srgbClr val="F92672"/>
+                </a:solidFill>
+                <a:effectLst/>
+                <a:latin typeface="Consolas" panose="020B0609020204030204" pitchFamily="49" charset="0"/>
+                <a:cs typeface="Consolas" panose="020B0609020204030204" pitchFamily="49" charset="0"/>
+              </a:rPr>
+              <a:t>=</a:t>
+            </a:r>
+            <a:r>
+              <a:rPr kumimoji="0" lang="zh-CN" altLang="zh-CN" sz="1200" b="0" i="0" u="none" strike="noStrike" cap="none" normalizeH="0" baseline="0" dirty="0" smtClean="0">
+                <a:ln>
+                  <a:noFill/>
+                </a:ln>
+                <a:solidFill>
+                  <a:srgbClr val="AE81FF"/>
+                </a:solidFill>
+                <a:effectLst/>
+                <a:latin typeface="Consolas" panose="020B0609020204030204" pitchFamily="49" charset="0"/>
+                <a:cs typeface="Consolas" panose="020B0609020204030204" pitchFamily="49" charset="0"/>
+              </a:rPr>
+              <a:t>200</a:t>
+            </a:r>
+            <a:r>
+              <a:rPr kumimoji="0" lang="zh-CN" altLang="zh-CN" sz="1200" b="0" i="0" u="none" strike="noStrike" cap="none" normalizeH="0" baseline="0" dirty="0" smtClean="0">
+                <a:ln>
+                  <a:noFill/>
+                </a:ln>
+                <a:solidFill>
+                  <a:srgbClr val="F8F8F2"/>
+                </a:solidFill>
+                <a:effectLst/>
+                <a:latin typeface="Consolas" panose="020B0609020204030204" pitchFamily="49" charset="0"/>
+                <a:cs typeface="Consolas" panose="020B0609020204030204" pitchFamily="49" charset="0"/>
+              </a:rPr>
+              <a:t>)</a:t>
+            </a:r>
+            <a:br>
+              <a:rPr kumimoji="0" lang="zh-CN" altLang="zh-CN" sz="1200" b="0" i="0" u="none" strike="noStrike" cap="none" normalizeH="0" baseline="0" dirty="0" smtClean="0">
+                <a:ln>
+                  <a:noFill/>
+                </a:ln>
+                <a:solidFill>
+                  <a:srgbClr val="F8F8F2"/>
+                </a:solidFill>
+                <a:effectLst/>
+                <a:latin typeface="Consolas" panose="020B0609020204030204" pitchFamily="49" charset="0"/>
+                <a:cs typeface="Consolas" panose="020B0609020204030204" pitchFamily="49" charset="0"/>
+              </a:rPr>
+            </a:br>
+            <a:r>
+              <a:rPr kumimoji="0" lang="zh-CN" altLang="zh-CN" sz="1200" b="0" i="0" u="none" strike="noStrike" cap="none" normalizeH="0" baseline="0" dirty="0" smtClean="0">
+                <a:ln>
+                  <a:noFill/>
+                </a:ln>
+                <a:solidFill>
+                  <a:srgbClr val="F8F8F2"/>
+                </a:solidFill>
+                <a:effectLst/>
+                <a:latin typeface="Consolas" panose="020B0609020204030204" pitchFamily="49" charset="0"/>
+                <a:cs typeface="Consolas" panose="020B0609020204030204" pitchFamily="49" charset="0"/>
+              </a:rPr>
+              <a:t>    pub_date </a:t>
+            </a:r>
+            <a:r>
+              <a:rPr kumimoji="0" lang="zh-CN" altLang="zh-CN" sz="1200" b="0" i="0" u="none" strike="noStrike" cap="none" normalizeH="0" baseline="0" dirty="0" smtClean="0">
+                <a:ln>
+                  <a:noFill/>
+                </a:ln>
+                <a:solidFill>
+                  <a:srgbClr val="F92672"/>
+                </a:solidFill>
+                <a:effectLst/>
+                <a:latin typeface="Consolas" panose="020B0609020204030204" pitchFamily="49" charset="0"/>
+                <a:cs typeface="Consolas" panose="020B0609020204030204" pitchFamily="49" charset="0"/>
+              </a:rPr>
+              <a:t>= </a:t>
+            </a:r>
+            <a:r>
+              <a:rPr kumimoji="0" lang="zh-CN" altLang="zh-CN" sz="1200" b="0" i="0" u="none" strike="noStrike" cap="none" normalizeH="0" baseline="0" dirty="0" smtClean="0">
+                <a:ln>
+                  <a:noFill/>
+                </a:ln>
+                <a:solidFill>
+                  <a:srgbClr val="F8F8F2"/>
+                </a:solidFill>
+                <a:effectLst/>
+                <a:latin typeface="Consolas" panose="020B0609020204030204" pitchFamily="49" charset="0"/>
+                <a:cs typeface="Consolas" panose="020B0609020204030204" pitchFamily="49" charset="0"/>
+              </a:rPr>
+              <a:t>models.DateTimeField</a:t>
+            </a:r>
+            <a:r>
+              <a:rPr kumimoji="0" lang="zh-CN" altLang="zh-CN" sz="1200" b="0" i="0" u="none" strike="noStrike" cap="none" normalizeH="0" baseline="0" dirty="0" smtClean="0">
+                <a:ln>
+                  <a:noFill/>
+                </a:ln>
+                <a:solidFill>
+                  <a:srgbClr val="F8F8F2"/>
+                </a:solidFill>
+                <a:effectLst/>
+                <a:latin typeface="Consolas" panose="020B0609020204030204" pitchFamily="49" charset="0"/>
+                <a:cs typeface="Consolas" panose="020B0609020204030204" pitchFamily="49" charset="0"/>
+              </a:rPr>
+              <a:t>()</a:t>
+            </a:r>
+            <a:r>
+              <a:rPr kumimoji="0" lang="zh-CN" altLang="zh-CN" sz="1200" b="0" i="0" u="none" strike="noStrike" cap="none" normalizeH="0" baseline="0" dirty="0" smtClean="0">
+                <a:ln>
+                  <a:noFill/>
+                </a:ln>
+                <a:solidFill>
+                  <a:srgbClr val="F8F8F2"/>
+                </a:solidFill>
+                <a:effectLst/>
+                <a:latin typeface="Consolas" panose="020B0609020204030204" pitchFamily="49" charset="0"/>
+                <a:cs typeface="Consolas" panose="020B0609020204030204" pitchFamily="49" charset="0"/>
+              </a:rPr>
+              <a:t/>
+            </a:r>
+            <a:br>
+              <a:rPr kumimoji="0" lang="zh-CN" altLang="zh-CN" sz="1200" b="0" i="0" u="none" strike="noStrike" cap="none" normalizeH="0" baseline="0" dirty="0" smtClean="0">
+                <a:ln>
+                  <a:noFill/>
+                </a:ln>
+                <a:solidFill>
+                  <a:srgbClr val="F8F8F2"/>
+                </a:solidFill>
+                <a:effectLst/>
+                <a:latin typeface="Consolas" panose="020B0609020204030204" pitchFamily="49" charset="0"/>
+                <a:cs typeface="Consolas" panose="020B0609020204030204" pitchFamily="49" charset="0"/>
+              </a:rPr>
+            </a:br>
+            <a:r>
+              <a:rPr kumimoji="0" lang="zh-CN" altLang="zh-CN" sz="1200" b="0" i="0" u="none" strike="noStrike" cap="none" normalizeH="0" baseline="0" dirty="0" smtClean="0">
+                <a:ln>
+                  <a:noFill/>
+                </a:ln>
+                <a:solidFill>
+                  <a:srgbClr val="F8F8F2"/>
+                </a:solidFill>
+                <a:effectLst/>
+                <a:latin typeface="Consolas" panose="020B0609020204030204" pitchFamily="49" charset="0"/>
+                <a:cs typeface="Consolas" panose="020B0609020204030204" pitchFamily="49" charset="0"/>
+              </a:rPr>
+              <a:t/>
+            </a:r>
+            <a:br>
+              <a:rPr kumimoji="0" lang="zh-CN" altLang="zh-CN" sz="1200" b="0" i="0" u="none" strike="noStrike" cap="none" normalizeH="0" baseline="0" dirty="0" smtClean="0">
+                <a:ln>
+                  <a:noFill/>
+                </a:ln>
+                <a:solidFill>
+                  <a:srgbClr val="F8F8F2"/>
+                </a:solidFill>
+                <a:effectLst/>
+                <a:latin typeface="Consolas" panose="020B0609020204030204" pitchFamily="49" charset="0"/>
+                <a:cs typeface="Consolas" panose="020B0609020204030204" pitchFamily="49" charset="0"/>
+              </a:rPr>
+            </a:br>
+            <a:r>
+              <a:rPr kumimoji="0" lang="zh-CN" altLang="zh-CN" sz="1200" b="0" i="0" u="none" strike="noStrike" cap="none" normalizeH="0" baseline="0" dirty="0" smtClean="0">
+                <a:ln>
+                  <a:noFill/>
+                </a:ln>
+                <a:solidFill>
+                  <a:srgbClr val="F8F8F2"/>
+                </a:solidFill>
+                <a:effectLst/>
+                <a:latin typeface="Consolas" panose="020B0609020204030204" pitchFamily="49" charset="0"/>
+                <a:cs typeface="Consolas" panose="020B0609020204030204" pitchFamily="49" charset="0"/>
+              </a:rPr>
+              <a:t/>
+            </a:r>
+            <a:br>
+              <a:rPr kumimoji="0" lang="zh-CN" altLang="zh-CN" sz="1200" b="0" i="0" u="none" strike="noStrike" cap="none" normalizeH="0" baseline="0" dirty="0" smtClean="0">
+                <a:ln>
+                  <a:noFill/>
+                </a:ln>
+                <a:solidFill>
+                  <a:srgbClr val="F8F8F2"/>
+                </a:solidFill>
+                <a:effectLst/>
+                <a:latin typeface="Consolas" panose="020B0609020204030204" pitchFamily="49" charset="0"/>
+                <a:cs typeface="Consolas" panose="020B0609020204030204" pitchFamily="49" charset="0"/>
+              </a:rPr>
+            </a:br>
+            <a:r>
+              <a:rPr kumimoji="0" lang="zh-CN" altLang="zh-CN" sz="1200" b="0" i="1" u="none" strike="noStrike" cap="none" normalizeH="0" baseline="0" dirty="0" smtClean="0">
+                <a:ln>
+                  <a:noFill/>
+                </a:ln>
+                <a:solidFill>
+                  <a:srgbClr val="66D9EF"/>
+                </a:solidFill>
+                <a:effectLst/>
+                <a:latin typeface="Consolas" panose="020B0609020204030204" pitchFamily="49" charset="0"/>
+                <a:cs typeface="Consolas" panose="020B0609020204030204" pitchFamily="49" charset="0"/>
+              </a:rPr>
+              <a:t>class </a:t>
+            </a:r>
+            <a:r>
+              <a:rPr kumimoji="0" lang="zh-CN" altLang="zh-CN" sz="1200" b="0" i="0" u="none" strike="noStrike" cap="none" normalizeH="0" baseline="0" dirty="0" smtClean="0">
+                <a:ln>
+                  <a:noFill/>
+                </a:ln>
+                <a:solidFill>
+                  <a:srgbClr val="A6E22E"/>
+                </a:solidFill>
+                <a:effectLst/>
+                <a:latin typeface="Consolas" panose="020B0609020204030204" pitchFamily="49" charset="0"/>
+                <a:cs typeface="Consolas" panose="020B0609020204030204" pitchFamily="49" charset="0"/>
+              </a:rPr>
+              <a:t>Choice</a:t>
+            </a:r>
+            <a:r>
+              <a:rPr kumimoji="0" lang="zh-CN" altLang="zh-CN" sz="1200" b="0" i="0" u="none" strike="noStrike" cap="none" normalizeH="0" baseline="0" dirty="0" smtClean="0">
+                <a:ln>
+                  <a:noFill/>
+                </a:ln>
+                <a:solidFill>
+                  <a:srgbClr val="F8F8F2"/>
+                </a:solidFill>
+                <a:effectLst/>
+                <a:latin typeface="Consolas" panose="020B0609020204030204" pitchFamily="49" charset="0"/>
+                <a:cs typeface="Consolas" panose="020B0609020204030204" pitchFamily="49" charset="0"/>
+              </a:rPr>
+              <a:t>(models.Model)</a:t>
+            </a:r>
+            <a:r>
+              <a:rPr kumimoji="0" lang="zh-CN" altLang="zh-CN" sz="1200" b="0" i="0" u="none" strike="noStrike" cap="none" normalizeH="0" baseline="0" dirty="0" smtClean="0">
+                <a:ln>
+                  <a:noFill/>
+                </a:ln>
+                <a:solidFill>
+                  <a:srgbClr val="F92672"/>
+                </a:solidFill>
+                <a:effectLst/>
+                <a:latin typeface="Consolas" panose="020B0609020204030204" pitchFamily="49" charset="0"/>
+                <a:cs typeface="Consolas" panose="020B0609020204030204" pitchFamily="49" charset="0"/>
+              </a:rPr>
+              <a:t>:</a:t>
+            </a:r>
+            <a:br>
+              <a:rPr kumimoji="0" lang="zh-CN" altLang="zh-CN" sz="1200" b="0" i="0" u="none" strike="noStrike" cap="none" normalizeH="0" baseline="0" dirty="0" smtClean="0">
+                <a:ln>
+                  <a:noFill/>
+                </a:ln>
+                <a:solidFill>
+                  <a:srgbClr val="F92672"/>
+                </a:solidFill>
+                <a:effectLst/>
+                <a:latin typeface="Consolas" panose="020B0609020204030204" pitchFamily="49" charset="0"/>
+                <a:cs typeface="Consolas" panose="020B0609020204030204" pitchFamily="49" charset="0"/>
+              </a:rPr>
+            </a:br>
+            <a:r>
+              <a:rPr kumimoji="0" lang="zh-CN" altLang="zh-CN" sz="1200" b="0" i="0" u="none" strike="noStrike" cap="none" normalizeH="0" baseline="0" dirty="0" smtClean="0">
+                <a:ln>
+                  <a:noFill/>
+                </a:ln>
+                <a:solidFill>
+                  <a:srgbClr val="F92672"/>
+                </a:solidFill>
+                <a:effectLst/>
+                <a:latin typeface="Consolas" panose="020B0609020204030204" pitchFamily="49" charset="0"/>
+                <a:cs typeface="Consolas" panose="020B0609020204030204" pitchFamily="49" charset="0"/>
+              </a:rPr>
+              <a:t>    </a:t>
+            </a:r>
+            <a:r>
+              <a:rPr kumimoji="0" lang="zh-CN" altLang="zh-CN" sz="1200" b="0" i="0" u="none" strike="noStrike" cap="none" normalizeH="0" baseline="0" dirty="0" smtClean="0">
+                <a:ln>
+                  <a:noFill/>
+                </a:ln>
+                <a:solidFill>
+                  <a:srgbClr val="F8F8F2"/>
+                </a:solidFill>
+                <a:effectLst/>
+                <a:latin typeface="Consolas" panose="020B0609020204030204" pitchFamily="49" charset="0"/>
+                <a:cs typeface="Consolas" panose="020B0609020204030204" pitchFamily="49" charset="0"/>
+              </a:rPr>
+              <a:t>poll </a:t>
+            </a:r>
+            <a:r>
+              <a:rPr kumimoji="0" lang="zh-CN" altLang="zh-CN" sz="1200" b="0" i="0" u="none" strike="noStrike" cap="none" normalizeH="0" baseline="0" dirty="0" smtClean="0">
+                <a:ln>
+                  <a:noFill/>
+                </a:ln>
+                <a:solidFill>
+                  <a:srgbClr val="F92672"/>
+                </a:solidFill>
+                <a:effectLst/>
+                <a:latin typeface="Consolas" panose="020B0609020204030204" pitchFamily="49" charset="0"/>
+                <a:cs typeface="Consolas" panose="020B0609020204030204" pitchFamily="49" charset="0"/>
+              </a:rPr>
+              <a:t>= </a:t>
+            </a:r>
+            <a:r>
+              <a:rPr kumimoji="0" lang="zh-CN" altLang="zh-CN" sz="1200" b="0" i="0" u="none" strike="noStrike" cap="none" normalizeH="0" baseline="0" dirty="0" smtClean="0">
+                <a:ln>
+                  <a:noFill/>
+                </a:ln>
+                <a:solidFill>
+                  <a:srgbClr val="F8F8F2"/>
+                </a:solidFill>
+                <a:effectLst/>
+                <a:latin typeface="Consolas" panose="020B0609020204030204" pitchFamily="49" charset="0"/>
+                <a:cs typeface="Consolas" panose="020B0609020204030204" pitchFamily="49" charset="0"/>
+              </a:rPr>
+              <a:t>models.ForeignKey(Poll)</a:t>
+            </a:r>
+            <a:br>
+              <a:rPr kumimoji="0" lang="zh-CN" altLang="zh-CN" sz="1200" b="0" i="0" u="none" strike="noStrike" cap="none" normalizeH="0" baseline="0" dirty="0" smtClean="0">
+                <a:ln>
+                  <a:noFill/>
+                </a:ln>
+                <a:solidFill>
+                  <a:srgbClr val="F8F8F2"/>
+                </a:solidFill>
+                <a:effectLst/>
+                <a:latin typeface="Consolas" panose="020B0609020204030204" pitchFamily="49" charset="0"/>
+                <a:cs typeface="Consolas" panose="020B0609020204030204" pitchFamily="49" charset="0"/>
+              </a:rPr>
+            </a:br>
+            <a:r>
+              <a:rPr kumimoji="0" lang="zh-CN" altLang="zh-CN" sz="1200" b="0" i="0" u="none" strike="noStrike" cap="none" normalizeH="0" baseline="0" dirty="0" smtClean="0">
+                <a:ln>
+                  <a:noFill/>
+                </a:ln>
+                <a:solidFill>
+                  <a:srgbClr val="F8F8F2"/>
+                </a:solidFill>
+                <a:effectLst/>
+                <a:latin typeface="Consolas" panose="020B0609020204030204" pitchFamily="49" charset="0"/>
+                <a:cs typeface="Consolas" panose="020B0609020204030204" pitchFamily="49" charset="0"/>
+              </a:rPr>
+              <a:t>    choice_text </a:t>
+            </a:r>
+            <a:r>
+              <a:rPr kumimoji="0" lang="zh-CN" altLang="zh-CN" sz="1200" b="0" i="0" u="none" strike="noStrike" cap="none" normalizeH="0" baseline="0" dirty="0" smtClean="0">
+                <a:ln>
+                  <a:noFill/>
+                </a:ln>
+                <a:solidFill>
+                  <a:srgbClr val="F92672"/>
+                </a:solidFill>
+                <a:effectLst/>
+                <a:latin typeface="Consolas" panose="020B0609020204030204" pitchFamily="49" charset="0"/>
+                <a:cs typeface="Consolas" panose="020B0609020204030204" pitchFamily="49" charset="0"/>
+              </a:rPr>
+              <a:t>= </a:t>
+            </a:r>
+            <a:r>
+              <a:rPr kumimoji="0" lang="zh-CN" altLang="zh-CN" sz="1200" b="0" i="0" u="none" strike="noStrike" cap="none" normalizeH="0" baseline="0" dirty="0" smtClean="0">
+                <a:ln>
+                  <a:noFill/>
+                </a:ln>
+                <a:solidFill>
+                  <a:srgbClr val="F8F8F2"/>
+                </a:solidFill>
+                <a:effectLst/>
+                <a:latin typeface="Consolas" panose="020B0609020204030204" pitchFamily="49" charset="0"/>
+                <a:cs typeface="Consolas" panose="020B0609020204030204" pitchFamily="49" charset="0"/>
+              </a:rPr>
+              <a:t>models.CharField(</a:t>
+            </a:r>
+            <a:r>
+              <a:rPr kumimoji="0" lang="zh-CN" altLang="zh-CN" sz="1200" b="0" i="1" u="none" strike="noStrike" cap="none" normalizeH="0" baseline="0" dirty="0" smtClean="0">
+                <a:ln>
+                  <a:noFill/>
+                </a:ln>
+                <a:solidFill>
+                  <a:srgbClr val="FD971F"/>
+                </a:solidFill>
+                <a:effectLst/>
+                <a:latin typeface="Consolas" panose="020B0609020204030204" pitchFamily="49" charset="0"/>
+                <a:cs typeface="Consolas" panose="020B0609020204030204" pitchFamily="49" charset="0"/>
+              </a:rPr>
+              <a:t>max_length</a:t>
+            </a:r>
+            <a:r>
+              <a:rPr kumimoji="0" lang="zh-CN" altLang="zh-CN" sz="1200" b="0" i="0" u="none" strike="noStrike" cap="none" normalizeH="0" baseline="0" dirty="0" smtClean="0">
+                <a:ln>
+                  <a:noFill/>
+                </a:ln>
+                <a:solidFill>
+                  <a:srgbClr val="F92672"/>
+                </a:solidFill>
+                <a:effectLst/>
+                <a:latin typeface="Consolas" panose="020B0609020204030204" pitchFamily="49" charset="0"/>
+                <a:cs typeface="Consolas" panose="020B0609020204030204" pitchFamily="49" charset="0"/>
+              </a:rPr>
+              <a:t>=</a:t>
+            </a:r>
+            <a:r>
+              <a:rPr kumimoji="0" lang="zh-CN" altLang="zh-CN" sz="1200" b="0" i="0" u="none" strike="noStrike" cap="none" normalizeH="0" baseline="0" dirty="0" smtClean="0">
+                <a:ln>
+                  <a:noFill/>
+                </a:ln>
+                <a:solidFill>
+                  <a:srgbClr val="AE81FF"/>
+                </a:solidFill>
+                <a:effectLst/>
+                <a:latin typeface="Consolas" panose="020B0609020204030204" pitchFamily="49" charset="0"/>
+                <a:cs typeface="Consolas" panose="020B0609020204030204" pitchFamily="49" charset="0"/>
+              </a:rPr>
+              <a:t>200</a:t>
+            </a:r>
+            <a:r>
+              <a:rPr kumimoji="0" lang="zh-CN" altLang="zh-CN" sz="1200" b="0" i="0" u="none" strike="noStrike" cap="none" normalizeH="0" baseline="0" dirty="0" smtClean="0">
+                <a:ln>
+                  <a:noFill/>
+                </a:ln>
+                <a:solidFill>
+                  <a:srgbClr val="F8F8F2"/>
+                </a:solidFill>
+                <a:effectLst/>
+                <a:latin typeface="Consolas" panose="020B0609020204030204" pitchFamily="49" charset="0"/>
+                <a:cs typeface="Consolas" panose="020B0609020204030204" pitchFamily="49" charset="0"/>
+              </a:rPr>
+              <a:t>)</a:t>
+            </a:r>
+            <a:br>
+              <a:rPr kumimoji="0" lang="zh-CN" altLang="zh-CN" sz="1200" b="0" i="0" u="none" strike="noStrike" cap="none" normalizeH="0" baseline="0" dirty="0" smtClean="0">
+                <a:ln>
+                  <a:noFill/>
+                </a:ln>
+                <a:solidFill>
+                  <a:srgbClr val="F8F8F2"/>
+                </a:solidFill>
+                <a:effectLst/>
+                <a:latin typeface="Consolas" panose="020B0609020204030204" pitchFamily="49" charset="0"/>
+                <a:cs typeface="Consolas" panose="020B0609020204030204" pitchFamily="49" charset="0"/>
+              </a:rPr>
+            </a:br>
+            <a:r>
+              <a:rPr kumimoji="0" lang="zh-CN" altLang="zh-CN" sz="1200" b="0" i="0" u="none" strike="noStrike" cap="none" normalizeH="0" baseline="0" dirty="0" smtClean="0">
+                <a:ln>
+                  <a:noFill/>
+                </a:ln>
+                <a:solidFill>
+                  <a:srgbClr val="F8F8F2"/>
+                </a:solidFill>
+                <a:effectLst/>
+                <a:latin typeface="Consolas" panose="020B0609020204030204" pitchFamily="49" charset="0"/>
+                <a:cs typeface="Consolas" panose="020B0609020204030204" pitchFamily="49" charset="0"/>
+              </a:rPr>
+              <a:t>    votes </a:t>
+            </a:r>
+            <a:r>
+              <a:rPr kumimoji="0" lang="zh-CN" altLang="zh-CN" sz="1200" b="0" i="0" u="none" strike="noStrike" cap="none" normalizeH="0" baseline="0" dirty="0" smtClean="0">
+                <a:ln>
+                  <a:noFill/>
+                </a:ln>
+                <a:solidFill>
+                  <a:srgbClr val="F92672"/>
+                </a:solidFill>
+                <a:effectLst/>
+                <a:latin typeface="Consolas" panose="020B0609020204030204" pitchFamily="49" charset="0"/>
+                <a:cs typeface="Consolas" panose="020B0609020204030204" pitchFamily="49" charset="0"/>
+              </a:rPr>
+              <a:t>= </a:t>
+            </a:r>
+            <a:r>
+              <a:rPr kumimoji="0" lang="zh-CN" altLang="zh-CN" sz="1200" b="0" i="0" u="none" strike="noStrike" cap="none" normalizeH="0" baseline="0" dirty="0" smtClean="0">
+                <a:ln>
+                  <a:noFill/>
+                </a:ln>
+                <a:solidFill>
+                  <a:srgbClr val="F8F8F2"/>
+                </a:solidFill>
+                <a:effectLst/>
+                <a:latin typeface="Consolas" panose="020B0609020204030204" pitchFamily="49" charset="0"/>
+                <a:cs typeface="Consolas" panose="020B0609020204030204" pitchFamily="49" charset="0"/>
+              </a:rPr>
+              <a:t>models.IntegerField(</a:t>
+            </a:r>
+            <a:r>
+              <a:rPr kumimoji="0" lang="zh-CN" altLang="zh-CN" sz="1200" b="0" i="1" u="none" strike="noStrike" cap="none" normalizeH="0" baseline="0" dirty="0" smtClean="0">
+                <a:ln>
+                  <a:noFill/>
+                </a:ln>
+                <a:solidFill>
+                  <a:srgbClr val="FD971F"/>
+                </a:solidFill>
+                <a:effectLst/>
+                <a:latin typeface="Consolas" panose="020B0609020204030204" pitchFamily="49" charset="0"/>
+                <a:cs typeface="Consolas" panose="020B0609020204030204" pitchFamily="49" charset="0"/>
+              </a:rPr>
+              <a:t>default</a:t>
+            </a:r>
+            <a:r>
+              <a:rPr kumimoji="0" lang="zh-CN" altLang="zh-CN" sz="1200" b="0" i="0" u="none" strike="noStrike" cap="none" normalizeH="0" baseline="0" dirty="0" smtClean="0">
+                <a:ln>
+                  <a:noFill/>
+                </a:ln>
+                <a:solidFill>
+                  <a:srgbClr val="F92672"/>
+                </a:solidFill>
+                <a:effectLst/>
+                <a:latin typeface="Consolas" panose="020B0609020204030204" pitchFamily="49" charset="0"/>
+                <a:cs typeface="Consolas" panose="020B0609020204030204" pitchFamily="49" charset="0"/>
+              </a:rPr>
+              <a:t>=</a:t>
+            </a:r>
+            <a:r>
+              <a:rPr kumimoji="0" lang="zh-CN" altLang="zh-CN" sz="1200" b="0" i="0" u="none" strike="noStrike" cap="none" normalizeH="0" baseline="0" dirty="0" smtClean="0">
+                <a:ln>
+                  <a:noFill/>
+                </a:ln>
+                <a:solidFill>
+                  <a:srgbClr val="AE81FF"/>
+                </a:solidFill>
+                <a:effectLst/>
+                <a:latin typeface="Consolas" panose="020B0609020204030204" pitchFamily="49" charset="0"/>
+                <a:cs typeface="Consolas" panose="020B0609020204030204" pitchFamily="49" charset="0"/>
+              </a:rPr>
+              <a:t>0</a:t>
+            </a:r>
+            <a:r>
+              <a:rPr kumimoji="0" lang="zh-CN" altLang="zh-CN" sz="1200" b="0" i="0" u="none" strike="noStrike" cap="none" normalizeH="0" baseline="0" dirty="0" smtClean="0">
+                <a:ln>
+                  <a:noFill/>
+                </a:ln>
+                <a:solidFill>
+                  <a:srgbClr val="F8F8F2"/>
+                </a:solidFill>
+                <a:effectLst/>
+                <a:latin typeface="Consolas" panose="020B0609020204030204" pitchFamily="49" charset="0"/>
+                <a:cs typeface="Consolas" panose="020B0609020204030204" pitchFamily="49" charset="0"/>
+              </a:rPr>
+              <a:t>)</a:t>
+            </a:r>
+            <a:endParaRPr kumimoji="0" lang="zh-CN" altLang="zh-CN" sz="1800" b="0" i="0" u="none" strike="noStrike" cap="none" normalizeH="0" baseline="0" dirty="0" smtClean="0">
+              <a:ln>
+                <a:noFill/>
+              </a:ln>
+              <a:solidFill>
+                <a:schemeClr val="tx1"/>
+              </a:solidFill>
+              <a:effectLst/>
+              <a:latin typeface="Arial" panose="020B0604020202020204" pitchFamily="34" charset="0"/>
+            </a:endParaRPr>
           </a:p>
         </p:txBody>
       </p:sp>
     </p:spTree>
     <p:extLst>
       <p:ext uri="{BB962C8B-B14F-4D97-AF65-F5344CB8AC3E}">
-        <p14:creationId xmlns:p14="http://schemas.microsoft.com/office/powerpoint/2010/main" val="2149669675"/>
+        <p14:creationId xmlns:p14="http://schemas.microsoft.com/office/powerpoint/2010/main" val="546148856"/>
       </p:ext>
     </p:extLst>
   </p:cSld>
   <p:clrMapOvr>
     <a:masterClrMapping/>
   </p:clrMapOvr>
+  <p:timing>
+    <p:tnLst>
+      <p:par>
+        <p:cTn id="1" dur="indefinite" restart="never" nodeType="tmRoot">
+          <p:childTnLst>
+            <p:seq concurrent="1" nextAc="seek">
+              <p:cTn id="2" dur="indefinite" nodeType="mainSeq">
+                <p:childTnLst>
+                  <p:par>
+                    <p:cTn id="3" fill="hold">
+                      <p:stCondLst>
+                        <p:cond delay="indefinite"/>
+                      </p:stCondLst>
+                      <p:childTnLst>
+                        <p:par>
+                          <p:cTn id="4" fill="hold">
+                            <p:stCondLst>
+                              <p:cond delay="0"/>
+                            </p:stCondLst>
+                            <p:childTnLst>
+                              <p:par>
+                                <p:cTn id="5" presetID="1" presetClass="entr" presetSubtype="0" fill="hold" nodeType="clickEffect">
+                                  <p:stCondLst>
+                                    <p:cond delay="0"/>
+                                  </p:stCondLst>
+                                  <p:childTnLst>
+                                    <p:set>
+                                      <p:cBhvr>
+                                        <p:cTn id="6" dur="1" fill="hold">
+                                          <p:stCondLst>
+                                            <p:cond delay="0"/>
+                                          </p:stCondLst>
+                                        </p:cTn>
+                                        <p:tgtEl>
+                                          <p:spTgt spid="3">
+                                            <p:txEl>
+                                              <p:pRg st="0" end="0"/>
+                                            </p:txEl>
+                                          </p:spTgt>
+                                        </p:tgtEl>
+                                        <p:attrNameLst>
+                                          <p:attrName>style.visibility</p:attrName>
+                                        </p:attrNameLst>
+                                      </p:cBhvr>
+                                      <p:to>
+                                        <p:strVal val="visible"/>
+                                      </p:to>
+                                    </p:set>
+                                  </p:childTnLst>
+                                </p:cTn>
+                              </p:par>
+                            </p:childTnLst>
+                          </p:cTn>
+                        </p:par>
+                      </p:childTnLst>
+                    </p:cTn>
+                  </p:par>
+                  <p:par>
+                    <p:cTn id="7" fill="hold">
+                      <p:stCondLst>
+                        <p:cond delay="indefinite"/>
+                      </p:stCondLst>
+                      <p:childTnLst>
+                        <p:par>
+                          <p:cTn id="8" fill="hold">
+                            <p:stCondLst>
+                              <p:cond delay="0"/>
+                            </p:stCondLst>
+                            <p:childTnLst>
+                              <p:par>
+                                <p:cTn id="9" presetID="1" presetClass="entr" presetSubtype="0" fill="hold" nodeType="clickEffect">
+                                  <p:stCondLst>
+                                    <p:cond delay="0"/>
+                                  </p:stCondLst>
+                                  <p:childTnLst>
+                                    <p:set>
+                                      <p:cBhvr>
+                                        <p:cTn id="10" dur="1" fill="hold">
+                                          <p:stCondLst>
+                                            <p:cond delay="0"/>
+                                          </p:stCondLst>
+                                        </p:cTn>
+                                        <p:tgtEl>
+                                          <p:spTgt spid="3">
+                                            <p:txEl>
+                                              <p:pRg st="1" end="1"/>
+                                            </p:txEl>
+                                          </p:spTgt>
+                                        </p:tgtEl>
+                                        <p:attrNameLst>
+                                          <p:attrName>style.visibility</p:attrName>
+                                        </p:attrNameLst>
+                                      </p:cBhvr>
+                                      <p:to>
+                                        <p:strVal val="visible"/>
+                                      </p:to>
+                                    </p:set>
+                                  </p:childTnLst>
+                                </p:cTn>
+                              </p:par>
+                            </p:childTnLst>
+                          </p:cTn>
+                        </p:par>
+                      </p:childTnLst>
+                    </p:cTn>
+                  </p:par>
+                  <p:par>
+                    <p:cTn id="11" fill="hold">
+                      <p:stCondLst>
+                        <p:cond delay="indefinite"/>
+                      </p:stCondLst>
+                      <p:childTnLst>
+                        <p:par>
+                          <p:cTn id="12" fill="hold">
+                            <p:stCondLst>
+                              <p:cond delay="0"/>
+                            </p:stCondLst>
+                            <p:childTnLst>
+                              <p:par>
+                                <p:cTn id="13" presetID="1" presetClass="entr" presetSubtype="0" fill="hold" nodeType="clickEffect">
+                                  <p:stCondLst>
+                                    <p:cond delay="0"/>
+                                  </p:stCondLst>
+                                  <p:childTnLst>
+                                    <p:set>
+                                      <p:cBhvr>
+                                        <p:cTn id="14" dur="1" fill="hold">
+                                          <p:stCondLst>
+                                            <p:cond delay="0"/>
+                                          </p:stCondLst>
+                                        </p:cTn>
+                                        <p:tgtEl>
+                                          <p:spTgt spid="3">
+                                            <p:txEl>
+                                              <p:pRg st="2" end="2"/>
+                                            </p:txEl>
+                                          </p:spTgt>
+                                        </p:tgtEl>
+                                        <p:attrNameLst>
+                                          <p:attrName>style.visibility</p:attrName>
+                                        </p:attrNameLst>
+                                      </p:cBhvr>
+                                      <p:to>
+                                        <p:strVal val="visible"/>
+                                      </p:to>
+                                    </p:set>
+                                  </p:childTnLst>
+                                </p:cTn>
+                              </p:par>
+                            </p:childTnLst>
+                          </p:cTn>
+                        </p:par>
+                      </p:childTnLst>
+                    </p:cTn>
+                  </p:par>
+                  <p:par>
+                    <p:cTn id="15" fill="hold">
+                      <p:stCondLst>
+                        <p:cond delay="indefinite"/>
+                      </p:stCondLst>
+                      <p:childTnLst>
+                        <p:par>
+                          <p:cTn id="16" fill="hold">
+                            <p:stCondLst>
+                              <p:cond delay="0"/>
+                            </p:stCondLst>
+                            <p:childTnLst>
+                              <p:par>
+                                <p:cTn id="17" presetID="1" presetClass="entr" presetSubtype="0" fill="hold" nodeType="clickEffect">
+                                  <p:stCondLst>
+                                    <p:cond delay="0"/>
+                                  </p:stCondLst>
+                                  <p:childTnLst>
+                                    <p:set>
+                                      <p:cBhvr>
+                                        <p:cTn id="18" dur="1" fill="hold">
+                                          <p:stCondLst>
+                                            <p:cond delay="0"/>
+                                          </p:stCondLst>
+                                        </p:cTn>
+                                        <p:tgtEl>
+                                          <p:spTgt spid="3">
+                                            <p:txEl>
+                                              <p:pRg st="3" end="3"/>
+                                            </p:txEl>
+                                          </p:spTgt>
+                                        </p:tgtEl>
+                                        <p:attrNameLst>
+                                          <p:attrName>style.visibility</p:attrName>
+                                        </p:attrNameLst>
+                                      </p:cBhvr>
+                                      <p:to>
+                                        <p:strVal val="visible"/>
+                                      </p:to>
+                                    </p:set>
+                                  </p:childTnLst>
+                                </p:cTn>
+                              </p:par>
+                            </p:childTnLst>
+                          </p:cTn>
+                        </p:par>
+                      </p:childTnLst>
+                    </p:cTn>
+                  </p:par>
+                </p:childTnLst>
+              </p:cTn>
+              <p:prevCondLst>
+                <p:cond evt="onPrev" delay="0">
+                  <p:tgtEl>
+                    <p:sldTgt/>
+                  </p:tgtEl>
+                </p:cond>
+              </p:prevCondLst>
+              <p:nextCondLst>
+                <p:cond evt="onNext" delay="0">
+                  <p:tgtEl>
+                    <p:sldTgt/>
+                  </p:tgtEl>
+                </p:cond>
+              </p:nextCondLst>
+            </p:seq>
+          </p:childTnLst>
+        </p:cTn>
+      </p:par>
+    </p:tnLst>
+  </p:timing>
 </p:sld>
 </file>
 
@@ -6615,7 +9590,7 @@
           <a:p>
             <a:r>
               <a:rPr lang="zh-CN" altLang="en-US" dirty="0" smtClean="0"/>
-              <a:t>基本字段</a:t>
+              <a:t>字段类型</a:t>
             </a:r>
             <a:endParaRPr lang="en-US" altLang="zh-CN" dirty="0" smtClean="0"/>
           </a:p>
@@ -6623,7 +9598,23 @@
             <a:pPr lvl="1"/>
             <a:r>
               <a:rPr lang="zh-CN" altLang="en-US" dirty="0" smtClean="0"/>
-              <a:t>字符、时间、</a:t>
+              <a:t>字符串</a:t>
+            </a:r>
+            <a:r>
+              <a:rPr lang="en-US" altLang="zh-CN" dirty="0" err="1" smtClean="0"/>
+              <a:t>CharField</a:t>
+            </a:r>
+            <a:r>
+              <a:rPr lang="zh-CN" altLang="en-US" dirty="0" smtClean="0"/>
+              <a:t>、时间</a:t>
+            </a:r>
+            <a:r>
+              <a:rPr lang="en-US" altLang="zh-CN" dirty="0" err="1" smtClean="0"/>
+              <a:t>DateTimeField</a:t>
+            </a:r>
+            <a:r>
+              <a:rPr lang="zh-CN" altLang="en-US" dirty="0" smtClean="0"/>
+              <a:t>、</a:t>
             </a:r>
             <a:r>
               <a:rPr lang="en-US" altLang="zh-CN" dirty="0" smtClean="0"/>
@@ -6631,852 +9622,138 @@
             </a:r>
             <a:r>
               <a:rPr lang="zh-CN" altLang="en-US" dirty="0" smtClean="0"/>
-              <a:t>地址、等等</a:t>
+              <a:t>地址、邮件地址等</a:t>
             </a:r>
             <a:endParaRPr lang="en-US" altLang="zh-CN" dirty="0"/>
           </a:p>
           <a:p>
             <a:pPr lvl="1"/>
             <a:r>
+              <a:rPr lang="zh-CN" altLang="en-US" dirty="0" smtClean="0"/>
+              <a:t>外</a:t>
+            </a:r>
+            <a:r>
+              <a:rPr lang="zh-CN" altLang="en-US" dirty="0" smtClean="0"/>
+              <a:t>键字段</a:t>
+            </a:r>
+            <a:endParaRPr lang="en-US" altLang="zh-CN" dirty="0" smtClean="0"/>
+          </a:p>
+          <a:p>
+            <a:pPr lvl="2"/>
+            <a:r>
+              <a:rPr lang="zh-CN" altLang="en-US" dirty="0" smtClean="0"/>
+              <a:t>一对一 </a:t>
+            </a:r>
+            <a:r>
+              <a:rPr lang="en-US" altLang="zh-CN" dirty="0" err="1" smtClean="0"/>
+              <a:t>OneToOneField</a:t>
+            </a:r>
+            <a:endParaRPr lang="en-US" altLang="zh-CN" dirty="0" smtClean="0"/>
+          </a:p>
+          <a:p>
+            <a:pPr lvl="2"/>
+            <a:r>
+              <a:rPr lang="zh-CN" altLang="en-US" dirty="0" smtClean="0"/>
+              <a:t>一对多 </a:t>
+            </a:r>
+            <a:r>
+              <a:rPr lang="en-US" altLang="zh-CN" dirty="0" err="1" smtClean="0"/>
+              <a:t>ForeignKey</a:t>
+            </a:r>
+            <a:endParaRPr lang="en-US" altLang="zh-CN" dirty="0" smtClean="0"/>
+          </a:p>
+          <a:p>
+            <a:pPr lvl="2"/>
+            <a:r>
+              <a:rPr lang="zh-CN" altLang="en-US" dirty="0" smtClean="0"/>
+              <a:t>多</a:t>
+            </a:r>
+            <a:r>
               <a:rPr lang="zh-CN" altLang="en-US" dirty="0"/>
-              <a:t>主</a:t>
+              <a:t>对</a:t>
             </a:r>
             <a:r>
               <a:rPr lang="zh-CN" altLang="en-US" dirty="0" smtClean="0"/>
-              <a:t>键</a:t>
+              <a:t>多 </a:t>
+            </a:r>
+            <a:r>
+              <a:rPr lang="en-US" altLang="zh-CN" dirty="0" err="1" smtClean="0"/>
+              <a:t>ManyToManyField</a:t>
+            </a:r>
+            <a:endParaRPr lang="en-US" altLang="zh-CN" dirty="0" smtClean="0"/>
+          </a:p>
+          <a:p>
+            <a:r>
+              <a:rPr lang="zh-CN" altLang="en-US" dirty="0" smtClean="0"/>
+              <a:t>字段选项</a:t>
+            </a:r>
+            <a:endParaRPr lang="en-US" altLang="zh-CN" dirty="0" smtClean="0"/>
+          </a:p>
+          <a:p>
+            <a:pPr lvl="1"/>
+            <a:r>
+              <a:rPr lang="en-US" altLang="zh-CN" dirty="0" smtClean="0"/>
+              <a:t> null</a:t>
+            </a:r>
+            <a:r>
+              <a:rPr lang="zh-CN" altLang="en-US" dirty="0" smtClean="0"/>
+              <a:t>、</a:t>
+            </a:r>
+            <a:r>
+              <a:rPr lang="en-US" altLang="zh-CN" dirty="0" smtClean="0"/>
+              <a:t>blank</a:t>
+            </a:r>
+          </a:p>
+          <a:p>
+            <a:pPr lvl="1"/>
+            <a:r>
+              <a:rPr lang="en-US" altLang="zh-CN" dirty="0" smtClean="0"/>
+              <a:t> choices</a:t>
+            </a:r>
+            <a:r>
+              <a:rPr lang="zh-CN" altLang="en-US" dirty="0" smtClean="0"/>
+              <a:t>、</a:t>
+            </a:r>
+            <a:r>
+              <a:rPr lang="en-US" altLang="zh-CN" dirty="0" err="1" smtClean="0"/>
+              <a:t>get_FOO_display</a:t>
+            </a:r>
+            <a:r>
+              <a:rPr lang="en-US" altLang="zh-CN" dirty="0" smtClean="0"/>
+              <a:t>()</a:t>
+            </a:r>
+          </a:p>
+          <a:p>
+            <a:pPr lvl="1"/>
+            <a:r>
+              <a:rPr lang="en-US" altLang="zh-CN" dirty="0"/>
+              <a:t> </a:t>
+            </a:r>
+            <a:r>
+              <a:rPr lang="en-US" altLang="zh-CN" dirty="0" smtClean="0"/>
+              <a:t>default</a:t>
+            </a:r>
+            <a:r>
+              <a:rPr lang="zh-CN" altLang="en-US" dirty="0" smtClean="0"/>
+              <a:t>、</a:t>
+            </a:r>
+            <a:r>
+              <a:rPr lang="en-US" altLang="zh-CN" dirty="0" err="1" smtClean="0"/>
+              <a:t>primary_key</a:t>
+            </a:r>
+            <a:r>
+              <a:rPr lang="zh-CN" altLang="en-US" dirty="0" smtClean="0"/>
+              <a:t>、</a:t>
+            </a:r>
+            <a:r>
+              <a:rPr lang="en-US" altLang="zh-CN" dirty="0" smtClean="0"/>
+              <a:t>unique</a:t>
             </a:r>
             <a:endParaRPr lang="en-US" altLang="zh-CN" dirty="0"/>
           </a:p>
           <a:p>
-            <a:r>
-              <a:rPr lang="zh-CN" altLang="en-US" dirty="0" smtClean="0"/>
-              <a:t>外键字段</a:t>
-            </a:r>
+            <a:pPr lvl="2"/>
             <a:endParaRPr lang="en-US" altLang="zh-CN" dirty="0" smtClean="0"/>
-          </a:p>
-          <a:p>
-            <a:pPr lvl="1"/>
-            <a:r>
-              <a:rPr lang="zh-CN" altLang="en-US" dirty="0"/>
-              <a:t>一对一、一对多、多对多</a:t>
-            </a:r>
-            <a:endParaRPr lang="en-US" altLang="zh-CN" dirty="0"/>
-          </a:p>
-          <a:p>
-            <a:pPr lvl="1"/>
-            <a:r>
-              <a:rPr lang="zh-CN" altLang="en-US" dirty="0"/>
-              <a:t>外键查询、</a:t>
-            </a:r>
-            <a:r>
-              <a:rPr lang="en-US" altLang="zh-CN" dirty="0" err="1" smtClean="0"/>
-              <a:t>related_name</a:t>
-            </a:r>
-            <a:endParaRPr lang="en-US" altLang="zh-CN" dirty="0" smtClean="0"/>
-          </a:p>
-          <a:p>
-            <a:r>
-              <a:rPr lang="zh-CN" altLang="en-US" dirty="0"/>
-              <a:t>创建数据库</a:t>
-            </a:r>
-            <a:endParaRPr lang="en-US" altLang="zh-CN" dirty="0"/>
-          </a:p>
-          <a:p>
-            <a:pPr lvl="1"/>
-            <a:r>
-              <a:rPr lang="en-US" altLang="zh-CN" dirty="0"/>
-              <a:t> manage.py </a:t>
-            </a:r>
-            <a:r>
-              <a:rPr lang="en-US" altLang="zh-CN" dirty="0" err="1"/>
-              <a:t>syncdb</a:t>
-            </a:r>
-            <a:endParaRPr lang="en-US" altLang="zh-CN" dirty="0"/>
-          </a:p>
-          <a:p>
-            <a:pPr lvl="1"/>
-            <a:r>
-              <a:rPr lang="en-US" altLang="zh-CN" dirty="0"/>
-              <a:t> manage.py </a:t>
-            </a:r>
-            <a:r>
-              <a:rPr lang="en-US" altLang="zh-CN" dirty="0" err="1"/>
-              <a:t>sqlall</a:t>
-            </a:r>
-            <a:r>
-              <a:rPr lang="en-US" altLang="zh-CN" dirty="0"/>
-              <a:t> {</a:t>
-            </a:r>
-            <a:r>
-              <a:rPr lang="en-US" altLang="zh-CN" dirty="0" err="1"/>
-              <a:t>appname</a:t>
-            </a:r>
-            <a:r>
-              <a:rPr lang="en-US" altLang="zh-CN" dirty="0" smtClean="0"/>
-              <a:t>}</a:t>
-            </a:r>
-            <a:endParaRPr lang="en-US" altLang="zh-CN" dirty="0"/>
-          </a:p>
-        </p:txBody>
-      </p:sp>
-      <p:sp>
-        <p:nvSpPr>
-          <p:cNvPr id="4" name="Rectangle 1"/>
-          <p:cNvSpPr>
-            <a:spLocks noChangeArrowheads="1"/>
-          </p:cNvSpPr>
-          <p:nvPr/>
-        </p:nvSpPr>
-        <p:spPr bwMode="auto">
-          <a:xfrm>
-            <a:off x="6008913" y="1822450"/>
-            <a:ext cx="4931229" cy="1754326"/>
-          </a:xfrm>
-          <a:prstGeom prst="rect">
-            <a:avLst/>
-          </a:prstGeom>
-          <a:solidFill>
-            <a:srgbClr val="272822"/>
-          </a:solidFill>
-          <a:ln>
-            <a:noFill/>
-          </a:ln>
-          <a:effectLst/>
-          <a:extLst>
-            <a:ext uri="{91240B29-F687-4F45-9708-019B960494DF}">
-              <a14:hiddenLine xmlns:a14="http://schemas.microsoft.com/office/drawing/2010/main" w="9525">
-                <a:solidFill>
-                  <a:schemeClr val="tx1"/>
-                </a:solidFill>
-                <a:miter lim="800000"/>
-                <a:headEnd/>
-                <a:tailEnd/>
-              </a14:hiddenLine>
-            </a:ext>
-            <a:ext uri="{AF507438-7753-43E0-B8FC-AC1667EBCBE1}">
-              <a14:hiddenEffects xmlns:a14="http://schemas.microsoft.com/office/drawing/2010/main">
-                <a:effectLst>
-                  <a:outerShdw dist="35921" dir="2700000" algn="ctr" rotWithShape="0">
-                    <a:schemeClr val="bg2"/>
-                  </a:outerShdw>
-                </a:effectLst>
-              </a14:hiddenEffects>
-            </a:ext>
-          </a:extLst>
-        </p:spPr>
-        <p:txBody>
-          <a:bodyPr vert="horz" wrap="square" lIns="91440" tIns="45720" rIns="91440" bIns="45720" numCol="1" anchor="ctr" anchorCtr="0" compatLnSpc="1">
-            <a:prstTxWarp prst="textNoShape">
-              <a:avLst/>
-            </a:prstTxWarp>
-            <a:spAutoFit/>
-          </a:bodyPr>
-          <a:lstStyle/>
-          <a:p>
-            <a:pPr marL="0" marR="0" lvl="0" indent="0" algn="l" defTabSz="914400" rtl="0" eaLnBrk="0" fontAlgn="base" latinLnBrk="0" hangingPunct="0">
-              <a:lnSpc>
-                <a:spcPct val="100000"/>
-              </a:lnSpc>
-              <a:spcBef>
-                <a:spcPct val="0"/>
-              </a:spcBef>
-              <a:spcAft>
-                <a:spcPct val="0"/>
-              </a:spcAft>
-              <a:buClrTx/>
-              <a:buSzTx/>
-              <a:buFontTx/>
-              <a:buNone/>
-              <a:tabLst/>
-            </a:pPr>
-            <a:r>
-              <a:rPr kumimoji="0" lang="zh-CN" altLang="zh-CN" sz="1200" b="0" i="1" u="none" strike="noStrike" cap="none" normalizeH="0" baseline="0" dirty="0" smtClean="0">
-                <a:ln>
-                  <a:noFill/>
-                </a:ln>
-                <a:solidFill>
-                  <a:srgbClr val="66D9EF"/>
-                </a:solidFill>
-                <a:effectLst/>
-                <a:latin typeface="Consolas" panose="020B0609020204030204" pitchFamily="49" charset="0"/>
-                <a:cs typeface="Consolas" panose="020B0609020204030204" pitchFamily="49" charset="0"/>
-              </a:rPr>
-              <a:t>class </a:t>
-            </a:r>
-            <a:r>
-              <a:rPr kumimoji="0" lang="zh-CN" altLang="zh-CN" sz="1200" b="0" i="0" u="none" strike="noStrike" cap="none" normalizeH="0" baseline="0" dirty="0" smtClean="0">
-                <a:ln>
-                  <a:noFill/>
-                </a:ln>
-                <a:solidFill>
-                  <a:srgbClr val="A6E22E"/>
-                </a:solidFill>
-                <a:effectLst/>
-                <a:latin typeface="Consolas" panose="020B0609020204030204" pitchFamily="49" charset="0"/>
-                <a:cs typeface="Consolas" panose="020B0609020204030204" pitchFamily="49" charset="0"/>
-              </a:rPr>
-              <a:t>Poll</a:t>
-            </a:r>
-            <a:r>
-              <a:rPr kumimoji="0" lang="zh-CN" altLang="zh-CN" sz="1200" b="0" i="0" u="none" strike="noStrike" cap="none" normalizeH="0" baseline="0" dirty="0" smtClean="0">
-                <a:ln>
-                  <a:noFill/>
-                </a:ln>
-                <a:solidFill>
-                  <a:srgbClr val="F8F8F2"/>
-                </a:solidFill>
-                <a:effectLst/>
-                <a:latin typeface="Consolas" panose="020B0609020204030204" pitchFamily="49" charset="0"/>
-                <a:cs typeface="Consolas" panose="020B0609020204030204" pitchFamily="49" charset="0"/>
-              </a:rPr>
-              <a:t>(models.Model)</a:t>
-            </a:r>
-            <a:r>
-              <a:rPr kumimoji="0" lang="zh-CN" altLang="zh-CN" sz="1200" b="0" i="0" u="none" strike="noStrike" cap="none" normalizeH="0" baseline="0" dirty="0" smtClean="0">
-                <a:ln>
-                  <a:noFill/>
-                </a:ln>
-                <a:solidFill>
-                  <a:srgbClr val="F92672"/>
-                </a:solidFill>
-                <a:effectLst/>
-                <a:latin typeface="Consolas" panose="020B0609020204030204" pitchFamily="49" charset="0"/>
-                <a:cs typeface="Consolas" panose="020B0609020204030204" pitchFamily="49" charset="0"/>
-              </a:rPr>
-              <a:t>:</a:t>
-            </a:r>
-            <a:br>
-              <a:rPr kumimoji="0" lang="zh-CN" altLang="zh-CN" sz="1200" b="0" i="0" u="none" strike="noStrike" cap="none" normalizeH="0" baseline="0" dirty="0" smtClean="0">
-                <a:ln>
-                  <a:noFill/>
-                </a:ln>
-                <a:solidFill>
-                  <a:srgbClr val="F92672"/>
-                </a:solidFill>
-                <a:effectLst/>
-                <a:latin typeface="Consolas" panose="020B0609020204030204" pitchFamily="49" charset="0"/>
-                <a:cs typeface="Consolas" panose="020B0609020204030204" pitchFamily="49" charset="0"/>
-              </a:rPr>
-            </a:br>
-            <a:r>
-              <a:rPr kumimoji="0" lang="zh-CN" altLang="zh-CN" sz="1200" b="0" i="0" u="none" strike="noStrike" cap="none" normalizeH="0" baseline="0" dirty="0" smtClean="0">
-                <a:ln>
-                  <a:noFill/>
-                </a:ln>
-                <a:solidFill>
-                  <a:srgbClr val="F92672"/>
-                </a:solidFill>
-                <a:effectLst/>
-                <a:latin typeface="Consolas" panose="020B0609020204030204" pitchFamily="49" charset="0"/>
-                <a:cs typeface="Consolas" panose="020B0609020204030204" pitchFamily="49" charset="0"/>
-              </a:rPr>
-              <a:t>    </a:t>
-            </a:r>
-            <a:r>
-              <a:rPr kumimoji="0" lang="zh-CN" altLang="zh-CN" sz="1200" b="0" i="0" u="none" strike="noStrike" cap="none" normalizeH="0" baseline="0" dirty="0" smtClean="0">
-                <a:ln>
-                  <a:noFill/>
-                </a:ln>
-                <a:solidFill>
-                  <a:srgbClr val="F8F8F2"/>
-                </a:solidFill>
-                <a:effectLst/>
-                <a:latin typeface="Consolas" panose="020B0609020204030204" pitchFamily="49" charset="0"/>
-                <a:cs typeface="Consolas" panose="020B0609020204030204" pitchFamily="49" charset="0"/>
-              </a:rPr>
-              <a:t>question </a:t>
-            </a:r>
-            <a:r>
-              <a:rPr kumimoji="0" lang="zh-CN" altLang="zh-CN" sz="1200" b="0" i="0" u="none" strike="noStrike" cap="none" normalizeH="0" baseline="0" dirty="0" smtClean="0">
-                <a:ln>
-                  <a:noFill/>
-                </a:ln>
-                <a:solidFill>
-                  <a:srgbClr val="F92672"/>
-                </a:solidFill>
-                <a:effectLst/>
-                <a:latin typeface="Consolas" panose="020B0609020204030204" pitchFamily="49" charset="0"/>
-                <a:cs typeface="Consolas" panose="020B0609020204030204" pitchFamily="49" charset="0"/>
-              </a:rPr>
-              <a:t>= </a:t>
-            </a:r>
-            <a:r>
-              <a:rPr kumimoji="0" lang="zh-CN" altLang="zh-CN" sz="1200" b="0" i="0" u="none" strike="noStrike" cap="none" normalizeH="0" baseline="0" dirty="0" smtClean="0">
-                <a:ln>
-                  <a:noFill/>
-                </a:ln>
-                <a:solidFill>
-                  <a:srgbClr val="F8F8F2"/>
-                </a:solidFill>
-                <a:effectLst/>
-                <a:latin typeface="Consolas" panose="020B0609020204030204" pitchFamily="49" charset="0"/>
-                <a:cs typeface="Consolas" panose="020B0609020204030204" pitchFamily="49" charset="0"/>
-              </a:rPr>
-              <a:t>models.CharField(</a:t>
-            </a:r>
-            <a:r>
-              <a:rPr kumimoji="0" lang="zh-CN" altLang="zh-CN" sz="1200" b="0" i="1" u="none" strike="noStrike" cap="none" normalizeH="0" baseline="0" dirty="0" smtClean="0">
-                <a:ln>
-                  <a:noFill/>
-                </a:ln>
-                <a:solidFill>
-                  <a:srgbClr val="FD971F"/>
-                </a:solidFill>
-                <a:effectLst/>
-                <a:latin typeface="Consolas" panose="020B0609020204030204" pitchFamily="49" charset="0"/>
-                <a:cs typeface="Consolas" panose="020B0609020204030204" pitchFamily="49" charset="0"/>
-              </a:rPr>
-              <a:t>max_length</a:t>
-            </a:r>
-            <a:r>
-              <a:rPr kumimoji="0" lang="zh-CN" altLang="zh-CN" sz="1200" b="0" i="0" u="none" strike="noStrike" cap="none" normalizeH="0" baseline="0" dirty="0" smtClean="0">
-                <a:ln>
-                  <a:noFill/>
-                </a:ln>
-                <a:solidFill>
-                  <a:srgbClr val="F92672"/>
-                </a:solidFill>
-                <a:effectLst/>
-                <a:latin typeface="Consolas" panose="020B0609020204030204" pitchFamily="49" charset="0"/>
-                <a:cs typeface="Consolas" panose="020B0609020204030204" pitchFamily="49" charset="0"/>
-              </a:rPr>
-              <a:t>=</a:t>
-            </a:r>
-            <a:r>
-              <a:rPr kumimoji="0" lang="zh-CN" altLang="zh-CN" sz="1200" b="0" i="0" u="none" strike="noStrike" cap="none" normalizeH="0" baseline="0" dirty="0" smtClean="0">
-                <a:ln>
-                  <a:noFill/>
-                </a:ln>
-                <a:solidFill>
-                  <a:srgbClr val="AE81FF"/>
-                </a:solidFill>
-                <a:effectLst/>
-                <a:latin typeface="Consolas" panose="020B0609020204030204" pitchFamily="49" charset="0"/>
-                <a:cs typeface="Consolas" panose="020B0609020204030204" pitchFamily="49" charset="0"/>
-              </a:rPr>
-              <a:t>200</a:t>
-            </a:r>
-            <a:r>
-              <a:rPr kumimoji="0" lang="zh-CN" altLang="zh-CN" sz="1200" b="0" i="0" u="none" strike="noStrike" cap="none" normalizeH="0" baseline="0" dirty="0" smtClean="0">
-                <a:ln>
-                  <a:noFill/>
-                </a:ln>
-                <a:solidFill>
-                  <a:srgbClr val="F8F8F2"/>
-                </a:solidFill>
-                <a:effectLst/>
-                <a:latin typeface="Consolas" panose="020B0609020204030204" pitchFamily="49" charset="0"/>
-                <a:cs typeface="Consolas" panose="020B0609020204030204" pitchFamily="49" charset="0"/>
-              </a:rPr>
-              <a:t>)</a:t>
-            </a:r>
-            <a:br>
-              <a:rPr kumimoji="0" lang="zh-CN" altLang="zh-CN" sz="1200" b="0" i="0" u="none" strike="noStrike" cap="none" normalizeH="0" baseline="0" dirty="0" smtClean="0">
-                <a:ln>
-                  <a:noFill/>
-                </a:ln>
-                <a:solidFill>
-                  <a:srgbClr val="F8F8F2"/>
-                </a:solidFill>
-                <a:effectLst/>
-                <a:latin typeface="Consolas" panose="020B0609020204030204" pitchFamily="49" charset="0"/>
-                <a:cs typeface="Consolas" panose="020B0609020204030204" pitchFamily="49" charset="0"/>
-              </a:rPr>
-            </a:br>
-            <a:r>
-              <a:rPr kumimoji="0" lang="zh-CN" altLang="zh-CN" sz="1200" b="0" i="0" u="none" strike="noStrike" cap="none" normalizeH="0" baseline="0" dirty="0" smtClean="0">
-                <a:ln>
-                  <a:noFill/>
-                </a:ln>
-                <a:solidFill>
-                  <a:srgbClr val="F8F8F2"/>
-                </a:solidFill>
-                <a:effectLst/>
-                <a:latin typeface="Consolas" panose="020B0609020204030204" pitchFamily="49" charset="0"/>
-                <a:cs typeface="Consolas" panose="020B0609020204030204" pitchFamily="49" charset="0"/>
-              </a:rPr>
-              <a:t>    pub_date </a:t>
-            </a:r>
-            <a:r>
-              <a:rPr kumimoji="0" lang="zh-CN" altLang="zh-CN" sz="1200" b="0" i="0" u="none" strike="noStrike" cap="none" normalizeH="0" baseline="0" dirty="0" smtClean="0">
-                <a:ln>
-                  <a:noFill/>
-                </a:ln>
-                <a:solidFill>
-                  <a:srgbClr val="F92672"/>
-                </a:solidFill>
-                <a:effectLst/>
-                <a:latin typeface="Consolas" panose="020B0609020204030204" pitchFamily="49" charset="0"/>
-                <a:cs typeface="Consolas" panose="020B0609020204030204" pitchFamily="49" charset="0"/>
-              </a:rPr>
-              <a:t>= </a:t>
-            </a:r>
-            <a:r>
-              <a:rPr kumimoji="0" lang="zh-CN" altLang="zh-CN" sz="1200" b="0" i="0" u="none" strike="noStrike" cap="none" normalizeH="0" baseline="0" dirty="0" smtClean="0">
-                <a:ln>
-                  <a:noFill/>
-                </a:ln>
-                <a:solidFill>
-                  <a:srgbClr val="F8F8F2"/>
-                </a:solidFill>
-                <a:effectLst/>
-                <a:latin typeface="Consolas" panose="020B0609020204030204" pitchFamily="49" charset="0"/>
-                <a:cs typeface="Consolas" panose="020B0609020204030204" pitchFamily="49" charset="0"/>
-              </a:rPr>
-              <a:t>models.DateTimeField(</a:t>
-            </a:r>
-            <a:r>
-              <a:rPr kumimoji="0" lang="zh-CN" altLang="zh-CN" sz="1200" b="0" i="0" u="none" strike="noStrike" cap="none" normalizeH="0" baseline="0" dirty="0" smtClean="0">
-                <a:ln>
-                  <a:noFill/>
-                </a:ln>
-                <a:solidFill>
-                  <a:srgbClr val="E6DB74"/>
-                </a:solidFill>
-                <a:effectLst/>
-                <a:latin typeface="Consolas" panose="020B0609020204030204" pitchFamily="49" charset="0"/>
-                <a:cs typeface="Consolas" panose="020B0609020204030204" pitchFamily="49" charset="0"/>
-              </a:rPr>
-              <a:t>'date published'</a:t>
-            </a:r>
-            <a:r>
-              <a:rPr kumimoji="0" lang="zh-CN" altLang="zh-CN" sz="1200" b="0" i="0" u="none" strike="noStrike" cap="none" normalizeH="0" baseline="0" dirty="0" smtClean="0">
-                <a:ln>
-                  <a:noFill/>
-                </a:ln>
-                <a:solidFill>
-                  <a:srgbClr val="F8F8F2"/>
-                </a:solidFill>
-                <a:effectLst/>
-                <a:latin typeface="Consolas" panose="020B0609020204030204" pitchFamily="49" charset="0"/>
-                <a:cs typeface="Consolas" panose="020B0609020204030204" pitchFamily="49" charset="0"/>
-              </a:rPr>
-              <a:t>)</a:t>
-            </a:r>
-            <a:br>
-              <a:rPr kumimoji="0" lang="zh-CN" altLang="zh-CN" sz="1200" b="0" i="0" u="none" strike="noStrike" cap="none" normalizeH="0" baseline="0" dirty="0" smtClean="0">
-                <a:ln>
-                  <a:noFill/>
-                </a:ln>
-                <a:solidFill>
-                  <a:srgbClr val="F8F8F2"/>
-                </a:solidFill>
-                <a:effectLst/>
-                <a:latin typeface="Consolas" panose="020B0609020204030204" pitchFamily="49" charset="0"/>
-                <a:cs typeface="Consolas" panose="020B0609020204030204" pitchFamily="49" charset="0"/>
-              </a:rPr>
-            </a:br>
-            <a:r>
-              <a:rPr kumimoji="0" lang="zh-CN" altLang="zh-CN" sz="1200" b="0" i="0" u="none" strike="noStrike" cap="none" normalizeH="0" baseline="0" dirty="0" smtClean="0">
-                <a:ln>
-                  <a:noFill/>
-                </a:ln>
-                <a:solidFill>
-                  <a:srgbClr val="F8F8F2"/>
-                </a:solidFill>
-                <a:effectLst/>
-                <a:latin typeface="Consolas" panose="020B0609020204030204" pitchFamily="49" charset="0"/>
-                <a:cs typeface="Consolas" panose="020B0609020204030204" pitchFamily="49" charset="0"/>
-              </a:rPr>
-              <a:t/>
-            </a:r>
-            <a:br>
-              <a:rPr kumimoji="0" lang="zh-CN" altLang="zh-CN" sz="1200" b="0" i="0" u="none" strike="noStrike" cap="none" normalizeH="0" baseline="0" dirty="0" smtClean="0">
-                <a:ln>
-                  <a:noFill/>
-                </a:ln>
-                <a:solidFill>
-                  <a:srgbClr val="F8F8F2"/>
-                </a:solidFill>
-                <a:effectLst/>
-                <a:latin typeface="Consolas" panose="020B0609020204030204" pitchFamily="49" charset="0"/>
-                <a:cs typeface="Consolas" panose="020B0609020204030204" pitchFamily="49" charset="0"/>
-              </a:rPr>
-            </a:br>
-            <a:r>
-              <a:rPr kumimoji="0" lang="zh-CN" altLang="zh-CN" sz="1200" b="0" i="0" u="none" strike="noStrike" cap="none" normalizeH="0" baseline="0" dirty="0" smtClean="0">
-                <a:ln>
-                  <a:noFill/>
-                </a:ln>
-                <a:solidFill>
-                  <a:srgbClr val="F8F8F2"/>
-                </a:solidFill>
-                <a:effectLst/>
-                <a:latin typeface="Consolas" panose="020B0609020204030204" pitchFamily="49" charset="0"/>
-                <a:cs typeface="Consolas" panose="020B0609020204030204" pitchFamily="49" charset="0"/>
-              </a:rPr>
-              <a:t/>
-            </a:r>
-            <a:br>
-              <a:rPr kumimoji="0" lang="zh-CN" altLang="zh-CN" sz="1200" b="0" i="0" u="none" strike="noStrike" cap="none" normalizeH="0" baseline="0" dirty="0" smtClean="0">
-                <a:ln>
-                  <a:noFill/>
-                </a:ln>
-                <a:solidFill>
-                  <a:srgbClr val="F8F8F2"/>
-                </a:solidFill>
-                <a:effectLst/>
-                <a:latin typeface="Consolas" panose="020B0609020204030204" pitchFamily="49" charset="0"/>
-                <a:cs typeface="Consolas" panose="020B0609020204030204" pitchFamily="49" charset="0"/>
-              </a:rPr>
-            </a:br>
-            <a:r>
-              <a:rPr kumimoji="0" lang="zh-CN" altLang="zh-CN" sz="1200" b="0" i="1" u="none" strike="noStrike" cap="none" normalizeH="0" baseline="0" dirty="0" smtClean="0">
-                <a:ln>
-                  <a:noFill/>
-                </a:ln>
-                <a:solidFill>
-                  <a:srgbClr val="66D9EF"/>
-                </a:solidFill>
-                <a:effectLst/>
-                <a:latin typeface="Consolas" panose="020B0609020204030204" pitchFamily="49" charset="0"/>
-                <a:cs typeface="Consolas" panose="020B0609020204030204" pitchFamily="49" charset="0"/>
-              </a:rPr>
-              <a:t>class </a:t>
-            </a:r>
-            <a:r>
-              <a:rPr kumimoji="0" lang="zh-CN" altLang="zh-CN" sz="1200" b="0" i="0" u="none" strike="noStrike" cap="none" normalizeH="0" baseline="0" dirty="0" smtClean="0">
-                <a:ln>
-                  <a:noFill/>
-                </a:ln>
-                <a:solidFill>
-                  <a:srgbClr val="A6E22E"/>
-                </a:solidFill>
-                <a:effectLst/>
-                <a:latin typeface="Consolas" panose="020B0609020204030204" pitchFamily="49" charset="0"/>
-                <a:cs typeface="Consolas" panose="020B0609020204030204" pitchFamily="49" charset="0"/>
-              </a:rPr>
-              <a:t>Choice</a:t>
-            </a:r>
-            <a:r>
-              <a:rPr kumimoji="0" lang="zh-CN" altLang="zh-CN" sz="1200" b="0" i="0" u="none" strike="noStrike" cap="none" normalizeH="0" baseline="0" dirty="0" smtClean="0">
-                <a:ln>
-                  <a:noFill/>
-                </a:ln>
-                <a:solidFill>
-                  <a:srgbClr val="F8F8F2"/>
-                </a:solidFill>
-                <a:effectLst/>
-                <a:latin typeface="Consolas" panose="020B0609020204030204" pitchFamily="49" charset="0"/>
-                <a:cs typeface="Consolas" panose="020B0609020204030204" pitchFamily="49" charset="0"/>
-              </a:rPr>
-              <a:t>(models.Model)</a:t>
-            </a:r>
-            <a:r>
-              <a:rPr kumimoji="0" lang="zh-CN" altLang="zh-CN" sz="1200" b="0" i="0" u="none" strike="noStrike" cap="none" normalizeH="0" baseline="0" dirty="0" smtClean="0">
-                <a:ln>
-                  <a:noFill/>
-                </a:ln>
-                <a:solidFill>
-                  <a:srgbClr val="F92672"/>
-                </a:solidFill>
-                <a:effectLst/>
-                <a:latin typeface="Consolas" panose="020B0609020204030204" pitchFamily="49" charset="0"/>
-                <a:cs typeface="Consolas" panose="020B0609020204030204" pitchFamily="49" charset="0"/>
-              </a:rPr>
-              <a:t>:</a:t>
-            </a:r>
-            <a:br>
-              <a:rPr kumimoji="0" lang="zh-CN" altLang="zh-CN" sz="1200" b="0" i="0" u="none" strike="noStrike" cap="none" normalizeH="0" baseline="0" dirty="0" smtClean="0">
-                <a:ln>
-                  <a:noFill/>
-                </a:ln>
-                <a:solidFill>
-                  <a:srgbClr val="F92672"/>
-                </a:solidFill>
-                <a:effectLst/>
-                <a:latin typeface="Consolas" panose="020B0609020204030204" pitchFamily="49" charset="0"/>
-                <a:cs typeface="Consolas" panose="020B0609020204030204" pitchFamily="49" charset="0"/>
-              </a:rPr>
-            </a:br>
-            <a:r>
-              <a:rPr kumimoji="0" lang="zh-CN" altLang="zh-CN" sz="1200" b="0" i="0" u="none" strike="noStrike" cap="none" normalizeH="0" baseline="0" dirty="0" smtClean="0">
-                <a:ln>
-                  <a:noFill/>
-                </a:ln>
-                <a:solidFill>
-                  <a:srgbClr val="F92672"/>
-                </a:solidFill>
-                <a:effectLst/>
-                <a:latin typeface="Consolas" panose="020B0609020204030204" pitchFamily="49" charset="0"/>
-                <a:cs typeface="Consolas" panose="020B0609020204030204" pitchFamily="49" charset="0"/>
-              </a:rPr>
-              <a:t>    </a:t>
-            </a:r>
-            <a:r>
-              <a:rPr kumimoji="0" lang="zh-CN" altLang="zh-CN" sz="1200" b="0" i="0" u="none" strike="noStrike" cap="none" normalizeH="0" baseline="0" dirty="0" smtClean="0">
-                <a:ln>
-                  <a:noFill/>
-                </a:ln>
-                <a:solidFill>
-                  <a:srgbClr val="F8F8F2"/>
-                </a:solidFill>
-                <a:effectLst/>
-                <a:latin typeface="Consolas" panose="020B0609020204030204" pitchFamily="49" charset="0"/>
-                <a:cs typeface="Consolas" panose="020B0609020204030204" pitchFamily="49" charset="0"/>
-              </a:rPr>
-              <a:t>poll </a:t>
-            </a:r>
-            <a:r>
-              <a:rPr kumimoji="0" lang="zh-CN" altLang="zh-CN" sz="1200" b="0" i="0" u="none" strike="noStrike" cap="none" normalizeH="0" baseline="0" dirty="0" smtClean="0">
-                <a:ln>
-                  <a:noFill/>
-                </a:ln>
-                <a:solidFill>
-                  <a:srgbClr val="F92672"/>
-                </a:solidFill>
-                <a:effectLst/>
-                <a:latin typeface="Consolas" panose="020B0609020204030204" pitchFamily="49" charset="0"/>
-                <a:cs typeface="Consolas" panose="020B0609020204030204" pitchFamily="49" charset="0"/>
-              </a:rPr>
-              <a:t>= </a:t>
-            </a:r>
-            <a:r>
-              <a:rPr kumimoji="0" lang="zh-CN" altLang="zh-CN" sz="1200" b="0" i="0" u="none" strike="noStrike" cap="none" normalizeH="0" baseline="0" dirty="0" smtClean="0">
-                <a:ln>
-                  <a:noFill/>
-                </a:ln>
-                <a:solidFill>
-                  <a:srgbClr val="F8F8F2"/>
-                </a:solidFill>
-                <a:effectLst/>
-                <a:latin typeface="Consolas" panose="020B0609020204030204" pitchFamily="49" charset="0"/>
-                <a:cs typeface="Consolas" panose="020B0609020204030204" pitchFamily="49" charset="0"/>
-              </a:rPr>
-              <a:t>models.ForeignKey(Poll)</a:t>
-            </a:r>
-            <a:br>
-              <a:rPr kumimoji="0" lang="zh-CN" altLang="zh-CN" sz="1200" b="0" i="0" u="none" strike="noStrike" cap="none" normalizeH="0" baseline="0" dirty="0" smtClean="0">
-                <a:ln>
-                  <a:noFill/>
-                </a:ln>
-                <a:solidFill>
-                  <a:srgbClr val="F8F8F2"/>
-                </a:solidFill>
-                <a:effectLst/>
-                <a:latin typeface="Consolas" panose="020B0609020204030204" pitchFamily="49" charset="0"/>
-                <a:cs typeface="Consolas" panose="020B0609020204030204" pitchFamily="49" charset="0"/>
-              </a:rPr>
-            </a:br>
-            <a:r>
-              <a:rPr kumimoji="0" lang="zh-CN" altLang="zh-CN" sz="1200" b="0" i="0" u="none" strike="noStrike" cap="none" normalizeH="0" baseline="0" dirty="0" smtClean="0">
-                <a:ln>
-                  <a:noFill/>
-                </a:ln>
-                <a:solidFill>
-                  <a:srgbClr val="F8F8F2"/>
-                </a:solidFill>
-                <a:effectLst/>
-                <a:latin typeface="Consolas" panose="020B0609020204030204" pitchFamily="49" charset="0"/>
-                <a:cs typeface="Consolas" panose="020B0609020204030204" pitchFamily="49" charset="0"/>
-              </a:rPr>
-              <a:t>    choice_text </a:t>
-            </a:r>
-            <a:r>
-              <a:rPr kumimoji="0" lang="zh-CN" altLang="zh-CN" sz="1200" b="0" i="0" u="none" strike="noStrike" cap="none" normalizeH="0" baseline="0" dirty="0" smtClean="0">
-                <a:ln>
-                  <a:noFill/>
-                </a:ln>
-                <a:solidFill>
-                  <a:srgbClr val="F92672"/>
-                </a:solidFill>
-                <a:effectLst/>
-                <a:latin typeface="Consolas" panose="020B0609020204030204" pitchFamily="49" charset="0"/>
-                <a:cs typeface="Consolas" panose="020B0609020204030204" pitchFamily="49" charset="0"/>
-              </a:rPr>
-              <a:t>= </a:t>
-            </a:r>
-            <a:r>
-              <a:rPr kumimoji="0" lang="zh-CN" altLang="zh-CN" sz="1200" b="0" i="0" u="none" strike="noStrike" cap="none" normalizeH="0" baseline="0" dirty="0" smtClean="0">
-                <a:ln>
-                  <a:noFill/>
-                </a:ln>
-                <a:solidFill>
-                  <a:srgbClr val="F8F8F2"/>
-                </a:solidFill>
-                <a:effectLst/>
-                <a:latin typeface="Consolas" panose="020B0609020204030204" pitchFamily="49" charset="0"/>
-                <a:cs typeface="Consolas" panose="020B0609020204030204" pitchFamily="49" charset="0"/>
-              </a:rPr>
-              <a:t>models.CharField(</a:t>
-            </a:r>
-            <a:r>
-              <a:rPr kumimoji="0" lang="zh-CN" altLang="zh-CN" sz="1200" b="0" i="1" u="none" strike="noStrike" cap="none" normalizeH="0" baseline="0" dirty="0" smtClean="0">
-                <a:ln>
-                  <a:noFill/>
-                </a:ln>
-                <a:solidFill>
-                  <a:srgbClr val="FD971F"/>
-                </a:solidFill>
-                <a:effectLst/>
-                <a:latin typeface="Consolas" panose="020B0609020204030204" pitchFamily="49" charset="0"/>
-                <a:cs typeface="Consolas" panose="020B0609020204030204" pitchFamily="49" charset="0"/>
-              </a:rPr>
-              <a:t>max_length</a:t>
-            </a:r>
-            <a:r>
-              <a:rPr kumimoji="0" lang="zh-CN" altLang="zh-CN" sz="1200" b="0" i="0" u="none" strike="noStrike" cap="none" normalizeH="0" baseline="0" dirty="0" smtClean="0">
-                <a:ln>
-                  <a:noFill/>
-                </a:ln>
-                <a:solidFill>
-                  <a:srgbClr val="F92672"/>
-                </a:solidFill>
-                <a:effectLst/>
-                <a:latin typeface="Consolas" panose="020B0609020204030204" pitchFamily="49" charset="0"/>
-                <a:cs typeface="Consolas" panose="020B0609020204030204" pitchFamily="49" charset="0"/>
-              </a:rPr>
-              <a:t>=</a:t>
-            </a:r>
-            <a:r>
-              <a:rPr kumimoji="0" lang="zh-CN" altLang="zh-CN" sz="1200" b="0" i="0" u="none" strike="noStrike" cap="none" normalizeH="0" baseline="0" dirty="0" smtClean="0">
-                <a:ln>
-                  <a:noFill/>
-                </a:ln>
-                <a:solidFill>
-                  <a:srgbClr val="AE81FF"/>
-                </a:solidFill>
-                <a:effectLst/>
-                <a:latin typeface="Consolas" panose="020B0609020204030204" pitchFamily="49" charset="0"/>
-                <a:cs typeface="Consolas" panose="020B0609020204030204" pitchFamily="49" charset="0"/>
-              </a:rPr>
-              <a:t>200</a:t>
-            </a:r>
-            <a:r>
-              <a:rPr kumimoji="0" lang="zh-CN" altLang="zh-CN" sz="1200" b="0" i="0" u="none" strike="noStrike" cap="none" normalizeH="0" baseline="0" dirty="0" smtClean="0">
-                <a:ln>
-                  <a:noFill/>
-                </a:ln>
-                <a:solidFill>
-                  <a:srgbClr val="F8F8F2"/>
-                </a:solidFill>
-                <a:effectLst/>
-                <a:latin typeface="Consolas" panose="020B0609020204030204" pitchFamily="49" charset="0"/>
-                <a:cs typeface="Consolas" panose="020B0609020204030204" pitchFamily="49" charset="0"/>
-              </a:rPr>
-              <a:t>)</a:t>
-            </a:r>
-            <a:br>
-              <a:rPr kumimoji="0" lang="zh-CN" altLang="zh-CN" sz="1200" b="0" i="0" u="none" strike="noStrike" cap="none" normalizeH="0" baseline="0" dirty="0" smtClean="0">
-                <a:ln>
-                  <a:noFill/>
-                </a:ln>
-                <a:solidFill>
-                  <a:srgbClr val="F8F8F2"/>
-                </a:solidFill>
-                <a:effectLst/>
-                <a:latin typeface="Consolas" panose="020B0609020204030204" pitchFamily="49" charset="0"/>
-                <a:cs typeface="Consolas" panose="020B0609020204030204" pitchFamily="49" charset="0"/>
-              </a:rPr>
-            </a:br>
-            <a:r>
-              <a:rPr kumimoji="0" lang="zh-CN" altLang="zh-CN" sz="1200" b="0" i="0" u="none" strike="noStrike" cap="none" normalizeH="0" baseline="0" dirty="0" smtClean="0">
-                <a:ln>
-                  <a:noFill/>
-                </a:ln>
-                <a:solidFill>
-                  <a:srgbClr val="F8F8F2"/>
-                </a:solidFill>
-                <a:effectLst/>
-                <a:latin typeface="Consolas" panose="020B0609020204030204" pitchFamily="49" charset="0"/>
-                <a:cs typeface="Consolas" panose="020B0609020204030204" pitchFamily="49" charset="0"/>
-              </a:rPr>
-              <a:t>    votes </a:t>
-            </a:r>
-            <a:r>
-              <a:rPr kumimoji="0" lang="zh-CN" altLang="zh-CN" sz="1200" b="0" i="0" u="none" strike="noStrike" cap="none" normalizeH="0" baseline="0" dirty="0" smtClean="0">
-                <a:ln>
-                  <a:noFill/>
-                </a:ln>
-                <a:solidFill>
-                  <a:srgbClr val="F92672"/>
-                </a:solidFill>
-                <a:effectLst/>
-                <a:latin typeface="Consolas" panose="020B0609020204030204" pitchFamily="49" charset="0"/>
-                <a:cs typeface="Consolas" panose="020B0609020204030204" pitchFamily="49" charset="0"/>
-              </a:rPr>
-              <a:t>= </a:t>
-            </a:r>
-            <a:r>
-              <a:rPr kumimoji="0" lang="zh-CN" altLang="zh-CN" sz="1200" b="0" i="0" u="none" strike="noStrike" cap="none" normalizeH="0" baseline="0" dirty="0" smtClean="0">
-                <a:ln>
-                  <a:noFill/>
-                </a:ln>
-                <a:solidFill>
-                  <a:srgbClr val="F8F8F2"/>
-                </a:solidFill>
-                <a:effectLst/>
-                <a:latin typeface="Consolas" panose="020B0609020204030204" pitchFamily="49" charset="0"/>
-                <a:cs typeface="Consolas" panose="020B0609020204030204" pitchFamily="49" charset="0"/>
-              </a:rPr>
-              <a:t>models.IntegerField(</a:t>
-            </a:r>
-            <a:r>
-              <a:rPr kumimoji="0" lang="zh-CN" altLang="zh-CN" sz="1200" b="0" i="1" u="none" strike="noStrike" cap="none" normalizeH="0" baseline="0" dirty="0" smtClean="0">
-                <a:ln>
-                  <a:noFill/>
-                </a:ln>
-                <a:solidFill>
-                  <a:srgbClr val="FD971F"/>
-                </a:solidFill>
-                <a:effectLst/>
-                <a:latin typeface="Consolas" panose="020B0609020204030204" pitchFamily="49" charset="0"/>
-                <a:cs typeface="Consolas" panose="020B0609020204030204" pitchFamily="49" charset="0"/>
-              </a:rPr>
-              <a:t>default</a:t>
-            </a:r>
-            <a:r>
-              <a:rPr kumimoji="0" lang="zh-CN" altLang="zh-CN" sz="1200" b="0" i="0" u="none" strike="noStrike" cap="none" normalizeH="0" baseline="0" dirty="0" smtClean="0">
-                <a:ln>
-                  <a:noFill/>
-                </a:ln>
-                <a:solidFill>
-                  <a:srgbClr val="F92672"/>
-                </a:solidFill>
-                <a:effectLst/>
-                <a:latin typeface="Consolas" panose="020B0609020204030204" pitchFamily="49" charset="0"/>
-                <a:cs typeface="Consolas" panose="020B0609020204030204" pitchFamily="49" charset="0"/>
-              </a:rPr>
-              <a:t>=</a:t>
-            </a:r>
-            <a:r>
-              <a:rPr kumimoji="0" lang="zh-CN" altLang="zh-CN" sz="1200" b="0" i="0" u="none" strike="noStrike" cap="none" normalizeH="0" baseline="0" dirty="0" smtClean="0">
-                <a:ln>
-                  <a:noFill/>
-                </a:ln>
-                <a:solidFill>
-                  <a:srgbClr val="AE81FF"/>
-                </a:solidFill>
-                <a:effectLst/>
-                <a:latin typeface="Consolas" panose="020B0609020204030204" pitchFamily="49" charset="0"/>
-                <a:cs typeface="Consolas" panose="020B0609020204030204" pitchFamily="49" charset="0"/>
-              </a:rPr>
-              <a:t>0</a:t>
-            </a:r>
-            <a:r>
-              <a:rPr kumimoji="0" lang="zh-CN" altLang="zh-CN" sz="1200" b="0" i="0" u="none" strike="noStrike" cap="none" normalizeH="0" baseline="0" dirty="0" smtClean="0">
-                <a:ln>
-                  <a:noFill/>
-                </a:ln>
-                <a:solidFill>
-                  <a:srgbClr val="F8F8F2"/>
-                </a:solidFill>
-                <a:effectLst/>
-                <a:latin typeface="Consolas" panose="020B0609020204030204" pitchFamily="49" charset="0"/>
-                <a:cs typeface="Consolas" panose="020B0609020204030204" pitchFamily="49" charset="0"/>
-              </a:rPr>
-              <a:t>)</a:t>
-            </a:r>
-            <a:endParaRPr kumimoji="0" lang="zh-CN" altLang="zh-CN" sz="1800" b="0" i="0" u="none" strike="noStrike" cap="none" normalizeH="0" baseline="0" dirty="0" smtClean="0">
-              <a:ln>
-                <a:noFill/>
-              </a:ln>
-              <a:solidFill>
-                <a:schemeClr val="tx1"/>
-              </a:solidFill>
-              <a:effectLst/>
-              <a:latin typeface="Arial" panose="020B0604020202020204" pitchFamily="34" charset="0"/>
-            </a:endParaRPr>
           </a:p>
         </p:txBody>
       </p:sp>
@@ -7490,6 +9767,526 @@
   <p:clrMapOvr>
     <a:masterClrMapping/>
   </p:clrMapOvr>
+  <p:timing>
+    <p:tnLst>
+      <p:par>
+        <p:cTn id="1" dur="indefinite" restart="never" nodeType="tmRoot">
+          <p:childTnLst>
+            <p:seq concurrent="1" nextAc="seek">
+              <p:cTn id="2" dur="indefinite" nodeType="mainSeq">
+                <p:childTnLst>
+                  <p:par>
+                    <p:cTn id="3" fill="hold">
+                      <p:stCondLst>
+                        <p:cond delay="indefinite"/>
+                      </p:stCondLst>
+                      <p:childTnLst>
+                        <p:par>
+                          <p:cTn id="4" fill="hold">
+                            <p:stCondLst>
+                              <p:cond delay="0"/>
+                            </p:stCondLst>
+                            <p:childTnLst>
+                              <p:par>
+                                <p:cTn id="5" presetID="1" presetClass="entr" presetSubtype="0" fill="hold" nodeType="clickEffect">
+                                  <p:stCondLst>
+                                    <p:cond delay="0"/>
+                                  </p:stCondLst>
+                                  <p:childTnLst>
+                                    <p:set>
+                                      <p:cBhvr>
+                                        <p:cTn id="6" dur="1" fill="hold">
+                                          <p:stCondLst>
+                                            <p:cond delay="0"/>
+                                          </p:stCondLst>
+                                        </p:cTn>
+                                        <p:tgtEl>
+                                          <p:spTgt spid="3">
+                                            <p:txEl>
+                                              <p:pRg st="0" end="0"/>
+                                            </p:txEl>
+                                          </p:spTgt>
+                                        </p:tgtEl>
+                                        <p:attrNameLst>
+                                          <p:attrName>style.visibility</p:attrName>
+                                        </p:attrNameLst>
+                                      </p:cBhvr>
+                                      <p:to>
+                                        <p:strVal val="visible"/>
+                                      </p:to>
+                                    </p:set>
+                                  </p:childTnLst>
+                                </p:cTn>
+                              </p:par>
+                            </p:childTnLst>
+                          </p:cTn>
+                        </p:par>
+                      </p:childTnLst>
+                    </p:cTn>
+                  </p:par>
+                  <p:par>
+                    <p:cTn id="7" fill="hold">
+                      <p:stCondLst>
+                        <p:cond delay="indefinite"/>
+                      </p:stCondLst>
+                      <p:childTnLst>
+                        <p:par>
+                          <p:cTn id="8" fill="hold">
+                            <p:stCondLst>
+                              <p:cond delay="0"/>
+                            </p:stCondLst>
+                            <p:childTnLst>
+                              <p:par>
+                                <p:cTn id="9" presetID="1" presetClass="entr" presetSubtype="0" fill="hold" nodeType="clickEffect">
+                                  <p:stCondLst>
+                                    <p:cond delay="0"/>
+                                  </p:stCondLst>
+                                  <p:childTnLst>
+                                    <p:set>
+                                      <p:cBhvr>
+                                        <p:cTn id="10" dur="1" fill="hold">
+                                          <p:stCondLst>
+                                            <p:cond delay="0"/>
+                                          </p:stCondLst>
+                                        </p:cTn>
+                                        <p:tgtEl>
+                                          <p:spTgt spid="3">
+                                            <p:txEl>
+                                              <p:pRg st="1" end="1"/>
+                                            </p:txEl>
+                                          </p:spTgt>
+                                        </p:tgtEl>
+                                        <p:attrNameLst>
+                                          <p:attrName>style.visibility</p:attrName>
+                                        </p:attrNameLst>
+                                      </p:cBhvr>
+                                      <p:to>
+                                        <p:strVal val="visible"/>
+                                      </p:to>
+                                    </p:set>
+                                  </p:childTnLst>
+                                </p:cTn>
+                              </p:par>
+                            </p:childTnLst>
+                          </p:cTn>
+                        </p:par>
+                      </p:childTnLst>
+                    </p:cTn>
+                  </p:par>
+                  <p:par>
+                    <p:cTn id="11" fill="hold">
+                      <p:stCondLst>
+                        <p:cond delay="indefinite"/>
+                      </p:stCondLst>
+                      <p:childTnLst>
+                        <p:par>
+                          <p:cTn id="12" fill="hold">
+                            <p:stCondLst>
+                              <p:cond delay="0"/>
+                            </p:stCondLst>
+                            <p:childTnLst>
+                              <p:par>
+                                <p:cTn id="13" presetID="1" presetClass="entr" presetSubtype="0" fill="hold" nodeType="clickEffect">
+                                  <p:stCondLst>
+                                    <p:cond delay="0"/>
+                                  </p:stCondLst>
+                                  <p:childTnLst>
+                                    <p:set>
+                                      <p:cBhvr>
+                                        <p:cTn id="14" dur="1" fill="hold">
+                                          <p:stCondLst>
+                                            <p:cond delay="0"/>
+                                          </p:stCondLst>
+                                        </p:cTn>
+                                        <p:tgtEl>
+                                          <p:spTgt spid="3">
+                                            <p:txEl>
+                                              <p:pRg st="2" end="2"/>
+                                            </p:txEl>
+                                          </p:spTgt>
+                                        </p:tgtEl>
+                                        <p:attrNameLst>
+                                          <p:attrName>style.visibility</p:attrName>
+                                        </p:attrNameLst>
+                                      </p:cBhvr>
+                                      <p:to>
+                                        <p:strVal val="visible"/>
+                                      </p:to>
+                                    </p:set>
+                                  </p:childTnLst>
+                                </p:cTn>
+                              </p:par>
+                            </p:childTnLst>
+                          </p:cTn>
+                        </p:par>
+                      </p:childTnLst>
+                    </p:cTn>
+                  </p:par>
+                  <p:par>
+                    <p:cTn id="15" fill="hold">
+                      <p:stCondLst>
+                        <p:cond delay="indefinite"/>
+                      </p:stCondLst>
+                      <p:childTnLst>
+                        <p:par>
+                          <p:cTn id="16" fill="hold">
+                            <p:stCondLst>
+                              <p:cond delay="0"/>
+                            </p:stCondLst>
+                            <p:childTnLst>
+                              <p:par>
+                                <p:cTn id="17" presetID="1" presetClass="entr" presetSubtype="0" fill="hold" nodeType="clickEffect">
+                                  <p:stCondLst>
+                                    <p:cond delay="0"/>
+                                  </p:stCondLst>
+                                  <p:childTnLst>
+                                    <p:set>
+                                      <p:cBhvr>
+                                        <p:cTn id="18" dur="1" fill="hold">
+                                          <p:stCondLst>
+                                            <p:cond delay="0"/>
+                                          </p:stCondLst>
+                                        </p:cTn>
+                                        <p:tgtEl>
+                                          <p:spTgt spid="3">
+                                            <p:txEl>
+                                              <p:pRg st="3" end="3"/>
+                                            </p:txEl>
+                                          </p:spTgt>
+                                        </p:tgtEl>
+                                        <p:attrNameLst>
+                                          <p:attrName>style.visibility</p:attrName>
+                                        </p:attrNameLst>
+                                      </p:cBhvr>
+                                      <p:to>
+                                        <p:strVal val="visible"/>
+                                      </p:to>
+                                    </p:set>
+                                  </p:childTnLst>
+                                </p:cTn>
+                              </p:par>
+                            </p:childTnLst>
+                          </p:cTn>
+                        </p:par>
+                      </p:childTnLst>
+                    </p:cTn>
+                  </p:par>
+                  <p:par>
+                    <p:cTn id="19" fill="hold">
+                      <p:stCondLst>
+                        <p:cond delay="indefinite"/>
+                      </p:stCondLst>
+                      <p:childTnLst>
+                        <p:par>
+                          <p:cTn id="20" fill="hold">
+                            <p:stCondLst>
+                              <p:cond delay="0"/>
+                            </p:stCondLst>
+                            <p:childTnLst>
+                              <p:par>
+                                <p:cTn id="21" presetID="1" presetClass="entr" presetSubtype="0" fill="hold" nodeType="clickEffect">
+                                  <p:stCondLst>
+                                    <p:cond delay="0"/>
+                                  </p:stCondLst>
+                                  <p:childTnLst>
+                                    <p:set>
+                                      <p:cBhvr>
+                                        <p:cTn id="22" dur="1" fill="hold">
+                                          <p:stCondLst>
+                                            <p:cond delay="0"/>
+                                          </p:stCondLst>
+                                        </p:cTn>
+                                        <p:tgtEl>
+                                          <p:spTgt spid="3">
+                                            <p:txEl>
+                                              <p:pRg st="4" end="4"/>
+                                            </p:txEl>
+                                          </p:spTgt>
+                                        </p:tgtEl>
+                                        <p:attrNameLst>
+                                          <p:attrName>style.visibility</p:attrName>
+                                        </p:attrNameLst>
+                                      </p:cBhvr>
+                                      <p:to>
+                                        <p:strVal val="visible"/>
+                                      </p:to>
+                                    </p:set>
+                                  </p:childTnLst>
+                                </p:cTn>
+                              </p:par>
+                            </p:childTnLst>
+                          </p:cTn>
+                        </p:par>
+                      </p:childTnLst>
+                    </p:cTn>
+                  </p:par>
+                  <p:par>
+                    <p:cTn id="23" fill="hold">
+                      <p:stCondLst>
+                        <p:cond delay="indefinite"/>
+                      </p:stCondLst>
+                      <p:childTnLst>
+                        <p:par>
+                          <p:cTn id="24" fill="hold">
+                            <p:stCondLst>
+                              <p:cond delay="0"/>
+                            </p:stCondLst>
+                            <p:childTnLst>
+                              <p:par>
+                                <p:cTn id="25" presetID="1" presetClass="entr" presetSubtype="0" fill="hold" nodeType="clickEffect">
+                                  <p:stCondLst>
+                                    <p:cond delay="0"/>
+                                  </p:stCondLst>
+                                  <p:childTnLst>
+                                    <p:set>
+                                      <p:cBhvr>
+                                        <p:cTn id="26" dur="1" fill="hold">
+                                          <p:stCondLst>
+                                            <p:cond delay="0"/>
+                                          </p:stCondLst>
+                                        </p:cTn>
+                                        <p:tgtEl>
+                                          <p:spTgt spid="3">
+                                            <p:txEl>
+                                              <p:pRg st="5" end="5"/>
+                                            </p:txEl>
+                                          </p:spTgt>
+                                        </p:tgtEl>
+                                        <p:attrNameLst>
+                                          <p:attrName>style.visibility</p:attrName>
+                                        </p:attrNameLst>
+                                      </p:cBhvr>
+                                      <p:to>
+                                        <p:strVal val="visible"/>
+                                      </p:to>
+                                    </p:set>
+                                  </p:childTnLst>
+                                </p:cTn>
+                              </p:par>
+                            </p:childTnLst>
+                          </p:cTn>
+                        </p:par>
+                      </p:childTnLst>
+                    </p:cTn>
+                  </p:par>
+                  <p:par>
+                    <p:cTn id="27" fill="hold">
+                      <p:stCondLst>
+                        <p:cond delay="indefinite"/>
+                      </p:stCondLst>
+                      <p:childTnLst>
+                        <p:par>
+                          <p:cTn id="28" fill="hold">
+                            <p:stCondLst>
+                              <p:cond delay="0"/>
+                            </p:stCondLst>
+                            <p:childTnLst>
+                              <p:par>
+                                <p:cTn id="29" presetID="1" presetClass="entr" presetSubtype="0" fill="hold" nodeType="clickEffect">
+                                  <p:stCondLst>
+                                    <p:cond delay="0"/>
+                                  </p:stCondLst>
+                                  <p:childTnLst>
+                                    <p:set>
+                                      <p:cBhvr>
+                                        <p:cTn id="30" dur="1" fill="hold">
+                                          <p:stCondLst>
+                                            <p:cond delay="0"/>
+                                          </p:stCondLst>
+                                        </p:cTn>
+                                        <p:tgtEl>
+                                          <p:spTgt spid="3">
+                                            <p:txEl>
+                                              <p:pRg st="6" end="6"/>
+                                            </p:txEl>
+                                          </p:spTgt>
+                                        </p:tgtEl>
+                                        <p:attrNameLst>
+                                          <p:attrName>style.visibility</p:attrName>
+                                        </p:attrNameLst>
+                                      </p:cBhvr>
+                                      <p:to>
+                                        <p:strVal val="visible"/>
+                                      </p:to>
+                                    </p:set>
+                                  </p:childTnLst>
+                                </p:cTn>
+                              </p:par>
+                            </p:childTnLst>
+                          </p:cTn>
+                        </p:par>
+                      </p:childTnLst>
+                    </p:cTn>
+                  </p:par>
+                  <p:par>
+                    <p:cTn id="31" fill="hold">
+                      <p:stCondLst>
+                        <p:cond delay="indefinite"/>
+                      </p:stCondLst>
+                      <p:childTnLst>
+                        <p:par>
+                          <p:cTn id="32" fill="hold">
+                            <p:stCondLst>
+                              <p:cond delay="0"/>
+                            </p:stCondLst>
+                            <p:childTnLst>
+                              <p:par>
+                                <p:cTn id="33" presetID="1" presetClass="entr" presetSubtype="0" fill="hold" nodeType="clickEffect">
+                                  <p:stCondLst>
+                                    <p:cond delay="0"/>
+                                  </p:stCondLst>
+                                  <p:childTnLst>
+                                    <p:set>
+                                      <p:cBhvr>
+                                        <p:cTn id="34" dur="1" fill="hold">
+                                          <p:stCondLst>
+                                            <p:cond delay="0"/>
+                                          </p:stCondLst>
+                                        </p:cTn>
+                                        <p:tgtEl>
+                                          <p:spTgt spid="3">
+                                            <p:txEl>
+                                              <p:pRg st="7" end="7"/>
+                                            </p:txEl>
+                                          </p:spTgt>
+                                        </p:tgtEl>
+                                        <p:attrNameLst>
+                                          <p:attrName>style.visibility</p:attrName>
+                                        </p:attrNameLst>
+                                      </p:cBhvr>
+                                      <p:to>
+                                        <p:strVal val="visible"/>
+                                      </p:to>
+                                    </p:set>
+                                  </p:childTnLst>
+                                </p:cTn>
+                              </p:par>
+                            </p:childTnLst>
+                          </p:cTn>
+                        </p:par>
+                      </p:childTnLst>
+                    </p:cTn>
+                  </p:par>
+                  <p:par>
+                    <p:cTn id="35" fill="hold">
+                      <p:stCondLst>
+                        <p:cond delay="indefinite"/>
+                      </p:stCondLst>
+                      <p:childTnLst>
+                        <p:par>
+                          <p:cTn id="36" fill="hold">
+                            <p:stCondLst>
+                              <p:cond delay="0"/>
+                            </p:stCondLst>
+                            <p:childTnLst>
+                              <p:par>
+                                <p:cTn id="37" presetID="1" presetClass="entr" presetSubtype="0" fill="hold" nodeType="clickEffect">
+                                  <p:stCondLst>
+                                    <p:cond delay="0"/>
+                                  </p:stCondLst>
+                                  <p:childTnLst>
+                                    <p:set>
+                                      <p:cBhvr>
+                                        <p:cTn id="38" dur="1" fill="hold">
+                                          <p:stCondLst>
+                                            <p:cond delay="0"/>
+                                          </p:stCondLst>
+                                        </p:cTn>
+                                        <p:tgtEl>
+                                          <p:spTgt spid="3">
+                                            <p:txEl>
+                                              <p:pRg st="8" end="8"/>
+                                            </p:txEl>
+                                          </p:spTgt>
+                                        </p:tgtEl>
+                                        <p:attrNameLst>
+                                          <p:attrName>style.visibility</p:attrName>
+                                        </p:attrNameLst>
+                                      </p:cBhvr>
+                                      <p:to>
+                                        <p:strVal val="visible"/>
+                                      </p:to>
+                                    </p:set>
+                                  </p:childTnLst>
+                                </p:cTn>
+                              </p:par>
+                            </p:childTnLst>
+                          </p:cTn>
+                        </p:par>
+                      </p:childTnLst>
+                    </p:cTn>
+                  </p:par>
+                  <p:par>
+                    <p:cTn id="39" fill="hold">
+                      <p:stCondLst>
+                        <p:cond delay="indefinite"/>
+                      </p:stCondLst>
+                      <p:childTnLst>
+                        <p:par>
+                          <p:cTn id="40" fill="hold">
+                            <p:stCondLst>
+                              <p:cond delay="0"/>
+                            </p:stCondLst>
+                            <p:childTnLst>
+                              <p:par>
+                                <p:cTn id="41" presetID="1" presetClass="entr" presetSubtype="0" fill="hold" nodeType="clickEffect">
+                                  <p:stCondLst>
+                                    <p:cond delay="0"/>
+                                  </p:stCondLst>
+                                  <p:childTnLst>
+                                    <p:set>
+                                      <p:cBhvr>
+                                        <p:cTn id="42" dur="1" fill="hold">
+                                          <p:stCondLst>
+                                            <p:cond delay="0"/>
+                                          </p:stCondLst>
+                                        </p:cTn>
+                                        <p:tgtEl>
+                                          <p:spTgt spid="3">
+                                            <p:txEl>
+                                              <p:pRg st="9" end="9"/>
+                                            </p:txEl>
+                                          </p:spTgt>
+                                        </p:tgtEl>
+                                        <p:attrNameLst>
+                                          <p:attrName>style.visibility</p:attrName>
+                                        </p:attrNameLst>
+                                      </p:cBhvr>
+                                      <p:to>
+                                        <p:strVal val="visible"/>
+                                      </p:to>
+                                    </p:set>
+                                  </p:childTnLst>
+                                </p:cTn>
+                              </p:par>
+                            </p:childTnLst>
+                          </p:cTn>
+                        </p:par>
+                      </p:childTnLst>
+                    </p:cTn>
+                  </p:par>
+                </p:childTnLst>
+              </p:cTn>
+              <p:prevCondLst>
+                <p:cond evt="onPrev" delay="0">
+                  <p:tgtEl>
+                    <p:sldTgt/>
+                  </p:tgtEl>
+                </p:cond>
+              </p:prevCondLst>
+              <p:nextCondLst>
+                <p:cond evt="onNext" delay="0">
+                  <p:tgtEl>
+                    <p:sldTgt/>
+                  </p:tgtEl>
+                </p:cond>
+              </p:nextCondLst>
+            </p:seq>
+          </p:childTnLst>
+        </p:cTn>
+      </p:par>
+    </p:tnLst>
+  </p:timing>
 </p:sld>
 </file>
 
@@ -7554,8 +10351,58 @@
           <a:lstStyle/>
           <a:p>
             <a:r>
+              <a:rPr lang="zh-CN" altLang="en-US" dirty="0"/>
+              <a:t>创建数据库</a:t>
+            </a:r>
+            <a:endParaRPr lang="en-US" altLang="zh-CN" dirty="0"/>
+          </a:p>
+          <a:p>
+            <a:pPr lvl="1"/>
+            <a:r>
+              <a:rPr lang="en-US" altLang="zh-CN" dirty="0"/>
+              <a:t> manage.py </a:t>
+            </a:r>
+            <a:r>
+              <a:rPr lang="en-US" altLang="zh-CN" dirty="0" err="1" smtClean="0"/>
+              <a:t>syncdb</a:t>
+            </a:r>
+            <a:r>
+              <a:rPr lang="en-US" altLang="zh-CN" dirty="0" smtClean="0"/>
+              <a:t> </a:t>
+            </a:r>
+            <a:endParaRPr lang="en-US" altLang="zh-CN" dirty="0"/>
+          </a:p>
+          <a:p>
+            <a:pPr lvl="1"/>
+            <a:r>
+              <a:rPr lang="en-US" altLang="zh-CN" dirty="0"/>
+              <a:t> manage.py </a:t>
+            </a:r>
+            <a:r>
+              <a:rPr lang="en-US" altLang="zh-CN" dirty="0" err="1"/>
+              <a:t>sqlall</a:t>
+            </a:r>
+            <a:r>
+              <a:rPr lang="en-US" altLang="zh-CN" dirty="0"/>
+              <a:t> {</a:t>
+            </a:r>
+            <a:r>
+              <a:rPr lang="en-US" altLang="zh-CN" dirty="0" err="1"/>
+              <a:t>appname</a:t>
+            </a:r>
+            <a:r>
+              <a:rPr lang="en-US" altLang="zh-CN" dirty="0" smtClean="0"/>
+              <a:t>}</a:t>
+            </a:r>
+          </a:p>
+          <a:p>
+            <a:r>
               <a:rPr lang="zh-CN" altLang="en-US" dirty="0" smtClean="0"/>
-              <a:t>迁移数据库</a:t>
+              <a:t>迁移</a:t>
+            </a:r>
+            <a:r>
+              <a:rPr lang="zh-CN" altLang="en-US" dirty="0" smtClean="0"/>
+              <a:t>数据库</a:t>
             </a:r>
             <a:endParaRPr lang="en-US" altLang="zh-CN" dirty="0" smtClean="0"/>
           </a:p>
@@ -7580,6 +10427,33 @@
             <a:r>
               <a:rPr lang="en-US" altLang="zh-CN" dirty="0" smtClean="0"/>
               <a:t>manage.py migrate</a:t>
+            </a:r>
+          </a:p>
+          <a:p>
+            <a:pPr lvl="1"/>
+            <a:r>
+              <a:rPr lang="en-US" altLang="zh-CN" dirty="0" smtClean="0"/>
+              <a:t> manage.py </a:t>
+            </a:r>
+            <a:r>
+              <a:rPr lang="en-US" altLang="zh-CN" dirty="0" err="1"/>
+              <a:t>sqlmigrate</a:t>
+            </a:r>
+            <a:r>
+              <a:rPr lang="en-US" altLang="zh-CN" dirty="0"/>
+              <a:t> {</a:t>
+            </a:r>
+            <a:r>
+              <a:rPr lang="en-US" altLang="zh-CN" dirty="0" err="1"/>
+              <a:t>appname</a:t>
+            </a:r>
+            <a:r>
+              <a:rPr lang="en-US" altLang="zh-CN" dirty="0"/>
+              <a:t>} </a:t>
+            </a:r>
+            <a:r>
+              <a:rPr lang="en-US" altLang="zh-CN" dirty="0" smtClean="0"/>
+              <a:t>0001_initial</a:t>
             </a:r>
             <a:endParaRPr lang="en-US" altLang="zh-CN" dirty="0"/>
           </a:p>
@@ -7595,7 +10469,7 @@
         </p:nvSpPr>
         <p:spPr bwMode="auto">
           <a:xfrm>
-            <a:off x="3260834" y="3529781"/>
+            <a:off x="3545105" y="1804471"/>
             <a:ext cx="8092966" cy="2677656"/>
           </a:xfrm>
           <a:prstGeom prst="rect">
@@ -8678,6 +11552,427 @@
   <p:clrMapOvr>
     <a:masterClrMapping/>
   </p:clrMapOvr>
+  <p:timing>
+    <p:tnLst>
+      <p:par>
+        <p:cTn id="1" dur="indefinite" restart="never" nodeType="tmRoot">
+          <p:childTnLst>
+            <p:seq concurrent="1" nextAc="seek">
+              <p:cTn id="2" dur="indefinite" nodeType="mainSeq">
+                <p:childTnLst>
+                  <p:par>
+                    <p:cTn id="3" fill="hold">
+                      <p:stCondLst>
+                        <p:cond delay="indefinite"/>
+                      </p:stCondLst>
+                      <p:childTnLst>
+                        <p:par>
+                          <p:cTn id="4" fill="hold">
+                            <p:stCondLst>
+                              <p:cond delay="0"/>
+                            </p:stCondLst>
+                            <p:childTnLst>
+                              <p:par>
+                                <p:cTn id="5" presetID="1" presetClass="entr" presetSubtype="0" fill="hold" nodeType="clickEffect">
+                                  <p:stCondLst>
+                                    <p:cond delay="0"/>
+                                  </p:stCondLst>
+                                  <p:childTnLst>
+                                    <p:set>
+                                      <p:cBhvr>
+                                        <p:cTn id="6" dur="1" fill="hold">
+                                          <p:stCondLst>
+                                            <p:cond delay="0"/>
+                                          </p:stCondLst>
+                                        </p:cTn>
+                                        <p:tgtEl>
+                                          <p:spTgt spid="3">
+                                            <p:txEl>
+                                              <p:pRg st="0" end="0"/>
+                                            </p:txEl>
+                                          </p:spTgt>
+                                        </p:tgtEl>
+                                        <p:attrNameLst>
+                                          <p:attrName>style.visibility</p:attrName>
+                                        </p:attrNameLst>
+                                      </p:cBhvr>
+                                      <p:to>
+                                        <p:strVal val="visible"/>
+                                      </p:to>
+                                    </p:set>
+                                  </p:childTnLst>
+                                </p:cTn>
+                              </p:par>
+                            </p:childTnLst>
+                          </p:cTn>
+                        </p:par>
+                      </p:childTnLst>
+                    </p:cTn>
+                  </p:par>
+                  <p:par>
+                    <p:cTn id="7" fill="hold">
+                      <p:stCondLst>
+                        <p:cond delay="indefinite"/>
+                      </p:stCondLst>
+                      <p:childTnLst>
+                        <p:par>
+                          <p:cTn id="8" fill="hold">
+                            <p:stCondLst>
+                              <p:cond delay="0"/>
+                            </p:stCondLst>
+                            <p:childTnLst>
+                              <p:par>
+                                <p:cTn id="9" presetID="1" presetClass="entr" presetSubtype="0" fill="hold" nodeType="clickEffect">
+                                  <p:stCondLst>
+                                    <p:cond delay="0"/>
+                                  </p:stCondLst>
+                                  <p:childTnLst>
+                                    <p:set>
+                                      <p:cBhvr>
+                                        <p:cTn id="10" dur="1" fill="hold">
+                                          <p:stCondLst>
+                                            <p:cond delay="0"/>
+                                          </p:stCondLst>
+                                        </p:cTn>
+                                        <p:tgtEl>
+                                          <p:spTgt spid="3">
+                                            <p:txEl>
+                                              <p:pRg st="1" end="1"/>
+                                            </p:txEl>
+                                          </p:spTgt>
+                                        </p:tgtEl>
+                                        <p:attrNameLst>
+                                          <p:attrName>style.visibility</p:attrName>
+                                        </p:attrNameLst>
+                                      </p:cBhvr>
+                                      <p:to>
+                                        <p:strVal val="visible"/>
+                                      </p:to>
+                                    </p:set>
+                                  </p:childTnLst>
+                                </p:cTn>
+                              </p:par>
+                            </p:childTnLst>
+                          </p:cTn>
+                        </p:par>
+                      </p:childTnLst>
+                    </p:cTn>
+                  </p:par>
+                  <p:par>
+                    <p:cTn id="11" fill="hold">
+                      <p:stCondLst>
+                        <p:cond delay="indefinite"/>
+                      </p:stCondLst>
+                      <p:childTnLst>
+                        <p:par>
+                          <p:cTn id="12" fill="hold">
+                            <p:stCondLst>
+                              <p:cond delay="0"/>
+                            </p:stCondLst>
+                            <p:childTnLst>
+                              <p:par>
+                                <p:cTn id="13" presetID="1" presetClass="entr" presetSubtype="0" fill="hold" nodeType="clickEffect">
+                                  <p:stCondLst>
+                                    <p:cond delay="0"/>
+                                  </p:stCondLst>
+                                  <p:childTnLst>
+                                    <p:set>
+                                      <p:cBhvr>
+                                        <p:cTn id="14" dur="1" fill="hold">
+                                          <p:stCondLst>
+                                            <p:cond delay="0"/>
+                                          </p:stCondLst>
+                                        </p:cTn>
+                                        <p:tgtEl>
+                                          <p:spTgt spid="3">
+                                            <p:txEl>
+                                              <p:pRg st="2" end="2"/>
+                                            </p:txEl>
+                                          </p:spTgt>
+                                        </p:tgtEl>
+                                        <p:attrNameLst>
+                                          <p:attrName>style.visibility</p:attrName>
+                                        </p:attrNameLst>
+                                      </p:cBhvr>
+                                      <p:to>
+                                        <p:strVal val="visible"/>
+                                      </p:to>
+                                    </p:set>
+                                  </p:childTnLst>
+                                </p:cTn>
+                              </p:par>
+                            </p:childTnLst>
+                          </p:cTn>
+                        </p:par>
+                      </p:childTnLst>
+                    </p:cTn>
+                  </p:par>
+                  <p:par>
+                    <p:cTn id="15" fill="hold">
+                      <p:stCondLst>
+                        <p:cond delay="indefinite"/>
+                      </p:stCondLst>
+                      <p:childTnLst>
+                        <p:par>
+                          <p:cTn id="16" fill="hold">
+                            <p:stCondLst>
+                              <p:cond delay="0"/>
+                            </p:stCondLst>
+                            <p:childTnLst>
+                              <p:par>
+                                <p:cTn id="17" presetID="1" presetClass="entr" presetSubtype="0" fill="hold" nodeType="clickEffect">
+                                  <p:stCondLst>
+                                    <p:cond delay="0"/>
+                                  </p:stCondLst>
+                                  <p:childTnLst>
+                                    <p:set>
+                                      <p:cBhvr>
+                                        <p:cTn id="18" dur="1" fill="hold">
+                                          <p:stCondLst>
+                                            <p:cond delay="0"/>
+                                          </p:stCondLst>
+                                        </p:cTn>
+                                        <p:tgtEl>
+                                          <p:spTgt spid="3">
+                                            <p:txEl>
+                                              <p:pRg st="3" end="3"/>
+                                            </p:txEl>
+                                          </p:spTgt>
+                                        </p:tgtEl>
+                                        <p:attrNameLst>
+                                          <p:attrName>style.visibility</p:attrName>
+                                        </p:attrNameLst>
+                                      </p:cBhvr>
+                                      <p:to>
+                                        <p:strVal val="visible"/>
+                                      </p:to>
+                                    </p:set>
+                                  </p:childTnLst>
+                                </p:cTn>
+                              </p:par>
+                            </p:childTnLst>
+                          </p:cTn>
+                        </p:par>
+                      </p:childTnLst>
+                    </p:cTn>
+                  </p:par>
+                  <p:par>
+                    <p:cTn id="19" fill="hold">
+                      <p:stCondLst>
+                        <p:cond delay="indefinite"/>
+                      </p:stCondLst>
+                      <p:childTnLst>
+                        <p:par>
+                          <p:cTn id="20" fill="hold">
+                            <p:stCondLst>
+                              <p:cond delay="0"/>
+                            </p:stCondLst>
+                            <p:childTnLst>
+                              <p:par>
+                                <p:cTn id="21" presetID="1" presetClass="entr" presetSubtype="0" fill="hold" nodeType="clickEffect">
+                                  <p:stCondLst>
+                                    <p:cond delay="0"/>
+                                  </p:stCondLst>
+                                  <p:childTnLst>
+                                    <p:set>
+                                      <p:cBhvr>
+                                        <p:cTn id="22" dur="1" fill="hold">
+                                          <p:stCondLst>
+                                            <p:cond delay="0"/>
+                                          </p:stCondLst>
+                                        </p:cTn>
+                                        <p:tgtEl>
+                                          <p:spTgt spid="3">
+                                            <p:txEl>
+                                              <p:pRg st="4" end="4"/>
+                                            </p:txEl>
+                                          </p:spTgt>
+                                        </p:tgtEl>
+                                        <p:attrNameLst>
+                                          <p:attrName>style.visibility</p:attrName>
+                                        </p:attrNameLst>
+                                      </p:cBhvr>
+                                      <p:to>
+                                        <p:strVal val="visible"/>
+                                      </p:to>
+                                    </p:set>
+                                  </p:childTnLst>
+                                </p:cTn>
+                              </p:par>
+                            </p:childTnLst>
+                          </p:cTn>
+                        </p:par>
+                      </p:childTnLst>
+                    </p:cTn>
+                  </p:par>
+                  <p:par>
+                    <p:cTn id="23" fill="hold">
+                      <p:stCondLst>
+                        <p:cond delay="indefinite"/>
+                      </p:stCondLst>
+                      <p:childTnLst>
+                        <p:par>
+                          <p:cTn id="24" fill="hold">
+                            <p:stCondLst>
+                              <p:cond delay="0"/>
+                            </p:stCondLst>
+                            <p:childTnLst>
+                              <p:par>
+                                <p:cTn id="25" presetID="1" presetClass="entr" presetSubtype="0" fill="hold" nodeType="clickEffect">
+                                  <p:stCondLst>
+                                    <p:cond delay="0"/>
+                                  </p:stCondLst>
+                                  <p:childTnLst>
+                                    <p:set>
+                                      <p:cBhvr>
+                                        <p:cTn id="26" dur="1" fill="hold">
+                                          <p:stCondLst>
+                                            <p:cond delay="0"/>
+                                          </p:stCondLst>
+                                        </p:cTn>
+                                        <p:tgtEl>
+                                          <p:spTgt spid="3">
+                                            <p:txEl>
+                                              <p:pRg st="5" end="5"/>
+                                            </p:txEl>
+                                          </p:spTgt>
+                                        </p:tgtEl>
+                                        <p:attrNameLst>
+                                          <p:attrName>style.visibility</p:attrName>
+                                        </p:attrNameLst>
+                                      </p:cBhvr>
+                                      <p:to>
+                                        <p:strVal val="visible"/>
+                                      </p:to>
+                                    </p:set>
+                                  </p:childTnLst>
+                                </p:cTn>
+                              </p:par>
+                            </p:childTnLst>
+                          </p:cTn>
+                        </p:par>
+                      </p:childTnLst>
+                    </p:cTn>
+                  </p:par>
+                  <p:par>
+                    <p:cTn id="27" fill="hold">
+                      <p:stCondLst>
+                        <p:cond delay="indefinite"/>
+                      </p:stCondLst>
+                      <p:childTnLst>
+                        <p:par>
+                          <p:cTn id="28" fill="hold">
+                            <p:stCondLst>
+                              <p:cond delay="0"/>
+                            </p:stCondLst>
+                            <p:childTnLst>
+                              <p:par>
+                                <p:cTn id="29" presetID="1" presetClass="entr" presetSubtype="0" fill="hold" nodeType="clickEffect">
+                                  <p:stCondLst>
+                                    <p:cond delay="0"/>
+                                  </p:stCondLst>
+                                  <p:childTnLst>
+                                    <p:set>
+                                      <p:cBhvr>
+                                        <p:cTn id="30" dur="1" fill="hold">
+                                          <p:stCondLst>
+                                            <p:cond delay="0"/>
+                                          </p:stCondLst>
+                                        </p:cTn>
+                                        <p:tgtEl>
+                                          <p:spTgt spid="3">
+                                            <p:txEl>
+                                              <p:pRg st="6" end="6"/>
+                                            </p:txEl>
+                                          </p:spTgt>
+                                        </p:tgtEl>
+                                        <p:attrNameLst>
+                                          <p:attrName>style.visibility</p:attrName>
+                                        </p:attrNameLst>
+                                      </p:cBhvr>
+                                      <p:to>
+                                        <p:strVal val="visible"/>
+                                      </p:to>
+                                    </p:set>
+                                  </p:childTnLst>
+                                </p:cTn>
+                              </p:par>
+                            </p:childTnLst>
+                          </p:cTn>
+                        </p:par>
+                      </p:childTnLst>
+                    </p:cTn>
+                  </p:par>
+                  <p:par>
+                    <p:cTn id="31" fill="hold">
+                      <p:stCondLst>
+                        <p:cond delay="indefinite"/>
+                      </p:stCondLst>
+                      <p:childTnLst>
+                        <p:par>
+                          <p:cTn id="32" fill="hold">
+                            <p:stCondLst>
+                              <p:cond delay="0"/>
+                            </p:stCondLst>
+                            <p:childTnLst>
+                              <p:par>
+                                <p:cTn id="33" presetID="1" presetClass="entr" presetSubtype="0" fill="hold" grpId="0" nodeType="clickEffect">
+                                  <p:stCondLst>
+                                    <p:cond delay="0"/>
+                                  </p:stCondLst>
+                                  <p:childTnLst>
+                                    <p:set>
+                                      <p:cBhvr>
+                                        <p:cTn id="34" dur="1" fill="hold">
+                                          <p:stCondLst>
+                                            <p:cond delay="0"/>
+                                          </p:stCondLst>
+                                        </p:cTn>
+                                        <p:tgtEl>
+                                          <p:spTgt spid="5"/>
+                                        </p:tgtEl>
+                                        <p:attrNameLst>
+                                          <p:attrName>style.visibility</p:attrName>
+                                        </p:attrNameLst>
+                                      </p:cBhvr>
+                                      <p:to>
+                                        <p:strVal val="visible"/>
+                                      </p:to>
+                                    </p:set>
+                                  </p:childTnLst>
+                                </p:cTn>
+                              </p:par>
+                            </p:childTnLst>
+                          </p:cTn>
+                        </p:par>
+                      </p:childTnLst>
+                    </p:cTn>
+                  </p:par>
+                </p:childTnLst>
+              </p:cTn>
+              <p:prevCondLst>
+                <p:cond evt="onPrev" delay="0">
+                  <p:tgtEl>
+                    <p:sldTgt/>
+                  </p:tgtEl>
+                </p:cond>
+              </p:prevCondLst>
+              <p:nextCondLst>
+                <p:cond evt="onNext" delay="0">
+                  <p:tgtEl>
+                    <p:sldTgt/>
+                  </p:tgtEl>
+                </p:cond>
+              </p:nextCondLst>
+            </p:seq>
+          </p:childTnLst>
+        </p:cTn>
+      </p:par>
+    </p:tnLst>
+    <p:bldLst>
+      <p:bldP spid="5" grpId="0" animBg="1"/>
+    </p:bldLst>
+  </p:timing>
 </p:sld>
 </file>
 

--- a/Django.pptx
+++ b/Django.pptx
@@ -288,7 +288,7 @@
           <a:p>
             <a:fld id="{1C003495-8EAD-468C-81E5-5A62ACE99B5A}" type="datetimeFigureOut">
               <a:rPr lang="zh-CN" altLang="en-US" smtClean="0"/>
-              <a:t>2016/5/22</a:t>
+              <a:t>2016/5/23</a:t>
             </a:fld>
             <a:endParaRPr lang="zh-CN" altLang="en-US"/>
           </a:p>
@@ -664,11 +664,7 @@
           <a:p>
             <a:r>
               <a:rPr lang="zh-CN" altLang="en-US" dirty="0" smtClean="0"/>
-              <a:t>此外，国内比较火的豆瓣，知</a:t>
-            </a:r>
-            <a:r>
-              <a:rPr lang="zh-CN" altLang="en-US" dirty="0" smtClean="0"/>
-              <a:t>乎（</a:t>
+              <a:t>此外，国内比较火的豆瓣，知乎（</a:t>
             </a:r>
             <a:r>
               <a:rPr lang="en-US" altLang="zh-CN" dirty="0" smtClean="0"/>
@@ -676,11 +672,7 @@
             </a:r>
             <a:r>
               <a:rPr lang="zh-CN" altLang="en-US" dirty="0" smtClean="0"/>
-              <a:t>），</a:t>
-            </a:r>
-            <a:r>
-              <a:rPr lang="zh-CN" altLang="en-US" dirty="0" smtClean="0"/>
-              <a:t>国外的</a:t>
+              <a:t>），国外的</a:t>
             </a:r>
             <a:r>
               <a:rPr lang="en-US" altLang="zh-CN" dirty="0" err="1" smtClean="0"/>
@@ -1780,6 +1772,106 @@
 </p:notes>
 </file>
 
+<file path=ppt/notesSlides/notesSlide9.xml><?xml version="1.0" encoding="utf-8"?>
+<p:notes xmlns:a="http://schemas.openxmlformats.org/drawingml/2006/main" xmlns:r="http://schemas.openxmlformats.org/officeDocument/2006/relationships" xmlns:p="http://schemas.openxmlformats.org/presentationml/2006/main">
+  <p:cSld>
+    <p:spTree>
+      <p:nvGrpSpPr>
+        <p:cNvPr id="1" name=""/>
+        <p:cNvGrpSpPr/>
+        <p:nvPr/>
+      </p:nvGrpSpPr>
+      <p:grpSpPr>
+        <a:xfrm>
+          <a:off x="0" y="0"/>
+          <a:ext cx="0" cy="0"/>
+          <a:chOff x="0" y="0"/>
+          <a:chExt cx="0" cy="0"/>
+        </a:xfrm>
+      </p:grpSpPr>
+      <p:sp>
+        <p:nvSpPr>
+          <p:cNvPr id="2" name="幻灯片图像占位符 1"/>
+          <p:cNvSpPr>
+            <a:spLocks noGrp="1" noRot="1" noChangeAspect="1"/>
+          </p:cNvSpPr>
+          <p:nvPr>
+            <p:ph type="sldImg"/>
+          </p:nvPr>
+        </p:nvSpPr>
+        <p:spPr/>
+      </p:sp>
+      <p:sp>
+        <p:nvSpPr>
+          <p:cNvPr id="3" name="备注占位符 2"/>
+          <p:cNvSpPr>
+            <a:spLocks noGrp="1"/>
+          </p:cNvSpPr>
+          <p:nvPr>
+            <p:ph type="body" idx="1"/>
+          </p:nvPr>
+        </p:nvSpPr>
+        <p:spPr/>
+        <p:txBody>
+          <a:bodyPr/>
+          <a:lstStyle/>
+          <a:p>
+            <a:r>
+              <a:rPr lang="en-US" altLang="zh-CN" dirty="0" smtClean="0"/>
+              <a:t>Model</a:t>
+            </a:r>
+            <a:r>
+              <a:rPr lang="zh-CN" altLang="en-US" dirty="0" smtClean="0"/>
+              <a:t>发生更改，</a:t>
+            </a:r>
+            <a:r>
+              <a:rPr lang="en-US" altLang="zh-CN" dirty="0" err="1" smtClean="0"/>
+              <a:t>ModelForm</a:t>
+            </a:r>
+            <a:r>
+              <a:rPr lang="zh-CN" altLang="en-US" dirty="0" smtClean="0"/>
+              <a:t>自动跟着改</a:t>
+            </a:r>
+            <a:endParaRPr lang="zh-CN" altLang="en-US" dirty="0"/>
+          </a:p>
+        </p:txBody>
+      </p:sp>
+      <p:sp>
+        <p:nvSpPr>
+          <p:cNvPr id="4" name="灯片编号占位符 3"/>
+          <p:cNvSpPr>
+            <a:spLocks noGrp="1"/>
+          </p:cNvSpPr>
+          <p:nvPr>
+            <p:ph type="sldNum" sz="quarter" idx="10"/>
+          </p:nvPr>
+        </p:nvSpPr>
+        <p:spPr/>
+        <p:txBody>
+          <a:bodyPr/>
+          <a:lstStyle/>
+          <a:p>
+            <a:fld id="{E19F4402-642D-4A35-922B-32A4A2331BFF}" type="slidenum">
+              <a:rPr lang="zh-CN" altLang="en-US" smtClean="0"/>
+              <a:t>23</a:t>
+            </a:fld>
+            <a:endParaRPr lang="zh-CN" altLang="en-US"/>
+          </a:p>
+        </p:txBody>
+      </p:sp>
+    </p:spTree>
+    <p:extLst>
+      <p:ext uri="{BB962C8B-B14F-4D97-AF65-F5344CB8AC3E}">
+        <p14:creationId xmlns:p14="http://schemas.microsoft.com/office/powerpoint/2010/main" val="2388830421"/>
+      </p:ext>
+    </p:extLst>
+  </p:cSld>
+  <p:clrMapOvr>
+    <a:masterClrMapping/>
+  </p:clrMapOvr>
+</p:notes>
+</file>
+
 <file path=ppt/slideLayouts/slideLayout1.xml><?xml version="1.0" encoding="utf-8"?>
 <p:sldLayout xmlns:a="http://schemas.openxmlformats.org/drawingml/2006/main" xmlns:r="http://schemas.openxmlformats.org/officeDocument/2006/relationships" xmlns:p="http://schemas.openxmlformats.org/presentationml/2006/main" type="title" preserve="1">
   <p:cSld name="标题幻灯片">
@@ -1911,7 +2003,7 @@
           <a:p>
             <a:fld id="{153BEF76-1642-4FDC-98AB-4EF86C3CF3EC}" type="datetimeFigureOut">
               <a:rPr lang="zh-CN" altLang="en-US" smtClean="0"/>
-              <a:t>2016/5/22</a:t>
+              <a:t>2016/5/23</a:t>
             </a:fld>
             <a:endParaRPr lang="zh-CN" altLang="en-US"/>
           </a:p>
@@ -2081,7 +2173,7 @@
           <a:p>
             <a:fld id="{153BEF76-1642-4FDC-98AB-4EF86C3CF3EC}" type="datetimeFigureOut">
               <a:rPr lang="zh-CN" altLang="en-US" smtClean="0"/>
-              <a:t>2016/5/22</a:t>
+              <a:t>2016/5/23</a:t>
             </a:fld>
             <a:endParaRPr lang="zh-CN" altLang="en-US"/>
           </a:p>
@@ -2261,7 +2353,7 @@
           <a:p>
             <a:fld id="{153BEF76-1642-4FDC-98AB-4EF86C3CF3EC}" type="datetimeFigureOut">
               <a:rPr lang="zh-CN" altLang="en-US" smtClean="0"/>
-              <a:t>2016/5/22</a:t>
+              <a:t>2016/5/23</a:t>
             </a:fld>
             <a:endParaRPr lang="zh-CN" altLang="en-US"/>
           </a:p>
@@ -2431,7 +2523,7 @@
           <a:p>
             <a:fld id="{153BEF76-1642-4FDC-98AB-4EF86C3CF3EC}" type="datetimeFigureOut">
               <a:rPr lang="zh-CN" altLang="en-US" smtClean="0"/>
-              <a:t>2016/5/22</a:t>
+              <a:t>2016/5/23</a:t>
             </a:fld>
             <a:endParaRPr lang="zh-CN" altLang="en-US"/>
           </a:p>
@@ -2677,7 +2769,7 @@
           <a:p>
             <a:fld id="{153BEF76-1642-4FDC-98AB-4EF86C3CF3EC}" type="datetimeFigureOut">
               <a:rPr lang="zh-CN" altLang="en-US" smtClean="0"/>
-              <a:t>2016/5/22</a:t>
+              <a:t>2016/5/23</a:t>
             </a:fld>
             <a:endParaRPr lang="zh-CN" altLang="en-US"/>
           </a:p>
@@ -2909,7 +3001,7 @@
           <a:p>
             <a:fld id="{153BEF76-1642-4FDC-98AB-4EF86C3CF3EC}" type="datetimeFigureOut">
               <a:rPr lang="zh-CN" altLang="en-US" smtClean="0"/>
-              <a:t>2016/5/22</a:t>
+              <a:t>2016/5/23</a:t>
             </a:fld>
             <a:endParaRPr lang="zh-CN" altLang="en-US"/>
           </a:p>
@@ -3276,7 +3368,7 @@
           <a:p>
             <a:fld id="{153BEF76-1642-4FDC-98AB-4EF86C3CF3EC}" type="datetimeFigureOut">
               <a:rPr lang="zh-CN" altLang="en-US" smtClean="0"/>
-              <a:t>2016/5/22</a:t>
+              <a:t>2016/5/23</a:t>
             </a:fld>
             <a:endParaRPr lang="zh-CN" altLang="en-US"/>
           </a:p>
@@ -3394,7 +3486,7 @@
           <a:p>
             <a:fld id="{153BEF76-1642-4FDC-98AB-4EF86C3CF3EC}" type="datetimeFigureOut">
               <a:rPr lang="zh-CN" altLang="en-US" smtClean="0"/>
-              <a:t>2016/5/22</a:t>
+              <a:t>2016/5/23</a:t>
             </a:fld>
             <a:endParaRPr lang="zh-CN" altLang="en-US"/>
           </a:p>
@@ -3489,7 +3581,7 @@
           <a:p>
             <a:fld id="{153BEF76-1642-4FDC-98AB-4EF86C3CF3EC}" type="datetimeFigureOut">
               <a:rPr lang="zh-CN" altLang="en-US" smtClean="0"/>
-              <a:t>2016/5/22</a:t>
+              <a:t>2016/5/23</a:t>
             </a:fld>
             <a:endParaRPr lang="zh-CN" altLang="en-US"/>
           </a:p>
@@ -3766,7 +3858,7 @@
           <a:p>
             <a:fld id="{153BEF76-1642-4FDC-98AB-4EF86C3CF3EC}" type="datetimeFigureOut">
               <a:rPr lang="zh-CN" altLang="en-US" smtClean="0"/>
-              <a:t>2016/5/22</a:t>
+              <a:t>2016/5/23</a:t>
             </a:fld>
             <a:endParaRPr lang="zh-CN" altLang="en-US"/>
           </a:p>
@@ -4019,7 +4111,7 @@
           <a:p>
             <a:fld id="{153BEF76-1642-4FDC-98AB-4EF86C3CF3EC}" type="datetimeFigureOut">
               <a:rPr lang="zh-CN" altLang="en-US" smtClean="0"/>
-              <a:t>2016/5/22</a:t>
+              <a:t>2016/5/23</a:t>
             </a:fld>
             <a:endParaRPr lang="zh-CN" altLang="en-US"/>
           </a:p>
@@ -4232,7 +4324,7 @@
           <a:p>
             <a:fld id="{153BEF76-1642-4FDC-98AB-4EF86C3CF3EC}" type="datetimeFigureOut">
               <a:rPr lang="zh-CN" altLang="en-US" smtClean="0"/>
-              <a:t>2016/5/22</a:t>
+              <a:t>2016/5/23</a:t>
             </a:fld>
             <a:endParaRPr lang="zh-CN" altLang="en-US"/>
           </a:p>
@@ -4882,7 +4974,271 @@
   <p:timing>
     <p:tnLst>
       <p:par>
-        <p:cTn id="1" dur="indefinite" restart="never" nodeType="tmRoot"/>
+        <p:cTn id="1" dur="indefinite" restart="never" nodeType="tmRoot">
+          <p:childTnLst>
+            <p:seq concurrent="1" nextAc="seek">
+              <p:cTn id="2" dur="indefinite" nodeType="mainSeq">
+                <p:childTnLst>
+                  <p:par>
+                    <p:cTn id="3" fill="hold">
+                      <p:stCondLst>
+                        <p:cond delay="indefinite"/>
+                      </p:stCondLst>
+                      <p:childTnLst>
+                        <p:par>
+                          <p:cTn id="4" fill="hold">
+                            <p:stCondLst>
+                              <p:cond delay="0"/>
+                            </p:stCondLst>
+                            <p:childTnLst>
+                              <p:par>
+                                <p:cTn id="5" presetID="1" presetClass="entr" presetSubtype="0" fill="hold" nodeType="clickEffect">
+                                  <p:stCondLst>
+                                    <p:cond delay="0"/>
+                                  </p:stCondLst>
+                                  <p:childTnLst>
+                                    <p:set>
+                                      <p:cBhvr>
+                                        <p:cTn id="6" dur="1" fill="hold">
+                                          <p:stCondLst>
+                                            <p:cond delay="0"/>
+                                          </p:stCondLst>
+                                        </p:cTn>
+                                        <p:tgtEl>
+                                          <p:spTgt spid="3">
+                                            <p:txEl>
+                                              <p:pRg st="0" end="0"/>
+                                            </p:txEl>
+                                          </p:spTgt>
+                                        </p:tgtEl>
+                                        <p:attrNameLst>
+                                          <p:attrName>style.visibility</p:attrName>
+                                        </p:attrNameLst>
+                                      </p:cBhvr>
+                                      <p:to>
+                                        <p:strVal val="visible"/>
+                                      </p:to>
+                                    </p:set>
+                                  </p:childTnLst>
+                                </p:cTn>
+                              </p:par>
+                            </p:childTnLst>
+                          </p:cTn>
+                        </p:par>
+                      </p:childTnLst>
+                    </p:cTn>
+                  </p:par>
+                  <p:par>
+                    <p:cTn id="7" fill="hold">
+                      <p:stCondLst>
+                        <p:cond delay="indefinite"/>
+                      </p:stCondLst>
+                      <p:childTnLst>
+                        <p:par>
+                          <p:cTn id="8" fill="hold">
+                            <p:stCondLst>
+                              <p:cond delay="0"/>
+                            </p:stCondLst>
+                            <p:childTnLst>
+                              <p:par>
+                                <p:cTn id="9" presetID="1" presetClass="entr" presetSubtype="0" fill="hold" nodeType="clickEffect">
+                                  <p:stCondLst>
+                                    <p:cond delay="0"/>
+                                  </p:stCondLst>
+                                  <p:childTnLst>
+                                    <p:set>
+                                      <p:cBhvr>
+                                        <p:cTn id="10" dur="1" fill="hold">
+                                          <p:stCondLst>
+                                            <p:cond delay="0"/>
+                                          </p:stCondLst>
+                                        </p:cTn>
+                                        <p:tgtEl>
+                                          <p:spTgt spid="3">
+                                            <p:txEl>
+                                              <p:pRg st="1" end="1"/>
+                                            </p:txEl>
+                                          </p:spTgt>
+                                        </p:tgtEl>
+                                        <p:attrNameLst>
+                                          <p:attrName>style.visibility</p:attrName>
+                                        </p:attrNameLst>
+                                      </p:cBhvr>
+                                      <p:to>
+                                        <p:strVal val="visible"/>
+                                      </p:to>
+                                    </p:set>
+                                  </p:childTnLst>
+                                </p:cTn>
+                              </p:par>
+                            </p:childTnLst>
+                          </p:cTn>
+                        </p:par>
+                      </p:childTnLst>
+                    </p:cTn>
+                  </p:par>
+                  <p:par>
+                    <p:cTn id="11" fill="hold">
+                      <p:stCondLst>
+                        <p:cond delay="indefinite"/>
+                      </p:stCondLst>
+                      <p:childTnLst>
+                        <p:par>
+                          <p:cTn id="12" fill="hold">
+                            <p:stCondLst>
+                              <p:cond delay="0"/>
+                            </p:stCondLst>
+                            <p:childTnLst>
+                              <p:par>
+                                <p:cTn id="13" presetID="1" presetClass="entr" presetSubtype="0" fill="hold" nodeType="clickEffect">
+                                  <p:stCondLst>
+                                    <p:cond delay="0"/>
+                                  </p:stCondLst>
+                                  <p:childTnLst>
+                                    <p:set>
+                                      <p:cBhvr>
+                                        <p:cTn id="14" dur="1" fill="hold">
+                                          <p:stCondLst>
+                                            <p:cond delay="0"/>
+                                          </p:stCondLst>
+                                        </p:cTn>
+                                        <p:tgtEl>
+                                          <p:spTgt spid="4"/>
+                                        </p:tgtEl>
+                                        <p:attrNameLst>
+                                          <p:attrName>style.visibility</p:attrName>
+                                        </p:attrNameLst>
+                                      </p:cBhvr>
+                                      <p:to>
+                                        <p:strVal val="visible"/>
+                                      </p:to>
+                                    </p:set>
+                                  </p:childTnLst>
+                                </p:cTn>
+                              </p:par>
+                            </p:childTnLst>
+                          </p:cTn>
+                        </p:par>
+                      </p:childTnLst>
+                    </p:cTn>
+                  </p:par>
+                  <p:par>
+                    <p:cTn id="15" fill="hold">
+                      <p:stCondLst>
+                        <p:cond delay="indefinite"/>
+                      </p:stCondLst>
+                      <p:childTnLst>
+                        <p:par>
+                          <p:cTn id="16" fill="hold">
+                            <p:stCondLst>
+                              <p:cond delay="0"/>
+                            </p:stCondLst>
+                            <p:childTnLst>
+                              <p:par>
+                                <p:cTn id="17" presetID="1" presetClass="entr" presetSubtype="0" fill="hold" nodeType="clickEffect">
+                                  <p:stCondLst>
+                                    <p:cond delay="0"/>
+                                  </p:stCondLst>
+                                  <p:childTnLst>
+                                    <p:set>
+                                      <p:cBhvr>
+                                        <p:cTn id="18" dur="1" fill="hold">
+                                          <p:stCondLst>
+                                            <p:cond delay="0"/>
+                                          </p:stCondLst>
+                                        </p:cTn>
+                                        <p:tgtEl>
+                                          <p:spTgt spid="3">
+                                            <p:txEl>
+                                              <p:pRg st="2" end="2"/>
+                                            </p:txEl>
+                                          </p:spTgt>
+                                        </p:tgtEl>
+                                        <p:attrNameLst>
+                                          <p:attrName>style.visibility</p:attrName>
+                                        </p:attrNameLst>
+                                      </p:cBhvr>
+                                      <p:to>
+                                        <p:strVal val="visible"/>
+                                      </p:to>
+                                    </p:set>
+                                  </p:childTnLst>
+                                </p:cTn>
+                              </p:par>
+                            </p:childTnLst>
+                          </p:cTn>
+                        </p:par>
+                      </p:childTnLst>
+                    </p:cTn>
+                  </p:par>
+                  <p:par>
+                    <p:cTn id="19" fill="hold">
+                      <p:stCondLst>
+                        <p:cond delay="indefinite"/>
+                      </p:stCondLst>
+                      <p:childTnLst>
+                        <p:par>
+                          <p:cTn id="20" fill="hold">
+                            <p:stCondLst>
+                              <p:cond delay="0"/>
+                            </p:stCondLst>
+                            <p:childTnLst>
+                              <p:par>
+                                <p:cTn id="21" presetID="1" presetClass="entr" presetSubtype="0" fill="hold" nodeType="clickEffect">
+                                  <p:stCondLst>
+                                    <p:cond delay="0"/>
+                                  </p:stCondLst>
+                                  <p:childTnLst>
+                                    <p:set>
+                                      <p:cBhvr>
+                                        <p:cTn id="22" dur="1" fill="hold">
+                                          <p:stCondLst>
+                                            <p:cond delay="0"/>
+                                          </p:stCondLst>
+                                        </p:cTn>
+                                        <p:tgtEl>
+                                          <p:spTgt spid="3">
+                                            <p:txEl>
+                                              <p:pRg st="3" end="3"/>
+                                            </p:txEl>
+                                          </p:spTgt>
+                                        </p:tgtEl>
+                                        <p:attrNameLst>
+                                          <p:attrName>style.visibility</p:attrName>
+                                        </p:attrNameLst>
+                                      </p:cBhvr>
+                                      <p:to>
+                                        <p:strVal val="visible"/>
+                                      </p:to>
+                                    </p:set>
+                                  </p:childTnLst>
+                                </p:cTn>
+                              </p:par>
+                            </p:childTnLst>
+                          </p:cTn>
+                        </p:par>
+                      </p:childTnLst>
+                    </p:cTn>
+                  </p:par>
+                </p:childTnLst>
+              </p:cTn>
+              <p:prevCondLst>
+                <p:cond evt="onPrev" delay="0">
+                  <p:tgtEl>
+                    <p:sldTgt/>
+                  </p:tgtEl>
+                </p:cond>
+              </p:prevCondLst>
+              <p:nextCondLst>
+                <p:cond evt="onNext" delay="0">
+                  <p:tgtEl>
+                    <p:sldTgt/>
+                  </p:tgtEl>
+                </p:cond>
+              </p:nextCondLst>
+            </p:seq>
+          </p:childTnLst>
+        </p:cTn>
       </p:par>
     </p:tnLst>
   </p:timing>
@@ -5091,11 +5447,7 @@
           <a:p>
             <a:r>
               <a:rPr lang="en-US" altLang="zh-CN" dirty="0" smtClean="0"/>
-              <a:t> </a:t>
-            </a:r>
-            <a:r>
-              <a:rPr lang="en-US" altLang="zh-CN" dirty="0" smtClean="0"/>
-              <a:t>&lt;app&gt;</a:t>
+              <a:t> &lt;app&gt;</a:t>
             </a:r>
             <a:r>
               <a:rPr lang="en-US" altLang="zh-CN" dirty="0"/>
@@ -5103,17 +5455,8 @@
             </a:r>
             <a:r>
               <a:rPr lang="en-US" altLang="zh-CN" dirty="0" smtClean="0"/>
-              <a:t>urls</a:t>
-            </a:r>
-            <a:r>
-              <a:rPr lang="en-US" altLang="zh-CN" dirty="0" smtClean="0"/>
-              <a:t>.py </a:t>
-            </a:r>
-            <a:r>
-              <a:rPr lang="en-US" altLang="zh-CN" dirty="0" smtClean="0"/>
-              <a:t>   </a:t>
-            </a:r>
-            <a:endParaRPr lang="en-US" altLang="zh-CN" dirty="0" smtClean="0"/>
+              <a:t>urls.py    </a:t>
+            </a:r>
           </a:p>
           <a:p>
             <a:endParaRPr lang="en-US" altLang="zh-CN" dirty="0" smtClean="0"/>
@@ -6912,9 +7255,368 @@
   <p:timing>
     <p:tnLst>
       <p:par>
-        <p:cTn id="1" dur="indefinite" restart="never" nodeType="tmRoot"/>
+        <p:cTn id="1" dur="indefinite" restart="never" nodeType="tmRoot">
+          <p:childTnLst>
+            <p:seq concurrent="1" nextAc="seek">
+              <p:cTn id="2" dur="indefinite" nodeType="mainSeq">
+                <p:childTnLst>
+                  <p:par>
+                    <p:cTn id="3" fill="hold">
+                      <p:stCondLst>
+                        <p:cond delay="indefinite"/>
+                      </p:stCondLst>
+                      <p:childTnLst>
+                        <p:par>
+                          <p:cTn id="4" fill="hold">
+                            <p:stCondLst>
+                              <p:cond delay="0"/>
+                            </p:stCondLst>
+                            <p:childTnLst>
+                              <p:par>
+                                <p:cTn id="5" presetID="1" presetClass="entr" presetSubtype="0" fill="hold" nodeType="clickEffect">
+                                  <p:stCondLst>
+                                    <p:cond delay="0"/>
+                                  </p:stCondLst>
+                                  <p:childTnLst>
+                                    <p:set>
+                                      <p:cBhvr>
+                                        <p:cTn id="6" dur="1" fill="hold">
+                                          <p:stCondLst>
+                                            <p:cond delay="0"/>
+                                          </p:stCondLst>
+                                        </p:cTn>
+                                        <p:tgtEl>
+                                          <p:spTgt spid="3">
+                                            <p:txEl>
+                                              <p:pRg st="0" end="0"/>
+                                            </p:txEl>
+                                          </p:spTgt>
+                                        </p:tgtEl>
+                                        <p:attrNameLst>
+                                          <p:attrName>style.visibility</p:attrName>
+                                        </p:attrNameLst>
+                                      </p:cBhvr>
+                                      <p:to>
+                                        <p:strVal val="visible"/>
+                                      </p:to>
+                                    </p:set>
+                                  </p:childTnLst>
+                                </p:cTn>
+                              </p:par>
+                            </p:childTnLst>
+                          </p:cTn>
+                        </p:par>
+                      </p:childTnLst>
+                    </p:cTn>
+                  </p:par>
+                  <p:par>
+                    <p:cTn id="7" fill="hold">
+                      <p:stCondLst>
+                        <p:cond delay="indefinite"/>
+                      </p:stCondLst>
+                      <p:childTnLst>
+                        <p:par>
+                          <p:cTn id="8" fill="hold">
+                            <p:stCondLst>
+                              <p:cond delay="0"/>
+                            </p:stCondLst>
+                            <p:childTnLst>
+                              <p:par>
+                                <p:cTn id="9" presetID="1" presetClass="entr" presetSubtype="0" fill="hold" grpId="0" nodeType="clickEffect">
+                                  <p:stCondLst>
+                                    <p:cond delay="0"/>
+                                  </p:stCondLst>
+                                  <p:childTnLst>
+                                    <p:set>
+                                      <p:cBhvr>
+                                        <p:cTn id="10" dur="1" fill="hold">
+                                          <p:stCondLst>
+                                            <p:cond delay="0"/>
+                                          </p:stCondLst>
+                                        </p:cTn>
+                                        <p:tgtEl>
+                                          <p:spTgt spid="4"/>
+                                        </p:tgtEl>
+                                        <p:attrNameLst>
+                                          <p:attrName>style.visibility</p:attrName>
+                                        </p:attrNameLst>
+                                      </p:cBhvr>
+                                      <p:to>
+                                        <p:strVal val="visible"/>
+                                      </p:to>
+                                    </p:set>
+                                  </p:childTnLst>
+                                </p:cTn>
+                              </p:par>
+                            </p:childTnLst>
+                          </p:cTn>
+                        </p:par>
+                      </p:childTnLst>
+                    </p:cTn>
+                  </p:par>
+                  <p:par>
+                    <p:cTn id="11" fill="hold">
+                      <p:stCondLst>
+                        <p:cond delay="indefinite"/>
+                      </p:stCondLst>
+                      <p:childTnLst>
+                        <p:par>
+                          <p:cTn id="12" fill="hold">
+                            <p:stCondLst>
+                              <p:cond delay="0"/>
+                            </p:stCondLst>
+                            <p:childTnLst>
+                              <p:par>
+                                <p:cTn id="13" presetID="1" presetClass="entr" presetSubtype="0" fill="hold" nodeType="clickEffect">
+                                  <p:stCondLst>
+                                    <p:cond delay="0"/>
+                                  </p:stCondLst>
+                                  <p:childTnLst>
+                                    <p:set>
+                                      <p:cBhvr>
+                                        <p:cTn id="14" dur="1" fill="hold">
+                                          <p:stCondLst>
+                                            <p:cond delay="0"/>
+                                          </p:stCondLst>
+                                        </p:cTn>
+                                        <p:tgtEl>
+                                          <p:spTgt spid="3">
+                                            <p:txEl>
+                                              <p:pRg st="2" end="2"/>
+                                            </p:txEl>
+                                          </p:spTgt>
+                                        </p:tgtEl>
+                                        <p:attrNameLst>
+                                          <p:attrName>style.visibility</p:attrName>
+                                        </p:attrNameLst>
+                                      </p:cBhvr>
+                                      <p:to>
+                                        <p:strVal val="visible"/>
+                                      </p:to>
+                                    </p:set>
+                                  </p:childTnLst>
+                                </p:cTn>
+                              </p:par>
+                            </p:childTnLst>
+                          </p:cTn>
+                        </p:par>
+                      </p:childTnLst>
+                    </p:cTn>
+                  </p:par>
+                  <p:par>
+                    <p:cTn id="15" fill="hold">
+                      <p:stCondLst>
+                        <p:cond delay="indefinite"/>
+                      </p:stCondLst>
+                      <p:childTnLst>
+                        <p:par>
+                          <p:cTn id="16" fill="hold">
+                            <p:stCondLst>
+                              <p:cond delay="0"/>
+                            </p:stCondLst>
+                            <p:childTnLst>
+                              <p:par>
+                                <p:cTn id="17" presetID="1" presetClass="entr" presetSubtype="0" fill="hold" grpId="0" nodeType="clickEffect">
+                                  <p:stCondLst>
+                                    <p:cond delay="0"/>
+                                  </p:stCondLst>
+                                  <p:childTnLst>
+                                    <p:set>
+                                      <p:cBhvr>
+                                        <p:cTn id="18" dur="1" fill="hold">
+                                          <p:stCondLst>
+                                            <p:cond delay="0"/>
+                                          </p:stCondLst>
+                                        </p:cTn>
+                                        <p:tgtEl>
+                                          <p:spTgt spid="5"/>
+                                        </p:tgtEl>
+                                        <p:attrNameLst>
+                                          <p:attrName>style.visibility</p:attrName>
+                                        </p:attrNameLst>
+                                      </p:cBhvr>
+                                      <p:to>
+                                        <p:strVal val="visible"/>
+                                      </p:to>
+                                    </p:set>
+                                  </p:childTnLst>
+                                </p:cTn>
+                              </p:par>
+                            </p:childTnLst>
+                          </p:cTn>
+                        </p:par>
+                      </p:childTnLst>
+                    </p:cTn>
+                  </p:par>
+                  <p:par>
+                    <p:cTn id="19" fill="hold">
+                      <p:stCondLst>
+                        <p:cond delay="indefinite"/>
+                      </p:stCondLst>
+                      <p:childTnLst>
+                        <p:par>
+                          <p:cTn id="20" fill="hold">
+                            <p:stCondLst>
+                              <p:cond delay="0"/>
+                            </p:stCondLst>
+                            <p:childTnLst>
+                              <p:par>
+                                <p:cTn id="21" presetID="1" presetClass="entr" presetSubtype="0" fill="hold" nodeType="clickEffect">
+                                  <p:stCondLst>
+                                    <p:cond delay="0"/>
+                                  </p:stCondLst>
+                                  <p:childTnLst>
+                                    <p:set>
+                                      <p:cBhvr>
+                                        <p:cTn id="22" dur="1" fill="hold">
+                                          <p:stCondLst>
+                                            <p:cond delay="0"/>
+                                          </p:stCondLst>
+                                        </p:cTn>
+                                        <p:tgtEl>
+                                          <p:spTgt spid="3">
+                                            <p:txEl>
+                                              <p:pRg st="5" end="5"/>
+                                            </p:txEl>
+                                          </p:spTgt>
+                                        </p:tgtEl>
+                                        <p:attrNameLst>
+                                          <p:attrName>style.visibility</p:attrName>
+                                        </p:attrNameLst>
+                                      </p:cBhvr>
+                                      <p:to>
+                                        <p:strVal val="visible"/>
+                                      </p:to>
+                                    </p:set>
+                                  </p:childTnLst>
+                                </p:cTn>
+                              </p:par>
+                            </p:childTnLst>
+                          </p:cTn>
+                        </p:par>
+                      </p:childTnLst>
+                    </p:cTn>
+                  </p:par>
+                  <p:par>
+                    <p:cTn id="23" fill="hold">
+                      <p:stCondLst>
+                        <p:cond delay="indefinite"/>
+                      </p:stCondLst>
+                      <p:childTnLst>
+                        <p:par>
+                          <p:cTn id="24" fill="hold">
+                            <p:stCondLst>
+                              <p:cond delay="0"/>
+                            </p:stCondLst>
+                            <p:childTnLst>
+                              <p:par>
+                                <p:cTn id="25" presetID="1" presetClass="entr" presetSubtype="0" fill="hold" nodeType="clickEffect">
+                                  <p:stCondLst>
+                                    <p:cond delay="0"/>
+                                  </p:stCondLst>
+                                  <p:childTnLst>
+                                    <p:set>
+                                      <p:cBhvr>
+                                        <p:cTn id="26" dur="1" fill="hold">
+                                          <p:stCondLst>
+                                            <p:cond delay="0"/>
+                                          </p:stCondLst>
+                                        </p:cTn>
+                                        <p:tgtEl>
+                                          <p:spTgt spid="3">
+                                            <p:txEl>
+                                              <p:pRg st="6" end="6"/>
+                                            </p:txEl>
+                                          </p:spTgt>
+                                        </p:tgtEl>
+                                        <p:attrNameLst>
+                                          <p:attrName>style.visibility</p:attrName>
+                                        </p:attrNameLst>
+                                      </p:cBhvr>
+                                      <p:to>
+                                        <p:strVal val="visible"/>
+                                      </p:to>
+                                    </p:set>
+                                  </p:childTnLst>
+                                </p:cTn>
+                              </p:par>
+                            </p:childTnLst>
+                          </p:cTn>
+                        </p:par>
+                      </p:childTnLst>
+                    </p:cTn>
+                  </p:par>
+                  <p:par>
+                    <p:cTn id="27" fill="hold">
+                      <p:stCondLst>
+                        <p:cond delay="indefinite"/>
+                      </p:stCondLst>
+                      <p:childTnLst>
+                        <p:par>
+                          <p:cTn id="28" fill="hold">
+                            <p:stCondLst>
+                              <p:cond delay="0"/>
+                            </p:stCondLst>
+                            <p:childTnLst>
+                              <p:par>
+                                <p:cTn id="29" presetID="1" presetClass="entr" presetSubtype="0" fill="hold" grpId="0" nodeType="clickEffect">
+                                  <p:stCondLst>
+                                    <p:cond delay="0"/>
+                                  </p:stCondLst>
+                                  <p:childTnLst>
+                                    <p:set>
+                                      <p:cBhvr>
+                                        <p:cTn id="30" dur="1" fill="hold">
+                                          <p:stCondLst>
+                                            <p:cond delay="0"/>
+                                          </p:stCondLst>
+                                        </p:cTn>
+                                        <p:tgtEl>
+                                          <p:spTgt spid="7"/>
+                                        </p:tgtEl>
+                                        <p:attrNameLst>
+                                          <p:attrName>style.visibility</p:attrName>
+                                        </p:attrNameLst>
+                                      </p:cBhvr>
+                                      <p:to>
+                                        <p:strVal val="visible"/>
+                                      </p:to>
+                                    </p:set>
+                                  </p:childTnLst>
+                                </p:cTn>
+                              </p:par>
+                            </p:childTnLst>
+                          </p:cTn>
+                        </p:par>
+                      </p:childTnLst>
+                    </p:cTn>
+                  </p:par>
+                </p:childTnLst>
+              </p:cTn>
+              <p:prevCondLst>
+                <p:cond evt="onPrev" delay="0">
+                  <p:tgtEl>
+                    <p:sldTgt/>
+                  </p:tgtEl>
+                </p:cond>
+              </p:prevCondLst>
+              <p:nextCondLst>
+                <p:cond evt="onNext" delay="0">
+                  <p:tgtEl>
+                    <p:sldTgt/>
+                  </p:tgtEl>
+                </p:cond>
+              </p:nextCondLst>
+            </p:seq>
+          </p:childTnLst>
+        </p:cTn>
       </p:par>
     </p:tnLst>
+    <p:bldLst>
+      <p:bldP spid="4" grpId="0" animBg="1"/>
+      <p:bldP spid="5" grpId="0" animBg="1"/>
+      <p:bldP spid="7" grpId="0" animBg="1"/>
+    </p:bldLst>
   </p:timing>
 </p:sld>
 </file>
@@ -8668,9 +9370,515 @@
   <p:timing>
     <p:tnLst>
       <p:par>
-        <p:cTn id="1" dur="indefinite" restart="never" nodeType="tmRoot"/>
+        <p:cTn id="1" dur="indefinite" restart="never" nodeType="tmRoot">
+          <p:childTnLst>
+            <p:seq concurrent="1" nextAc="seek">
+              <p:cTn id="2" dur="indefinite" nodeType="mainSeq">
+                <p:childTnLst>
+                  <p:par>
+                    <p:cTn id="3" fill="hold">
+                      <p:stCondLst>
+                        <p:cond delay="indefinite"/>
+                      </p:stCondLst>
+                      <p:childTnLst>
+                        <p:par>
+                          <p:cTn id="4" fill="hold">
+                            <p:stCondLst>
+                              <p:cond delay="0"/>
+                            </p:stCondLst>
+                            <p:childTnLst>
+                              <p:par>
+                                <p:cTn id="5" presetID="1" presetClass="entr" presetSubtype="0" fill="hold" nodeType="clickEffect">
+                                  <p:stCondLst>
+                                    <p:cond delay="0"/>
+                                  </p:stCondLst>
+                                  <p:childTnLst>
+                                    <p:set>
+                                      <p:cBhvr>
+                                        <p:cTn id="6" dur="1" fill="hold">
+                                          <p:stCondLst>
+                                            <p:cond delay="0"/>
+                                          </p:stCondLst>
+                                        </p:cTn>
+                                        <p:tgtEl>
+                                          <p:spTgt spid="3">
+                                            <p:txEl>
+                                              <p:pRg st="0" end="0"/>
+                                            </p:txEl>
+                                          </p:spTgt>
+                                        </p:tgtEl>
+                                        <p:attrNameLst>
+                                          <p:attrName>style.visibility</p:attrName>
+                                        </p:attrNameLst>
+                                      </p:cBhvr>
+                                      <p:to>
+                                        <p:strVal val="visible"/>
+                                      </p:to>
+                                    </p:set>
+                                  </p:childTnLst>
+                                </p:cTn>
+                              </p:par>
+                            </p:childTnLst>
+                          </p:cTn>
+                        </p:par>
+                      </p:childTnLst>
+                    </p:cTn>
+                  </p:par>
+                  <p:par>
+                    <p:cTn id="7" fill="hold">
+                      <p:stCondLst>
+                        <p:cond delay="indefinite"/>
+                      </p:stCondLst>
+                      <p:childTnLst>
+                        <p:par>
+                          <p:cTn id="8" fill="hold">
+                            <p:stCondLst>
+                              <p:cond delay="0"/>
+                            </p:stCondLst>
+                            <p:childTnLst>
+                              <p:par>
+                                <p:cTn id="9" presetID="1" presetClass="entr" presetSubtype="0" fill="hold" nodeType="clickEffect">
+                                  <p:stCondLst>
+                                    <p:cond delay="0"/>
+                                  </p:stCondLst>
+                                  <p:childTnLst>
+                                    <p:set>
+                                      <p:cBhvr>
+                                        <p:cTn id="10" dur="1" fill="hold">
+                                          <p:stCondLst>
+                                            <p:cond delay="0"/>
+                                          </p:stCondLst>
+                                        </p:cTn>
+                                        <p:tgtEl>
+                                          <p:spTgt spid="3">
+                                            <p:txEl>
+                                              <p:pRg st="1" end="1"/>
+                                            </p:txEl>
+                                          </p:spTgt>
+                                        </p:tgtEl>
+                                        <p:attrNameLst>
+                                          <p:attrName>style.visibility</p:attrName>
+                                        </p:attrNameLst>
+                                      </p:cBhvr>
+                                      <p:to>
+                                        <p:strVal val="visible"/>
+                                      </p:to>
+                                    </p:set>
+                                  </p:childTnLst>
+                                </p:cTn>
+                              </p:par>
+                            </p:childTnLst>
+                          </p:cTn>
+                        </p:par>
+                      </p:childTnLst>
+                    </p:cTn>
+                  </p:par>
+                  <p:par>
+                    <p:cTn id="11" fill="hold">
+                      <p:stCondLst>
+                        <p:cond delay="indefinite"/>
+                      </p:stCondLst>
+                      <p:childTnLst>
+                        <p:par>
+                          <p:cTn id="12" fill="hold">
+                            <p:stCondLst>
+                              <p:cond delay="0"/>
+                            </p:stCondLst>
+                            <p:childTnLst>
+                              <p:par>
+                                <p:cTn id="13" presetID="1" presetClass="entr" presetSubtype="0" fill="hold" nodeType="clickEffect">
+                                  <p:stCondLst>
+                                    <p:cond delay="0"/>
+                                  </p:stCondLst>
+                                  <p:childTnLst>
+                                    <p:set>
+                                      <p:cBhvr>
+                                        <p:cTn id="14" dur="1" fill="hold">
+                                          <p:stCondLst>
+                                            <p:cond delay="0"/>
+                                          </p:stCondLst>
+                                        </p:cTn>
+                                        <p:tgtEl>
+                                          <p:spTgt spid="3">
+                                            <p:txEl>
+                                              <p:pRg st="2" end="2"/>
+                                            </p:txEl>
+                                          </p:spTgt>
+                                        </p:tgtEl>
+                                        <p:attrNameLst>
+                                          <p:attrName>style.visibility</p:attrName>
+                                        </p:attrNameLst>
+                                      </p:cBhvr>
+                                      <p:to>
+                                        <p:strVal val="visible"/>
+                                      </p:to>
+                                    </p:set>
+                                  </p:childTnLst>
+                                </p:cTn>
+                              </p:par>
+                            </p:childTnLst>
+                          </p:cTn>
+                        </p:par>
+                      </p:childTnLst>
+                    </p:cTn>
+                  </p:par>
+                  <p:par>
+                    <p:cTn id="15" fill="hold">
+                      <p:stCondLst>
+                        <p:cond delay="indefinite"/>
+                      </p:stCondLst>
+                      <p:childTnLst>
+                        <p:par>
+                          <p:cTn id="16" fill="hold">
+                            <p:stCondLst>
+                              <p:cond delay="0"/>
+                            </p:stCondLst>
+                            <p:childTnLst>
+                              <p:par>
+                                <p:cTn id="17" presetID="1" presetClass="entr" presetSubtype="0" fill="hold" grpId="0" nodeType="clickEffect">
+                                  <p:stCondLst>
+                                    <p:cond delay="0"/>
+                                  </p:stCondLst>
+                                  <p:childTnLst>
+                                    <p:set>
+                                      <p:cBhvr>
+                                        <p:cTn id="18" dur="1" fill="hold">
+                                          <p:stCondLst>
+                                            <p:cond delay="0"/>
+                                          </p:stCondLst>
+                                        </p:cTn>
+                                        <p:tgtEl>
+                                          <p:spTgt spid="6"/>
+                                        </p:tgtEl>
+                                        <p:attrNameLst>
+                                          <p:attrName>style.visibility</p:attrName>
+                                        </p:attrNameLst>
+                                      </p:cBhvr>
+                                      <p:to>
+                                        <p:strVal val="visible"/>
+                                      </p:to>
+                                    </p:set>
+                                  </p:childTnLst>
+                                </p:cTn>
+                              </p:par>
+                            </p:childTnLst>
+                          </p:cTn>
+                        </p:par>
+                      </p:childTnLst>
+                    </p:cTn>
+                  </p:par>
+                  <p:par>
+                    <p:cTn id="19" fill="hold">
+                      <p:stCondLst>
+                        <p:cond delay="indefinite"/>
+                      </p:stCondLst>
+                      <p:childTnLst>
+                        <p:par>
+                          <p:cTn id="20" fill="hold">
+                            <p:stCondLst>
+                              <p:cond delay="0"/>
+                            </p:stCondLst>
+                            <p:childTnLst>
+                              <p:par>
+                                <p:cTn id="21" presetID="1" presetClass="entr" presetSubtype="0" fill="hold" nodeType="clickEffect">
+                                  <p:stCondLst>
+                                    <p:cond delay="0"/>
+                                  </p:stCondLst>
+                                  <p:childTnLst>
+                                    <p:set>
+                                      <p:cBhvr>
+                                        <p:cTn id="22" dur="1" fill="hold">
+                                          <p:stCondLst>
+                                            <p:cond delay="0"/>
+                                          </p:stCondLst>
+                                        </p:cTn>
+                                        <p:tgtEl>
+                                          <p:spTgt spid="3">
+                                            <p:txEl>
+                                              <p:pRg st="3" end="3"/>
+                                            </p:txEl>
+                                          </p:spTgt>
+                                        </p:tgtEl>
+                                        <p:attrNameLst>
+                                          <p:attrName>style.visibility</p:attrName>
+                                        </p:attrNameLst>
+                                      </p:cBhvr>
+                                      <p:to>
+                                        <p:strVal val="visible"/>
+                                      </p:to>
+                                    </p:set>
+                                  </p:childTnLst>
+                                </p:cTn>
+                              </p:par>
+                            </p:childTnLst>
+                          </p:cTn>
+                        </p:par>
+                      </p:childTnLst>
+                    </p:cTn>
+                  </p:par>
+                  <p:par>
+                    <p:cTn id="23" fill="hold">
+                      <p:stCondLst>
+                        <p:cond delay="indefinite"/>
+                      </p:stCondLst>
+                      <p:childTnLst>
+                        <p:par>
+                          <p:cTn id="24" fill="hold">
+                            <p:stCondLst>
+                              <p:cond delay="0"/>
+                            </p:stCondLst>
+                            <p:childTnLst>
+                              <p:par>
+                                <p:cTn id="25" presetID="1" presetClass="entr" presetSubtype="0" fill="hold" nodeType="clickEffect">
+                                  <p:stCondLst>
+                                    <p:cond delay="0"/>
+                                  </p:stCondLst>
+                                  <p:childTnLst>
+                                    <p:set>
+                                      <p:cBhvr>
+                                        <p:cTn id="26" dur="1" fill="hold">
+                                          <p:stCondLst>
+                                            <p:cond delay="0"/>
+                                          </p:stCondLst>
+                                        </p:cTn>
+                                        <p:tgtEl>
+                                          <p:spTgt spid="3">
+                                            <p:txEl>
+                                              <p:pRg st="4" end="4"/>
+                                            </p:txEl>
+                                          </p:spTgt>
+                                        </p:tgtEl>
+                                        <p:attrNameLst>
+                                          <p:attrName>style.visibility</p:attrName>
+                                        </p:attrNameLst>
+                                      </p:cBhvr>
+                                      <p:to>
+                                        <p:strVal val="visible"/>
+                                      </p:to>
+                                    </p:set>
+                                  </p:childTnLst>
+                                </p:cTn>
+                              </p:par>
+                            </p:childTnLst>
+                          </p:cTn>
+                        </p:par>
+                      </p:childTnLst>
+                    </p:cTn>
+                  </p:par>
+                  <p:par>
+                    <p:cTn id="27" fill="hold">
+                      <p:stCondLst>
+                        <p:cond delay="indefinite"/>
+                      </p:stCondLst>
+                      <p:childTnLst>
+                        <p:par>
+                          <p:cTn id="28" fill="hold">
+                            <p:stCondLst>
+                              <p:cond delay="0"/>
+                            </p:stCondLst>
+                            <p:childTnLst>
+                              <p:par>
+                                <p:cTn id="29" presetID="1" presetClass="entr" presetSubtype="0" fill="hold" grpId="0" nodeType="clickEffect">
+                                  <p:stCondLst>
+                                    <p:cond delay="0"/>
+                                  </p:stCondLst>
+                                  <p:childTnLst>
+                                    <p:set>
+                                      <p:cBhvr>
+                                        <p:cTn id="30" dur="1" fill="hold">
+                                          <p:stCondLst>
+                                            <p:cond delay="0"/>
+                                          </p:stCondLst>
+                                        </p:cTn>
+                                        <p:tgtEl>
+                                          <p:spTgt spid="7"/>
+                                        </p:tgtEl>
+                                        <p:attrNameLst>
+                                          <p:attrName>style.visibility</p:attrName>
+                                        </p:attrNameLst>
+                                      </p:cBhvr>
+                                      <p:to>
+                                        <p:strVal val="visible"/>
+                                      </p:to>
+                                    </p:set>
+                                  </p:childTnLst>
+                                </p:cTn>
+                              </p:par>
+                            </p:childTnLst>
+                          </p:cTn>
+                        </p:par>
+                      </p:childTnLst>
+                    </p:cTn>
+                  </p:par>
+                  <p:par>
+                    <p:cTn id="31" fill="hold">
+                      <p:stCondLst>
+                        <p:cond delay="indefinite"/>
+                      </p:stCondLst>
+                      <p:childTnLst>
+                        <p:par>
+                          <p:cTn id="32" fill="hold">
+                            <p:stCondLst>
+                              <p:cond delay="0"/>
+                            </p:stCondLst>
+                            <p:childTnLst>
+                              <p:par>
+                                <p:cTn id="33" presetID="1" presetClass="entr" presetSubtype="0" fill="hold" grpId="0" nodeType="clickEffect">
+                                  <p:stCondLst>
+                                    <p:cond delay="0"/>
+                                  </p:stCondLst>
+                                  <p:childTnLst>
+                                    <p:set>
+                                      <p:cBhvr>
+                                        <p:cTn id="34" dur="1" fill="hold">
+                                          <p:stCondLst>
+                                            <p:cond delay="0"/>
+                                          </p:stCondLst>
+                                        </p:cTn>
+                                        <p:tgtEl>
+                                          <p:spTgt spid="8"/>
+                                        </p:tgtEl>
+                                        <p:attrNameLst>
+                                          <p:attrName>style.visibility</p:attrName>
+                                        </p:attrNameLst>
+                                      </p:cBhvr>
+                                      <p:to>
+                                        <p:strVal val="visible"/>
+                                      </p:to>
+                                    </p:set>
+                                  </p:childTnLst>
+                                </p:cTn>
+                              </p:par>
+                            </p:childTnLst>
+                          </p:cTn>
+                        </p:par>
+                      </p:childTnLst>
+                    </p:cTn>
+                  </p:par>
+                  <p:par>
+                    <p:cTn id="35" fill="hold">
+                      <p:stCondLst>
+                        <p:cond delay="indefinite"/>
+                      </p:stCondLst>
+                      <p:childTnLst>
+                        <p:par>
+                          <p:cTn id="36" fill="hold">
+                            <p:stCondLst>
+                              <p:cond delay="0"/>
+                            </p:stCondLst>
+                            <p:childTnLst>
+                              <p:par>
+                                <p:cTn id="37" presetID="1" presetClass="entr" presetSubtype="0" fill="hold" nodeType="clickEffect">
+                                  <p:stCondLst>
+                                    <p:cond delay="0"/>
+                                  </p:stCondLst>
+                                  <p:childTnLst>
+                                    <p:set>
+                                      <p:cBhvr>
+                                        <p:cTn id="38" dur="1" fill="hold">
+                                          <p:stCondLst>
+                                            <p:cond delay="0"/>
+                                          </p:stCondLst>
+                                        </p:cTn>
+                                        <p:tgtEl>
+                                          <p:spTgt spid="3">
+                                            <p:txEl>
+                                              <p:pRg st="6" end="6"/>
+                                            </p:txEl>
+                                          </p:spTgt>
+                                        </p:tgtEl>
+                                        <p:attrNameLst>
+                                          <p:attrName>style.visibility</p:attrName>
+                                        </p:attrNameLst>
+                                      </p:cBhvr>
+                                      <p:to>
+                                        <p:strVal val="visible"/>
+                                      </p:to>
+                                    </p:set>
+                                  </p:childTnLst>
+                                </p:cTn>
+                              </p:par>
+                            </p:childTnLst>
+                          </p:cTn>
+                        </p:par>
+                      </p:childTnLst>
+                    </p:cTn>
+                  </p:par>
+                  <p:par>
+                    <p:cTn id="39" fill="hold">
+                      <p:stCondLst>
+                        <p:cond delay="indefinite"/>
+                      </p:stCondLst>
+                      <p:childTnLst>
+                        <p:par>
+                          <p:cTn id="40" fill="hold">
+                            <p:stCondLst>
+                              <p:cond delay="0"/>
+                            </p:stCondLst>
+                            <p:childTnLst>
+                              <p:par>
+                                <p:cTn id="41" presetID="1" presetClass="entr" presetSubtype="0" fill="hold" nodeType="clickEffect">
+                                  <p:stCondLst>
+                                    <p:cond delay="0"/>
+                                  </p:stCondLst>
+                                  <p:childTnLst>
+                                    <p:set>
+                                      <p:cBhvr>
+                                        <p:cTn id="42" dur="1" fill="hold">
+                                          <p:stCondLst>
+                                            <p:cond delay="0"/>
+                                          </p:stCondLst>
+                                        </p:cTn>
+                                        <p:tgtEl>
+                                          <p:spTgt spid="3">
+                                            <p:txEl>
+                                              <p:pRg st="7" end="7"/>
+                                            </p:txEl>
+                                          </p:spTgt>
+                                        </p:tgtEl>
+                                        <p:attrNameLst>
+                                          <p:attrName>style.visibility</p:attrName>
+                                        </p:attrNameLst>
+                                      </p:cBhvr>
+                                      <p:to>
+                                        <p:strVal val="visible"/>
+                                      </p:to>
+                                    </p:set>
+                                  </p:childTnLst>
+                                </p:cTn>
+                              </p:par>
+                            </p:childTnLst>
+                          </p:cTn>
+                        </p:par>
+                      </p:childTnLst>
+                    </p:cTn>
+                  </p:par>
+                </p:childTnLst>
+              </p:cTn>
+              <p:prevCondLst>
+                <p:cond evt="onPrev" delay="0">
+                  <p:tgtEl>
+                    <p:sldTgt/>
+                  </p:tgtEl>
+                </p:cond>
+              </p:prevCondLst>
+              <p:nextCondLst>
+                <p:cond evt="onNext" delay="0">
+                  <p:tgtEl>
+                    <p:sldTgt/>
+                  </p:tgtEl>
+                </p:cond>
+              </p:nextCondLst>
+            </p:seq>
+          </p:childTnLst>
+        </p:cTn>
       </p:par>
     </p:tnLst>
+    <p:bldLst>
+      <p:bldP spid="6" grpId="0" animBg="1"/>
+      <p:bldP spid="7" grpId="0" animBg="1"/>
+      <p:bldP spid="8" grpId="0" animBg="1"/>
+    </p:bldLst>
   </p:timing>
 </p:sld>
 </file>
@@ -8772,6 +9980,13 @@
   <p:clrMapOvr>
     <a:masterClrMapping/>
   </p:clrMapOvr>
+  <p:timing>
+    <p:tnLst>
+      <p:par>
+        <p:cTn id="1" dur="indefinite" restart="never" nodeType="tmRoot"/>
+      </p:par>
+    </p:tnLst>
+  </p:timing>
 </p:sld>
 </file>
 
@@ -10665,6 +11880,370 @@
   <p:clrMapOvr>
     <a:masterClrMapping/>
   </p:clrMapOvr>
+  <p:timing>
+    <p:tnLst>
+      <p:par>
+        <p:cTn id="1" dur="indefinite" restart="never" nodeType="tmRoot">
+          <p:childTnLst>
+            <p:seq concurrent="1" nextAc="seek">
+              <p:cTn id="2" dur="indefinite" nodeType="mainSeq">
+                <p:childTnLst>
+                  <p:par>
+                    <p:cTn id="3" fill="hold">
+                      <p:stCondLst>
+                        <p:cond delay="indefinite"/>
+                      </p:stCondLst>
+                      <p:childTnLst>
+                        <p:par>
+                          <p:cTn id="4" fill="hold">
+                            <p:stCondLst>
+                              <p:cond delay="0"/>
+                            </p:stCondLst>
+                            <p:childTnLst>
+                              <p:par>
+                                <p:cTn id="5" presetID="1" presetClass="entr" presetSubtype="0" fill="hold" nodeType="clickEffect">
+                                  <p:stCondLst>
+                                    <p:cond delay="0"/>
+                                  </p:stCondLst>
+                                  <p:childTnLst>
+                                    <p:set>
+                                      <p:cBhvr>
+                                        <p:cTn id="6" dur="1" fill="hold">
+                                          <p:stCondLst>
+                                            <p:cond delay="0"/>
+                                          </p:stCondLst>
+                                        </p:cTn>
+                                        <p:tgtEl>
+                                          <p:spTgt spid="3">
+                                            <p:txEl>
+                                              <p:pRg st="0" end="0"/>
+                                            </p:txEl>
+                                          </p:spTgt>
+                                        </p:tgtEl>
+                                        <p:attrNameLst>
+                                          <p:attrName>style.visibility</p:attrName>
+                                        </p:attrNameLst>
+                                      </p:cBhvr>
+                                      <p:to>
+                                        <p:strVal val="visible"/>
+                                      </p:to>
+                                    </p:set>
+                                  </p:childTnLst>
+                                </p:cTn>
+                              </p:par>
+                            </p:childTnLst>
+                          </p:cTn>
+                        </p:par>
+                      </p:childTnLst>
+                    </p:cTn>
+                  </p:par>
+                  <p:par>
+                    <p:cTn id="7" fill="hold">
+                      <p:stCondLst>
+                        <p:cond delay="indefinite"/>
+                      </p:stCondLst>
+                      <p:childTnLst>
+                        <p:par>
+                          <p:cTn id="8" fill="hold">
+                            <p:stCondLst>
+                              <p:cond delay="0"/>
+                            </p:stCondLst>
+                            <p:childTnLst>
+                              <p:par>
+                                <p:cTn id="9" presetID="1" presetClass="entr" presetSubtype="0" fill="hold" grpId="0" nodeType="clickEffect">
+                                  <p:stCondLst>
+                                    <p:cond delay="0"/>
+                                  </p:stCondLst>
+                                  <p:childTnLst>
+                                    <p:set>
+                                      <p:cBhvr>
+                                        <p:cTn id="10" dur="1" fill="hold">
+                                          <p:stCondLst>
+                                            <p:cond delay="0"/>
+                                          </p:stCondLst>
+                                        </p:cTn>
+                                        <p:tgtEl>
+                                          <p:spTgt spid="5"/>
+                                        </p:tgtEl>
+                                        <p:attrNameLst>
+                                          <p:attrName>style.visibility</p:attrName>
+                                        </p:attrNameLst>
+                                      </p:cBhvr>
+                                      <p:to>
+                                        <p:strVal val="visible"/>
+                                      </p:to>
+                                    </p:set>
+                                  </p:childTnLst>
+                                </p:cTn>
+                              </p:par>
+                            </p:childTnLst>
+                          </p:cTn>
+                        </p:par>
+                      </p:childTnLst>
+                    </p:cTn>
+                  </p:par>
+                  <p:par>
+                    <p:cTn id="11" fill="hold">
+                      <p:stCondLst>
+                        <p:cond delay="indefinite"/>
+                      </p:stCondLst>
+                      <p:childTnLst>
+                        <p:par>
+                          <p:cTn id="12" fill="hold">
+                            <p:stCondLst>
+                              <p:cond delay="0"/>
+                            </p:stCondLst>
+                            <p:childTnLst>
+                              <p:par>
+                                <p:cTn id="13" presetID="1" presetClass="entr" presetSubtype="0" fill="hold" nodeType="clickEffect">
+                                  <p:stCondLst>
+                                    <p:cond delay="0"/>
+                                  </p:stCondLst>
+                                  <p:childTnLst>
+                                    <p:set>
+                                      <p:cBhvr>
+                                        <p:cTn id="14" dur="1" fill="hold">
+                                          <p:stCondLst>
+                                            <p:cond delay="0"/>
+                                          </p:stCondLst>
+                                        </p:cTn>
+                                        <p:tgtEl>
+                                          <p:spTgt spid="3">
+                                            <p:txEl>
+                                              <p:pRg st="1" end="1"/>
+                                            </p:txEl>
+                                          </p:spTgt>
+                                        </p:tgtEl>
+                                        <p:attrNameLst>
+                                          <p:attrName>style.visibility</p:attrName>
+                                        </p:attrNameLst>
+                                      </p:cBhvr>
+                                      <p:to>
+                                        <p:strVal val="visible"/>
+                                      </p:to>
+                                    </p:set>
+                                  </p:childTnLst>
+                                </p:cTn>
+                              </p:par>
+                            </p:childTnLst>
+                          </p:cTn>
+                        </p:par>
+                      </p:childTnLst>
+                    </p:cTn>
+                  </p:par>
+                  <p:par>
+                    <p:cTn id="15" fill="hold">
+                      <p:stCondLst>
+                        <p:cond delay="indefinite"/>
+                      </p:stCondLst>
+                      <p:childTnLst>
+                        <p:par>
+                          <p:cTn id="16" fill="hold">
+                            <p:stCondLst>
+                              <p:cond delay="0"/>
+                            </p:stCondLst>
+                            <p:childTnLst>
+                              <p:par>
+                                <p:cTn id="17" presetID="1" presetClass="entr" presetSubtype="0" fill="hold" nodeType="clickEffect">
+                                  <p:stCondLst>
+                                    <p:cond delay="0"/>
+                                  </p:stCondLst>
+                                  <p:childTnLst>
+                                    <p:set>
+                                      <p:cBhvr>
+                                        <p:cTn id="18" dur="1" fill="hold">
+                                          <p:stCondLst>
+                                            <p:cond delay="0"/>
+                                          </p:stCondLst>
+                                        </p:cTn>
+                                        <p:tgtEl>
+                                          <p:spTgt spid="3">
+                                            <p:txEl>
+                                              <p:pRg st="2" end="2"/>
+                                            </p:txEl>
+                                          </p:spTgt>
+                                        </p:tgtEl>
+                                        <p:attrNameLst>
+                                          <p:attrName>style.visibility</p:attrName>
+                                        </p:attrNameLst>
+                                      </p:cBhvr>
+                                      <p:to>
+                                        <p:strVal val="visible"/>
+                                      </p:to>
+                                    </p:set>
+                                  </p:childTnLst>
+                                </p:cTn>
+                              </p:par>
+                              <p:par>
+                                <p:cTn id="19" presetID="1" presetClass="entr" presetSubtype="0" fill="hold" nodeType="withEffect">
+                                  <p:stCondLst>
+                                    <p:cond delay="0"/>
+                                  </p:stCondLst>
+                                  <p:childTnLst>
+                                    <p:set>
+                                      <p:cBhvr>
+                                        <p:cTn id="20" dur="1" fill="hold">
+                                          <p:stCondLst>
+                                            <p:cond delay="0"/>
+                                          </p:stCondLst>
+                                        </p:cTn>
+                                        <p:tgtEl>
+                                          <p:spTgt spid="3">
+                                            <p:txEl>
+                                              <p:pRg st="3" end="3"/>
+                                            </p:txEl>
+                                          </p:spTgt>
+                                        </p:tgtEl>
+                                        <p:attrNameLst>
+                                          <p:attrName>style.visibility</p:attrName>
+                                        </p:attrNameLst>
+                                      </p:cBhvr>
+                                      <p:to>
+                                        <p:strVal val="visible"/>
+                                      </p:to>
+                                    </p:set>
+                                  </p:childTnLst>
+                                </p:cTn>
+                              </p:par>
+                              <p:par>
+                                <p:cTn id="21" presetID="1" presetClass="entr" presetSubtype="0" fill="hold" nodeType="withEffect">
+                                  <p:stCondLst>
+                                    <p:cond delay="0"/>
+                                  </p:stCondLst>
+                                  <p:childTnLst>
+                                    <p:set>
+                                      <p:cBhvr>
+                                        <p:cTn id="22" dur="1" fill="hold">
+                                          <p:stCondLst>
+                                            <p:cond delay="0"/>
+                                          </p:stCondLst>
+                                        </p:cTn>
+                                        <p:tgtEl>
+                                          <p:spTgt spid="3">
+                                            <p:txEl>
+                                              <p:pRg st="4" end="4"/>
+                                            </p:txEl>
+                                          </p:spTgt>
+                                        </p:tgtEl>
+                                        <p:attrNameLst>
+                                          <p:attrName>style.visibility</p:attrName>
+                                        </p:attrNameLst>
+                                      </p:cBhvr>
+                                      <p:to>
+                                        <p:strVal val="visible"/>
+                                      </p:to>
+                                    </p:set>
+                                  </p:childTnLst>
+                                </p:cTn>
+                              </p:par>
+                              <p:par>
+                                <p:cTn id="23" presetID="1" presetClass="entr" presetSubtype="0" fill="hold" nodeType="withEffect">
+                                  <p:stCondLst>
+                                    <p:cond delay="0"/>
+                                  </p:stCondLst>
+                                  <p:childTnLst>
+                                    <p:set>
+                                      <p:cBhvr>
+                                        <p:cTn id="24" dur="1" fill="hold">
+                                          <p:stCondLst>
+                                            <p:cond delay="0"/>
+                                          </p:stCondLst>
+                                        </p:cTn>
+                                        <p:tgtEl>
+                                          <p:spTgt spid="3">
+                                            <p:txEl>
+                                              <p:pRg st="5" end="5"/>
+                                            </p:txEl>
+                                          </p:spTgt>
+                                        </p:tgtEl>
+                                        <p:attrNameLst>
+                                          <p:attrName>style.visibility</p:attrName>
+                                        </p:attrNameLst>
+                                      </p:cBhvr>
+                                      <p:to>
+                                        <p:strVal val="visible"/>
+                                      </p:to>
+                                    </p:set>
+                                  </p:childTnLst>
+                                </p:cTn>
+                              </p:par>
+                            </p:childTnLst>
+                          </p:cTn>
+                        </p:par>
+                      </p:childTnLst>
+                    </p:cTn>
+                  </p:par>
+                  <p:par>
+                    <p:cTn id="25" fill="hold">
+                      <p:stCondLst>
+                        <p:cond delay="indefinite"/>
+                      </p:stCondLst>
+                      <p:childTnLst>
+                        <p:par>
+                          <p:cTn id="26" fill="hold">
+                            <p:stCondLst>
+                              <p:cond delay="0"/>
+                            </p:stCondLst>
+                            <p:childTnLst>
+                              <p:par>
+                                <p:cTn id="27" presetID="1" presetClass="entr" presetSubtype="0" fill="hold" grpId="0" nodeType="clickEffect">
+                                  <p:stCondLst>
+                                    <p:cond delay="0"/>
+                                  </p:stCondLst>
+                                  <p:childTnLst>
+                                    <p:set>
+                                      <p:cBhvr>
+                                        <p:cTn id="28" dur="1" fill="hold">
+                                          <p:stCondLst>
+                                            <p:cond delay="0"/>
+                                          </p:stCondLst>
+                                        </p:cTn>
+                                        <p:tgtEl>
+                                          <p:spTgt spid="4"/>
+                                        </p:tgtEl>
+                                        <p:attrNameLst>
+                                          <p:attrName>style.visibility</p:attrName>
+                                        </p:attrNameLst>
+                                      </p:cBhvr>
+                                      <p:to>
+                                        <p:strVal val="visible"/>
+                                      </p:to>
+                                    </p:set>
+                                  </p:childTnLst>
+                                </p:cTn>
+                              </p:par>
+                            </p:childTnLst>
+                          </p:cTn>
+                        </p:par>
+                      </p:childTnLst>
+                    </p:cTn>
+                  </p:par>
+                </p:childTnLst>
+              </p:cTn>
+              <p:prevCondLst>
+                <p:cond evt="onPrev" delay="0">
+                  <p:tgtEl>
+                    <p:sldTgt/>
+                  </p:tgtEl>
+                </p:cond>
+              </p:prevCondLst>
+              <p:nextCondLst>
+                <p:cond evt="onNext" delay="0">
+                  <p:tgtEl>
+                    <p:sldTgt/>
+                  </p:tgtEl>
+                </p:cond>
+              </p:nextCondLst>
+            </p:seq>
+          </p:childTnLst>
+        </p:cTn>
+      </p:par>
+    </p:tnLst>
+    <p:bldLst>
+      <p:bldP spid="4" grpId="0" animBg="1"/>
+      <p:bldP spid="5" grpId="0" animBg="1"/>
+    </p:bldLst>
+  </p:timing>
 </p:sld>
 </file>
 
@@ -10808,7 +12387,177 @@
   <p:timing>
     <p:tnLst>
       <p:par>
-        <p:cTn id="1" dur="indefinite" restart="never" nodeType="tmRoot"/>
+        <p:cTn id="1" dur="indefinite" restart="never" nodeType="tmRoot">
+          <p:childTnLst>
+            <p:seq concurrent="1" nextAc="seek">
+              <p:cTn id="2" dur="indefinite" nodeType="mainSeq">
+                <p:childTnLst>
+                  <p:par>
+                    <p:cTn id="3" fill="hold">
+                      <p:stCondLst>
+                        <p:cond delay="indefinite"/>
+                      </p:stCondLst>
+                      <p:childTnLst>
+                        <p:par>
+                          <p:cTn id="4" fill="hold">
+                            <p:stCondLst>
+                              <p:cond delay="0"/>
+                            </p:stCondLst>
+                            <p:childTnLst>
+                              <p:par>
+                                <p:cTn id="5" presetID="1" presetClass="entr" presetSubtype="0" fill="hold" nodeType="clickEffect">
+                                  <p:stCondLst>
+                                    <p:cond delay="0"/>
+                                  </p:stCondLst>
+                                  <p:childTnLst>
+                                    <p:set>
+                                      <p:cBhvr>
+                                        <p:cTn id="6" dur="1" fill="hold">
+                                          <p:stCondLst>
+                                            <p:cond delay="0"/>
+                                          </p:stCondLst>
+                                        </p:cTn>
+                                        <p:tgtEl>
+                                          <p:spTgt spid="3">
+                                            <p:txEl>
+                                              <p:pRg st="0" end="0"/>
+                                            </p:txEl>
+                                          </p:spTgt>
+                                        </p:tgtEl>
+                                        <p:attrNameLst>
+                                          <p:attrName>style.visibility</p:attrName>
+                                        </p:attrNameLst>
+                                      </p:cBhvr>
+                                      <p:to>
+                                        <p:strVal val="visible"/>
+                                      </p:to>
+                                    </p:set>
+                                  </p:childTnLst>
+                                </p:cTn>
+                              </p:par>
+                            </p:childTnLst>
+                          </p:cTn>
+                        </p:par>
+                      </p:childTnLst>
+                    </p:cTn>
+                  </p:par>
+                  <p:par>
+                    <p:cTn id="7" fill="hold">
+                      <p:stCondLst>
+                        <p:cond delay="indefinite"/>
+                      </p:stCondLst>
+                      <p:childTnLst>
+                        <p:par>
+                          <p:cTn id="8" fill="hold">
+                            <p:stCondLst>
+                              <p:cond delay="0"/>
+                            </p:stCondLst>
+                            <p:childTnLst>
+                              <p:par>
+                                <p:cTn id="9" presetID="1" presetClass="entr" presetSubtype="0" fill="hold" nodeType="clickEffect">
+                                  <p:stCondLst>
+                                    <p:cond delay="0"/>
+                                  </p:stCondLst>
+                                  <p:childTnLst>
+                                    <p:set>
+                                      <p:cBhvr>
+                                        <p:cTn id="10" dur="1" fill="hold">
+                                          <p:stCondLst>
+                                            <p:cond delay="0"/>
+                                          </p:stCondLst>
+                                        </p:cTn>
+                                        <p:tgtEl>
+                                          <p:spTgt spid="3">
+                                            <p:txEl>
+                                              <p:pRg st="1" end="1"/>
+                                            </p:txEl>
+                                          </p:spTgt>
+                                        </p:tgtEl>
+                                        <p:attrNameLst>
+                                          <p:attrName>style.visibility</p:attrName>
+                                        </p:attrNameLst>
+                                      </p:cBhvr>
+                                      <p:to>
+                                        <p:strVal val="visible"/>
+                                      </p:to>
+                                    </p:set>
+                                  </p:childTnLst>
+                                </p:cTn>
+                              </p:par>
+                            </p:childTnLst>
+                          </p:cTn>
+                        </p:par>
+                      </p:childTnLst>
+                    </p:cTn>
+                  </p:par>
+                  <p:par>
+                    <p:cTn id="11" fill="hold">
+                      <p:stCondLst>
+                        <p:cond delay="indefinite"/>
+                      </p:stCondLst>
+                      <p:childTnLst>
+                        <p:par>
+                          <p:cTn id="12" fill="hold">
+                            <p:stCondLst>
+                              <p:cond delay="0"/>
+                            </p:stCondLst>
+                            <p:childTnLst>
+                              <p:par>
+                                <p:cTn id="13" presetID="1" presetClass="entr" presetSubtype="0" fill="hold" nodeType="clickEffect">
+                                  <p:stCondLst>
+                                    <p:cond delay="0"/>
+                                  </p:stCondLst>
+                                  <p:childTnLst>
+                                    <p:set>
+                                      <p:cBhvr>
+                                        <p:cTn id="14" dur="1" fill="hold">
+                                          <p:stCondLst>
+                                            <p:cond delay="0"/>
+                                          </p:stCondLst>
+                                        </p:cTn>
+                                        <p:tgtEl>
+                                          <p:spTgt spid="3">
+                                            <p:txEl>
+                                              <p:pRg st="2" end="2"/>
+                                            </p:txEl>
+                                          </p:spTgt>
+                                        </p:tgtEl>
+                                        <p:attrNameLst>
+                                          <p:attrName>style.visibility</p:attrName>
+                                        </p:attrNameLst>
+                                      </p:cBhvr>
+                                      <p:to>
+                                        <p:strVal val="visible"/>
+                                      </p:to>
+                                    </p:set>
+                                  </p:childTnLst>
+                                </p:cTn>
+                              </p:par>
+                            </p:childTnLst>
+                          </p:cTn>
+                        </p:par>
+                      </p:childTnLst>
+                    </p:cTn>
+                  </p:par>
+                </p:childTnLst>
+              </p:cTn>
+              <p:prevCondLst>
+                <p:cond evt="onPrev" delay="0">
+                  <p:tgtEl>
+                    <p:sldTgt/>
+                  </p:tgtEl>
+                </p:cond>
+              </p:prevCondLst>
+              <p:nextCondLst>
+                <p:cond evt="onNext" delay="0">
+                  <p:tgtEl>
+                    <p:sldTgt/>
+                  </p:tgtEl>
+                </p:cond>
+              </p:nextCondLst>
+            </p:seq>
+          </p:childTnLst>
+        </p:cTn>
       </p:par>
     </p:tnLst>
   </p:timing>
@@ -10904,15 +12653,7 @@
             <a:pPr lvl="1"/>
             <a:r>
               <a:rPr lang="en-US" altLang="zh-CN" dirty="0" smtClean="0"/>
-              <a:t> {% for … in </a:t>
-            </a:r>
-            <a:r>
-              <a:rPr lang="en-US" altLang="zh-CN" dirty="0" smtClean="0"/>
-              <a:t>… </a:t>
-            </a:r>
-            <a:r>
-              <a:rPr lang="en-US" altLang="zh-CN" dirty="0" smtClean="0"/>
-              <a:t>%}   {% </a:t>
+              <a:t> {% for … in … %}   {% </a:t>
             </a:r>
             <a:r>
               <a:rPr lang="en-US" altLang="zh-CN" dirty="0" err="1" smtClean="0"/>
@@ -10928,11 +12669,7 @@
             <a:pPr lvl="1"/>
             <a:r>
               <a:rPr lang="en-US" altLang="zh-CN" dirty="0" smtClean="0"/>
-              <a:t> </a:t>
-            </a:r>
-            <a:r>
-              <a:rPr lang="en-US" altLang="zh-CN" dirty="0" smtClean="0"/>
-              <a:t>{% if %}   {% </a:t>
+              <a:t> {% if %}   {% </a:t>
             </a:r>
             <a:r>
               <a:rPr lang="en-US" altLang="zh-CN" dirty="0" err="1" smtClean="0"/>
@@ -10976,7 +12713,6 @@
               <a:rPr lang="en-US" altLang="zh-CN" dirty="0" smtClean="0"/>
               <a:t> {% extends %} </a:t>
             </a:r>
-            <a:endParaRPr lang="en-US" altLang="zh-CN" dirty="0" smtClean="0"/>
           </a:p>
           <a:p>
             <a:r>
@@ -11029,7 +12765,6 @@
               <a:rPr lang="en-US" altLang="zh-CN" dirty="0" smtClean="0"/>
               <a:t>}}</a:t>
             </a:r>
-            <a:endParaRPr lang="en-US" altLang="zh-CN" dirty="0" smtClean="0"/>
           </a:p>
           <a:p>
             <a:pPr lvl="1"/>
@@ -11041,7 +12776,6 @@
               <a:rPr lang="en-US" altLang="zh-CN" dirty="0" smtClean="0"/>
               <a:t>filter</a:t>
             </a:r>
-            <a:endParaRPr lang="en-US" altLang="zh-CN" dirty="0" smtClean="0"/>
           </a:p>
           <a:p>
             <a:endParaRPr lang="zh-CN" altLang="en-US" dirty="0"/>
@@ -12487,9 +14221,570 @@
   <p:timing>
     <p:tnLst>
       <p:par>
-        <p:cTn id="1" dur="indefinite" restart="never" nodeType="tmRoot"/>
+        <p:cTn id="1" dur="indefinite" restart="never" nodeType="tmRoot">
+          <p:childTnLst>
+            <p:seq concurrent="1" nextAc="seek">
+              <p:cTn id="2" dur="indefinite" nodeType="mainSeq">
+                <p:childTnLst>
+                  <p:par>
+                    <p:cTn id="3" fill="hold">
+                      <p:stCondLst>
+                        <p:cond delay="indefinite"/>
+                      </p:stCondLst>
+                      <p:childTnLst>
+                        <p:par>
+                          <p:cTn id="4" fill="hold">
+                            <p:stCondLst>
+                              <p:cond delay="0"/>
+                            </p:stCondLst>
+                            <p:childTnLst>
+                              <p:par>
+                                <p:cTn id="5" presetID="1" presetClass="entr" presetSubtype="0" fill="hold" nodeType="clickEffect">
+                                  <p:stCondLst>
+                                    <p:cond delay="0"/>
+                                  </p:stCondLst>
+                                  <p:childTnLst>
+                                    <p:set>
+                                      <p:cBhvr>
+                                        <p:cTn id="6" dur="1" fill="hold">
+                                          <p:stCondLst>
+                                            <p:cond delay="0"/>
+                                          </p:stCondLst>
+                                        </p:cTn>
+                                        <p:tgtEl>
+                                          <p:spTgt spid="3">
+                                            <p:txEl>
+                                              <p:pRg st="0" end="0"/>
+                                            </p:txEl>
+                                          </p:spTgt>
+                                        </p:tgtEl>
+                                        <p:attrNameLst>
+                                          <p:attrName>style.visibility</p:attrName>
+                                        </p:attrNameLst>
+                                      </p:cBhvr>
+                                      <p:to>
+                                        <p:strVal val="visible"/>
+                                      </p:to>
+                                    </p:set>
+                                  </p:childTnLst>
+                                </p:cTn>
+                              </p:par>
+                            </p:childTnLst>
+                          </p:cTn>
+                        </p:par>
+                      </p:childTnLst>
+                    </p:cTn>
+                  </p:par>
+                  <p:par>
+                    <p:cTn id="7" fill="hold">
+                      <p:stCondLst>
+                        <p:cond delay="indefinite"/>
+                      </p:stCondLst>
+                      <p:childTnLst>
+                        <p:par>
+                          <p:cTn id="8" fill="hold">
+                            <p:stCondLst>
+                              <p:cond delay="0"/>
+                            </p:stCondLst>
+                            <p:childTnLst>
+                              <p:par>
+                                <p:cTn id="9" presetID="1" presetClass="entr" presetSubtype="0" fill="hold" nodeType="clickEffect">
+                                  <p:stCondLst>
+                                    <p:cond delay="0"/>
+                                  </p:stCondLst>
+                                  <p:childTnLst>
+                                    <p:set>
+                                      <p:cBhvr>
+                                        <p:cTn id="10" dur="1" fill="hold">
+                                          <p:stCondLst>
+                                            <p:cond delay="0"/>
+                                          </p:stCondLst>
+                                        </p:cTn>
+                                        <p:tgtEl>
+                                          <p:spTgt spid="3">
+                                            <p:txEl>
+                                              <p:pRg st="1" end="1"/>
+                                            </p:txEl>
+                                          </p:spTgt>
+                                        </p:tgtEl>
+                                        <p:attrNameLst>
+                                          <p:attrName>style.visibility</p:attrName>
+                                        </p:attrNameLst>
+                                      </p:cBhvr>
+                                      <p:to>
+                                        <p:strVal val="visible"/>
+                                      </p:to>
+                                    </p:set>
+                                  </p:childTnLst>
+                                </p:cTn>
+                              </p:par>
+                            </p:childTnLst>
+                          </p:cTn>
+                        </p:par>
+                      </p:childTnLst>
+                    </p:cTn>
+                  </p:par>
+                  <p:par>
+                    <p:cTn id="11" fill="hold">
+                      <p:stCondLst>
+                        <p:cond delay="indefinite"/>
+                      </p:stCondLst>
+                      <p:childTnLst>
+                        <p:par>
+                          <p:cTn id="12" fill="hold">
+                            <p:stCondLst>
+                              <p:cond delay="0"/>
+                            </p:stCondLst>
+                            <p:childTnLst>
+                              <p:par>
+                                <p:cTn id="13" presetID="1" presetClass="entr" presetSubtype="0" fill="hold" nodeType="clickEffect">
+                                  <p:stCondLst>
+                                    <p:cond delay="0"/>
+                                  </p:stCondLst>
+                                  <p:childTnLst>
+                                    <p:set>
+                                      <p:cBhvr>
+                                        <p:cTn id="14" dur="1" fill="hold">
+                                          <p:stCondLst>
+                                            <p:cond delay="0"/>
+                                          </p:stCondLst>
+                                        </p:cTn>
+                                        <p:tgtEl>
+                                          <p:spTgt spid="3">
+                                            <p:txEl>
+                                              <p:pRg st="3" end="3"/>
+                                            </p:txEl>
+                                          </p:spTgt>
+                                        </p:tgtEl>
+                                        <p:attrNameLst>
+                                          <p:attrName>style.visibility</p:attrName>
+                                        </p:attrNameLst>
+                                      </p:cBhvr>
+                                      <p:to>
+                                        <p:strVal val="visible"/>
+                                      </p:to>
+                                    </p:set>
+                                  </p:childTnLst>
+                                </p:cTn>
+                              </p:par>
+                            </p:childTnLst>
+                          </p:cTn>
+                        </p:par>
+                      </p:childTnLst>
+                    </p:cTn>
+                  </p:par>
+                  <p:par>
+                    <p:cTn id="15" fill="hold">
+                      <p:stCondLst>
+                        <p:cond delay="indefinite"/>
+                      </p:stCondLst>
+                      <p:childTnLst>
+                        <p:par>
+                          <p:cTn id="16" fill="hold">
+                            <p:stCondLst>
+                              <p:cond delay="0"/>
+                            </p:stCondLst>
+                            <p:childTnLst>
+                              <p:par>
+                                <p:cTn id="17" presetID="1" presetClass="entr" presetSubtype="0" fill="hold" nodeType="clickEffect">
+                                  <p:stCondLst>
+                                    <p:cond delay="0"/>
+                                  </p:stCondLst>
+                                  <p:childTnLst>
+                                    <p:set>
+                                      <p:cBhvr>
+                                        <p:cTn id="18" dur="1" fill="hold">
+                                          <p:stCondLst>
+                                            <p:cond delay="0"/>
+                                          </p:stCondLst>
+                                        </p:cTn>
+                                        <p:tgtEl>
+                                          <p:spTgt spid="3">
+                                            <p:txEl>
+                                              <p:pRg st="4" end="4"/>
+                                            </p:txEl>
+                                          </p:spTgt>
+                                        </p:tgtEl>
+                                        <p:attrNameLst>
+                                          <p:attrName>style.visibility</p:attrName>
+                                        </p:attrNameLst>
+                                      </p:cBhvr>
+                                      <p:to>
+                                        <p:strVal val="visible"/>
+                                      </p:to>
+                                    </p:set>
+                                  </p:childTnLst>
+                                </p:cTn>
+                              </p:par>
+                            </p:childTnLst>
+                          </p:cTn>
+                        </p:par>
+                      </p:childTnLst>
+                    </p:cTn>
+                  </p:par>
+                  <p:par>
+                    <p:cTn id="19" fill="hold">
+                      <p:stCondLst>
+                        <p:cond delay="indefinite"/>
+                      </p:stCondLst>
+                      <p:childTnLst>
+                        <p:par>
+                          <p:cTn id="20" fill="hold">
+                            <p:stCondLst>
+                              <p:cond delay="0"/>
+                            </p:stCondLst>
+                            <p:childTnLst>
+                              <p:par>
+                                <p:cTn id="21" presetID="1" presetClass="entr" presetSubtype="0" fill="hold" nodeType="clickEffect">
+                                  <p:stCondLst>
+                                    <p:cond delay="0"/>
+                                  </p:stCondLst>
+                                  <p:childTnLst>
+                                    <p:set>
+                                      <p:cBhvr>
+                                        <p:cTn id="22" dur="1" fill="hold">
+                                          <p:stCondLst>
+                                            <p:cond delay="0"/>
+                                          </p:stCondLst>
+                                        </p:cTn>
+                                        <p:tgtEl>
+                                          <p:spTgt spid="3">
+                                            <p:txEl>
+                                              <p:pRg st="5" end="5"/>
+                                            </p:txEl>
+                                          </p:spTgt>
+                                        </p:tgtEl>
+                                        <p:attrNameLst>
+                                          <p:attrName>style.visibility</p:attrName>
+                                        </p:attrNameLst>
+                                      </p:cBhvr>
+                                      <p:to>
+                                        <p:strVal val="visible"/>
+                                      </p:to>
+                                    </p:set>
+                                  </p:childTnLst>
+                                </p:cTn>
+                              </p:par>
+                            </p:childTnLst>
+                          </p:cTn>
+                        </p:par>
+                      </p:childTnLst>
+                    </p:cTn>
+                  </p:par>
+                  <p:par>
+                    <p:cTn id="23" fill="hold">
+                      <p:stCondLst>
+                        <p:cond delay="indefinite"/>
+                      </p:stCondLst>
+                      <p:childTnLst>
+                        <p:par>
+                          <p:cTn id="24" fill="hold">
+                            <p:stCondLst>
+                              <p:cond delay="0"/>
+                            </p:stCondLst>
+                            <p:childTnLst>
+                              <p:par>
+                                <p:cTn id="25" presetID="1" presetClass="entr" presetSubtype="0" fill="hold" nodeType="clickEffect">
+                                  <p:stCondLst>
+                                    <p:cond delay="0"/>
+                                  </p:stCondLst>
+                                  <p:childTnLst>
+                                    <p:set>
+                                      <p:cBhvr>
+                                        <p:cTn id="26" dur="1" fill="hold">
+                                          <p:stCondLst>
+                                            <p:cond delay="0"/>
+                                          </p:stCondLst>
+                                        </p:cTn>
+                                        <p:tgtEl>
+                                          <p:spTgt spid="3">
+                                            <p:txEl>
+                                              <p:pRg st="6" end="6"/>
+                                            </p:txEl>
+                                          </p:spTgt>
+                                        </p:tgtEl>
+                                        <p:attrNameLst>
+                                          <p:attrName>style.visibility</p:attrName>
+                                        </p:attrNameLst>
+                                      </p:cBhvr>
+                                      <p:to>
+                                        <p:strVal val="visible"/>
+                                      </p:to>
+                                    </p:set>
+                                  </p:childTnLst>
+                                </p:cTn>
+                              </p:par>
+                            </p:childTnLst>
+                          </p:cTn>
+                        </p:par>
+                      </p:childTnLst>
+                    </p:cTn>
+                  </p:par>
+                  <p:par>
+                    <p:cTn id="27" fill="hold">
+                      <p:stCondLst>
+                        <p:cond delay="indefinite"/>
+                      </p:stCondLst>
+                      <p:childTnLst>
+                        <p:par>
+                          <p:cTn id="28" fill="hold">
+                            <p:stCondLst>
+                              <p:cond delay="0"/>
+                            </p:stCondLst>
+                            <p:childTnLst>
+                              <p:par>
+                                <p:cTn id="29" presetID="1" presetClass="entr" presetSubtype="0" fill="hold" grpId="0" nodeType="clickEffect">
+                                  <p:stCondLst>
+                                    <p:cond delay="0"/>
+                                  </p:stCondLst>
+                                  <p:childTnLst>
+                                    <p:set>
+                                      <p:cBhvr>
+                                        <p:cTn id="30" dur="1" fill="hold">
+                                          <p:stCondLst>
+                                            <p:cond delay="0"/>
+                                          </p:stCondLst>
+                                        </p:cTn>
+                                        <p:tgtEl>
+                                          <p:spTgt spid="4"/>
+                                        </p:tgtEl>
+                                        <p:attrNameLst>
+                                          <p:attrName>style.visibility</p:attrName>
+                                        </p:attrNameLst>
+                                      </p:cBhvr>
+                                      <p:to>
+                                        <p:strVal val="visible"/>
+                                      </p:to>
+                                    </p:set>
+                                  </p:childTnLst>
+                                </p:cTn>
+                              </p:par>
+                            </p:childTnLst>
+                          </p:cTn>
+                        </p:par>
+                      </p:childTnLst>
+                    </p:cTn>
+                  </p:par>
+                  <p:par>
+                    <p:cTn id="31" fill="hold">
+                      <p:stCondLst>
+                        <p:cond delay="indefinite"/>
+                      </p:stCondLst>
+                      <p:childTnLst>
+                        <p:par>
+                          <p:cTn id="32" fill="hold">
+                            <p:stCondLst>
+                              <p:cond delay="0"/>
+                            </p:stCondLst>
+                            <p:childTnLst>
+                              <p:par>
+                                <p:cTn id="33" presetID="1" presetClass="entr" presetSubtype="0" fill="hold" nodeType="clickEffect">
+                                  <p:stCondLst>
+                                    <p:cond delay="0"/>
+                                  </p:stCondLst>
+                                  <p:childTnLst>
+                                    <p:set>
+                                      <p:cBhvr>
+                                        <p:cTn id="34" dur="1" fill="hold">
+                                          <p:stCondLst>
+                                            <p:cond delay="0"/>
+                                          </p:stCondLst>
+                                        </p:cTn>
+                                        <p:tgtEl>
+                                          <p:spTgt spid="3">
+                                            <p:txEl>
+                                              <p:pRg st="7" end="7"/>
+                                            </p:txEl>
+                                          </p:spTgt>
+                                        </p:tgtEl>
+                                        <p:attrNameLst>
+                                          <p:attrName>style.visibility</p:attrName>
+                                        </p:attrNameLst>
+                                      </p:cBhvr>
+                                      <p:to>
+                                        <p:strVal val="visible"/>
+                                      </p:to>
+                                    </p:set>
+                                  </p:childTnLst>
+                                </p:cTn>
+                              </p:par>
+                            </p:childTnLst>
+                          </p:cTn>
+                        </p:par>
+                      </p:childTnLst>
+                    </p:cTn>
+                  </p:par>
+                  <p:par>
+                    <p:cTn id="35" fill="hold">
+                      <p:stCondLst>
+                        <p:cond delay="indefinite"/>
+                      </p:stCondLst>
+                      <p:childTnLst>
+                        <p:par>
+                          <p:cTn id="36" fill="hold">
+                            <p:stCondLst>
+                              <p:cond delay="0"/>
+                            </p:stCondLst>
+                            <p:childTnLst>
+                              <p:par>
+                                <p:cTn id="37" presetID="1" presetClass="entr" presetSubtype="0" fill="hold" nodeType="clickEffect">
+                                  <p:stCondLst>
+                                    <p:cond delay="0"/>
+                                  </p:stCondLst>
+                                  <p:childTnLst>
+                                    <p:set>
+                                      <p:cBhvr>
+                                        <p:cTn id="38" dur="1" fill="hold">
+                                          <p:stCondLst>
+                                            <p:cond delay="0"/>
+                                          </p:stCondLst>
+                                        </p:cTn>
+                                        <p:tgtEl>
+                                          <p:spTgt spid="3">
+                                            <p:txEl>
+                                              <p:pRg st="8" end="8"/>
+                                            </p:txEl>
+                                          </p:spTgt>
+                                        </p:tgtEl>
+                                        <p:attrNameLst>
+                                          <p:attrName>style.visibility</p:attrName>
+                                        </p:attrNameLst>
+                                      </p:cBhvr>
+                                      <p:to>
+                                        <p:strVal val="visible"/>
+                                      </p:to>
+                                    </p:set>
+                                  </p:childTnLst>
+                                </p:cTn>
+                              </p:par>
+                            </p:childTnLst>
+                          </p:cTn>
+                        </p:par>
+                      </p:childTnLst>
+                    </p:cTn>
+                  </p:par>
+                  <p:par>
+                    <p:cTn id="39" fill="hold">
+                      <p:stCondLst>
+                        <p:cond delay="indefinite"/>
+                      </p:stCondLst>
+                      <p:childTnLst>
+                        <p:par>
+                          <p:cTn id="40" fill="hold">
+                            <p:stCondLst>
+                              <p:cond delay="0"/>
+                            </p:stCondLst>
+                            <p:childTnLst>
+                              <p:par>
+                                <p:cTn id="41" presetID="1" presetClass="entr" presetSubtype="0" fill="hold" nodeType="clickEffect">
+                                  <p:stCondLst>
+                                    <p:cond delay="0"/>
+                                  </p:stCondLst>
+                                  <p:childTnLst>
+                                    <p:set>
+                                      <p:cBhvr>
+                                        <p:cTn id="42" dur="1" fill="hold">
+                                          <p:stCondLst>
+                                            <p:cond delay="0"/>
+                                          </p:stCondLst>
+                                        </p:cTn>
+                                        <p:tgtEl>
+                                          <p:spTgt spid="3">
+                                            <p:txEl>
+                                              <p:pRg st="9" end="9"/>
+                                            </p:txEl>
+                                          </p:spTgt>
+                                        </p:tgtEl>
+                                        <p:attrNameLst>
+                                          <p:attrName>style.visibility</p:attrName>
+                                        </p:attrNameLst>
+                                      </p:cBhvr>
+                                      <p:to>
+                                        <p:strVal val="visible"/>
+                                      </p:to>
+                                    </p:set>
+                                  </p:childTnLst>
+                                </p:cTn>
+                              </p:par>
+                            </p:childTnLst>
+                          </p:cTn>
+                        </p:par>
+                      </p:childTnLst>
+                    </p:cTn>
+                  </p:par>
+                  <p:par>
+                    <p:cTn id="43" fill="hold">
+                      <p:stCondLst>
+                        <p:cond delay="indefinite"/>
+                      </p:stCondLst>
+                      <p:childTnLst>
+                        <p:par>
+                          <p:cTn id="44" fill="hold">
+                            <p:stCondLst>
+                              <p:cond delay="0"/>
+                            </p:stCondLst>
+                            <p:childTnLst>
+                              <p:par>
+                                <p:cTn id="45" presetID="1" presetClass="entr" presetSubtype="0" fill="hold" nodeType="clickEffect">
+                                  <p:stCondLst>
+                                    <p:cond delay="0"/>
+                                  </p:stCondLst>
+                                  <p:childTnLst>
+                                    <p:set>
+                                      <p:cBhvr>
+                                        <p:cTn id="46" dur="1" fill="hold">
+                                          <p:stCondLst>
+                                            <p:cond delay="0"/>
+                                          </p:stCondLst>
+                                        </p:cTn>
+                                        <p:tgtEl>
+                                          <p:spTgt spid="3">
+                                            <p:txEl>
+                                              <p:pRg st="10" end="10"/>
+                                            </p:txEl>
+                                          </p:spTgt>
+                                        </p:tgtEl>
+                                        <p:attrNameLst>
+                                          <p:attrName>style.visibility</p:attrName>
+                                        </p:attrNameLst>
+                                      </p:cBhvr>
+                                      <p:to>
+                                        <p:strVal val="visible"/>
+                                      </p:to>
+                                    </p:set>
+                                  </p:childTnLst>
+                                </p:cTn>
+                              </p:par>
+                            </p:childTnLst>
+                          </p:cTn>
+                        </p:par>
+                      </p:childTnLst>
+                    </p:cTn>
+                  </p:par>
+                </p:childTnLst>
+              </p:cTn>
+              <p:prevCondLst>
+                <p:cond evt="onPrev" delay="0">
+                  <p:tgtEl>
+                    <p:sldTgt/>
+                  </p:tgtEl>
+                </p:cond>
+              </p:prevCondLst>
+              <p:nextCondLst>
+                <p:cond evt="onNext" delay="0">
+                  <p:tgtEl>
+                    <p:sldTgt/>
+                  </p:tgtEl>
+                </p:cond>
+              </p:nextCondLst>
+            </p:seq>
+          </p:childTnLst>
+        </p:cTn>
       </p:par>
     </p:tnLst>
+    <p:bldLst>
+      <p:bldP spid="4" grpId="0" animBg="1"/>
+    </p:bldLst>
   </p:timing>
 </p:sld>
 </file>
@@ -12706,7 +15001,422 @@
   <p:timing>
     <p:tnLst>
       <p:par>
-        <p:cTn id="1" dur="indefinite" restart="never" nodeType="tmRoot"/>
+        <p:cTn id="1" dur="indefinite" restart="never" nodeType="tmRoot">
+          <p:childTnLst>
+            <p:seq concurrent="1" nextAc="seek">
+              <p:cTn id="2" dur="indefinite" nodeType="mainSeq">
+                <p:childTnLst>
+                  <p:par>
+                    <p:cTn id="3" fill="hold">
+                      <p:stCondLst>
+                        <p:cond delay="indefinite"/>
+                      </p:stCondLst>
+                      <p:childTnLst>
+                        <p:par>
+                          <p:cTn id="4" fill="hold">
+                            <p:stCondLst>
+                              <p:cond delay="0"/>
+                            </p:stCondLst>
+                            <p:childTnLst>
+                              <p:par>
+                                <p:cTn id="5" presetID="1" presetClass="entr" presetSubtype="0" fill="hold" nodeType="clickEffect">
+                                  <p:stCondLst>
+                                    <p:cond delay="0"/>
+                                  </p:stCondLst>
+                                  <p:childTnLst>
+                                    <p:set>
+                                      <p:cBhvr>
+                                        <p:cTn id="6" dur="1" fill="hold">
+                                          <p:stCondLst>
+                                            <p:cond delay="0"/>
+                                          </p:stCondLst>
+                                        </p:cTn>
+                                        <p:tgtEl>
+                                          <p:spTgt spid="3">
+                                            <p:txEl>
+                                              <p:pRg st="0" end="0"/>
+                                            </p:txEl>
+                                          </p:spTgt>
+                                        </p:tgtEl>
+                                        <p:attrNameLst>
+                                          <p:attrName>style.visibility</p:attrName>
+                                        </p:attrNameLst>
+                                      </p:cBhvr>
+                                      <p:to>
+                                        <p:strVal val="visible"/>
+                                      </p:to>
+                                    </p:set>
+                                  </p:childTnLst>
+                                </p:cTn>
+                              </p:par>
+                            </p:childTnLst>
+                          </p:cTn>
+                        </p:par>
+                      </p:childTnLst>
+                    </p:cTn>
+                  </p:par>
+                  <p:par>
+                    <p:cTn id="7" fill="hold">
+                      <p:stCondLst>
+                        <p:cond delay="indefinite"/>
+                      </p:stCondLst>
+                      <p:childTnLst>
+                        <p:par>
+                          <p:cTn id="8" fill="hold">
+                            <p:stCondLst>
+                              <p:cond delay="0"/>
+                            </p:stCondLst>
+                            <p:childTnLst>
+                              <p:par>
+                                <p:cTn id="9" presetID="1" presetClass="entr" presetSubtype="0" fill="hold" nodeType="clickEffect">
+                                  <p:stCondLst>
+                                    <p:cond delay="0"/>
+                                  </p:stCondLst>
+                                  <p:childTnLst>
+                                    <p:set>
+                                      <p:cBhvr>
+                                        <p:cTn id="10" dur="1" fill="hold">
+                                          <p:stCondLst>
+                                            <p:cond delay="0"/>
+                                          </p:stCondLst>
+                                        </p:cTn>
+                                        <p:tgtEl>
+                                          <p:spTgt spid="3">
+                                            <p:txEl>
+                                              <p:pRg st="1" end="1"/>
+                                            </p:txEl>
+                                          </p:spTgt>
+                                        </p:tgtEl>
+                                        <p:attrNameLst>
+                                          <p:attrName>style.visibility</p:attrName>
+                                        </p:attrNameLst>
+                                      </p:cBhvr>
+                                      <p:to>
+                                        <p:strVal val="visible"/>
+                                      </p:to>
+                                    </p:set>
+                                  </p:childTnLst>
+                                </p:cTn>
+                              </p:par>
+                            </p:childTnLst>
+                          </p:cTn>
+                        </p:par>
+                      </p:childTnLst>
+                    </p:cTn>
+                  </p:par>
+                  <p:par>
+                    <p:cTn id="11" fill="hold">
+                      <p:stCondLst>
+                        <p:cond delay="indefinite"/>
+                      </p:stCondLst>
+                      <p:childTnLst>
+                        <p:par>
+                          <p:cTn id="12" fill="hold">
+                            <p:stCondLst>
+                              <p:cond delay="0"/>
+                            </p:stCondLst>
+                            <p:childTnLst>
+                              <p:par>
+                                <p:cTn id="13" presetID="1" presetClass="entr" presetSubtype="0" fill="hold" nodeType="clickEffect">
+                                  <p:stCondLst>
+                                    <p:cond delay="0"/>
+                                  </p:stCondLst>
+                                  <p:childTnLst>
+                                    <p:set>
+                                      <p:cBhvr>
+                                        <p:cTn id="14" dur="1" fill="hold">
+                                          <p:stCondLst>
+                                            <p:cond delay="0"/>
+                                          </p:stCondLst>
+                                        </p:cTn>
+                                        <p:tgtEl>
+                                          <p:spTgt spid="3">
+                                            <p:txEl>
+                                              <p:pRg st="2" end="2"/>
+                                            </p:txEl>
+                                          </p:spTgt>
+                                        </p:tgtEl>
+                                        <p:attrNameLst>
+                                          <p:attrName>style.visibility</p:attrName>
+                                        </p:attrNameLst>
+                                      </p:cBhvr>
+                                      <p:to>
+                                        <p:strVal val="visible"/>
+                                      </p:to>
+                                    </p:set>
+                                  </p:childTnLst>
+                                </p:cTn>
+                              </p:par>
+                            </p:childTnLst>
+                          </p:cTn>
+                        </p:par>
+                      </p:childTnLst>
+                    </p:cTn>
+                  </p:par>
+                  <p:par>
+                    <p:cTn id="15" fill="hold">
+                      <p:stCondLst>
+                        <p:cond delay="indefinite"/>
+                      </p:stCondLst>
+                      <p:childTnLst>
+                        <p:par>
+                          <p:cTn id="16" fill="hold">
+                            <p:stCondLst>
+                              <p:cond delay="0"/>
+                            </p:stCondLst>
+                            <p:childTnLst>
+                              <p:par>
+                                <p:cTn id="17" presetID="1" presetClass="entr" presetSubtype="0" fill="hold" nodeType="clickEffect">
+                                  <p:stCondLst>
+                                    <p:cond delay="0"/>
+                                  </p:stCondLst>
+                                  <p:childTnLst>
+                                    <p:set>
+                                      <p:cBhvr>
+                                        <p:cTn id="18" dur="1" fill="hold">
+                                          <p:stCondLst>
+                                            <p:cond delay="0"/>
+                                          </p:stCondLst>
+                                        </p:cTn>
+                                        <p:tgtEl>
+                                          <p:spTgt spid="3">
+                                            <p:txEl>
+                                              <p:pRg st="3" end="3"/>
+                                            </p:txEl>
+                                          </p:spTgt>
+                                        </p:tgtEl>
+                                        <p:attrNameLst>
+                                          <p:attrName>style.visibility</p:attrName>
+                                        </p:attrNameLst>
+                                      </p:cBhvr>
+                                      <p:to>
+                                        <p:strVal val="visible"/>
+                                      </p:to>
+                                    </p:set>
+                                  </p:childTnLst>
+                                </p:cTn>
+                              </p:par>
+                            </p:childTnLst>
+                          </p:cTn>
+                        </p:par>
+                      </p:childTnLst>
+                    </p:cTn>
+                  </p:par>
+                  <p:par>
+                    <p:cTn id="19" fill="hold">
+                      <p:stCondLst>
+                        <p:cond delay="indefinite"/>
+                      </p:stCondLst>
+                      <p:childTnLst>
+                        <p:par>
+                          <p:cTn id="20" fill="hold">
+                            <p:stCondLst>
+                              <p:cond delay="0"/>
+                            </p:stCondLst>
+                            <p:childTnLst>
+                              <p:par>
+                                <p:cTn id="21" presetID="1" presetClass="entr" presetSubtype="0" fill="hold" nodeType="clickEffect">
+                                  <p:stCondLst>
+                                    <p:cond delay="0"/>
+                                  </p:stCondLst>
+                                  <p:childTnLst>
+                                    <p:set>
+                                      <p:cBhvr>
+                                        <p:cTn id="22" dur="1" fill="hold">
+                                          <p:stCondLst>
+                                            <p:cond delay="0"/>
+                                          </p:stCondLst>
+                                        </p:cTn>
+                                        <p:tgtEl>
+                                          <p:spTgt spid="3">
+                                            <p:txEl>
+                                              <p:pRg st="4" end="4"/>
+                                            </p:txEl>
+                                          </p:spTgt>
+                                        </p:tgtEl>
+                                        <p:attrNameLst>
+                                          <p:attrName>style.visibility</p:attrName>
+                                        </p:attrNameLst>
+                                      </p:cBhvr>
+                                      <p:to>
+                                        <p:strVal val="visible"/>
+                                      </p:to>
+                                    </p:set>
+                                  </p:childTnLst>
+                                </p:cTn>
+                              </p:par>
+                            </p:childTnLst>
+                          </p:cTn>
+                        </p:par>
+                      </p:childTnLst>
+                    </p:cTn>
+                  </p:par>
+                  <p:par>
+                    <p:cTn id="23" fill="hold">
+                      <p:stCondLst>
+                        <p:cond delay="indefinite"/>
+                      </p:stCondLst>
+                      <p:childTnLst>
+                        <p:par>
+                          <p:cTn id="24" fill="hold">
+                            <p:stCondLst>
+                              <p:cond delay="0"/>
+                            </p:stCondLst>
+                            <p:childTnLst>
+                              <p:par>
+                                <p:cTn id="25" presetID="1" presetClass="entr" presetSubtype="0" fill="hold" nodeType="clickEffect">
+                                  <p:stCondLst>
+                                    <p:cond delay="0"/>
+                                  </p:stCondLst>
+                                  <p:childTnLst>
+                                    <p:set>
+                                      <p:cBhvr>
+                                        <p:cTn id="26" dur="1" fill="hold">
+                                          <p:stCondLst>
+                                            <p:cond delay="0"/>
+                                          </p:stCondLst>
+                                        </p:cTn>
+                                        <p:tgtEl>
+                                          <p:spTgt spid="3">
+                                            <p:txEl>
+                                              <p:pRg st="5" end="5"/>
+                                            </p:txEl>
+                                          </p:spTgt>
+                                        </p:tgtEl>
+                                        <p:attrNameLst>
+                                          <p:attrName>style.visibility</p:attrName>
+                                        </p:attrNameLst>
+                                      </p:cBhvr>
+                                      <p:to>
+                                        <p:strVal val="visible"/>
+                                      </p:to>
+                                    </p:set>
+                                  </p:childTnLst>
+                                </p:cTn>
+                              </p:par>
+                            </p:childTnLst>
+                          </p:cTn>
+                        </p:par>
+                      </p:childTnLst>
+                    </p:cTn>
+                  </p:par>
+                  <p:par>
+                    <p:cTn id="27" fill="hold">
+                      <p:stCondLst>
+                        <p:cond delay="indefinite"/>
+                      </p:stCondLst>
+                      <p:childTnLst>
+                        <p:par>
+                          <p:cTn id="28" fill="hold">
+                            <p:stCondLst>
+                              <p:cond delay="0"/>
+                            </p:stCondLst>
+                            <p:childTnLst>
+                              <p:par>
+                                <p:cTn id="29" presetID="1" presetClass="entr" presetSubtype="0" fill="hold" nodeType="clickEffect">
+                                  <p:stCondLst>
+                                    <p:cond delay="0"/>
+                                  </p:stCondLst>
+                                  <p:childTnLst>
+                                    <p:set>
+                                      <p:cBhvr>
+                                        <p:cTn id="30" dur="1" fill="hold">
+                                          <p:stCondLst>
+                                            <p:cond delay="0"/>
+                                          </p:stCondLst>
+                                        </p:cTn>
+                                        <p:tgtEl>
+                                          <p:spTgt spid="3">
+                                            <p:txEl>
+                                              <p:pRg st="6" end="6"/>
+                                            </p:txEl>
+                                          </p:spTgt>
+                                        </p:tgtEl>
+                                        <p:attrNameLst>
+                                          <p:attrName>style.visibility</p:attrName>
+                                        </p:attrNameLst>
+                                      </p:cBhvr>
+                                      <p:to>
+                                        <p:strVal val="visible"/>
+                                      </p:to>
+                                    </p:set>
+                                  </p:childTnLst>
+                                </p:cTn>
+                              </p:par>
+                            </p:childTnLst>
+                          </p:cTn>
+                        </p:par>
+                      </p:childTnLst>
+                    </p:cTn>
+                  </p:par>
+                  <p:par>
+                    <p:cTn id="31" fill="hold">
+                      <p:stCondLst>
+                        <p:cond delay="indefinite"/>
+                      </p:stCondLst>
+                      <p:childTnLst>
+                        <p:par>
+                          <p:cTn id="32" fill="hold">
+                            <p:stCondLst>
+                              <p:cond delay="0"/>
+                            </p:stCondLst>
+                            <p:childTnLst>
+                              <p:par>
+                                <p:cTn id="33" presetID="1" presetClass="entr" presetSubtype="0" fill="hold" nodeType="clickEffect">
+                                  <p:stCondLst>
+                                    <p:cond delay="0"/>
+                                  </p:stCondLst>
+                                  <p:childTnLst>
+                                    <p:set>
+                                      <p:cBhvr>
+                                        <p:cTn id="34" dur="1" fill="hold">
+                                          <p:stCondLst>
+                                            <p:cond delay="0"/>
+                                          </p:stCondLst>
+                                        </p:cTn>
+                                        <p:tgtEl>
+                                          <p:spTgt spid="3">
+                                            <p:txEl>
+                                              <p:pRg st="7" end="7"/>
+                                            </p:txEl>
+                                          </p:spTgt>
+                                        </p:tgtEl>
+                                        <p:attrNameLst>
+                                          <p:attrName>style.visibility</p:attrName>
+                                        </p:attrNameLst>
+                                      </p:cBhvr>
+                                      <p:to>
+                                        <p:strVal val="visible"/>
+                                      </p:to>
+                                    </p:set>
+                                  </p:childTnLst>
+                                </p:cTn>
+                              </p:par>
+                            </p:childTnLst>
+                          </p:cTn>
+                        </p:par>
+                      </p:childTnLst>
+                    </p:cTn>
+                  </p:par>
+                </p:childTnLst>
+              </p:cTn>
+              <p:prevCondLst>
+                <p:cond evt="onPrev" delay="0">
+                  <p:tgtEl>
+                    <p:sldTgt/>
+                  </p:tgtEl>
+                </p:cond>
+              </p:prevCondLst>
+              <p:nextCondLst>
+                <p:cond evt="onNext" delay="0">
+                  <p:tgtEl>
+                    <p:sldTgt/>
+                  </p:tgtEl>
+                </p:cond>
+              </p:nextCondLst>
+            </p:seq>
+          </p:childTnLst>
+        </p:cTn>
       </p:par>
     </p:tnLst>
   </p:timing>
@@ -14914,9 +17624,469 @@
   <p:timing>
     <p:tnLst>
       <p:par>
-        <p:cTn id="1" dur="indefinite" restart="never" nodeType="tmRoot"/>
+        <p:cTn id="1" dur="indefinite" restart="never" nodeType="tmRoot">
+          <p:childTnLst>
+            <p:seq concurrent="1" nextAc="seek">
+              <p:cTn id="2" dur="indefinite" nodeType="mainSeq">
+                <p:childTnLst>
+                  <p:par>
+                    <p:cTn id="3" fill="hold">
+                      <p:stCondLst>
+                        <p:cond delay="indefinite"/>
+                      </p:stCondLst>
+                      <p:childTnLst>
+                        <p:par>
+                          <p:cTn id="4" fill="hold">
+                            <p:stCondLst>
+                              <p:cond delay="0"/>
+                            </p:stCondLst>
+                            <p:childTnLst>
+                              <p:par>
+                                <p:cTn id="5" presetID="1" presetClass="entr" presetSubtype="0" fill="hold" nodeType="clickEffect">
+                                  <p:stCondLst>
+                                    <p:cond delay="0"/>
+                                  </p:stCondLst>
+                                  <p:childTnLst>
+                                    <p:set>
+                                      <p:cBhvr>
+                                        <p:cTn id="6" dur="1" fill="hold">
+                                          <p:stCondLst>
+                                            <p:cond delay="0"/>
+                                          </p:stCondLst>
+                                        </p:cTn>
+                                        <p:tgtEl>
+                                          <p:spTgt spid="3">
+                                            <p:txEl>
+                                              <p:pRg st="0" end="0"/>
+                                            </p:txEl>
+                                          </p:spTgt>
+                                        </p:tgtEl>
+                                        <p:attrNameLst>
+                                          <p:attrName>style.visibility</p:attrName>
+                                        </p:attrNameLst>
+                                      </p:cBhvr>
+                                      <p:to>
+                                        <p:strVal val="visible"/>
+                                      </p:to>
+                                    </p:set>
+                                  </p:childTnLst>
+                                </p:cTn>
+                              </p:par>
+                            </p:childTnLst>
+                          </p:cTn>
+                        </p:par>
+                      </p:childTnLst>
+                    </p:cTn>
+                  </p:par>
+                  <p:par>
+                    <p:cTn id="7" fill="hold">
+                      <p:stCondLst>
+                        <p:cond delay="indefinite"/>
+                      </p:stCondLst>
+                      <p:childTnLst>
+                        <p:par>
+                          <p:cTn id="8" fill="hold">
+                            <p:stCondLst>
+                              <p:cond delay="0"/>
+                            </p:stCondLst>
+                            <p:childTnLst>
+                              <p:par>
+                                <p:cTn id="9" presetID="1" presetClass="entr" presetSubtype="0" fill="hold" grpId="0" nodeType="clickEffect">
+                                  <p:stCondLst>
+                                    <p:cond delay="0"/>
+                                  </p:stCondLst>
+                                  <p:childTnLst>
+                                    <p:set>
+                                      <p:cBhvr>
+                                        <p:cTn id="10" dur="1" fill="hold">
+                                          <p:stCondLst>
+                                            <p:cond delay="0"/>
+                                          </p:stCondLst>
+                                        </p:cTn>
+                                        <p:tgtEl>
+                                          <p:spTgt spid="7"/>
+                                        </p:tgtEl>
+                                        <p:attrNameLst>
+                                          <p:attrName>style.visibility</p:attrName>
+                                        </p:attrNameLst>
+                                      </p:cBhvr>
+                                      <p:to>
+                                        <p:strVal val="visible"/>
+                                      </p:to>
+                                    </p:set>
+                                  </p:childTnLst>
+                                </p:cTn>
+                              </p:par>
+                            </p:childTnLst>
+                          </p:cTn>
+                        </p:par>
+                      </p:childTnLst>
+                    </p:cTn>
+                  </p:par>
+                  <p:par>
+                    <p:cTn id="11" fill="hold">
+                      <p:stCondLst>
+                        <p:cond delay="indefinite"/>
+                      </p:stCondLst>
+                      <p:childTnLst>
+                        <p:par>
+                          <p:cTn id="12" fill="hold">
+                            <p:stCondLst>
+                              <p:cond delay="0"/>
+                            </p:stCondLst>
+                            <p:childTnLst>
+                              <p:par>
+                                <p:cTn id="13" presetID="1" presetClass="entr" presetSubtype="0" fill="hold" nodeType="clickEffect">
+                                  <p:stCondLst>
+                                    <p:cond delay="0"/>
+                                  </p:stCondLst>
+                                  <p:childTnLst>
+                                    <p:set>
+                                      <p:cBhvr>
+                                        <p:cTn id="14" dur="1" fill="hold">
+                                          <p:stCondLst>
+                                            <p:cond delay="0"/>
+                                          </p:stCondLst>
+                                        </p:cTn>
+                                        <p:tgtEl>
+                                          <p:spTgt spid="3">
+                                            <p:txEl>
+                                              <p:pRg st="1" end="1"/>
+                                            </p:txEl>
+                                          </p:spTgt>
+                                        </p:tgtEl>
+                                        <p:attrNameLst>
+                                          <p:attrName>style.visibility</p:attrName>
+                                        </p:attrNameLst>
+                                      </p:cBhvr>
+                                      <p:to>
+                                        <p:strVal val="visible"/>
+                                      </p:to>
+                                    </p:set>
+                                  </p:childTnLst>
+                                </p:cTn>
+                              </p:par>
+                            </p:childTnLst>
+                          </p:cTn>
+                        </p:par>
+                      </p:childTnLst>
+                    </p:cTn>
+                  </p:par>
+                  <p:par>
+                    <p:cTn id="15" fill="hold">
+                      <p:stCondLst>
+                        <p:cond delay="indefinite"/>
+                      </p:stCondLst>
+                      <p:childTnLst>
+                        <p:par>
+                          <p:cTn id="16" fill="hold">
+                            <p:stCondLst>
+                              <p:cond delay="0"/>
+                            </p:stCondLst>
+                            <p:childTnLst>
+                              <p:par>
+                                <p:cTn id="17" presetID="1" presetClass="entr" presetSubtype="0" fill="hold" nodeType="clickEffect">
+                                  <p:stCondLst>
+                                    <p:cond delay="0"/>
+                                  </p:stCondLst>
+                                  <p:childTnLst>
+                                    <p:set>
+                                      <p:cBhvr>
+                                        <p:cTn id="18" dur="1" fill="hold">
+                                          <p:stCondLst>
+                                            <p:cond delay="0"/>
+                                          </p:stCondLst>
+                                        </p:cTn>
+                                        <p:tgtEl>
+                                          <p:spTgt spid="3">
+                                            <p:txEl>
+                                              <p:pRg st="2" end="2"/>
+                                            </p:txEl>
+                                          </p:spTgt>
+                                        </p:tgtEl>
+                                        <p:attrNameLst>
+                                          <p:attrName>style.visibility</p:attrName>
+                                        </p:attrNameLst>
+                                      </p:cBhvr>
+                                      <p:to>
+                                        <p:strVal val="visible"/>
+                                      </p:to>
+                                    </p:set>
+                                  </p:childTnLst>
+                                </p:cTn>
+                              </p:par>
+                            </p:childTnLst>
+                          </p:cTn>
+                        </p:par>
+                      </p:childTnLst>
+                    </p:cTn>
+                  </p:par>
+                  <p:par>
+                    <p:cTn id="19" fill="hold">
+                      <p:stCondLst>
+                        <p:cond delay="indefinite"/>
+                      </p:stCondLst>
+                      <p:childTnLst>
+                        <p:par>
+                          <p:cTn id="20" fill="hold">
+                            <p:stCondLst>
+                              <p:cond delay="0"/>
+                            </p:stCondLst>
+                            <p:childTnLst>
+                              <p:par>
+                                <p:cTn id="21" presetID="1" presetClass="entr" presetSubtype="0" fill="hold" nodeType="clickEffect">
+                                  <p:stCondLst>
+                                    <p:cond delay="0"/>
+                                  </p:stCondLst>
+                                  <p:childTnLst>
+                                    <p:set>
+                                      <p:cBhvr>
+                                        <p:cTn id="22" dur="1" fill="hold">
+                                          <p:stCondLst>
+                                            <p:cond delay="0"/>
+                                          </p:stCondLst>
+                                        </p:cTn>
+                                        <p:tgtEl>
+                                          <p:spTgt spid="3">
+                                            <p:txEl>
+                                              <p:pRg st="3" end="3"/>
+                                            </p:txEl>
+                                          </p:spTgt>
+                                        </p:tgtEl>
+                                        <p:attrNameLst>
+                                          <p:attrName>style.visibility</p:attrName>
+                                        </p:attrNameLst>
+                                      </p:cBhvr>
+                                      <p:to>
+                                        <p:strVal val="visible"/>
+                                      </p:to>
+                                    </p:set>
+                                  </p:childTnLst>
+                                </p:cTn>
+                              </p:par>
+                            </p:childTnLst>
+                          </p:cTn>
+                        </p:par>
+                      </p:childTnLst>
+                    </p:cTn>
+                  </p:par>
+                  <p:par>
+                    <p:cTn id="23" fill="hold">
+                      <p:stCondLst>
+                        <p:cond delay="indefinite"/>
+                      </p:stCondLst>
+                      <p:childTnLst>
+                        <p:par>
+                          <p:cTn id="24" fill="hold">
+                            <p:stCondLst>
+                              <p:cond delay="0"/>
+                            </p:stCondLst>
+                            <p:childTnLst>
+                              <p:par>
+                                <p:cTn id="25" presetID="1" presetClass="entr" presetSubtype="0" fill="hold" nodeType="clickEffect">
+                                  <p:stCondLst>
+                                    <p:cond delay="0"/>
+                                  </p:stCondLst>
+                                  <p:childTnLst>
+                                    <p:set>
+                                      <p:cBhvr>
+                                        <p:cTn id="26" dur="1" fill="hold">
+                                          <p:stCondLst>
+                                            <p:cond delay="0"/>
+                                          </p:stCondLst>
+                                        </p:cTn>
+                                        <p:tgtEl>
+                                          <p:spTgt spid="3">
+                                            <p:txEl>
+                                              <p:pRg st="4" end="4"/>
+                                            </p:txEl>
+                                          </p:spTgt>
+                                        </p:tgtEl>
+                                        <p:attrNameLst>
+                                          <p:attrName>style.visibility</p:attrName>
+                                        </p:attrNameLst>
+                                      </p:cBhvr>
+                                      <p:to>
+                                        <p:strVal val="visible"/>
+                                      </p:to>
+                                    </p:set>
+                                  </p:childTnLst>
+                                </p:cTn>
+                              </p:par>
+                            </p:childTnLst>
+                          </p:cTn>
+                        </p:par>
+                      </p:childTnLst>
+                    </p:cTn>
+                  </p:par>
+                  <p:par>
+                    <p:cTn id="27" fill="hold">
+                      <p:stCondLst>
+                        <p:cond delay="indefinite"/>
+                      </p:stCondLst>
+                      <p:childTnLst>
+                        <p:par>
+                          <p:cTn id="28" fill="hold">
+                            <p:stCondLst>
+                              <p:cond delay="0"/>
+                            </p:stCondLst>
+                            <p:childTnLst>
+                              <p:par>
+                                <p:cTn id="29" presetID="1" presetClass="entr" presetSubtype="0" fill="hold" grpId="0" nodeType="clickEffect">
+                                  <p:stCondLst>
+                                    <p:cond delay="0"/>
+                                  </p:stCondLst>
+                                  <p:childTnLst>
+                                    <p:set>
+                                      <p:cBhvr>
+                                        <p:cTn id="30" dur="1" fill="hold">
+                                          <p:stCondLst>
+                                            <p:cond delay="0"/>
+                                          </p:stCondLst>
+                                        </p:cTn>
+                                        <p:tgtEl>
+                                          <p:spTgt spid="10"/>
+                                        </p:tgtEl>
+                                        <p:attrNameLst>
+                                          <p:attrName>style.visibility</p:attrName>
+                                        </p:attrNameLst>
+                                      </p:cBhvr>
+                                      <p:to>
+                                        <p:strVal val="visible"/>
+                                      </p:to>
+                                    </p:set>
+                                  </p:childTnLst>
+                                </p:cTn>
+                              </p:par>
+                            </p:childTnLst>
+                          </p:cTn>
+                        </p:par>
+                      </p:childTnLst>
+                    </p:cTn>
+                  </p:par>
+                  <p:par>
+                    <p:cTn id="31" fill="hold">
+                      <p:stCondLst>
+                        <p:cond delay="indefinite"/>
+                      </p:stCondLst>
+                      <p:childTnLst>
+                        <p:par>
+                          <p:cTn id="32" fill="hold">
+                            <p:stCondLst>
+                              <p:cond delay="0"/>
+                            </p:stCondLst>
+                            <p:childTnLst>
+                              <p:par>
+                                <p:cTn id="33" presetID="1" presetClass="entr" presetSubtype="0" fill="hold" nodeType="clickEffect">
+                                  <p:stCondLst>
+                                    <p:cond delay="0"/>
+                                  </p:stCondLst>
+                                  <p:childTnLst>
+                                    <p:set>
+                                      <p:cBhvr>
+                                        <p:cTn id="34" dur="1" fill="hold">
+                                          <p:stCondLst>
+                                            <p:cond delay="0"/>
+                                          </p:stCondLst>
+                                        </p:cTn>
+                                        <p:tgtEl>
+                                          <p:spTgt spid="3">
+                                            <p:txEl>
+                                              <p:pRg st="5" end="5"/>
+                                            </p:txEl>
+                                          </p:spTgt>
+                                        </p:tgtEl>
+                                        <p:attrNameLst>
+                                          <p:attrName>style.visibility</p:attrName>
+                                        </p:attrNameLst>
+                                      </p:cBhvr>
+                                      <p:to>
+                                        <p:strVal val="visible"/>
+                                      </p:to>
+                                    </p:set>
+                                  </p:childTnLst>
+                                </p:cTn>
+                              </p:par>
+                            </p:childTnLst>
+                          </p:cTn>
+                        </p:par>
+                      </p:childTnLst>
+                    </p:cTn>
+                  </p:par>
+                  <p:par>
+                    <p:cTn id="35" fill="hold">
+                      <p:stCondLst>
+                        <p:cond delay="indefinite"/>
+                      </p:stCondLst>
+                      <p:childTnLst>
+                        <p:par>
+                          <p:cTn id="36" fill="hold">
+                            <p:stCondLst>
+                              <p:cond delay="0"/>
+                            </p:stCondLst>
+                            <p:childTnLst>
+                              <p:par>
+                                <p:cTn id="37" presetID="1" presetClass="entr" presetSubtype="0" fill="hold" nodeType="clickEffect">
+                                  <p:stCondLst>
+                                    <p:cond delay="0"/>
+                                  </p:stCondLst>
+                                  <p:childTnLst>
+                                    <p:set>
+                                      <p:cBhvr>
+                                        <p:cTn id="38" dur="1" fill="hold">
+                                          <p:stCondLst>
+                                            <p:cond delay="0"/>
+                                          </p:stCondLst>
+                                        </p:cTn>
+                                        <p:tgtEl>
+                                          <p:spTgt spid="3">
+                                            <p:txEl>
+                                              <p:pRg st="6" end="6"/>
+                                            </p:txEl>
+                                          </p:spTgt>
+                                        </p:tgtEl>
+                                        <p:attrNameLst>
+                                          <p:attrName>style.visibility</p:attrName>
+                                        </p:attrNameLst>
+                                      </p:cBhvr>
+                                      <p:to>
+                                        <p:strVal val="visible"/>
+                                      </p:to>
+                                    </p:set>
+                                  </p:childTnLst>
+                                </p:cTn>
+                              </p:par>
+                            </p:childTnLst>
+                          </p:cTn>
+                        </p:par>
+                      </p:childTnLst>
+                    </p:cTn>
+                  </p:par>
+                </p:childTnLst>
+              </p:cTn>
+              <p:prevCondLst>
+                <p:cond evt="onPrev" delay="0">
+                  <p:tgtEl>
+                    <p:sldTgt/>
+                  </p:tgtEl>
+                </p:cond>
+              </p:prevCondLst>
+              <p:nextCondLst>
+                <p:cond evt="onNext" delay="0">
+                  <p:tgtEl>
+                    <p:sldTgt/>
+                  </p:tgtEl>
+                </p:cond>
+              </p:nextCondLst>
+            </p:seq>
+          </p:childTnLst>
+        </p:cTn>
       </p:par>
     </p:tnLst>
+    <p:bldLst>
+      <p:bldP spid="7" grpId="0" animBg="1"/>
+      <p:bldP spid="10" grpId="0" animBg="1"/>
+    </p:bldLst>
   </p:timing>
 </p:sld>
 </file>
@@ -18126,6 +21296,277 @@
   <p:clrMapOvr>
     <a:masterClrMapping/>
   </p:clrMapOvr>
+  <p:timing>
+    <p:tnLst>
+      <p:par>
+        <p:cTn id="1" dur="indefinite" restart="never" nodeType="tmRoot">
+          <p:childTnLst>
+            <p:seq concurrent="1" nextAc="seek">
+              <p:cTn id="2" dur="indefinite" nodeType="mainSeq">
+                <p:childTnLst>
+                  <p:par>
+                    <p:cTn id="3" fill="hold">
+                      <p:stCondLst>
+                        <p:cond delay="indefinite"/>
+                      </p:stCondLst>
+                      <p:childTnLst>
+                        <p:par>
+                          <p:cTn id="4" fill="hold">
+                            <p:stCondLst>
+                              <p:cond delay="0"/>
+                            </p:stCondLst>
+                            <p:childTnLst>
+                              <p:par>
+                                <p:cTn id="5" presetID="1" presetClass="entr" presetSubtype="0" fill="hold" nodeType="clickEffect">
+                                  <p:stCondLst>
+                                    <p:cond delay="0"/>
+                                  </p:stCondLst>
+                                  <p:childTnLst>
+                                    <p:set>
+                                      <p:cBhvr>
+                                        <p:cTn id="6" dur="1" fill="hold">
+                                          <p:stCondLst>
+                                            <p:cond delay="0"/>
+                                          </p:stCondLst>
+                                        </p:cTn>
+                                        <p:tgtEl>
+                                          <p:spTgt spid="3">
+                                            <p:txEl>
+                                              <p:pRg st="0" end="0"/>
+                                            </p:txEl>
+                                          </p:spTgt>
+                                        </p:tgtEl>
+                                        <p:attrNameLst>
+                                          <p:attrName>style.visibility</p:attrName>
+                                        </p:attrNameLst>
+                                      </p:cBhvr>
+                                      <p:to>
+                                        <p:strVal val="visible"/>
+                                      </p:to>
+                                    </p:set>
+                                  </p:childTnLst>
+                                </p:cTn>
+                              </p:par>
+                            </p:childTnLst>
+                          </p:cTn>
+                        </p:par>
+                      </p:childTnLst>
+                    </p:cTn>
+                  </p:par>
+                  <p:par>
+                    <p:cTn id="7" fill="hold">
+                      <p:stCondLst>
+                        <p:cond delay="indefinite"/>
+                      </p:stCondLst>
+                      <p:childTnLst>
+                        <p:par>
+                          <p:cTn id="8" fill="hold">
+                            <p:stCondLst>
+                              <p:cond delay="0"/>
+                            </p:stCondLst>
+                            <p:childTnLst>
+                              <p:par>
+                                <p:cTn id="9" presetID="1" presetClass="entr" presetSubtype="0" fill="hold" grpId="0" nodeType="clickEffect">
+                                  <p:stCondLst>
+                                    <p:cond delay="0"/>
+                                  </p:stCondLst>
+                                  <p:childTnLst>
+                                    <p:set>
+                                      <p:cBhvr>
+                                        <p:cTn id="10" dur="1" fill="hold">
+                                          <p:stCondLst>
+                                            <p:cond delay="0"/>
+                                          </p:stCondLst>
+                                        </p:cTn>
+                                        <p:tgtEl>
+                                          <p:spTgt spid="10"/>
+                                        </p:tgtEl>
+                                        <p:attrNameLst>
+                                          <p:attrName>style.visibility</p:attrName>
+                                        </p:attrNameLst>
+                                      </p:cBhvr>
+                                      <p:to>
+                                        <p:strVal val="visible"/>
+                                      </p:to>
+                                    </p:set>
+                                  </p:childTnLst>
+                                </p:cTn>
+                              </p:par>
+                            </p:childTnLst>
+                          </p:cTn>
+                        </p:par>
+                      </p:childTnLst>
+                    </p:cTn>
+                  </p:par>
+                  <p:par>
+                    <p:cTn id="11" fill="hold">
+                      <p:stCondLst>
+                        <p:cond delay="indefinite"/>
+                      </p:stCondLst>
+                      <p:childTnLst>
+                        <p:par>
+                          <p:cTn id="12" fill="hold">
+                            <p:stCondLst>
+                              <p:cond delay="0"/>
+                            </p:stCondLst>
+                            <p:childTnLst>
+                              <p:par>
+                                <p:cTn id="13" presetID="1" presetClass="entr" presetSubtype="0" fill="hold" grpId="0" nodeType="clickEffect">
+                                  <p:stCondLst>
+                                    <p:cond delay="0"/>
+                                  </p:stCondLst>
+                                  <p:childTnLst>
+                                    <p:set>
+                                      <p:cBhvr>
+                                        <p:cTn id="14" dur="1" fill="hold">
+                                          <p:stCondLst>
+                                            <p:cond delay="0"/>
+                                          </p:stCondLst>
+                                        </p:cTn>
+                                        <p:tgtEl>
+                                          <p:spTgt spid="7"/>
+                                        </p:tgtEl>
+                                        <p:attrNameLst>
+                                          <p:attrName>style.visibility</p:attrName>
+                                        </p:attrNameLst>
+                                      </p:cBhvr>
+                                      <p:to>
+                                        <p:strVal val="visible"/>
+                                      </p:to>
+                                    </p:set>
+                                  </p:childTnLst>
+                                </p:cTn>
+                              </p:par>
+                            </p:childTnLst>
+                          </p:cTn>
+                        </p:par>
+                      </p:childTnLst>
+                    </p:cTn>
+                  </p:par>
+                  <p:par>
+                    <p:cTn id="15" fill="hold">
+                      <p:stCondLst>
+                        <p:cond delay="indefinite"/>
+                      </p:stCondLst>
+                      <p:childTnLst>
+                        <p:par>
+                          <p:cTn id="16" fill="hold">
+                            <p:stCondLst>
+                              <p:cond delay="0"/>
+                            </p:stCondLst>
+                            <p:childTnLst>
+                              <p:par>
+                                <p:cTn id="17" presetID="1" presetClass="entr" presetSubtype="0" fill="hold" nodeType="clickEffect">
+                                  <p:stCondLst>
+                                    <p:cond delay="0"/>
+                                  </p:stCondLst>
+                                  <p:childTnLst>
+                                    <p:set>
+                                      <p:cBhvr>
+                                        <p:cTn id="18" dur="1" fill="hold">
+                                          <p:stCondLst>
+                                            <p:cond delay="0"/>
+                                          </p:stCondLst>
+                                        </p:cTn>
+                                        <p:tgtEl>
+                                          <p:spTgt spid="3">
+                                            <p:txEl>
+                                              <p:pRg st="1" end="1"/>
+                                            </p:txEl>
+                                          </p:spTgt>
+                                        </p:tgtEl>
+                                        <p:attrNameLst>
+                                          <p:attrName>style.visibility</p:attrName>
+                                        </p:attrNameLst>
+                                      </p:cBhvr>
+                                      <p:to>
+                                        <p:strVal val="visible"/>
+                                      </p:to>
+                                    </p:set>
+                                  </p:childTnLst>
+                                </p:cTn>
+                              </p:par>
+                            </p:childTnLst>
+                          </p:cTn>
+                        </p:par>
+                      </p:childTnLst>
+                    </p:cTn>
+                  </p:par>
+                  <p:par>
+                    <p:cTn id="19" fill="hold">
+                      <p:stCondLst>
+                        <p:cond delay="indefinite"/>
+                      </p:stCondLst>
+                      <p:childTnLst>
+                        <p:par>
+                          <p:cTn id="20" fill="hold">
+                            <p:stCondLst>
+                              <p:cond delay="0"/>
+                            </p:stCondLst>
+                            <p:childTnLst>
+                              <p:par>
+                                <p:cTn id="21" presetID="1" presetClass="entr" presetSubtype="0" fill="hold" nodeType="clickEffect">
+                                  <p:stCondLst>
+                                    <p:cond delay="0"/>
+                                  </p:stCondLst>
+                                  <p:childTnLst>
+                                    <p:set>
+                                      <p:cBhvr>
+                                        <p:cTn id="22" dur="1" fill="hold">
+                                          <p:stCondLst>
+                                            <p:cond delay="0"/>
+                                          </p:stCondLst>
+                                        </p:cTn>
+                                        <p:tgtEl>
+                                          <p:spTgt spid="3">
+                                            <p:txEl>
+                                              <p:pRg st="2" end="2"/>
+                                            </p:txEl>
+                                          </p:spTgt>
+                                        </p:tgtEl>
+                                        <p:attrNameLst>
+                                          <p:attrName>style.visibility</p:attrName>
+                                        </p:attrNameLst>
+                                      </p:cBhvr>
+                                      <p:to>
+                                        <p:strVal val="visible"/>
+                                      </p:to>
+                                    </p:set>
+                                  </p:childTnLst>
+                                </p:cTn>
+                              </p:par>
+                            </p:childTnLst>
+                          </p:cTn>
+                        </p:par>
+                      </p:childTnLst>
+                    </p:cTn>
+                  </p:par>
+                </p:childTnLst>
+              </p:cTn>
+              <p:prevCondLst>
+                <p:cond evt="onPrev" delay="0">
+                  <p:tgtEl>
+                    <p:sldTgt/>
+                  </p:tgtEl>
+                </p:cond>
+              </p:prevCondLst>
+              <p:nextCondLst>
+                <p:cond evt="onNext" delay="0">
+                  <p:tgtEl>
+                    <p:sldTgt/>
+                  </p:tgtEl>
+                </p:cond>
+              </p:nextCondLst>
+            </p:seq>
+          </p:childTnLst>
+        </p:cTn>
+      </p:par>
+    </p:tnLst>
+    <p:bldLst>
+      <p:bldP spid="7" grpId="0" animBg="1"/>
+      <p:bldP spid="10" grpId="0" animBg="1"/>
+    </p:bldLst>
+  </p:timing>
 </p:sld>
 </file>
 
@@ -19791,6 +23232,308 @@
   <p:clrMapOvr>
     <a:masterClrMapping/>
   </p:clrMapOvr>
+  <p:timing>
+    <p:tnLst>
+      <p:par>
+        <p:cTn id="1" dur="indefinite" restart="never" nodeType="tmRoot">
+          <p:childTnLst>
+            <p:seq concurrent="1" nextAc="seek">
+              <p:cTn id="2" dur="indefinite" nodeType="mainSeq">
+                <p:childTnLst>
+                  <p:par>
+                    <p:cTn id="3" fill="hold">
+                      <p:stCondLst>
+                        <p:cond delay="indefinite"/>
+                      </p:stCondLst>
+                      <p:childTnLst>
+                        <p:par>
+                          <p:cTn id="4" fill="hold">
+                            <p:stCondLst>
+                              <p:cond delay="0"/>
+                            </p:stCondLst>
+                            <p:childTnLst>
+                              <p:par>
+                                <p:cTn id="5" presetID="1" presetClass="entr" presetSubtype="0" fill="hold" nodeType="clickEffect">
+                                  <p:stCondLst>
+                                    <p:cond delay="0"/>
+                                  </p:stCondLst>
+                                  <p:childTnLst>
+                                    <p:set>
+                                      <p:cBhvr>
+                                        <p:cTn id="6" dur="1" fill="hold">
+                                          <p:stCondLst>
+                                            <p:cond delay="0"/>
+                                          </p:stCondLst>
+                                        </p:cTn>
+                                        <p:tgtEl>
+                                          <p:spTgt spid="6">
+                                            <p:txEl>
+                                              <p:pRg st="0" end="0"/>
+                                            </p:txEl>
+                                          </p:spTgt>
+                                        </p:tgtEl>
+                                        <p:attrNameLst>
+                                          <p:attrName>style.visibility</p:attrName>
+                                        </p:attrNameLst>
+                                      </p:cBhvr>
+                                      <p:to>
+                                        <p:strVal val="visible"/>
+                                      </p:to>
+                                    </p:set>
+                                  </p:childTnLst>
+                                </p:cTn>
+                              </p:par>
+                            </p:childTnLst>
+                          </p:cTn>
+                        </p:par>
+                      </p:childTnLst>
+                    </p:cTn>
+                  </p:par>
+                  <p:par>
+                    <p:cTn id="7" fill="hold">
+                      <p:stCondLst>
+                        <p:cond delay="indefinite"/>
+                      </p:stCondLst>
+                      <p:childTnLst>
+                        <p:par>
+                          <p:cTn id="8" fill="hold">
+                            <p:stCondLst>
+                              <p:cond delay="0"/>
+                            </p:stCondLst>
+                            <p:childTnLst>
+                              <p:par>
+                                <p:cTn id="9" presetID="1" presetClass="entr" presetSubtype="0" fill="hold" grpId="0" nodeType="clickEffect">
+                                  <p:stCondLst>
+                                    <p:cond delay="0"/>
+                                  </p:stCondLst>
+                                  <p:childTnLst>
+                                    <p:set>
+                                      <p:cBhvr>
+                                        <p:cTn id="10" dur="1" fill="hold">
+                                          <p:stCondLst>
+                                            <p:cond delay="0"/>
+                                          </p:stCondLst>
+                                        </p:cTn>
+                                        <p:tgtEl>
+                                          <p:spTgt spid="7"/>
+                                        </p:tgtEl>
+                                        <p:attrNameLst>
+                                          <p:attrName>style.visibility</p:attrName>
+                                        </p:attrNameLst>
+                                      </p:cBhvr>
+                                      <p:to>
+                                        <p:strVal val="visible"/>
+                                      </p:to>
+                                    </p:set>
+                                  </p:childTnLst>
+                                </p:cTn>
+                              </p:par>
+                            </p:childTnLst>
+                          </p:cTn>
+                        </p:par>
+                      </p:childTnLst>
+                    </p:cTn>
+                  </p:par>
+                  <p:par>
+                    <p:cTn id="11" fill="hold">
+                      <p:stCondLst>
+                        <p:cond delay="indefinite"/>
+                      </p:stCondLst>
+                      <p:childTnLst>
+                        <p:par>
+                          <p:cTn id="12" fill="hold">
+                            <p:stCondLst>
+                              <p:cond delay="0"/>
+                            </p:stCondLst>
+                            <p:childTnLst>
+                              <p:par>
+                                <p:cTn id="13" presetID="1" presetClass="entr" presetSubtype="0" fill="hold" nodeType="clickEffect">
+                                  <p:stCondLst>
+                                    <p:cond delay="0"/>
+                                  </p:stCondLst>
+                                  <p:childTnLst>
+                                    <p:set>
+                                      <p:cBhvr>
+                                        <p:cTn id="14" dur="1" fill="hold">
+                                          <p:stCondLst>
+                                            <p:cond delay="0"/>
+                                          </p:stCondLst>
+                                        </p:cTn>
+                                        <p:tgtEl>
+                                          <p:spTgt spid="6">
+                                            <p:txEl>
+                                              <p:pRg st="1" end="1"/>
+                                            </p:txEl>
+                                          </p:spTgt>
+                                        </p:tgtEl>
+                                        <p:attrNameLst>
+                                          <p:attrName>style.visibility</p:attrName>
+                                        </p:attrNameLst>
+                                      </p:cBhvr>
+                                      <p:to>
+                                        <p:strVal val="visible"/>
+                                      </p:to>
+                                    </p:set>
+                                  </p:childTnLst>
+                                </p:cTn>
+                              </p:par>
+                            </p:childTnLst>
+                          </p:cTn>
+                        </p:par>
+                      </p:childTnLst>
+                    </p:cTn>
+                  </p:par>
+                  <p:par>
+                    <p:cTn id="15" fill="hold">
+                      <p:stCondLst>
+                        <p:cond delay="indefinite"/>
+                      </p:stCondLst>
+                      <p:childTnLst>
+                        <p:par>
+                          <p:cTn id="16" fill="hold">
+                            <p:stCondLst>
+                              <p:cond delay="0"/>
+                            </p:stCondLst>
+                            <p:childTnLst>
+                              <p:par>
+                                <p:cTn id="17" presetID="1" presetClass="entr" presetSubtype="0" fill="hold" grpId="0" nodeType="clickEffect">
+                                  <p:stCondLst>
+                                    <p:cond delay="0"/>
+                                  </p:stCondLst>
+                                  <p:childTnLst>
+                                    <p:set>
+                                      <p:cBhvr>
+                                        <p:cTn id="18" dur="1" fill="hold">
+                                          <p:stCondLst>
+                                            <p:cond delay="0"/>
+                                          </p:stCondLst>
+                                        </p:cTn>
+                                        <p:tgtEl>
+                                          <p:spTgt spid="8"/>
+                                        </p:tgtEl>
+                                        <p:attrNameLst>
+                                          <p:attrName>style.visibility</p:attrName>
+                                        </p:attrNameLst>
+                                      </p:cBhvr>
+                                      <p:to>
+                                        <p:strVal val="visible"/>
+                                      </p:to>
+                                    </p:set>
+                                  </p:childTnLst>
+                                </p:cTn>
+                              </p:par>
+                            </p:childTnLst>
+                          </p:cTn>
+                        </p:par>
+                      </p:childTnLst>
+                    </p:cTn>
+                  </p:par>
+                  <p:par>
+                    <p:cTn id="19" fill="hold">
+                      <p:stCondLst>
+                        <p:cond delay="indefinite"/>
+                      </p:stCondLst>
+                      <p:childTnLst>
+                        <p:par>
+                          <p:cTn id="20" fill="hold">
+                            <p:stCondLst>
+                              <p:cond delay="0"/>
+                            </p:stCondLst>
+                            <p:childTnLst>
+                              <p:par>
+                                <p:cTn id="21" presetID="1" presetClass="entr" presetSubtype="0" fill="hold" nodeType="clickEffect">
+                                  <p:stCondLst>
+                                    <p:cond delay="0"/>
+                                  </p:stCondLst>
+                                  <p:childTnLst>
+                                    <p:set>
+                                      <p:cBhvr>
+                                        <p:cTn id="22" dur="1" fill="hold">
+                                          <p:stCondLst>
+                                            <p:cond delay="0"/>
+                                          </p:stCondLst>
+                                        </p:cTn>
+                                        <p:tgtEl>
+                                          <p:spTgt spid="6">
+                                            <p:txEl>
+                                              <p:pRg st="2" end="2"/>
+                                            </p:txEl>
+                                          </p:spTgt>
+                                        </p:tgtEl>
+                                        <p:attrNameLst>
+                                          <p:attrName>style.visibility</p:attrName>
+                                        </p:attrNameLst>
+                                      </p:cBhvr>
+                                      <p:to>
+                                        <p:strVal val="visible"/>
+                                      </p:to>
+                                    </p:set>
+                                  </p:childTnLst>
+                                </p:cTn>
+                              </p:par>
+                              <p:par>
+                                <p:cTn id="23" presetID="1" presetClass="entr" presetSubtype="0" fill="hold" nodeType="withEffect">
+                                  <p:stCondLst>
+                                    <p:cond delay="0"/>
+                                  </p:stCondLst>
+                                  <p:childTnLst>
+                                    <p:set>
+                                      <p:cBhvr>
+                                        <p:cTn id="24" dur="1" fill="hold">
+                                          <p:stCondLst>
+                                            <p:cond delay="0"/>
+                                          </p:stCondLst>
+                                        </p:cTn>
+                                        <p:tgtEl>
+                                          <p:spTgt spid="6">
+                                            <p:txEl>
+                                              <p:pRg st="3" end="3"/>
+                                            </p:txEl>
+                                          </p:spTgt>
+                                        </p:tgtEl>
+                                        <p:attrNameLst>
+                                          <p:attrName>style.visibility</p:attrName>
+                                        </p:attrNameLst>
+                                      </p:cBhvr>
+                                      <p:to>
+                                        <p:strVal val="visible"/>
+                                      </p:to>
+                                    </p:set>
+                                  </p:childTnLst>
+                                </p:cTn>
+                              </p:par>
+                            </p:childTnLst>
+                          </p:cTn>
+                        </p:par>
+                      </p:childTnLst>
+                    </p:cTn>
+                  </p:par>
+                </p:childTnLst>
+              </p:cTn>
+              <p:prevCondLst>
+                <p:cond evt="onPrev" delay="0">
+                  <p:tgtEl>
+                    <p:sldTgt/>
+                  </p:tgtEl>
+                </p:cond>
+              </p:prevCondLst>
+              <p:nextCondLst>
+                <p:cond evt="onNext" delay="0">
+                  <p:tgtEl>
+                    <p:sldTgt/>
+                  </p:tgtEl>
+                </p:cond>
+              </p:nextCondLst>
+            </p:seq>
+          </p:childTnLst>
+        </p:cTn>
+      </p:par>
+    </p:tnLst>
+    <p:bldLst>
+      <p:bldP spid="7" grpId="0" animBg="1"/>
+      <p:bldP spid="8" grpId="0" animBg="1"/>
+    </p:bldLst>
+  </p:timing>
 </p:sld>
 </file>
 
@@ -21092,9 +24835,129 @@
   <p:timing>
     <p:tnLst>
       <p:par>
-        <p:cTn id="1" dur="indefinite" restart="never" nodeType="tmRoot"/>
+        <p:cTn id="1" dur="indefinite" restart="never" nodeType="tmRoot">
+          <p:childTnLst>
+            <p:seq concurrent="1" nextAc="seek">
+              <p:cTn id="2" dur="indefinite" nodeType="mainSeq">
+                <p:childTnLst>
+                  <p:par>
+                    <p:cTn id="3" fill="hold">
+                      <p:stCondLst>
+                        <p:cond delay="indefinite"/>
+                      </p:stCondLst>
+                      <p:childTnLst>
+                        <p:par>
+                          <p:cTn id="4" fill="hold">
+                            <p:stCondLst>
+                              <p:cond delay="0"/>
+                            </p:stCondLst>
+                            <p:childTnLst>
+                              <p:par>
+                                <p:cTn id="5" presetID="1" presetClass="entr" presetSubtype="0" fill="hold" nodeType="clickEffect">
+                                  <p:stCondLst>
+                                    <p:cond delay="0"/>
+                                  </p:stCondLst>
+                                  <p:childTnLst>
+                                    <p:set>
+                                      <p:cBhvr>
+                                        <p:cTn id="6" dur="1" fill="hold">
+                                          <p:stCondLst>
+                                            <p:cond delay="0"/>
+                                          </p:stCondLst>
+                                        </p:cTn>
+                                        <p:tgtEl>
+                                          <p:spTgt spid="3">
+                                            <p:txEl>
+                                              <p:pRg st="0" end="0"/>
+                                            </p:txEl>
+                                          </p:spTgt>
+                                        </p:tgtEl>
+                                        <p:attrNameLst>
+                                          <p:attrName>style.visibility</p:attrName>
+                                        </p:attrNameLst>
+                                      </p:cBhvr>
+                                      <p:to>
+                                        <p:strVal val="visible"/>
+                                      </p:to>
+                                    </p:set>
+                                  </p:childTnLst>
+                                </p:cTn>
+                              </p:par>
+                            </p:childTnLst>
+                          </p:cTn>
+                        </p:par>
+                      </p:childTnLst>
+                    </p:cTn>
+                  </p:par>
+                  <p:par>
+                    <p:cTn id="7" fill="hold">
+                      <p:stCondLst>
+                        <p:cond delay="indefinite"/>
+                      </p:stCondLst>
+                      <p:childTnLst>
+                        <p:par>
+                          <p:cTn id="8" fill="hold">
+                            <p:stCondLst>
+                              <p:cond delay="0"/>
+                            </p:stCondLst>
+                            <p:childTnLst>
+                              <p:par>
+                                <p:cTn id="9" presetID="1" presetClass="entr" presetSubtype="0" fill="hold" grpId="0" nodeType="clickEffect">
+                                  <p:stCondLst>
+                                    <p:cond delay="0"/>
+                                  </p:stCondLst>
+                                  <p:childTnLst>
+                                    <p:set>
+                                      <p:cBhvr>
+                                        <p:cTn id="10" dur="1" fill="hold">
+                                          <p:stCondLst>
+                                            <p:cond delay="0"/>
+                                          </p:stCondLst>
+                                        </p:cTn>
+                                        <p:tgtEl>
+                                          <p:spTgt spid="4"/>
+                                        </p:tgtEl>
+                                        <p:attrNameLst>
+                                          <p:attrName>style.visibility</p:attrName>
+                                        </p:attrNameLst>
+                                      </p:cBhvr>
+                                      <p:to>
+                                        <p:strVal val="visible"/>
+                                      </p:to>
+                                    </p:set>
+                                  </p:childTnLst>
+                                </p:cTn>
+                              </p:par>
+                            </p:childTnLst>
+                          </p:cTn>
+                        </p:par>
+                      </p:childTnLst>
+                    </p:cTn>
+                  </p:par>
+                </p:childTnLst>
+              </p:cTn>
+              <p:prevCondLst>
+                <p:cond evt="onPrev" delay="0">
+                  <p:tgtEl>
+                    <p:sldTgt/>
+                  </p:tgtEl>
+                </p:cond>
+              </p:prevCondLst>
+              <p:nextCondLst>
+                <p:cond evt="onNext" delay="0">
+                  <p:tgtEl>
+                    <p:sldTgt/>
+                  </p:tgtEl>
+                </p:cond>
+              </p:nextCondLst>
+            </p:seq>
+          </p:childTnLst>
+        </p:cTn>
       </p:par>
     </p:tnLst>
+    <p:bldLst>
+      <p:bldP spid="4" grpId="0" animBg="1"/>
+    </p:bldLst>
   </p:timing>
 </p:sld>
 </file>
@@ -22193,9 +26056,276 @@
   <p:timing>
     <p:tnLst>
       <p:par>
-        <p:cTn id="1" dur="indefinite" restart="never" nodeType="tmRoot"/>
+        <p:cTn id="1" dur="indefinite" restart="never" nodeType="tmRoot">
+          <p:childTnLst>
+            <p:seq concurrent="1" nextAc="seek">
+              <p:cTn id="2" dur="indefinite" nodeType="mainSeq">
+                <p:childTnLst>
+                  <p:par>
+                    <p:cTn id="3" fill="hold">
+                      <p:stCondLst>
+                        <p:cond delay="indefinite"/>
+                      </p:stCondLst>
+                      <p:childTnLst>
+                        <p:par>
+                          <p:cTn id="4" fill="hold">
+                            <p:stCondLst>
+                              <p:cond delay="0"/>
+                            </p:stCondLst>
+                            <p:childTnLst>
+                              <p:par>
+                                <p:cTn id="5" presetID="1" presetClass="entr" presetSubtype="0" fill="hold" nodeType="clickEffect">
+                                  <p:stCondLst>
+                                    <p:cond delay="0"/>
+                                  </p:stCondLst>
+                                  <p:childTnLst>
+                                    <p:set>
+                                      <p:cBhvr>
+                                        <p:cTn id="6" dur="1" fill="hold">
+                                          <p:stCondLst>
+                                            <p:cond delay="0"/>
+                                          </p:stCondLst>
+                                        </p:cTn>
+                                        <p:tgtEl>
+                                          <p:spTgt spid="3">
+                                            <p:txEl>
+                                              <p:pRg st="0" end="0"/>
+                                            </p:txEl>
+                                          </p:spTgt>
+                                        </p:tgtEl>
+                                        <p:attrNameLst>
+                                          <p:attrName>style.visibility</p:attrName>
+                                        </p:attrNameLst>
+                                      </p:cBhvr>
+                                      <p:to>
+                                        <p:strVal val="visible"/>
+                                      </p:to>
+                                    </p:set>
+                                  </p:childTnLst>
+                                </p:cTn>
+                              </p:par>
+                            </p:childTnLst>
+                          </p:cTn>
+                        </p:par>
+                      </p:childTnLst>
+                    </p:cTn>
+                  </p:par>
+                  <p:par>
+                    <p:cTn id="7" fill="hold">
+                      <p:stCondLst>
+                        <p:cond delay="indefinite"/>
+                      </p:stCondLst>
+                      <p:childTnLst>
+                        <p:par>
+                          <p:cTn id="8" fill="hold">
+                            <p:stCondLst>
+                              <p:cond delay="0"/>
+                            </p:stCondLst>
+                            <p:childTnLst>
+                              <p:par>
+                                <p:cTn id="9" presetID="1" presetClass="entr" presetSubtype="0" fill="hold" grpId="0" nodeType="clickEffect">
+                                  <p:stCondLst>
+                                    <p:cond delay="0"/>
+                                  </p:stCondLst>
+                                  <p:childTnLst>
+                                    <p:set>
+                                      <p:cBhvr>
+                                        <p:cTn id="10" dur="1" fill="hold">
+                                          <p:stCondLst>
+                                            <p:cond delay="0"/>
+                                          </p:stCondLst>
+                                        </p:cTn>
+                                        <p:tgtEl>
+                                          <p:spTgt spid="4"/>
+                                        </p:tgtEl>
+                                        <p:attrNameLst>
+                                          <p:attrName>style.visibility</p:attrName>
+                                        </p:attrNameLst>
+                                      </p:cBhvr>
+                                      <p:to>
+                                        <p:strVal val="visible"/>
+                                      </p:to>
+                                    </p:set>
+                                  </p:childTnLst>
+                                </p:cTn>
+                              </p:par>
+                            </p:childTnLst>
+                          </p:cTn>
+                        </p:par>
+                      </p:childTnLst>
+                    </p:cTn>
+                  </p:par>
+                  <p:par>
+                    <p:cTn id="11" fill="hold">
+                      <p:stCondLst>
+                        <p:cond delay="indefinite"/>
+                      </p:stCondLst>
+                      <p:childTnLst>
+                        <p:par>
+                          <p:cTn id="12" fill="hold">
+                            <p:stCondLst>
+                              <p:cond delay="0"/>
+                            </p:stCondLst>
+                            <p:childTnLst>
+                              <p:par>
+                                <p:cTn id="13" presetID="1" presetClass="entr" presetSubtype="0" fill="hold" nodeType="clickEffect">
+                                  <p:stCondLst>
+                                    <p:cond delay="0"/>
+                                  </p:stCondLst>
+                                  <p:childTnLst>
+                                    <p:set>
+                                      <p:cBhvr>
+                                        <p:cTn id="14" dur="1" fill="hold">
+                                          <p:stCondLst>
+                                            <p:cond delay="0"/>
+                                          </p:stCondLst>
+                                        </p:cTn>
+                                        <p:tgtEl>
+                                          <p:spTgt spid="3">
+                                            <p:txEl>
+                                              <p:pRg st="1" end="1"/>
+                                            </p:txEl>
+                                          </p:spTgt>
+                                        </p:tgtEl>
+                                        <p:attrNameLst>
+                                          <p:attrName>style.visibility</p:attrName>
+                                        </p:attrNameLst>
+                                      </p:cBhvr>
+                                      <p:to>
+                                        <p:strVal val="visible"/>
+                                      </p:to>
+                                    </p:set>
+                                  </p:childTnLst>
+                                </p:cTn>
+                              </p:par>
+                            </p:childTnLst>
+                          </p:cTn>
+                        </p:par>
+                      </p:childTnLst>
+                    </p:cTn>
+                  </p:par>
+                  <p:par>
+                    <p:cTn id="15" fill="hold">
+                      <p:stCondLst>
+                        <p:cond delay="indefinite"/>
+                      </p:stCondLst>
+                      <p:childTnLst>
+                        <p:par>
+                          <p:cTn id="16" fill="hold">
+                            <p:stCondLst>
+                              <p:cond delay="0"/>
+                            </p:stCondLst>
+                            <p:childTnLst>
+                              <p:par>
+                                <p:cTn id="17" presetID="1" presetClass="entr" presetSubtype="0" fill="hold" nodeType="clickEffect">
+                                  <p:stCondLst>
+                                    <p:cond delay="0"/>
+                                  </p:stCondLst>
+                                  <p:childTnLst>
+                                    <p:set>
+                                      <p:cBhvr>
+                                        <p:cTn id="18" dur="1" fill="hold">
+                                          <p:stCondLst>
+                                            <p:cond delay="0"/>
+                                          </p:stCondLst>
+                                        </p:cTn>
+                                        <p:tgtEl>
+                                          <p:spTgt spid="3">
+                                            <p:txEl>
+                                              <p:pRg st="3" end="3"/>
+                                            </p:txEl>
+                                          </p:spTgt>
+                                        </p:tgtEl>
+                                        <p:attrNameLst>
+                                          <p:attrName>style.visibility</p:attrName>
+                                        </p:attrNameLst>
+                                      </p:cBhvr>
+                                      <p:to>
+                                        <p:strVal val="visible"/>
+                                      </p:to>
+                                    </p:set>
+                                  </p:childTnLst>
+                                </p:cTn>
+                              </p:par>
+                            </p:childTnLst>
+                          </p:cTn>
+                        </p:par>
+                      </p:childTnLst>
+                    </p:cTn>
+                  </p:par>
+                  <p:par>
+                    <p:cTn id="19" fill="hold">
+                      <p:stCondLst>
+                        <p:cond delay="indefinite"/>
+                      </p:stCondLst>
+                      <p:childTnLst>
+                        <p:par>
+                          <p:cTn id="20" fill="hold">
+                            <p:stCondLst>
+                              <p:cond delay="0"/>
+                            </p:stCondLst>
+                            <p:childTnLst>
+                              <p:par>
+                                <p:cTn id="21" presetID="1" presetClass="entr" presetSubtype="0" fill="hold" nodeType="clickEffect">
+                                  <p:stCondLst>
+                                    <p:cond delay="0"/>
+                                  </p:stCondLst>
+                                  <p:childTnLst>
+                                    <p:set>
+                                      <p:cBhvr>
+                                        <p:cTn id="22" dur="1" fill="hold">
+                                          <p:stCondLst>
+                                            <p:cond delay="0"/>
+                                          </p:stCondLst>
+                                        </p:cTn>
+                                        <p:tgtEl>
+                                          <p:spTgt spid="3">
+                                            <p:txEl>
+                                              <p:pRg st="5" end="5"/>
+                                            </p:txEl>
+                                          </p:spTgt>
+                                        </p:tgtEl>
+                                        <p:attrNameLst>
+                                          <p:attrName>style.visibility</p:attrName>
+                                        </p:attrNameLst>
+                                      </p:cBhvr>
+                                      <p:to>
+                                        <p:strVal val="visible"/>
+                                      </p:to>
+                                    </p:set>
+                                  </p:childTnLst>
+                                </p:cTn>
+                              </p:par>
+                            </p:childTnLst>
+                          </p:cTn>
+                        </p:par>
+                      </p:childTnLst>
+                    </p:cTn>
+                  </p:par>
+                </p:childTnLst>
+              </p:cTn>
+              <p:prevCondLst>
+                <p:cond evt="onPrev" delay="0">
+                  <p:tgtEl>
+                    <p:sldTgt/>
+                  </p:tgtEl>
+                </p:cond>
+              </p:prevCondLst>
+              <p:nextCondLst>
+                <p:cond evt="onNext" delay="0">
+                  <p:tgtEl>
+                    <p:sldTgt/>
+                  </p:tgtEl>
+                </p:cond>
+              </p:nextCondLst>
+            </p:seq>
+          </p:childTnLst>
+        </p:cTn>
       </p:par>
     </p:tnLst>
+    <p:bldLst>
+      <p:bldP spid="4" grpId="0" animBg="1"/>
+    </p:bldLst>
   </p:timing>
 </p:sld>
 </file>
@@ -22265,6 +26395,13 @@
   <p:clrMapOvr>
     <a:masterClrMapping/>
   </p:clrMapOvr>
+  <p:timing>
+    <p:tnLst>
+      <p:par>
+        <p:cTn id="1" dur="indefinite" restart="never" nodeType="tmRoot"/>
+      </p:par>
+    </p:tnLst>
+  </p:timing>
 </p:sld>
 </file>
 
